--- a/lectures/050_git_version_control/Why do you need version control.pptx
+++ b/lectures/050_git_version_control/Why do you need version control.pptx
@@ -25,9 +25,10 @@
     <p:sldId id="273" r:id="rId19"/>
     <p:sldId id="274" r:id="rId20"/>
     <p:sldId id="277" r:id="rId21"/>
-    <p:sldId id="278" r:id="rId22"/>
-    <p:sldId id="275" r:id="rId23"/>
-    <p:sldId id="276" r:id="rId24"/>
+    <p:sldId id="279" r:id="rId22"/>
+    <p:sldId id="278" r:id="rId23"/>
+    <p:sldId id="275" r:id="rId24"/>
+    <p:sldId id="276" r:id="rId25"/>
   </p:sldIdLst>
   <p:sldSz cx="12192000" cy="6858000"/>
   <p:notesSz cx="6858000" cy="9144000"/>
@@ -126,13 +127,18 @@
       </a:defRPr>
     </a:lvl9pPr>
   </p:defaultTextStyle>
+  <p:extLst>
+    <p:ext uri="{EFAFB233-063F-42B5-8137-9DF3F51BA10A}">
+      <p15:sldGuideLst xmlns:p15="http://schemas.microsoft.com/office/powerpoint/2012/main"/>
+    </p:ext>
+  </p:extLst>
 </p:presentation>
 </file>
 
 <file path=ppt/revisionInfo.xml><?xml version="1.0" encoding="utf-8"?>
 <p1510:revInfo xmlns:a="http://schemas.openxmlformats.org/drawingml/2006/main" xmlns:r="http://schemas.openxmlformats.org/officeDocument/2006/relationships" xmlns:p1510="http://schemas.microsoft.com/office/powerpoint/2015/10/main">
   <p1510:revLst>
-    <p1510:client id="{D58A60B7-084E-45CF-BD23-7CA072B788BD}" v="49" dt="2024-01-17T17:29:28.648"/>
+    <p1510:client id="{D58A60B7-084E-45CF-BD23-7CA072B788BD}" v="56" dt="2024-01-17T17:45:07.799"/>
   </p1510:revLst>
 </p1510:revInfo>
 </file>
@@ -141,8 +147,8 @@
 <pc:chgInfo xmlns:a="http://schemas.openxmlformats.org/drawingml/2006/main" xmlns:r="http://schemas.openxmlformats.org/officeDocument/2006/relationships" xmlns:ac="http://schemas.microsoft.com/office/drawing/2013/main/command" xmlns:pc="http://schemas.microsoft.com/office/powerpoint/2013/main/command">
   <pc:docChgLst>
     <pc:chgData name="Shahbaz Chaudhary" userId="fef21e47db54da50" providerId="LiveId" clId="{D58A60B7-084E-45CF-BD23-7CA072B788BD}"/>
-    <pc:docChg chg="custSel addSld delSld modSld sldOrd modMainMaster">
-      <pc:chgData name="Shahbaz Chaudhary" userId="fef21e47db54da50" providerId="LiveId" clId="{D58A60B7-084E-45CF-BD23-7CA072B788BD}" dt="2024-01-17T17:33:56.819" v="2098" actId="1076"/>
+    <pc:docChg chg="undo custSel addSld delSld modSld sldOrd modMainMaster">
+      <pc:chgData name="Shahbaz Chaudhary" userId="fef21e47db54da50" providerId="LiveId" clId="{D58A60B7-084E-45CF-BD23-7CA072B788BD}" dt="2024-01-17T17:48:28.109" v="2811" actId="313"/>
       <pc:docMkLst>
         <pc:docMk/>
       </pc:docMkLst>
@@ -848,13 +854,13 @@
         </pc:cxnChg>
       </pc:sldChg>
       <pc:sldChg chg="addSp modSp new mod">
-        <pc:chgData name="Shahbaz Chaudhary" userId="fef21e47db54da50" providerId="LiveId" clId="{D58A60B7-084E-45CF-BD23-7CA072B788BD}" dt="2024-01-17T17:33:56.819" v="2098" actId="1076"/>
+        <pc:chgData name="Shahbaz Chaudhary" userId="fef21e47db54da50" providerId="LiveId" clId="{D58A60B7-084E-45CF-BD23-7CA072B788BD}" dt="2024-01-17T17:40:38.225" v="2258" actId="20577"/>
         <pc:sldMkLst>
           <pc:docMk/>
           <pc:sldMk cId="3977715652" sldId="278"/>
         </pc:sldMkLst>
         <pc:spChg chg="mod">
-          <ac:chgData name="Shahbaz Chaudhary" userId="fef21e47db54da50" providerId="LiveId" clId="{D58A60B7-084E-45CF-BD23-7CA072B788BD}" dt="2024-01-17T17:28:18.832" v="1796" actId="2711"/>
+          <ac:chgData name="Shahbaz Chaudhary" userId="fef21e47db54da50" providerId="LiveId" clId="{D58A60B7-084E-45CF-BD23-7CA072B788BD}" dt="2024-01-17T17:38:01.651" v="2136" actId="20577"/>
           <ac:spMkLst>
             <pc:docMk/>
             <pc:sldMk cId="3977715652" sldId="278"/>
@@ -862,19 +868,114 @@
           </ac:spMkLst>
         </pc:spChg>
         <pc:spChg chg="add mod">
-          <ac:chgData name="Shahbaz Chaudhary" userId="fef21e47db54da50" providerId="LiveId" clId="{D58A60B7-084E-45CF-BD23-7CA072B788BD}" dt="2024-01-17T17:31:46.267" v="2095" actId="113"/>
+          <ac:chgData name="Shahbaz Chaudhary" userId="fef21e47db54da50" providerId="LiveId" clId="{D58A60B7-084E-45CF-BD23-7CA072B788BD}" dt="2024-01-17T17:39:04.326" v="2144" actId="1076"/>
           <ac:spMkLst>
             <pc:docMk/>
             <pc:sldMk cId="3977715652" sldId="278"/>
             <ac:spMk id="3" creationId="{E19DCBD9-6321-0818-3D62-1148817A0583}"/>
           </ac:spMkLst>
         </pc:spChg>
+        <pc:spChg chg="add mod">
+          <ac:chgData name="Shahbaz Chaudhary" userId="fef21e47db54da50" providerId="LiveId" clId="{D58A60B7-084E-45CF-BD23-7CA072B788BD}" dt="2024-01-17T17:38:55.988" v="2141" actId="1076"/>
+          <ac:spMkLst>
+            <pc:docMk/>
+            <pc:sldMk cId="3977715652" sldId="278"/>
+            <ac:spMk id="7" creationId="{93E61358-0533-3AA7-1196-016CBFFE4947}"/>
+          </ac:spMkLst>
+        </pc:spChg>
+        <pc:spChg chg="add mod">
+          <ac:chgData name="Shahbaz Chaudhary" userId="fef21e47db54da50" providerId="LiveId" clId="{D58A60B7-084E-45CF-BD23-7CA072B788BD}" dt="2024-01-17T17:39:21.890" v="2190" actId="1076"/>
+          <ac:spMkLst>
+            <pc:docMk/>
+            <pc:sldMk cId="3977715652" sldId="278"/>
+            <ac:spMk id="8" creationId="{BA547222-6DC6-6AFA-51B5-AFD6ADF7A6A1}"/>
+          </ac:spMkLst>
+        </pc:spChg>
+        <pc:spChg chg="add mod">
+          <ac:chgData name="Shahbaz Chaudhary" userId="fef21e47db54da50" providerId="LiveId" clId="{D58A60B7-084E-45CF-BD23-7CA072B788BD}" dt="2024-01-17T17:40:16.750" v="2233" actId="1076"/>
+          <ac:spMkLst>
+            <pc:docMk/>
+            <pc:sldMk cId="3977715652" sldId="278"/>
+            <ac:spMk id="9" creationId="{1506BA93-CE1B-72EE-5D73-9316E065EF3E}"/>
+          </ac:spMkLst>
+        </pc:spChg>
+        <pc:spChg chg="add mod">
+          <ac:chgData name="Shahbaz Chaudhary" userId="fef21e47db54da50" providerId="LiveId" clId="{D58A60B7-084E-45CF-BD23-7CA072B788BD}" dt="2024-01-17T17:40:38.225" v="2258" actId="20577"/>
+          <ac:spMkLst>
+            <pc:docMk/>
+            <pc:sldMk cId="3977715652" sldId="278"/>
+            <ac:spMk id="10" creationId="{6B3BAD01-8E32-6198-0C15-EFD6AF7AA060}"/>
+          </ac:spMkLst>
+        </pc:spChg>
         <pc:picChg chg="add mod">
-          <ac:chgData name="Shahbaz Chaudhary" userId="fef21e47db54da50" providerId="LiveId" clId="{D58A60B7-084E-45CF-BD23-7CA072B788BD}" dt="2024-01-17T17:33:56.819" v="2098" actId="1076"/>
+          <ac:chgData name="Shahbaz Chaudhary" userId="fef21e47db54da50" providerId="LiveId" clId="{D58A60B7-084E-45CF-BD23-7CA072B788BD}" dt="2024-01-17T17:36:17.910" v="2109" actId="14100"/>
           <ac:picMkLst>
             <pc:docMk/>
             <pc:sldMk cId="3977715652" sldId="278"/>
             <ac:picMk id="5" creationId="{E2A7C0B9-D3F8-55E0-FA11-E152E5DFB682}"/>
+          </ac:picMkLst>
+        </pc:picChg>
+        <pc:picChg chg="add mod">
+          <ac:chgData name="Shahbaz Chaudhary" userId="fef21e47db54da50" providerId="LiveId" clId="{D58A60B7-084E-45CF-BD23-7CA072B788BD}" dt="2024-01-17T17:36:36.645" v="2112" actId="1076"/>
+          <ac:picMkLst>
+            <pc:docMk/>
+            <pc:sldMk cId="3977715652" sldId="278"/>
+            <ac:picMk id="6" creationId="{825A8E14-471B-1FF5-E71E-F9F7A6C351D5}"/>
+          </ac:picMkLst>
+        </pc:picChg>
+      </pc:sldChg>
+      <pc:sldChg chg="addSp modSp new mod">
+        <pc:chgData name="Shahbaz Chaudhary" userId="fef21e47db54da50" providerId="LiveId" clId="{D58A60B7-084E-45CF-BD23-7CA072B788BD}" dt="2024-01-17T17:48:28.109" v="2811" actId="313"/>
+        <pc:sldMkLst>
+          <pc:docMk/>
+          <pc:sldMk cId="2641454909" sldId="279"/>
+        </pc:sldMkLst>
+        <pc:spChg chg="mod">
+          <ac:chgData name="Shahbaz Chaudhary" userId="fef21e47db54da50" providerId="LiveId" clId="{D58A60B7-084E-45CF-BD23-7CA072B788BD}" dt="2024-01-17T17:41:50.762" v="2302" actId="20577"/>
+          <ac:spMkLst>
+            <pc:docMk/>
+            <pc:sldMk cId="2641454909" sldId="279"/>
+            <ac:spMk id="2" creationId="{EDFB0D80-CB44-017A-52D2-68B27A2943CC}"/>
+          </ac:spMkLst>
+        </pc:spChg>
+        <pc:spChg chg="add mod">
+          <ac:chgData name="Shahbaz Chaudhary" userId="fef21e47db54da50" providerId="LiveId" clId="{D58A60B7-084E-45CF-BD23-7CA072B788BD}" dt="2024-01-17T17:48:28.109" v="2811" actId="313"/>
+          <ac:spMkLst>
+            <pc:docMk/>
+            <pc:sldMk cId="2641454909" sldId="279"/>
+            <ac:spMk id="10" creationId="{2DE1C7C9-7D41-2C76-9272-795E6936EEAA}"/>
+          </ac:spMkLst>
+        </pc:spChg>
+        <pc:picChg chg="add mod">
+          <ac:chgData name="Shahbaz Chaudhary" userId="fef21e47db54da50" providerId="LiveId" clId="{D58A60B7-084E-45CF-BD23-7CA072B788BD}" dt="2024-01-17T17:44:57.842" v="2446" actId="1038"/>
+          <ac:picMkLst>
+            <pc:docMk/>
+            <pc:sldMk cId="2641454909" sldId="279"/>
+            <ac:picMk id="4" creationId="{84F241CF-3E45-A0CA-C5EC-2C4D43DAD2BF}"/>
+          </ac:picMkLst>
+        </pc:picChg>
+        <pc:picChg chg="add mod">
+          <ac:chgData name="Shahbaz Chaudhary" userId="fef21e47db54da50" providerId="LiveId" clId="{D58A60B7-084E-45CF-BD23-7CA072B788BD}" dt="2024-01-17T17:44:57.842" v="2446" actId="1038"/>
+          <ac:picMkLst>
+            <pc:docMk/>
+            <pc:sldMk cId="2641454909" sldId="279"/>
+            <ac:picMk id="6" creationId="{88376052-85DA-F9BC-A2E9-DA3BB743E474}"/>
+          </ac:picMkLst>
+        </pc:picChg>
+        <pc:picChg chg="add mod">
+          <ac:chgData name="Shahbaz Chaudhary" userId="fef21e47db54da50" providerId="LiveId" clId="{D58A60B7-084E-45CF-BD23-7CA072B788BD}" dt="2024-01-17T17:44:57.842" v="2446" actId="1038"/>
+          <ac:picMkLst>
+            <pc:docMk/>
+            <pc:sldMk cId="2641454909" sldId="279"/>
+            <ac:picMk id="8" creationId="{339CD682-116A-7DE8-C3CD-CBD644758A42}"/>
+          </ac:picMkLst>
+        </pc:picChg>
+        <pc:picChg chg="add mod">
+          <ac:chgData name="Shahbaz Chaudhary" userId="fef21e47db54da50" providerId="LiveId" clId="{D58A60B7-084E-45CF-BD23-7CA072B788BD}" dt="2024-01-17T17:44:57.842" v="2446" actId="1038"/>
+          <ac:picMkLst>
+            <pc:docMk/>
+            <pc:sldMk cId="2641454909" sldId="279"/>
+            <ac:picMk id="9" creationId="{A23156BD-A6DB-8B49-6E65-D657C163D54D}"/>
           </ac:picMkLst>
         </pc:picChg>
       </pc:sldChg>
@@ -1197,7 +1298,7 @@
           <a:p>
             <a:fld id="{736637C2-0074-4FEF-AEBC-2720ADB5AC51}" type="datetimeFigureOut">
               <a:rPr lang="en-US" smtClean="0"/>
-              <a:t>1/16/2024</a:t>
+              <a:t>1/17/2024</a:t>
             </a:fld>
             <a:endParaRPr lang="en-US"/>
           </a:p>
@@ -1427,7 +1528,7 @@
           <a:p>
             <a:fld id="{736637C2-0074-4FEF-AEBC-2720ADB5AC51}" type="datetimeFigureOut">
               <a:rPr lang="en-US" smtClean="0"/>
-              <a:t>1/16/2024</a:t>
+              <a:t>1/17/2024</a:t>
             </a:fld>
             <a:endParaRPr lang="en-US"/>
           </a:p>
@@ -1667,7 +1768,7 @@
           <a:p>
             <a:fld id="{736637C2-0074-4FEF-AEBC-2720ADB5AC51}" type="datetimeFigureOut">
               <a:rPr lang="en-US" smtClean="0"/>
-              <a:t>1/16/2024</a:t>
+              <a:t>1/17/2024</a:t>
             </a:fld>
             <a:endParaRPr lang="en-US"/>
           </a:p>
@@ -1897,7 +1998,7 @@
           <a:p>
             <a:fld id="{736637C2-0074-4FEF-AEBC-2720ADB5AC51}" type="datetimeFigureOut">
               <a:rPr lang="en-US" smtClean="0"/>
-              <a:t>1/16/2024</a:t>
+              <a:t>1/17/2024</a:t>
             </a:fld>
             <a:endParaRPr lang="en-US"/>
           </a:p>
@@ -2149,7 +2250,7 @@
           <a:p>
             <a:fld id="{736637C2-0074-4FEF-AEBC-2720ADB5AC51}" type="datetimeFigureOut">
               <a:rPr lang="en-US" smtClean="0"/>
-              <a:t>1/16/2024</a:t>
+              <a:t>1/17/2024</a:t>
             </a:fld>
             <a:endParaRPr lang="en-US"/>
           </a:p>
@@ -2381,7 +2482,7 @@
           <a:p>
             <a:fld id="{736637C2-0074-4FEF-AEBC-2720ADB5AC51}" type="datetimeFigureOut">
               <a:rPr lang="en-US" smtClean="0"/>
-              <a:t>1/16/2024</a:t>
+              <a:t>1/17/2024</a:t>
             </a:fld>
             <a:endParaRPr lang="en-US"/>
           </a:p>
@@ -2748,7 +2849,7 @@
           <a:p>
             <a:fld id="{736637C2-0074-4FEF-AEBC-2720ADB5AC51}" type="datetimeFigureOut">
               <a:rPr lang="en-US" smtClean="0"/>
-              <a:t>1/16/2024</a:t>
+              <a:t>1/17/2024</a:t>
             </a:fld>
             <a:endParaRPr lang="en-US"/>
           </a:p>
@@ -2876,7 +2977,7 @@
           <a:p>
             <a:fld id="{736637C2-0074-4FEF-AEBC-2720ADB5AC51}" type="datetimeFigureOut">
               <a:rPr lang="en-US" smtClean="0"/>
-              <a:t>1/16/2024</a:t>
+              <a:t>1/17/2024</a:t>
             </a:fld>
             <a:endParaRPr lang="en-US"/>
           </a:p>
@@ -2971,7 +3072,7 @@
           <a:p>
             <a:fld id="{736637C2-0074-4FEF-AEBC-2720ADB5AC51}" type="datetimeFigureOut">
               <a:rPr lang="en-US" smtClean="0"/>
-              <a:t>1/16/2024</a:t>
+              <a:t>1/17/2024</a:t>
             </a:fld>
             <a:endParaRPr lang="en-US"/>
           </a:p>
@@ -3248,7 +3349,7 @@
           <a:p>
             <a:fld id="{736637C2-0074-4FEF-AEBC-2720ADB5AC51}" type="datetimeFigureOut">
               <a:rPr lang="en-US" smtClean="0"/>
-              <a:t>1/16/2024</a:t>
+              <a:t>1/17/2024</a:t>
             </a:fld>
             <a:endParaRPr lang="en-US"/>
           </a:p>
@@ -3505,7 +3606,7 @@
           <a:p>
             <a:fld id="{736637C2-0074-4FEF-AEBC-2720ADB5AC51}" type="datetimeFigureOut">
               <a:rPr lang="en-US" smtClean="0"/>
-              <a:t>1/16/2024</a:t>
+              <a:t>1/17/2024</a:t>
             </a:fld>
             <a:endParaRPr lang="en-US"/>
           </a:p>
@@ -3721,7 +3822,7 @@
           <a:p>
             <a:fld id="{736637C2-0074-4FEF-AEBC-2720ADB5AC51}" type="datetimeFigureOut">
               <a:rPr lang="en-US" smtClean="0"/>
-              <a:t>1/16/2024</a:t>
+              <a:t>1/17/2024</a:t>
             </a:fld>
             <a:endParaRPr lang="en-US"/>
           </a:p>
@@ -11177,7 +11278,7 @@
           <p:cNvPr id="2" name="Title 1">
             <a:extLst>
               <a:ext uri="{FF2B5EF4-FFF2-40B4-BE49-F238E27FC236}">
-                <a16:creationId xmlns:a16="http://schemas.microsoft.com/office/drawing/2014/main" id="{E40F824C-9119-D7CE-F06B-052C347712BF}"/>
+                <a16:creationId xmlns:a16="http://schemas.microsoft.com/office/drawing/2014/main" id="{EDFB0D80-CB44-017A-52D2-68B27A2943CC}"/>
               </a:ext>
             </a:extLst>
           </p:cNvPr>
@@ -11195,110 +11296,25 @@
           <a:p>
             <a:r>
               <a:rPr lang="en-US" dirty="0"/>
-              <a:t>Create a repo and </a:t>
-            </a:r>
-            <a:r>
-              <a:rPr lang="en-US" dirty="0">
-                <a:latin typeface="Consolas" panose="020B0609020204030204" pitchFamily="49" charset="0"/>
-              </a:rPr>
-              <a:t>git push </a:t>
+              <a:t>Git is a </a:t>
+            </a:r>
+            <a:r>
+              <a:rPr lang="en-US" i="1" dirty="0"/>
+              <a:t>distributed</a:t>
             </a:r>
             <a:r>
               <a:rPr lang="en-US" dirty="0"/>
-              <a:t>to it</a:t>
-            </a:r>
-          </a:p>
-        </p:txBody>
-      </p:sp>
-      <p:sp>
-        <p:nvSpPr>
-          <p:cNvPr id="3" name="TextBox 2">
-            <a:extLst>
-              <a:ext uri="{FF2B5EF4-FFF2-40B4-BE49-F238E27FC236}">
-                <a16:creationId xmlns:a16="http://schemas.microsoft.com/office/drawing/2014/main" id="{E19DCBD9-6321-0818-3D62-1148817A0583}"/>
-              </a:ext>
-            </a:extLst>
-          </p:cNvPr>
-          <p:cNvSpPr txBox="1"/>
-          <p:nvPr/>
-        </p:nvSpPr>
-        <p:spPr>
-          <a:xfrm>
-            <a:off x="956930" y="1828800"/>
-            <a:ext cx="10134506" cy="2031325"/>
-          </a:xfrm>
-          <a:prstGeom prst="rect">
-            <a:avLst/>
-          </a:prstGeom>
-          <a:noFill/>
-        </p:spPr>
-        <p:txBody>
-          <a:bodyPr wrap="none" rtlCol="0">
-            <a:spAutoFit/>
-          </a:bodyPr>
-          <a:lstStyle/>
-          <a:p>
-            <a:r>
-              <a:rPr lang="en-US" dirty="0"/>
-              <a:t>So far, we have had only one way interactions with repositories. Now we need to go the other way.</a:t>
-            </a:r>
-          </a:p>
-          <a:p>
-            <a:endParaRPr lang="en-US" dirty="0"/>
-          </a:p>
-          <a:p>
-            <a:pPr marL="342900" indent="-342900">
-              <a:buAutoNum type="arabicPeriod"/>
-            </a:pPr>
-            <a:r>
-              <a:rPr lang="en-US" dirty="0"/>
-              <a:t>Create an account on GitHub (pick your name wisely, it will be your internet identity)</a:t>
-            </a:r>
-          </a:p>
-          <a:p>
-            <a:pPr marL="342900" indent="-342900">
-              <a:buAutoNum type="arabicPeriod"/>
-            </a:pPr>
-            <a:r>
-              <a:rPr lang="en-US" dirty="0"/>
-              <a:t>Create a new repository</a:t>
-            </a:r>
-          </a:p>
-          <a:p>
-            <a:pPr marL="342900" indent="-342900">
-              <a:buAutoNum type="arabicPeriod"/>
-            </a:pPr>
-            <a:r>
-              <a:rPr lang="en-US" dirty="0"/>
-              <a:t>Clone it</a:t>
-            </a:r>
-          </a:p>
-          <a:p>
-            <a:pPr marL="342900" indent="-342900">
-              <a:buAutoNum type="arabicPeriod"/>
-            </a:pPr>
-            <a:r>
-              <a:rPr lang="en-US" dirty="0"/>
-              <a:t>Add a new file to it</a:t>
-            </a:r>
-          </a:p>
-          <a:p>
-            <a:pPr marL="342900" indent="-342900">
-              <a:buAutoNum type="arabicPeriod"/>
-            </a:pPr>
-            <a:r>
-              <a:rPr lang="en-US" b="1" dirty="0"/>
-              <a:t>How has the status changed?</a:t>
+              <a:t> version control system</a:t>
             </a:r>
           </a:p>
         </p:txBody>
       </p:sp>
       <p:pic>
         <p:nvPicPr>
-          <p:cNvPr id="5" name="Picture 4">
-            <a:extLst>
-              <a:ext uri="{FF2B5EF4-FFF2-40B4-BE49-F238E27FC236}">
-                <a16:creationId xmlns:a16="http://schemas.microsoft.com/office/drawing/2014/main" id="{E2A7C0B9-D3F8-55E0-FA11-E152E5DFB682}"/>
+          <p:cNvPr id="4" name="Graphic 3" descr="Connections outline">
+            <a:extLst>
+              <a:ext uri="{FF2B5EF4-FFF2-40B4-BE49-F238E27FC236}">
+                <a16:creationId xmlns:a16="http://schemas.microsoft.com/office/drawing/2014/main" id="{84F241CF-3E45-A0CA-C5EC-2C4D43DAD2BF}"/>
               </a:ext>
             </a:extLst>
           </p:cNvPr>
@@ -11308,25 +11324,240 @@
           <p:nvPr/>
         </p:nvPicPr>
         <p:blipFill>
-          <a:blip r:embed="rId2"/>
+          <a:blip r:embed="rId2">
+            <a:extLst>
+              <a:ext uri="{28A0092B-C50C-407E-A947-70E740481C1C}">
+                <a14:useLocalDpi xmlns:a14="http://schemas.microsoft.com/office/drawing/2010/main" val="0"/>
+              </a:ext>
+              <a:ext uri="{96DAC541-7B7A-43D3-8B79-37D633B846F1}">
+                <asvg:svgBlip xmlns:asvg="http://schemas.microsoft.com/office/drawing/2016/SVG/main" r:embed="rId3"/>
+              </a:ext>
+            </a:extLst>
+          </a:blip>
           <a:stretch>
             <a:fillRect/>
           </a:stretch>
         </p:blipFill>
         <p:spPr>
           <a:xfrm>
-            <a:off x="5113919" y="2844462"/>
-            <a:ext cx="4877481" cy="3915321"/>
+            <a:off x="8006634" y="2259531"/>
+            <a:ext cx="914400" cy="914400"/>
           </a:xfrm>
           <a:prstGeom prst="rect">
             <a:avLst/>
           </a:prstGeom>
         </p:spPr>
       </p:pic>
+      <p:pic>
+        <p:nvPicPr>
+          <p:cNvPr id="6" name="Graphic 5" descr="Laptop outline">
+            <a:extLst>
+              <a:ext uri="{FF2B5EF4-FFF2-40B4-BE49-F238E27FC236}">
+                <a16:creationId xmlns:a16="http://schemas.microsoft.com/office/drawing/2014/main" id="{88376052-85DA-F9BC-A2E9-DA3BB743E474}"/>
+              </a:ext>
+            </a:extLst>
+          </p:cNvPr>
+          <p:cNvPicPr>
+            <a:picLocks noChangeAspect="1"/>
+          </p:cNvPicPr>
+          <p:nvPr/>
+        </p:nvPicPr>
+        <p:blipFill>
+          <a:blip r:embed="rId4">
+            <a:extLst>
+              <a:ext uri="{28A0092B-C50C-407E-A947-70E740481C1C}">
+                <a14:useLocalDpi xmlns:a14="http://schemas.microsoft.com/office/drawing/2010/main" val="0"/>
+              </a:ext>
+              <a:ext uri="{96DAC541-7B7A-43D3-8B79-37D633B846F1}">
+                <asvg:svgBlip xmlns:asvg="http://schemas.microsoft.com/office/drawing/2016/SVG/main" r:embed="rId5"/>
+              </a:ext>
+            </a:extLst>
+          </a:blip>
+          <a:stretch>
+            <a:fillRect/>
+          </a:stretch>
+        </p:blipFill>
+        <p:spPr>
+          <a:xfrm>
+            <a:off x="7575103" y="4417428"/>
+            <a:ext cx="1934678" cy="1934678"/>
+          </a:xfrm>
+          <a:prstGeom prst="rect">
+            <a:avLst/>
+          </a:prstGeom>
+        </p:spPr>
+      </p:pic>
+      <p:pic>
+        <p:nvPicPr>
+          <p:cNvPr id="8" name="Graphic 7" descr="Computer outline">
+            <a:extLst>
+              <a:ext uri="{FF2B5EF4-FFF2-40B4-BE49-F238E27FC236}">
+                <a16:creationId xmlns:a16="http://schemas.microsoft.com/office/drawing/2014/main" id="{339CD682-116A-7DE8-C3CD-CBD644758A42}"/>
+              </a:ext>
+            </a:extLst>
+          </p:cNvPr>
+          <p:cNvPicPr>
+            <a:picLocks noChangeAspect="1"/>
+          </p:cNvPicPr>
+          <p:nvPr/>
+        </p:nvPicPr>
+        <p:blipFill>
+          <a:blip r:embed="rId6">
+            <a:extLst>
+              <a:ext uri="{28A0092B-C50C-407E-A947-70E740481C1C}">
+                <a14:useLocalDpi xmlns:a14="http://schemas.microsoft.com/office/drawing/2010/main" val="0"/>
+              </a:ext>
+              <a:ext uri="{96DAC541-7B7A-43D3-8B79-37D633B846F1}">
+                <asvg:svgBlip xmlns:asvg="http://schemas.microsoft.com/office/drawing/2016/SVG/main" r:embed="rId7"/>
+              </a:ext>
+            </a:extLst>
+          </a:blip>
+          <a:stretch>
+            <a:fillRect/>
+          </a:stretch>
+        </p:blipFill>
+        <p:spPr>
+          <a:xfrm>
+            <a:off x="7278322" y="1083644"/>
+            <a:ext cx="3776312" cy="3776312"/>
+          </a:xfrm>
+          <a:prstGeom prst="rect">
+            <a:avLst/>
+          </a:prstGeom>
+        </p:spPr>
+      </p:pic>
+      <p:pic>
+        <p:nvPicPr>
+          <p:cNvPr id="9" name="Graphic 8" descr="Connections outline">
+            <a:extLst>
+              <a:ext uri="{FF2B5EF4-FFF2-40B4-BE49-F238E27FC236}">
+                <a16:creationId xmlns:a16="http://schemas.microsoft.com/office/drawing/2014/main" id="{A23156BD-A6DB-8B49-6E65-D657C163D54D}"/>
+              </a:ext>
+            </a:extLst>
+          </p:cNvPr>
+          <p:cNvPicPr>
+            <a:picLocks noChangeAspect="1"/>
+          </p:cNvPicPr>
+          <p:nvPr/>
+        </p:nvPicPr>
+        <p:blipFill>
+          <a:blip r:embed="rId2">
+            <a:extLst>
+              <a:ext uri="{28A0092B-C50C-407E-A947-70E740481C1C}">
+                <a14:useLocalDpi xmlns:a14="http://schemas.microsoft.com/office/drawing/2010/main" val="0"/>
+              </a:ext>
+              <a:ext uri="{96DAC541-7B7A-43D3-8B79-37D633B846F1}">
+                <asvg:svgBlip xmlns:asvg="http://schemas.microsoft.com/office/drawing/2016/SVG/main" r:embed="rId3"/>
+              </a:ext>
+            </a:extLst>
+          </a:blip>
+          <a:stretch>
+            <a:fillRect/>
+          </a:stretch>
+        </p:blipFill>
+        <p:spPr>
+          <a:xfrm>
+            <a:off x="8286572" y="5066735"/>
+            <a:ext cx="511740" cy="511740"/>
+          </a:xfrm>
+          <a:prstGeom prst="rect">
+            <a:avLst/>
+          </a:prstGeom>
+        </p:spPr>
+      </p:pic>
+      <p:sp>
+        <p:nvSpPr>
+          <p:cNvPr id="10" name="TextBox 9">
+            <a:extLst>
+              <a:ext uri="{FF2B5EF4-FFF2-40B4-BE49-F238E27FC236}">
+                <a16:creationId xmlns:a16="http://schemas.microsoft.com/office/drawing/2014/main" id="{2DE1C7C9-7D41-2C76-9272-795E6936EEAA}"/>
+              </a:ext>
+            </a:extLst>
+          </p:cNvPr>
+          <p:cNvSpPr txBox="1"/>
+          <p:nvPr/>
+        </p:nvSpPr>
+        <p:spPr>
+          <a:xfrm>
+            <a:off x="838200" y="2274633"/>
+            <a:ext cx="5707781" cy="2585323"/>
+          </a:xfrm>
+          <a:prstGeom prst="rect">
+            <a:avLst/>
+          </a:prstGeom>
+          <a:noFill/>
+        </p:spPr>
+        <p:txBody>
+          <a:bodyPr wrap="square" rtlCol="0">
+            <a:spAutoFit/>
+          </a:bodyPr>
+          <a:lstStyle/>
+          <a:p>
+            <a:r>
+              <a:rPr lang="en-US" dirty="0"/>
+              <a:t>When you </a:t>
+            </a:r>
+            <a:r>
+              <a:rPr lang="en-US" dirty="0">
+                <a:latin typeface="Consolas" panose="020B0609020204030204" pitchFamily="49" charset="0"/>
+              </a:rPr>
+              <a:t>clone</a:t>
+            </a:r>
+            <a:r>
+              <a:rPr lang="en-US" dirty="0"/>
+              <a:t> a repository, you are pulling down all the files </a:t>
+            </a:r>
+            <a:r>
+              <a:rPr lang="en-US" i="1" dirty="0"/>
+              <a:t>and their history</a:t>
+            </a:r>
+            <a:r>
+              <a:rPr lang="en-US" dirty="0"/>
+              <a:t>. </a:t>
+            </a:r>
+          </a:p>
+          <a:p>
+            <a:endParaRPr lang="en-US" dirty="0"/>
+          </a:p>
+          <a:p>
+            <a:r>
+              <a:rPr lang="en-US" dirty="0"/>
+              <a:t>You then operate only on the </a:t>
+            </a:r>
+            <a:r>
+              <a:rPr lang="en-US" i="1" dirty="0"/>
+              <a:t>local </a:t>
+            </a:r>
+            <a:r>
+              <a:rPr lang="en-US" dirty="0"/>
+              <a:t>copy. If you want to sync the changes, you have to explicitly </a:t>
+            </a:r>
+            <a:r>
+              <a:rPr lang="en-US" dirty="0">
+                <a:latin typeface="Consolas" panose="020B0609020204030204" pitchFamily="49" charset="0"/>
+              </a:rPr>
+              <a:t>push</a:t>
+            </a:r>
+            <a:r>
+              <a:rPr lang="en-US" dirty="0"/>
+              <a:t> the changes back.</a:t>
+            </a:r>
+          </a:p>
+          <a:p>
+            <a:endParaRPr lang="en-US" dirty="0"/>
+          </a:p>
+          <a:p>
+            <a:r>
+              <a:rPr lang="en-US" dirty="0"/>
+              <a:t>Git operates as a giant network of peers, not as a remote/local hierarchy</a:t>
+            </a:r>
+          </a:p>
+        </p:txBody>
+      </p:sp>
     </p:spTree>
     <p:extLst>
       <p:ext uri="{BB962C8B-B14F-4D97-AF65-F5344CB8AC3E}">
-        <p14:creationId xmlns:p14="http://schemas.microsoft.com/office/powerpoint/2010/main" val="3977715652"/>
+        <p14:creationId xmlns:p14="http://schemas.microsoft.com/office/powerpoint/2010/main" val="2641454909"/>
       </p:ext>
     </p:extLst>
   </p:cSld>
@@ -11358,6 +11589,417 @@
           <p:cNvPr id="2" name="Title 1">
             <a:extLst>
               <a:ext uri="{FF2B5EF4-FFF2-40B4-BE49-F238E27FC236}">
+                <a16:creationId xmlns:a16="http://schemas.microsoft.com/office/drawing/2014/main" id="{E40F824C-9119-D7CE-F06B-052C347712BF}"/>
+              </a:ext>
+            </a:extLst>
+          </p:cNvPr>
+          <p:cNvSpPr>
+            <a:spLocks noGrp="1"/>
+          </p:cNvSpPr>
+          <p:nvPr>
+            <p:ph type="title"/>
+          </p:nvPr>
+        </p:nvSpPr>
+        <p:spPr/>
+        <p:txBody>
+          <a:bodyPr/>
+          <a:lstStyle/>
+          <a:p>
+            <a:r>
+              <a:rPr lang="en-US" dirty="0"/>
+              <a:t>Create a repo, </a:t>
+            </a:r>
+            <a:r>
+              <a:rPr lang="en-US" dirty="0">
+                <a:latin typeface="Consolas" panose="020B0609020204030204" pitchFamily="49" charset="0"/>
+              </a:rPr>
+              <a:t>git commit </a:t>
+            </a:r>
+            <a:r>
+              <a:rPr lang="en-US" dirty="0"/>
+              <a:t>and </a:t>
+            </a:r>
+            <a:r>
+              <a:rPr lang="en-US" dirty="0">
+                <a:latin typeface="Consolas" panose="020B0609020204030204" pitchFamily="49" charset="0"/>
+              </a:rPr>
+              <a:t>git push </a:t>
+            </a:r>
+            <a:r>
+              <a:rPr lang="en-US" dirty="0"/>
+              <a:t>to it</a:t>
+            </a:r>
+          </a:p>
+        </p:txBody>
+      </p:sp>
+      <p:sp>
+        <p:nvSpPr>
+          <p:cNvPr id="3" name="TextBox 2">
+            <a:extLst>
+              <a:ext uri="{FF2B5EF4-FFF2-40B4-BE49-F238E27FC236}">
+                <a16:creationId xmlns:a16="http://schemas.microsoft.com/office/drawing/2014/main" id="{E19DCBD9-6321-0818-3D62-1148817A0583}"/>
+              </a:ext>
+            </a:extLst>
+          </p:cNvPr>
+          <p:cNvSpPr txBox="1"/>
+          <p:nvPr/>
+        </p:nvSpPr>
+        <p:spPr>
+          <a:xfrm>
+            <a:off x="956930" y="1828800"/>
+            <a:ext cx="6317449" cy="2585323"/>
+          </a:xfrm>
+          <a:prstGeom prst="rect">
+            <a:avLst/>
+          </a:prstGeom>
+          <a:noFill/>
+        </p:spPr>
+        <p:txBody>
+          <a:bodyPr wrap="square" rtlCol="0">
+            <a:spAutoFit/>
+          </a:bodyPr>
+          <a:lstStyle/>
+          <a:p>
+            <a:r>
+              <a:rPr lang="en-US" dirty="0"/>
+              <a:t>So far, we have had only one way interactions with repositories. Now we need to go the other way.</a:t>
+            </a:r>
+          </a:p>
+          <a:p>
+            <a:endParaRPr lang="en-US" dirty="0"/>
+          </a:p>
+          <a:p>
+            <a:pPr marL="342900" indent="-342900">
+              <a:buAutoNum type="arabicPeriod"/>
+            </a:pPr>
+            <a:r>
+              <a:rPr lang="en-US" dirty="0"/>
+              <a:t>Create an account on GitHub (pick your name wisely, it will be your internet identity)</a:t>
+            </a:r>
+          </a:p>
+          <a:p>
+            <a:pPr marL="342900" indent="-342900">
+              <a:buAutoNum type="arabicPeriod"/>
+            </a:pPr>
+            <a:r>
+              <a:rPr lang="en-US" dirty="0"/>
+              <a:t>Create a new repository</a:t>
+            </a:r>
+          </a:p>
+          <a:p>
+            <a:pPr marL="342900" indent="-342900">
+              <a:buAutoNum type="arabicPeriod"/>
+            </a:pPr>
+            <a:r>
+              <a:rPr lang="en-US" dirty="0"/>
+              <a:t>Clone it</a:t>
+            </a:r>
+          </a:p>
+          <a:p>
+            <a:pPr marL="342900" indent="-342900">
+              <a:buAutoNum type="arabicPeriod"/>
+            </a:pPr>
+            <a:r>
+              <a:rPr lang="en-US" dirty="0"/>
+              <a:t>Add a new file to it</a:t>
+            </a:r>
+          </a:p>
+          <a:p>
+            <a:pPr marL="342900" indent="-342900">
+              <a:buAutoNum type="arabicPeriod"/>
+            </a:pPr>
+            <a:r>
+              <a:rPr lang="en-US" b="1" dirty="0"/>
+              <a:t>How has the status changed?</a:t>
+            </a:r>
+          </a:p>
+        </p:txBody>
+      </p:sp>
+      <p:pic>
+        <p:nvPicPr>
+          <p:cNvPr id="5" name="Picture 4">
+            <a:extLst>
+              <a:ext uri="{FF2B5EF4-FFF2-40B4-BE49-F238E27FC236}">
+                <a16:creationId xmlns:a16="http://schemas.microsoft.com/office/drawing/2014/main" id="{E2A7C0B9-D3F8-55E0-FA11-E152E5DFB682}"/>
+              </a:ext>
+            </a:extLst>
+          </p:cNvPr>
+          <p:cNvPicPr>
+            <a:picLocks noChangeAspect="1"/>
+          </p:cNvPicPr>
+          <p:nvPr/>
+        </p:nvPicPr>
+        <p:blipFill>
+          <a:blip r:embed="rId2"/>
+          <a:stretch>
+            <a:fillRect/>
+          </a:stretch>
+        </p:blipFill>
+        <p:spPr>
+          <a:xfrm>
+            <a:off x="7484055" y="1589482"/>
+            <a:ext cx="3751015" cy="3011069"/>
+          </a:xfrm>
+          <a:prstGeom prst="rect">
+            <a:avLst/>
+          </a:prstGeom>
+          <a:effectLst>
+            <a:outerShdw blurRad="50800" dist="38100" dir="2700000" algn="tl" rotWithShape="0">
+              <a:prstClr val="black">
+                <a:alpha val="40000"/>
+              </a:prstClr>
+            </a:outerShdw>
+          </a:effectLst>
+        </p:spPr>
+      </p:pic>
+      <p:pic>
+        <p:nvPicPr>
+          <p:cNvPr id="6" name="Picture 5">
+            <a:extLst>
+              <a:ext uri="{FF2B5EF4-FFF2-40B4-BE49-F238E27FC236}">
+                <a16:creationId xmlns:a16="http://schemas.microsoft.com/office/drawing/2014/main" id="{825A8E14-471B-1FF5-E71E-F9F7A6C351D5}"/>
+              </a:ext>
+            </a:extLst>
+          </p:cNvPr>
+          <p:cNvPicPr>
+            <a:picLocks noChangeAspect="1"/>
+          </p:cNvPicPr>
+          <p:nvPr/>
+        </p:nvPicPr>
+        <p:blipFill>
+          <a:blip r:embed="rId3"/>
+          <a:stretch>
+            <a:fillRect/>
+          </a:stretch>
+        </p:blipFill>
+        <p:spPr>
+          <a:xfrm>
+            <a:off x="1505352" y="5078186"/>
+            <a:ext cx="9729718" cy="831337"/>
+          </a:xfrm>
+          <a:prstGeom prst="rect">
+            <a:avLst/>
+          </a:prstGeom>
+          <a:effectLst>
+            <a:outerShdw blurRad="50800" dist="38100" dir="2700000" algn="tl" rotWithShape="0">
+              <a:prstClr val="black">
+                <a:alpha val="40000"/>
+              </a:prstClr>
+            </a:outerShdw>
+          </a:effectLst>
+        </p:spPr>
+      </p:pic>
+      <p:sp>
+        <p:nvSpPr>
+          <p:cNvPr id="7" name="Arrow: Up 6">
+            <a:extLst>
+              <a:ext uri="{FF2B5EF4-FFF2-40B4-BE49-F238E27FC236}">
+                <a16:creationId xmlns:a16="http://schemas.microsoft.com/office/drawing/2014/main" id="{93E61358-0533-3AA7-1196-016CBFFE4947}"/>
+              </a:ext>
+            </a:extLst>
+          </p:cNvPr>
+          <p:cNvSpPr/>
+          <p:nvPr/>
+        </p:nvSpPr>
+        <p:spPr>
+          <a:xfrm rot="6118333">
+            <a:off x="7048376" y="3606281"/>
+            <a:ext cx="265253" cy="563336"/>
+          </a:xfrm>
+          <a:prstGeom prst="upArrow">
+            <a:avLst/>
+          </a:prstGeom>
+        </p:spPr>
+        <p:style>
+          <a:lnRef idx="2">
+            <a:schemeClr val="accent1">
+              <a:shade val="15000"/>
+            </a:schemeClr>
+          </a:lnRef>
+          <a:fillRef idx="1">
+            <a:schemeClr val="accent1"/>
+          </a:fillRef>
+          <a:effectRef idx="0">
+            <a:schemeClr val="accent1"/>
+          </a:effectRef>
+          <a:fontRef idx="minor">
+            <a:schemeClr val="lt1"/>
+          </a:fontRef>
+        </p:style>
+        <p:txBody>
+          <a:bodyPr rtlCol="0" anchor="ctr"/>
+          <a:lstStyle/>
+          <a:p>
+            <a:pPr algn="ctr"/>
+            <a:endParaRPr lang="en-US"/>
+          </a:p>
+        </p:txBody>
+      </p:sp>
+      <p:sp>
+        <p:nvSpPr>
+          <p:cNvPr id="8" name="Arrow: Up 7">
+            <a:extLst>
+              <a:ext uri="{FF2B5EF4-FFF2-40B4-BE49-F238E27FC236}">
+                <a16:creationId xmlns:a16="http://schemas.microsoft.com/office/drawing/2014/main" id="{BA547222-6DC6-6AFA-51B5-AFD6ADF7A6A1}"/>
+              </a:ext>
+            </a:extLst>
+          </p:cNvPr>
+          <p:cNvSpPr/>
+          <p:nvPr/>
+        </p:nvSpPr>
+        <p:spPr>
+          <a:xfrm rot="2138384">
+            <a:off x="10282112" y="5627139"/>
+            <a:ext cx="265253" cy="563336"/>
+          </a:xfrm>
+          <a:prstGeom prst="upArrow">
+            <a:avLst/>
+          </a:prstGeom>
+        </p:spPr>
+        <p:style>
+          <a:lnRef idx="2">
+            <a:schemeClr val="accent1">
+              <a:shade val="15000"/>
+            </a:schemeClr>
+          </a:lnRef>
+          <a:fillRef idx="1">
+            <a:schemeClr val="accent1"/>
+          </a:fillRef>
+          <a:effectRef idx="0">
+            <a:schemeClr val="accent1"/>
+          </a:effectRef>
+          <a:fontRef idx="minor">
+            <a:schemeClr val="lt1"/>
+          </a:fontRef>
+        </p:style>
+        <p:txBody>
+          <a:bodyPr rtlCol="0" anchor="ctr"/>
+          <a:lstStyle/>
+          <a:p>
+            <a:pPr algn="ctr"/>
+            <a:endParaRPr lang="en-US"/>
+          </a:p>
+        </p:txBody>
+      </p:sp>
+      <p:sp>
+        <p:nvSpPr>
+          <p:cNvPr id="9" name="TextBox 8">
+            <a:extLst>
+              <a:ext uri="{FF2B5EF4-FFF2-40B4-BE49-F238E27FC236}">
+                <a16:creationId xmlns:a16="http://schemas.microsoft.com/office/drawing/2014/main" id="{1506BA93-CE1B-72EE-5D73-9316E065EF3E}"/>
+              </a:ext>
+            </a:extLst>
+          </p:cNvPr>
+          <p:cNvSpPr txBox="1"/>
+          <p:nvPr/>
+        </p:nvSpPr>
+        <p:spPr>
+          <a:xfrm>
+            <a:off x="6096000" y="4006610"/>
+            <a:ext cx="1385860" cy="430887"/>
+          </a:xfrm>
+          <a:prstGeom prst="rect">
+            <a:avLst/>
+          </a:prstGeom>
+          <a:noFill/>
+        </p:spPr>
+        <p:txBody>
+          <a:bodyPr wrap="square" rtlCol="0">
+            <a:spAutoFit/>
+          </a:bodyPr>
+          <a:lstStyle/>
+          <a:p>
+            <a:r>
+              <a:rPr lang="en-US" sz="1100" dirty="0">
+                <a:solidFill>
+                  <a:schemeClr val="tx1">
+                    <a:lumMod val="75000"/>
+                    <a:lumOff val="25000"/>
+                  </a:schemeClr>
+                </a:solidFill>
+              </a:rPr>
+              <a:t>1. “Commit” file to version control</a:t>
+            </a:r>
+          </a:p>
+        </p:txBody>
+      </p:sp>
+      <p:sp>
+        <p:nvSpPr>
+          <p:cNvPr id="10" name="TextBox 9">
+            <a:extLst>
+              <a:ext uri="{FF2B5EF4-FFF2-40B4-BE49-F238E27FC236}">
+                <a16:creationId xmlns:a16="http://schemas.microsoft.com/office/drawing/2014/main" id="{6B3BAD01-8E32-6198-0C15-EFD6AF7AA060}"/>
+              </a:ext>
+            </a:extLst>
+          </p:cNvPr>
+          <p:cNvSpPr txBox="1"/>
+          <p:nvPr/>
+        </p:nvSpPr>
+        <p:spPr>
+          <a:xfrm>
+            <a:off x="9379140" y="6200630"/>
+            <a:ext cx="1385860" cy="430887"/>
+          </a:xfrm>
+          <a:prstGeom prst="rect">
+            <a:avLst/>
+          </a:prstGeom>
+          <a:noFill/>
+        </p:spPr>
+        <p:txBody>
+          <a:bodyPr wrap="square" rtlCol="0">
+            <a:spAutoFit/>
+          </a:bodyPr>
+          <a:lstStyle/>
+          <a:p>
+            <a:r>
+              <a:rPr lang="en-US" sz="1100" dirty="0">
+                <a:solidFill>
+                  <a:schemeClr val="tx1">
+                    <a:lumMod val="75000"/>
+                    <a:lumOff val="25000"/>
+                  </a:schemeClr>
+                </a:solidFill>
+              </a:rPr>
+              <a:t>2. “Push” file to remote repository</a:t>
+            </a:r>
+          </a:p>
+        </p:txBody>
+      </p:sp>
+    </p:spTree>
+    <p:extLst>
+      <p:ext uri="{BB962C8B-B14F-4D97-AF65-F5344CB8AC3E}">
+        <p14:creationId xmlns:p14="http://schemas.microsoft.com/office/powerpoint/2010/main" val="3977715652"/>
+      </p:ext>
+    </p:extLst>
+  </p:cSld>
+  <p:clrMapOvr>
+    <a:masterClrMapping/>
+  </p:clrMapOvr>
+</p:sld>
+</file>
+
+<file path=ppt/slides/slide23.xml><?xml version="1.0" encoding="utf-8"?>
+<p:sld xmlns:a="http://schemas.openxmlformats.org/drawingml/2006/main" xmlns:r="http://schemas.openxmlformats.org/officeDocument/2006/relationships" xmlns:p="http://schemas.openxmlformats.org/presentationml/2006/main">
+  <p:cSld>
+    <p:spTree>
+      <p:nvGrpSpPr>
+        <p:cNvPr id="1" name=""/>
+        <p:cNvGrpSpPr/>
+        <p:nvPr/>
+      </p:nvGrpSpPr>
+      <p:grpSpPr>
+        <a:xfrm>
+          <a:off x="0" y="0"/>
+          <a:ext cx="0" cy="0"/>
+          <a:chOff x="0" y="0"/>
+          <a:chExt cx="0" cy="0"/>
+        </a:xfrm>
+      </p:grpSpPr>
+      <p:sp>
+        <p:nvSpPr>
+          <p:cNvPr id="2" name="Title 1">
+            <a:extLst>
+              <a:ext uri="{FF2B5EF4-FFF2-40B4-BE49-F238E27FC236}">
                 <a16:creationId xmlns:a16="http://schemas.microsoft.com/office/drawing/2014/main" id="{57DBE2BE-31CD-5E69-EAB0-264A1B8771D4}"/>
               </a:ext>
             </a:extLst>
@@ -11419,7 +12061,7 @@
 </p:sld>
 </file>
 
-<file path=ppt/slides/slide23.xml><?xml version="1.0" encoding="utf-8"?>
+<file path=ppt/slides/slide24.xml><?xml version="1.0" encoding="utf-8"?>
 <p:sld xmlns:a="http://schemas.openxmlformats.org/drawingml/2006/main" xmlns:r="http://schemas.openxmlformats.org/officeDocument/2006/relationships" xmlns:p="http://schemas.openxmlformats.org/presentationml/2006/main">
   <p:cSld>
     <p:spTree>

--- a/lectures/050_git_version_control/Why do you need version control.pptx
+++ b/lectures/050_git_version_control/Why do you need version control.pptx
@@ -148,7 +148,7 @@
   <pc:docChgLst>
     <pc:chgData name="Shahbaz Chaudhary" userId="fef21e47db54da50" providerId="LiveId" clId="{D58A60B7-084E-45CF-BD23-7CA072B788BD}"/>
     <pc:docChg chg="undo custSel addSld delSld modSld sldOrd modMainMaster">
-      <pc:chgData name="Shahbaz Chaudhary" userId="fef21e47db54da50" providerId="LiveId" clId="{D58A60B7-084E-45CF-BD23-7CA072B788BD}" dt="2024-01-17T17:48:28.109" v="2811" actId="313"/>
+      <pc:chgData name="Shahbaz Chaudhary" userId="fef21e47db54da50" providerId="LiveId" clId="{D58A60B7-084E-45CF-BD23-7CA072B788BD}" dt="2024-01-20T15:23:19.250" v="2812" actId="113"/>
       <pc:docMkLst>
         <pc:docMk/>
       </pc:docMkLst>
@@ -243,7 +243,7 @@
         </pc:sldMkLst>
       </pc:sldChg>
       <pc:sldChg chg="addSp delSp modSp new mod">
-        <pc:chgData name="Shahbaz Chaudhary" userId="fef21e47db54da50" providerId="LiveId" clId="{D58A60B7-084E-45CF-BD23-7CA072B788BD}" dt="2024-01-17T05:56:02.204" v="1206" actId="207"/>
+        <pc:chgData name="Shahbaz Chaudhary" userId="fef21e47db54da50" providerId="LiveId" clId="{D58A60B7-084E-45CF-BD23-7CA072B788BD}" dt="2024-01-20T15:23:19.250" v="2812" actId="113"/>
         <pc:sldMkLst>
           <pc:docMk/>
           <pc:sldMk cId="3781992523" sldId="265"/>
@@ -257,7 +257,7 @@
           </ac:spMkLst>
         </pc:spChg>
         <pc:spChg chg="add mod">
-          <ac:chgData name="Shahbaz Chaudhary" userId="fef21e47db54da50" providerId="LiveId" clId="{D58A60B7-084E-45CF-BD23-7CA072B788BD}" dt="2024-01-17T05:56:02.204" v="1206" actId="207"/>
+          <ac:chgData name="Shahbaz Chaudhary" userId="fef21e47db54da50" providerId="LiveId" clId="{D58A60B7-084E-45CF-BD23-7CA072B788BD}" dt="2024-01-20T15:23:19.250" v="2812" actId="113"/>
           <ac:spMkLst>
             <pc:docMk/>
             <pc:sldMk cId="3781992523" sldId="265"/>
@@ -1298,7 +1298,7 @@
           <a:p>
             <a:fld id="{736637C2-0074-4FEF-AEBC-2720ADB5AC51}" type="datetimeFigureOut">
               <a:rPr lang="en-US" smtClean="0"/>
-              <a:t>1/17/2024</a:t>
+              <a:t>1/20/2024</a:t>
             </a:fld>
             <a:endParaRPr lang="en-US"/>
           </a:p>
@@ -1528,7 +1528,7 @@
           <a:p>
             <a:fld id="{736637C2-0074-4FEF-AEBC-2720ADB5AC51}" type="datetimeFigureOut">
               <a:rPr lang="en-US" smtClean="0"/>
-              <a:t>1/17/2024</a:t>
+              <a:t>1/20/2024</a:t>
             </a:fld>
             <a:endParaRPr lang="en-US"/>
           </a:p>
@@ -1768,7 +1768,7 @@
           <a:p>
             <a:fld id="{736637C2-0074-4FEF-AEBC-2720ADB5AC51}" type="datetimeFigureOut">
               <a:rPr lang="en-US" smtClean="0"/>
-              <a:t>1/17/2024</a:t>
+              <a:t>1/20/2024</a:t>
             </a:fld>
             <a:endParaRPr lang="en-US"/>
           </a:p>
@@ -1998,7 +1998,7 @@
           <a:p>
             <a:fld id="{736637C2-0074-4FEF-AEBC-2720ADB5AC51}" type="datetimeFigureOut">
               <a:rPr lang="en-US" smtClean="0"/>
-              <a:t>1/17/2024</a:t>
+              <a:t>1/20/2024</a:t>
             </a:fld>
             <a:endParaRPr lang="en-US"/>
           </a:p>
@@ -2250,7 +2250,7 @@
           <a:p>
             <a:fld id="{736637C2-0074-4FEF-AEBC-2720ADB5AC51}" type="datetimeFigureOut">
               <a:rPr lang="en-US" smtClean="0"/>
-              <a:t>1/17/2024</a:t>
+              <a:t>1/20/2024</a:t>
             </a:fld>
             <a:endParaRPr lang="en-US"/>
           </a:p>
@@ -2482,7 +2482,7 @@
           <a:p>
             <a:fld id="{736637C2-0074-4FEF-AEBC-2720ADB5AC51}" type="datetimeFigureOut">
               <a:rPr lang="en-US" smtClean="0"/>
-              <a:t>1/17/2024</a:t>
+              <a:t>1/20/2024</a:t>
             </a:fld>
             <a:endParaRPr lang="en-US"/>
           </a:p>
@@ -2849,7 +2849,7 @@
           <a:p>
             <a:fld id="{736637C2-0074-4FEF-AEBC-2720ADB5AC51}" type="datetimeFigureOut">
               <a:rPr lang="en-US" smtClean="0"/>
-              <a:t>1/17/2024</a:t>
+              <a:t>1/20/2024</a:t>
             </a:fld>
             <a:endParaRPr lang="en-US"/>
           </a:p>
@@ -2977,7 +2977,7 @@
           <a:p>
             <a:fld id="{736637C2-0074-4FEF-AEBC-2720ADB5AC51}" type="datetimeFigureOut">
               <a:rPr lang="en-US" smtClean="0"/>
-              <a:t>1/17/2024</a:t>
+              <a:t>1/20/2024</a:t>
             </a:fld>
             <a:endParaRPr lang="en-US"/>
           </a:p>
@@ -3072,7 +3072,7 @@
           <a:p>
             <a:fld id="{736637C2-0074-4FEF-AEBC-2720ADB5AC51}" type="datetimeFigureOut">
               <a:rPr lang="en-US" smtClean="0"/>
-              <a:t>1/17/2024</a:t>
+              <a:t>1/20/2024</a:t>
             </a:fld>
             <a:endParaRPr lang="en-US"/>
           </a:p>
@@ -3349,7 +3349,7 @@
           <a:p>
             <a:fld id="{736637C2-0074-4FEF-AEBC-2720ADB5AC51}" type="datetimeFigureOut">
               <a:rPr lang="en-US" smtClean="0"/>
-              <a:t>1/17/2024</a:t>
+              <a:t>1/20/2024</a:t>
             </a:fld>
             <a:endParaRPr lang="en-US"/>
           </a:p>
@@ -3606,7 +3606,7 @@
           <a:p>
             <a:fld id="{736637C2-0074-4FEF-AEBC-2720ADB5AC51}" type="datetimeFigureOut">
               <a:rPr lang="en-US" smtClean="0"/>
-              <a:t>1/17/2024</a:t>
+              <a:t>1/20/2024</a:t>
             </a:fld>
             <a:endParaRPr lang="en-US"/>
           </a:p>
@@ -3822,7 +3822,7 @@
           <a:p>
             <a:fld id="{736637C2-0074-4FEF-AEBC-2720ADB5AC51}" type="datetimeFigureOut">
               <a:rPr lang="en-US" smtClean="0"/>
-              <a:t>1/17/2024</a:t>
+              <a:t>1/20/2024</a:t>
             </a:fld>
             <a:endParaRPr lang="en-US"/>
           </a:p>
@@ -4472,7 +4472,7 @@
           </a:p>
           <a:p>
             <a:r>
-              <a:rPr lang="en-US" dirty="0">
+              <a:rPr lang="en-US" b="1" dirty="0">
                 <a:solidFill>
                   <a:schemeClr val="tx1">
                     <a:lumMod val="75000"/>
@@ -4481,6 +4481,24 @@
                 </a:solidFill>
               </a:rPr>
               <a:t>GitHub has a very minimal GUI (seen earlier): </a:t>
+            </a:r>
+            <a:r>
+              <a:rPr lang="en-US" b="1" dirty="0">
+                <a:solidFill>
+                  <a:schemeClr val="tx1">
+                    <a:lumMod val="75000"/>
+                    <a:lumOff val="25000"/>
+                  </a:schemeClr>
+                </a:solidFill>
+                <a:hlinkClick r:id="rId3">
+                  <a:extLst>
+                    <a:ext uri="{A12FA001-AC4F-418D-AE19-62706E023703}">
+                      <ahyp:hlinkClr xmlns:ahyp="http://schemas.microsoft.com/office/drawing/2018/hyperlinkcolor" val="tx"/>
+                    </a:ext>
+                  </a:extLst>
+                </a:hlinkClick>
+              </a:rPr>
+              <a:t>https://desktop.github.com</a:t>
             </a:r>
             <a:r>
               <a:rPr lang="en-US" dirty="0">
@@ -4498,7 +4516,7 @@
                   </a:extLst>
                 </a:hlinkClick>
               </a:rPr>
-              <a:t>https://desktop.github.com/</a:t>
+              <a:t>/</a:t>
             </a:r>
             <a:endParaRPr lang="en-US" dirty="0">
               <a:solidFill>

--- a/lectures/050_git_version_control/Why do you need version control.pptx
+++ b/lectures/050_git_version_control/Why do you need version control.pptx
@@ -4,6 +4,9 @@
   <p:sldMasterIdLst>
     <p:sldMasterId id="2147483672" r:id="rId1"/>
   </p:sldMasterIdLst>
+  <p:notesMasterIdLst>
+    <p:notesMasterId r:id="rId31"/>
+  </p:notesMasterIdLst>
   <p:sldIdLst>
     <p:sldId id="256" r:id="rId2"/>
     <p:sldId id="257" r:id="rId3"/>
@@ -17,18 +20,23 @@
     <p:sldId id="265" r:id="rId11"/>
     <p:sldId id="266" r:id="rId12"/>
     <p:sldId id="267" r:id="rId13"/>
-    <p:sldId id="268" r:id="rId14"/>
-    <p:sldId id="269" r:id="rId15"/>
-    <p:sldId id="270" r:id="rId16"/>
-    <p:sldId id="271" r:id="rId17"/>
-    <p:sldId id="272" r:id="rId18"/>
-    <p:sldId id="273" r:id="rId19"/>
-    <p:sldId id="274" r:id="rId20"/>
-    <p:sldId id="277" r:id="rId21"/>
-    <p:sldId id="279" r:id="rId22"/>
-    <p:sldId id="278" r:id="rId23"/>
-    <p:sldId id="275" r:id="rId24"/>
-    <p:sldId id="276" r:id="rId25"/>
+    <p:sldId id="280" r:id="rId14"/>
+    <p:sldId id="268" r:id="rId15"/>
+    <p:sldId id="269" r:id="rId16"/>
+    <p:sldId id="270" r:id="rId17"/>
+    <p:sldId id="271" r:id="rId18"/>
+    <p:sldId id="272" r:id="rId19"/>
+    <p:sldId id="273" r:id="rId20"/>
+    <p:sldId id="274" r:id="rId21"/>
+    <p:sldId id="277" r:id="rId22"/>
+    <p:sldId id="281" r:id="rId23"/>
+    <p:sldId id="282" r:id="rId24"/>
+    <p:sldId id="279" r:id="rId25"/>
+    <p:sldId id="283" r:id="rId26"/>
+    <p:sldId id="284" r:id="rId27"/>
+    <p:sldId id="278" r:id="rId28"/>
+    <p:sldId id="275" r:id="rId29"/>
+    <p:sldId id="276" r:id="rId30"/>
   </p:sldIdLst>
   <p:sldSz cx="12192000" cy="6858000"/>
   <p:notesSz cx="6858000" cy="9144000"/>
@@ -138,7 +146,7 @@
 <file path=ppt/revisionInfo.xml><?xml version="1.0" encoding="utf-8"?>
 <p1510:revInfo xmlns:a="http://schemas.openxmlformats.org/drawingml/2006/main" xmlns:r="http://schemas.openxmlformats.org/officeDocument/2006/relationships" xmlns:p1510="http://schemas.microsoft.com/office/powerpoint/2015/10/main">
   <p1510:revLst>
-    <p1510:client id="{D58A60B7-084E-45CF-BD23-7CA072B788BD}" v="56" dt="2024-01-17T17:45:07.799"/>
+    <p1510:client id="{59F1D27B-12C5-4E4F-B737-66C907ADDA5F}" v="6" dt="2024-11-19T07:20:42.124"/>
   </p1510:revLst>
 </p1510:revInfo>
 </file>
@@ -1142,7 +1150,1146 @@
       </pc:sldMasterChg>
     </pc:docChg>
   </pc:docChgLst>
+  <pc:docChgLst>
+    <pc:chgData name="Shahbaz Chaudhary" userId="fef21e47db54da50" providerId="LiveId" clId="{59F1D27B-12C5-4E4F-B737-66C907ADDA5F}"/>
+    <pc:docChg chg="undo custSel addSld modSld sldOrd">
+      <pc:chgData name="Shahbaz Chaudhary" userId="fef21e47db54da50" providerId="LiveId" clId="{59F1D27B-12C5-4E4F-B737-66C907ADDA5F}" dt="2024-11-19T07:21:42.548" v="1309" actId="1036"/>
+      <pc:docMkLst>
+        <pc:docMk/>
+      </pc:docMkLst>
+      <pc:sldChg chg="modSp mod">
+        <pc:chgData name="Shahbaz Chaudhary" userId="fef21e47db54da50" providerId="LiveId" clId="{59F1D27B-12C5-4E4F-B737-66C907ADDA5F}" dt="2024-11-19T05:37:02.367" v="2" actId="20577"/>
+        <pc:sldMkLst>
+          <pc:docMk/>
+          <pc:sldMk cId="1773993530" sldId="257"/>
+        </pc:sldMkLst>
+        <pc:spChg chg="mod">
+          <ac:chgData name="Shahbaz Chaudhary" userId="fef21e47db54da50" providerId="LiveId" clId="{59F1D27B-12C5-4E4F-B737-66C907ADDA5F}" dt="2024-11-19T05:37:02.367" v="2" actId="20577"/>
+          <ac:spMkLst>
+            <pc:docMk/>
+            <pc:sldMk cId="1773993530" sldId="257"/>
+            <ac:spMk id="2" creationId="{569F68D9-795A-CC4B-9543-4DFAFEDFA920}"/>
+          </ac:spMkLst>
+        </pc:spChg>
+      </pc:sldChg>
+      <pc:sldChg chg="modSp mod">
+        <pc:chgData name="Shahbaz Chaudhary" userId="fef21e47db54da50" providerId="LiveId" clId="{59F1D27B-12C5-4E4F-B737-66C907ADDA5F}" dt="2024-11-19T05:37:19.210" v="8" actId="20577"/>
+        <pc:sldMkLst>
+          <pc:docMk/>
+          <pc:sldMk cId="3486165762" sldId="258"/>
+        </pc:sldMkLst>
+        <pc:spChg chg="mod">
+          <ac:chgData name="Shahbaz Chaudhary" userId="fef21e47db54da50" providerId="LiveId" clId="{59F1D27B-12C5-4E4F-B737-66C907ADDA5F}" dt="2024-11-19T05:37:19.210" v="8" actId="20577"/>
+          <ac:spMkLst>
+            <pc:docMk/>
+            <pc:sldMk cId="3486165762" sldId="258"/>
+            <ac:spMk id="2" creationId="{FD268E10-0E98-5AFC-7224-921EEA069D86}"/>
+          </ac:spMkLst>
+        </pc:spChg>
+      </pc:sldChg>
+      <pc:sldChg chg="modSp mod">
+        <pc:chgData name="Shahbaz Chaudhary" userId="fef21e47db54da50" providerId="LiveId" clId="{59F1D27B-12C5-4E4F-B737-66C907ADDA5F}" dt="2024-11-19T05:37:12.473" v="5" actId="20577"/>
+        <pc:sldMkLst>
+          <pc:docMk/>
+          <pc:sldMk cId="1695602100" sldId="259"/>
+        </pc:sldMkLst>
+        <pc:spChg chg="mod">
+          <ac:chgData name="Shahbaz Chaudhary" userId="fef21e47db54da50" providerId="LiveId" clId="{59F1D27B-12C5-4E4F-B737-66C907ADDA5F}" dt="2024-11-19T05:37:12.473" v="5" actId="20577"/>
+          <ac:spMkLst>
+            <pc:docMk/>
+            <pc:sldMk cId="1695602100" sldId="259"/>
+            <ac:spMk id="2" creationId="{569F68D9-795A-CC4B-9543-4DFAFEDFA920}"/>
+          </ac:spMkLst>
+        </pc:spChg>
+      </pc:sldChg>
+      <pc:sldChg chg="modSp mod">
+        <pc:chgData name="Shahbaz Chaudhary" userId="fef21e47db54da50" providerId="LiveId" clId="{59F1D27B-12C5-4E4F-B737-66C907ADDA5F}" dt="2024-11-19T05:37:23.436" v="11" actId="20577"/>
+        <pc:sldMkLst>
+          <pc:docMk/>
+          <pc:sldMk cId="3103085621" sldId="260"/>
+        </pc:sldMkLst>
+        <pc:spChg chg="mod">
+          <ac:chgData name="Shahbaz Chaudhary" userId="fef21e47db54da50" providerId="LiveId" clId="{59F1D27B-12C5-4E4F-B737-66C907ADDA5F}" dt="2024-11-19T05:37:23.436" v="11" actId="20577"/>
+          <ac:spMkLst>
+            <pc:docMk/>
+            <pc:sldMk cId="3103085621" sldId="260"/>
+            <ac:spMk id="2" creationId="{FD268E10-0E98-5AFC-7224-921EEA069D86}"/>
+          </ac:spMkLst>
+        </pc:spChg>
+      </pc:sldChg>
+      <pc:sldChg chg="modSp mod">
+        <pc:chgData name="Shahbaz Chaudhary" userId="fef21e47db54da50" providerId="LiveId" clId="{59F1D27B-12C5-4E4F-B737-66C907ADDA5F}" dt="2024-11-19T05:37:29.542" v="14" actId="20577"/>
+        <pc:sldMkLst>
+          <pc:docMk/>
+          <pc:sldMk cId="3519509199" sldId="261"/>
+        </pc:sldMkLst>
+        <pc:spChg chg="mod">
+          <ac:chgData name="Shahbaz Chaudhary" userId="fef21e47db54da50" providerId="LiveId" clId="{59F1D27B-12C5-4E4F-B737-66C907ADDA5F}" dt="2024-11-19T05:37:29.542" v="14" actId="20577"/>
+          <ac:spMkLst>
+            <pc:docMk/>
+            <pc:sldMk cId="3519509199" sldId="261"/>
+            <ac:spMk id="2" creationId="{98FFE858-AA43-4F62-46EE-56FB5E2B574E}"/>
+          </ac:spMkLst>
+        </pc:spChg>
+      </pc:sldChg>
+      <pc:sldChg chg="modSp mod">
+        <pc:chgData name="Shahbaz Chaudhary" userId="fef21e47db54da50" providerId="LiveId" clId="{59F1D27B-12C5-4E4F-B737-66C907ADDA5F}" dt="2024-11-19T05:37:35.184" v="19" actId="20577"/>
+        <pc:sldMkLst>
+          <pc:docMk/>
+          <pc:sldMk cId="3939641596" sldId="262"/>
+        </pc:sldMkLst>
+        <pc:spChg chg="mod">
+          <ac:chgData name="Shahbaz Chaudhary" userId="fef21e47db54da50" providerId="LiveId" clId="{59F1D27B-12C5-4E4F-B737-66C907ADDA5F}" dt="2024-11-19T05:37:35.184" v="19" actId="20577"/>
+          <ac:spMkLst>
+            <pc:docMk/>
+            <pc:sldMk cId="3939641596" sldId="262"/>
+            <ac:spMk id="2" creationId="{98FFE858-AA43-4F62-46EE-56FB5E2B574E}"/>
+          </ac:spMkLst>
+        </pc:spChg>
+      </pc:sldChg>
+      <pc:sldChg chg="modSp mod">
+        <pc:chgData name="Shahbaz Chaudhary" userId="fef21e47db54da50" providerId="LiveId" clId="{59F1D27B-12C5-4E4F-B737-66C907ADDA5F}" dt="2024-11-19T05:37:45.405" v="22" actId="20577"/>
+        <pc:sldMkLst>
+          <pc:docMk/>
+          <pc:sldMk cId="2298812892" sldId="263"/>
+        </pc:sldMkLst>
+        <pc:spChg chg="mod">
+          <ac:chgData name="Shahbaz Chaudhary" userId="fef21e47db54da50" providerId="LiveId" clId="{59F1D27B-12C5-4E4F-B737-66C907ADDA5F}" dt="2024-11-19T05:37:45.405" v="22" actId="20577"/>
+          <ac:spMkLst>
+            <pc:docMk/>
+            <pc:sldMk cId="2298812892" sldId="263"/>
+            <ac:spMk id="2" creationId="{141C78E4-91A0-24F7-0FF1-E5E391B7D428}"/>
+          </ac:spMkLst>
+        </pc:spChg>
+      </pc:sldChg>
+      <pc:sldChg chg="modSp mod">
+        <pc:chgData name="Shahbaz Chaudhary" userId="fef21e47db54da50" providerId="LiveId" clId="{59F1D27B-12C5-4E4F-B737-66C907ADDA5F}" dt="2024-11-19T05:38:57.943" v="23" actId="113"/>
+        <pc:sldMkLst>
+          <pc:docMk/>
+          <pc:sldMk cId="271569197" sldId="266"/>
+        </pc:sldMkLst>
+        <pc:spChg chg="mod">
+          <ac:chgData name="Shahbaz Chaudhary" userId="fef21e47db54da50" providerId="LiveId" clId="{59F1D27B-12C5-4E4F-B737-66C907ADDA5F}" dt="2024-11-19T05:38:57.943" v="23" actId="113"/>
+          <ac:spMkLst>
+            <pc:docMk/>
+            <pc:sldMk cId="271569197" sldId="266"/>
+            <ac:spMk id="2" creationId="{2D328608-ACA6-A70E-E7E2-4EAD5EE4BB7C}"/>
+          </ac:spMkLst>
+        </pc:spChg>
+      </pc:sldChg>
+      <pc:sldChg chg="modSp mod modNotesTx">
+        <pc:chgData name="Shahbaz Chaudhary" userId="fef21e47db54da50" providerId="LiveId" clId="{59F1D27B-12C5-4E4F-B737-66C907ADDA5F}" dt="2024-11-19T05:59:40.092" v="152" actId="20577"/>
+        <pc:sldMkLst>
+          <pc:docMk/>
+          <pc:sldMk cId="394294336" sldId="267"/>
+        </pc:sldMkLst>
+        <pc:spChg chg="mod">
+          <ac:chgData name="Shahbaz Chaudhary" userId="fef21e47db54da50" providerId="LiveId" clId="{59F1D27B-12C5-4E4F-B737-66C907ADDA5F}" dt="2024-11-19T05:39:08.032" v="24" actId="113"/>
+          <ac:spMkLst>
+            <pc:docMk/>
+            <pc:sldMk cId="394294336" sldId="267"/>
+            <ac:spMk id="2" creationId="{0EDFAC8D-1FA1-C402-480E-833CDFA76B98}"/>
+          </ac:spMkLst>
+        </pc:spChg>
+      </pc:sldChg>
+      <pc:sldChg chg="addSp delSp modSp mod">
+        <pc:chgData name="Shahbaz Chaudhary" userId="fef21e47db54da50" providerId="LiveId" clId="{59F1D27B-12C5-4E4F-B737-66C907ADDA5F}" dt="2024-11-19T05:59:44.637" v="158" actId="478"/>
+        <pc:sldMkLst>
+          <pc:docMk/>
+          <pc:sldMk cId="2335098605" sldId="268"/>
+        </pc:sldMkLst>
+        <pc:spChg chg="mod">
+          <ac:chgData name="Shahbaz Chaudhary" userId="fef21e47db54da50" providerId="LiveId" clId="{59F1D27B-12C5-4E4F-B737-66C907ADDA5F}" dt="2024-11-19T05:40:37.052" v="33" actId="20577"/>
+          <ac:spMkLst>
+            <pc:docMk/>
+            <pc:sldMk cId="2335098605" sldId="268"/>
+            <ac:spMk id="2" creationId="{2AF331AC-FF45-F932-0C41-6745522AB9EF}"/>
+          </ac:spMkLst>
+        </pc:spChg>
+        <pc:spChg chg="mod">
+          <ac:chgData name="Shahbaz Chaudhary" userId="fef21e47db54da50" providerId="LiveId" clId="{59F1D27B-12C5-4E4F-B737-66C907ADDA5F}" dt="2024-11-19T05:59:41.149" v="153" actId="1036"/>
+          <ac:spMkLst>
+            <pc:docMk/>
+            <pc:sldMk cId="2335098605" sldId="268"/>
+            <ac:spMk id="7" creationId="{DED2411D-6BBB-990F-D5F7-5D5B1E2A824E}"/>
+          </ac:spMkLst>
+        </pc:spChg>
+        <pc:picChg chg="add del mod">
+          <ac:chgData name="Shahbaz Chaudhary" userId="fef21e47db54da50" providerId="LiveId" clId="{59F1D27B-12C5-4E4F-B737-66C907ADDA5F}" dt="2024-11-19T05:59:43.978" v="157" actId="22"/>
+          <ac:picMkLst>
+            <pc:docMk/>
+            <pc:sldMk cId="2335098605" sldId="268"/>
+            <ac:picMk id="4" creationId="{B6A204C0-04CD-3564-DFD9-50FDEA68B093}"/>
+          </ac:picMkLst>
+        </pc:picChg>
+        <pc:picChg chg="add del">
+          <ac:chgData name="Shahbaz Chaudhary" userId="fef21e47db54da50" providerId="LiveId" clId="{59F1D27B-12C5-4E4F-B737-66C907ADDA5F}" dt="2024-11-19T05:59:44.637" v="158" actId="478"/>
+          <ac:picMkLst>
+            <pc:docMk/>
+            <pc:sldMk cId="2335098605" sldId="268"/>
+            <ac:picMk id="6" creationId="{E23F9E9A-179E-F853-4E5E-CF7C71FBA524}"/>
+          </ac:picMkLst>
+        </pc:picChg>
+      </pc:sldChg>
+      <pc:sldChg chg="addSp delSp modSp add mod">
+        <pc:chgData name="Shahbaz Chaudhary" userId="fef21e47db54da50" providerId="LiveId" clId="{59F1D27B-12C5-4E4F-B737-66C907ADDA5F}" dt="2024-11-19T06:07:50.153" v="219" actId="14861"/>
+        <pc:sldMkLst>
+          <pc:docMk/>
+          <pc:sldMk cId="1324200523" sldId="280"/>
+        </pc:sldMkLst>
+        <pc:spChg chg="mod">
+          <ac:chgData name="Shahbaz Chaudhary" userId="fef21e47db54da50" providerId="LiveId" clId="{59F1D27B-12C5-4E4F-B737-66C907ADDA5F}" dt="2024-11-19T06:01:00.853" v="202" actId="20577"/>
+          <ac:spMkLst>
+            <pc:docMk/>
+            <pc:sldMk cId="1324200523" sldId="280"/>
+            <ac:spMk id="2" creationId="{0EDFAC8D-1FA1-C402-480E-833CDFA76B98}"/>
+          </ac:spMkLst>
+        </pc:spChg>
+        <pc:spChg chg="add del">
+          <ac:chgData name="Shahbaz Chaudhary" userId="fef21e47db54da50" providerId="LiveId" clId="{59F1D27B-12C5-4E4F-B737-66C907ADDA5F}" dt="2024-11-19T06:02:24.890" v="204" actId="22"/>
+          <ac:spMkLst>
+            <pc:docMk/>
+            <pc:sldMk cId="1324200523" sldId="280"/>
+            <ac:spMk id="4" creationId="{6C30F41B-08A2-BB07-AE42-40D8495BD819}"/>
+          </ac:spMkLst>
+        </pc:spChg>
+        <pc:spChg chg="del">
+          <ac:chgData name="Shahbaz Chaudhary" userId="fef21e47db54da50" providerId="LiveId" clId="{59F1D27B-12C5-4E4F-B737-66C907ADDA5F}" dt="2024-11-19T06:00:51.243" v="161" actId="478"/>
+          <ac:spMkLst>
+            <pc:docMk/>
+            <pc:sldMk cId="1324200523" sldId="280"/>
+            <ac:spMk id="8" creationId="{5E99CA27-6410-D1A2-E5A9-98A46FCC3515}"/>
+          </ac:spMkLst>
+        </pc:spChg>
+        <pc:spChg chg="del">
+          <ac:chgData name="Shahbaz Chaudhary" userId="fef21e47db54da50" providerId="LiveId" clId="{59F1D27B-12C5-4E4F-B737-66C907ADDA5F}" dt="2024-11-19T06:00:51.243" v="161" actId="478"/>
+          <ac:spMkLst>
+            <pc:docMk/>
+            <pc:sldMk cId="1324200523" sldId="280"/>
+            <ac:spMk id="9" creationId="{766DD2A2-4E9B-E20C-D0EA-3EDF5BFA9895}"/>
+          </ac:spMkLst>
+        </pc:spChg>
+        <pc:spChg chg="add del">
+          <ac:chgData name="Shahbaz Chaudhary" userId="fef21e47db54da50" providerId="LiveId" clId="{59F1D27B-12C5-4E4F-B737-66C907ADDA5F}" dt="2024-11-19T06:03:27.553" v="206" actId="22"/>
+          <ac:spMkLst>
+            <pc:docMk/>
+            <pc:sldMk cId="1324200523" sldId="280"/>
+            <ac:spMk id="10" creationId="{20B5802B-E87E-65FB-4A76-CC0702506335}"/>
+          </ac:spMkLst>
+        </pc:spChg>
+        <pc:spChg chg="del">
+          <ac:chgData name="Shahbaz Chaudhary" userId="fef21e47db54da50" providerId="LiveId" clId="{59F1D27B-12C5-4E4F-B737-66C907ADDA5F}" dt="2024-11-19T06:00:51.243" v="161" actId="478"/>
+          <ac:spMkLst>
+            <pc:docMk/>
+            <pc:sldMk cId="1324200523" sldId="280"/>
+            <ac:spMk id="11" creationId="{ADED6D95-ED31-D3AC-EBDA-A4D4D908A60B}"/>
+          </ac:spMkLst>
+        </pc:spChg>
+        <pc:spChg chg="del">
+          <ac:chgData name="Shahbaz Chaudhary" userId="fef21e47db54da50" providerId="LiveId" clId="{59F1D27B-12C5-4E4F-B737-66C907ADDA5F}" dt="2024-11-19T06:00:51.243" v="161" actId="478"/>
+          <ac:spMkLst>
+            <pc:docMk/>
+            <pc:sldMk cId="1324200523" sldId="280"/>
+            <ac:spMk id="12" creationId="{EB1DC4A7-5C3D-CEBB-BF96-0909ADC3DCBE}"/>
+          </ac:spMkLst>
+        </pc:spChg>
+        <pc:spChg chg="del">
+          <ac:chgData name="Shahbaz Chaudhary" userId="fef21e47db54da50" providerId="LiveId" clId="{59F1D27B-12C5-4E4F-B737-66C907ADDA5F}" dt="2024-11-19T06:00:51.243" v="161" actId="478"/>
+          <ac:spMkLst>
+            <pc:docMk/>
+            <pc:sldMk cId="1324200523" sldId="280"/>
+            <ac:spMk id="16" creationId="{D46750FD-E3E4-ACEE-F578-1A237BB72492}"/>
+          </ac:spMkLst>
+        </pc:spChg>
+        <pc:spChg chg="add mod">
+          <ac:chgData name="Shahbaz Chaudhary" userId="fef21e47db54da50" providerId="LiveId" clId="{59F1D27B-12C5-4E4F-B737-66C907ADDA5F}" dt="2024-11-19T06:07:29.503" v="218" actId="1076"/>
+          <ac:spMkLst>
+            <pc:docMk/>
+            <pc:sldMk cId="1324200523" sldId="280"/>
+            <ac:spMk id="17" creationId="{524869F8-CF5A-5911-1CC0-2FAEC8CDBFE1}"/>
+          </ac:spMkLst>
+        </pc:spChg>
+        <pc:spChg chg="del">
+          <ac:chgData name="Shahbaz Chaudhary" userId="fef21e47db54da50" providerId="LiveId" clId="{59F1D27B-12C5-4E4F-B737-66C907ADDA5F}" dt="2024-11-19T06:00:51.243" v="161" actId="478"/>
+          <ac:spMkLst>
+            <pc:docMk/>
+            <pc:sldMk cId="1324200523" sldId="280"/>
+            <ac:spMk id="19" creationId="{EAE41324-04B1-4B5F-D099-8BA0B3C29BD9}"/>
+          </ac:spMkLst>
+        </pc:spChg>
+        <pc:spChg chg="del">
+          <ac:chgData name="Shahbaz Chaudhary" userId="fef21e47db54da50" providerId="LiveId" clId="{59F1D27B-12C5-4E4F-B737-66C907ADDA5F}" dt="2024-11-19T06:00:51.243" v="161" actId="478"/>
+          <ac:spMkLst>
+            <pc:docMk/>
+            <pc:sldMk cId="1324200523" sldId="280"/>
+            <ac:spMk id="21" creationId="{E39A7224-7412-50D8-9D26-95ADA2EDA588}"/>
+          </ac:spMkLst>
+        </pc:spChg>
+        <pc:spChg chg="del">
+          <ac:chgData name="Shahbaz Chaudhary" userId="fef21e47db54da50" providerId="LiveId" clId="{59F1D27B-12C5-4E4F-B737-66C907ADDA5F}" dt="2024-11-19T06:00:51.243" v="161" actId="478"/>
+          <ac:spMkLst>
+            <pc:docMk/>
+            <pc:sldMk cId="1324200523" sldId="280"/>
+            <ac:spMk id="22" creationId="{42BCDF13-E3BA-D23D-E1A2-8EE39AECDB0A}"/>
+          </ac:spMkLst>
+        </pc:spChg>
+        <pc:picChg chg="del">
+          <ac:chgData name="Shahbaz Chaudhary" userId="fef21e47db54da50" providerId="LiveId" clId="{59F1D27B-12C5-4E4F-B737-66C907ADDA5F}" dt="2024-11-19T06:00:46.435" v="160" actId="478"/>
+          <ac:picMkLst>
+            <pc:docMk/>
+            <pc:sldMk cId="1324200523" sldId="280"/>
+            <ac:picMk id="5" creationId="{914FCBDF-36EE-4B6B-055D-23A31E5EA7E1}"/>
+          </ac:picMkLst>
+        </pc:picChg>
+        <pc:picChg chg="add mod">
+          <ac:chgData name="Shahbaz Chaudhary" userId="fef21e47db54da50" providerId="LiveId" clId="{59F1D27B-12C5-4E4F-B737-66C907ADDA5F}" dt="2024-11-19T06:07:50.153" v="219" actId="14861"/>
+          <ac:picMkLst>
+            <pc:docMk/>
+            <pc:sldMk cId="1324200523" sldId="280"/>
+            <ac:picMk id="23" creationId="{CDC13CC8-77A9-DB6E-6EEE-0F9FE1ACBDAB}"/>
+          </ac:picMkLst>
+        </pc:picChg>
+        <pc:cxnChg chg="del">
+          <ac:chgData name="Shahbaz Chaudhary" userId="fef21e47db54da50" providerId="LiveId" clId="{59F1D27B-12C5-4E4F-B737-66C907ADDA5F}" dt="2024-11-19T06:00:51.243" v="161" actId="478"/>
+          <ac:cxnSpMkLst>
+            <pc:docMk/>
+            <pc:sldMk cId="1324200523" sldId="280"/>
+            <ac:cxnSpMk id="7" creationId="{5E3F10FF-2558-CEBD-A891-BE0951101AE2}"/>
+          </ac:cxnSpMkLst>
+        </pc:cxnChg>
+        <pc:cxnChg chg="del mod">
+          <ac:chgData name="Shahbaz Chaudhary" userId="fef21e47db54da50" providerId="LiveId" clId="{59F1D27B-12C5-4E4F-B737-66C907ADDA5F}" dt="2024-11-19T06:00:51.243" v="161" actId="478"/>
+          <ac:cxnSpMkLst>
+            <pc:docMk/>
+            <pc:sldMk cId="1324200523" sldId="280"/>
+            <ac:cxnSpMk id="13" creationId="{0FBF2718-31A0-C685-C817-280615134FB9}"/>
+          </ac:cxnSpMkLst>
+        </pc:cxnChg>
+        <pc:cxnChg chg="del">
+          <ac:chgData name="Shahbaz Chaudhary" userId="fef21e47db54da50" providerId="LiveId" clId="{59F1D27B-12C5-4E4F-B737-66C907ADDA5F}" dt="2024-11-19T06:00:51.243" v="161" actId="478"/>
+          <ac:cxnSpMkLst>
+            <pc:docMk/>
+            <pc:sldMk cId="1324200523" sldId="280"/>
+            <ac:cxnSpMk id="15" creationId="{F7358A8E-1B9F-F7CA-6388-3E1464B12970}"/>
+          </ac:cxnSpMkLst>
+        </pc:cxnChg>
+        <pc:cxnChg chg="del">
+          <ac:chgData name="Shahbaz Chaudhary" userId="fef21e47db54da50" providerId="LiveId" clId="{59F1D27B-12C5-4E4F-B737-66C907ADDA5F}" dt="2024-11-19T06:00:51.243" v="161" actId="478"/>
+          <ac:cxnSpMkLst>
+            <pc:docMk/>
+            <pc:sldMk cId="1324200523" sldId="280"/>
+            <ac:cxnSpMk id="20" creationId="{AD8CBA3C-DC07-8775-8185-E69E02BB5BAF}"/>
+          </ac:cxnSpMkLst>
+        </pc:cxnChg>
+      </pc:sldChg>
+      <pc:sldChg chg="addSp delSp modSp add mod">
+        <pc:chgData name="Shahbaz Chaudhary" userId="fef21e47db54da50" providerId="LiveId" clId="{59F1D27B-12C5-4E4F-B737-66C907ADDA5F}" dt="2024-11-19T06:19:16.214" v="731" actId="207"/>
+        <pc:sldMkLst>
+          <pc:docMk/>
+          <pc:sldMk cId="1752995467" sldId="281"/>
+        </pc:sldMkLst>
+        <pc:spChg chg="mod">
+          <ac:chgData name="Shahbaz Chaudhary" userId="fef21e47db54da50" providerId="LiveId" clId="{59F1D27B-12C5-4E4F-B737-66C907ADDA5F}" dt="2024-11-19T06:11:34.420" v="246" actId="20577"/>
+          <ac:spMkLst>
+            <pc:docMk/>
+            <pc:sldMk cId="1752995467" sldId="281"/>
+            <ac:spMk id="2" creationId="{7BE552AD-EDFD-92C3-0B38-63394FF40FA0}"/>
+          </ac:spMkLst>
+        </pc:spChg>
+        <pc:spChg chg="del">
+          <ac:chgData name="Shahbaz Chaudhary" userId="fef21e47db54da50" providerId="LiveId" clId="{59F1D27B-12C5-4E4F-B737-66C907ADDA5F}" dt="2024-11-19T06:11:42.162" v="247" actId="478"/>
+          <ac:spMkLst>
+            <pc:docMk/>
+            <pc:sldMk cId="1752995467" sldId="281"/>
+            <ac:spMk id="3" creationId="{AFCFE1BB-F485-F41C-DE4C-9A5C93828A1A}"/>
+          </ac:spMkLst>
+        </pc:spChg>
+        <pc:spChg chg="mod">
+          <ac:chgData name="Shahbaz Chaudhary" userId="fef21e47db54da50" providerId="LiveId" clId="{59F1D27B-12C5-4E4F-B737-66C907ADDA5F}" dt="2024-11-19T06:19:16.214" v="731" actId="207"/>
+          <ac:spMkLst>
+            <pc:docMk/>
+            <pc:sldMk cId="1752995467" sldId="281"/>
+            <ac:spMk id="4" creationId="{41981000-39E2-14CB-5D63-2375F17D1DE7}"/>
+          </ac:spMkLst>
+        </pc:spChg>
+        <pc:picChg chg="add mod">
+          <ac:chgData name="Shahbaz Chaudhary" userId="fef21e47db54da50" providerId="LiveId" clId="{59F1D27B-12C5-4E4F-B737-66C907ADDA5F}" dt="2024-11-19T06:15:04.159" v="449" actId="14861"/>
+          <ac:picMkLst>
+            <pc:docMk/>
+            <pc:sldMk cId="1752995467" sldId="281"/>
+            <ac:picMk id="7" creationId="{2DABC490-8888-D146-661E-A3DE7E8C9C55}"/>
+          </ac:picMkLst>
+        </pc:picChg>
+        <pc:cxnChg chg="del">
+          <ac:chgData name="Shahbaz Chaudhary" userId="fef21e47db54da50" providerId="LiveId" clId="{59F1D27B-12C5-4E4F-B737-66C907ADDA5F}" dt="2024-11-19T06:11:42.162" v="247" actId="478"/>
+          <ac:cxnSpMkLst>
+            <pc:docMk/>
+            <pc:sldMk cId="1752995467" sldId="281"/>
+            <ac:cxnSpMk id="6" creationId="{9EA8B42E-0D7C-D143-552C-1DDE24A82F30}"/>
+          </ac:cxnSpMkLst>
+        </pc:cxnChg>
+      </pc:sldChg>
+      <pc:sldChg chg="addSp delSp modSp add mod">
+        <pc:chgData name="Shahbaz Chaudhary" userId="fef21e47db54da50" providerId="LiveId" clId="{59F1D27B-12C5-4E4F-B737-66C907ADDA5F}" dt="2024-11-19T06:35:16.491" v="843" actId="1036"/>
+        <pc:sldMkLst>
+          <pc:docMk/>
+          <pc:sldMk cId="3979796534" sldId="282"/>
+        </pc:sldMkLst>
+        <pc:spChg chg="mod">
+          <ac:chgData name="Shahbaz Chaudhary" userId="fef21e47db54da50" providerId="LiveId" clId="{59F1D27B-12C5-4E4F-B737-66C907ADDA5F}" dt="2024-11-19T06:23:44.982" v="768" actId="5793"/>
+          <ac:spMkLst>
+            <pc:docMk/>
+            <pc:sldMk cId="3979796534" sldId="282"/>
+            <ac:spMk id="2" creationId="{7BE552AD-EDFD-92C3-0B38-63394FF40FA0}"/>
+          </ac:spMkLst>
+        </pc:spChg>
+        <pc:spChg chg="del">
+          <ac:chgData name="Shahbaz Chaudhary" userId="fef21e47db54da50" providerId="LiveId" clId="{59F1D27B-12C5-4E4F-B737-66C907ADDA5F}" dt="2024-11-19T06:23:20.187" v="753" actId="478"/>
+          <ac:spMkLst>
+            <pc:docMk/>
+            <pc:sldMk cId="3979796534" sldId="282"/>
+            <ac:spMk id="4" creationId="{41981000-39E2-14CB-5D63-2375F17D1DE7}"/>
+          </ac:spMkLst>
+        </pc:spChg>
+        <pc:picChg chg="add mod modCrop">
+          <ac:chgData name="Shahbaz Chaudhary" userId="fef21e47db54da50" providerId="LiveId" clId="{59F1D27B-12C5-4E4F-B737-66C907ADDA5F}" dt="2024-11-19T06:34:56.883" v="784" actId="1076"/>
+          <ac:picMkLst>
+            <pc:docMk/>
+            <pc:sldMk cId="3979796534" sldId="282"/>
+            <ac:picMk id="5" creationId="{908AD81E-9A86-F30E-E9B6-B63144CCC239}"/>
+          </ac:picMkLst>
+        </pc:picChg>
+        <pc:picChg chg="del">
+          <ac:chgData name="Shahbaz Chaudhary" userId="fef21e47db54da50" providerId="LiveId" clId="{59F1D27B-12C5-4E4F-B737-66C907ADDA5F}" dt="2024-11-19T06:21:19.949" v="751" actId="478"/>
+          <ac:picMkLst>
+            <pc:docMk/>
+            <pc:sldMk cId="3979796534" sldId="282"/>
+            <ac:picMk id="7" creationId="{2DABC490-8888-D146-661E-A3DE7E8C9C55}"/>
+          </ac:picMkLst>
+        </pc:picChg>
+        <pc:picChg chg="add mod modCrop">
+          <ac:chgData name="Shahbaz Chaudhary" userId="fef21e47db54da50" providerId="LiveId" clId="{59F1D27B-12C5-4E4F-B737-66C907ADDA5F}" dt="2024-11-19T06:35:16.491" v="843" actId="1036"/>
+          <ac:picMkLst>
+            <pc:docMk/>
+            <pc:sldMk cId="3979796534" sldId="282"/>
+            <ac:picMk id="8" creationId="{EE9106A0-B2FC-A90D-1F36-4824EE540698}"/>
+          </ac:picMkLst>
+        </pc:picChg>
+        <pc:picChg chg="add mod modCrop">
+          <ac:chgData name="Shahbaz Chaudhary" userId="fef21e47db54da50" providerId="LiveId" clId="{59F1D27B-12C5-4E4F-B737-66C907ADDA5F}" dt="2024-11-19T06:35:05.424" v="808" actId="1035"/>
+          <ac:picMkLst>
+            <pc:docMk/>
+            <pc:sldMk cId="3979796534" sldId="282"/>
+            <ac:picMk id="9" creationId="{94317491-0A8D-1CFC-70C9-A04E52215A37}"/>
+          </ac:picMkLst>
+        </pc:picChg>
+      </pc:sldChg>
+      <pc:sldChg chg="delSp modSp add mod ord">
+        <pc:chgData name="Shahbaz Chaudhary" userId="fef21e47db54da50" providerId="LiveId" clId="{59F1D27B-12C5-4E4F-B737-66C907ADDA5F}" dt="2024-11-19T07:06:50.089" v="1134" actId="20577"/>
+        <pc:sldMkLst>
+          <pc:docMk/>
+          <pc:sldMk cId="2436012039" sldId="283"/>
+        </pc:sldMkLst>
+        <pc:spChg chg="mod">
+          <ac:chgData name="Shahbaz Chaudhary" userId="fef21e47db54da50" providerId="LiveId" clId="{59F1D27B-12C5-4E4F-B737-66C907ADDA5F}" dt="2024-11-19T07:04:58.906" v="895" actId="20577"/>
+          <ac:spMkLst>
+            <pc:docMk/>
+            <pc:sldMk cId="2436012039" sldId="283"/>
+            <ac:spMk id="2" creationId="{7BE552AD-EDFD-92C3-0B38-63394FF40FA0}"/>
+          </ac:spMkLst>
+        </pc:spChg>
+        <pc:spChg chg="mod">
+          <ac:chgData name="Shahbaz Chaudhary" userId="fef21e47db54da50" providerId="LiveId" clId="{59F1D27B-12C5-4E4F-B737-66C907ADDA5F}" dt="2024-11-19T07:06:50.089" v="1134" actId="20577"/>
+          <ac:spMkLst>
+            <pc:docMk/>
+            <pc:sldMk cId="2436012039" sldId="283"/>
+            <ac:spMk id="4" creationId="{41981000-39E2-14CB-5D63-2375F17D1DE7}"/>
+          </ac:spMkLst>
+        </pc:spChg>
+        <pc:picChg chg="del">
+          <ac:chgData name="Shahbaz Chaudhary" userId="fef21e47db54da50" providerId="LiveId" clId="{59F1D27B-12C5-4E4F-B737-66C907ADDA5F}" dt="2024-11-19T07:05:01.289" v="896" actId="478"/>
+          <ac:picMkLst>
+            <pc:docMk/>
+            <pc:sldMk cId="2436012039" sldId="283"/>
+            <ac:picMk id="7" creationId="{2DABC490-8888-D146-661E-A3DE7E8C9C55}"/>
+          </ac:picMkLst>
+        </pc:picChg>
+      </pc:sldChg>
+      <pc:sldChg chg="addSp delSp modSp add mod">
+        <pc:chgData name="Shahbaz Chaudhary" userId="fef21e47db54da50" providerId="LiveId" clId="{59F1D27B-12C5-4E4F-B737-66C907ADDA5F}" dt="2024-11-19T07:21:42.548" v="1309" actId="1036"/>
+        <pc:sldMkLst>
+          <pc:docMk/>
+          <pc:sldMk cId="2016705794" sldId="284"/>
+        </pc:sldMkLst>
+        <pc:spChg chg="mod">
+          <ac:chgData name="Shahbaz Chaudhary" userId="fef21e47db54da50" providerId="LiveId" clId="{59F1D27B-12C5-4E4F-B737-66C907ADDA5F}" dt="2024-11-19T07:16:16.948" v="1174" actId="2711"/>
+          <ac:spMkLst>
+            <pc:docMk/>
+            <pc:sldMk cId="2016705794" sldId="284"/>
+            <ac:spMk id="2" creationId="{7BE552AD-EDFD-92C3-0B38-63394FF40FA0}"/>
+          </ac:spMkLst>
+        </pc:spChg>
+        <pc:spChg chg="del">
+          <ac:chgData name="Shahbaz Chaudhary" userId="fef21e47db54da50" providerId="LiveId" clId="{59F1D27B-12C5-4E4F-B737-66C907ADDA5F}" dt="2024-11-19T07:16:33.620" v="1175" actId="478"/>
+          <ac:spMkLst>
+            <pc:docMk/>
+            <pc:sldMk cId="2016705794" sldId="284"/>
+            <ac:spMk id="4" creationId="{41981000-39E2-14CB-5D63-2375F17D1DE7}"/>
+          </ac:spMkLst>
+        </pc:spChg>
+        <pc:spChg chg="add mod">
+          <ac:chgData name="Shahbaz Chaudhary" userId="fef21e47db54da50" providerId="LiveId" clId="{59F1D27B-12C5-4E4F-B737-66C907ADDA5F}" dt="2024-11-19T07:19:49.572" v="1268" actId="255"/>
+          <ac:spMkLst>
+            <pc:docMk/>
+            <pc:sldMk cId="2016705794" sldId="284"/>
+            <ac:spMk id="10" creationId="{D38AD5F9-97EF-0452-EF2D-162AFCC48E7A}"/>
+          </ac:spMkLst>
+        </pc:spChg>
+        <pc:spChg chg="add mod">
+          <ac:chgData name="Shahbaz Chaudhary" userId="fef21e47db54da50" providerId="LiveId" clId="{59F1D27B-12C5-4E4F-B737-66C907ADDA5F}" dt="2024-11-19T07:21:42.548" v="1309" actId="1036"/>
+          <ac:spMkLst>
+            <pc:docMk/>
+            <pc:sldMk cId="2016705794" sldId="284"/>
+            <ac:spMk id="14" creationId="{B3ACC70E-9BDF-9FD3-D0C5-E604D6C767C5}"/>
+          </ac:spMkLst>
+        </pc:spChg>
+        <pc:picChg chg="add mod">
+          <ac:chgData name="Shahbaz Chaudhary" userId="fef21e47db54da50" providerId="LiveId" clId="{59F1D27B-12C5-4E4F-B737-66C907ADDA5F}" dt="2024-11-19T07:18:18.118" v="1198" actId="1076"/>
+          <ac:picMkLst>
+            <pc:docMk/>
+            <pc:sldMk cId="2016705794" sldId="284"/>
+            <ac:picMk id="5" creationId="{556FEC09-1CBD-E2CE-7814-F658FE830C6E}"/>
+          </ac:picMkLst>
+        </pc:picChg>
+        <pc:picChg chg="add mod">
+          <ac:chgData name="Shahbaz Chaudhary" userId="fef21e47db54da50" providerId="LiveId" clId="{59F1D27B-12C5-4E4F-B737-66C907ADDA5F}" dt="2024-11-19T07:18:13.261" v="1197" actId="1076"/>
+          <ac:picMkLst>
+            <pc:docMk/>
+            <pc:sldMk cId="2016705794" sldId="284"/>
+            <ac:picMk id="7" creationId="{E16D7446-2668-C6E8-E180-D5CAB13513E5}"/>
+          </ac:picMkLst>
+        </pc:picChg>
+        <pc:cxnChg chg="add">
+          <ac:chgData name="Shahbaz Chaudhary" userId="fef21e47db54da50" providerId="LiveId" clId="{59F1D27B-12C5-4E4F-B737-66C907ADDA5F}" dt="2024-11-19T07:18:32.419" v="1199" actId="11529"/>
+          <ac:cxnSpMkLst>
+            <pc:docMk/>
+            <pc:sldMk cId="2016705794" sldId="284"/>
+            <ac:cxnSpMk id="9" creationId="{324C6FF2-3D9A-24CD-6671-EC1FD3B65BCD}"/>
+          </ac:cxnSpMkLst>
+        </pc:cxnChg>
+        <pc:cxnChg chg="add mod">
+          <ac:chgData name="Shahbaz Chaudhary" userId="fef21e47db54da50" providerId="LiveId" clId="{59F1D27B-12C5-4E4F-B737-66C907ADDA5F}" dt="2024-11-19T07:20:32.907" v="1275" actId="14100"/>
+          <ac:cxnSpMkLst>
+            <pc:docMk/>
+            <pc:sldMk cId="2016705794" sldId="284"/>
+            <ac:cxnSpMk id="11" creationId="{5BB8A90C-A023-0E1C-EF37-F2DBBCC620D5}"/>
+          </ac:cxnSpMkLst>
+        </pc:cxnChg>
+      </pc:sldChg>
+    </pc:docChg>
+  </pc:docChgLst>
 </pc:chgInfo>
+</file>
+
+<file path=ppt/notesMasters/notesMaster1.xml><?xml version="1.0" encoding="utf-8"?>
+<p:notesMaster xmlns:a="http://schemas.openxmlformats.org/drawingml/2006/main" xmlns:r="http://schemas.openxmlformats.org/officeDocument/2006/relationships" xmlns:p="http://schemas.openxmlformats.org/presentationml/2006/main">
+  <p:cSld>
+    <p:bg>
+      <p:bgRef idx="1001">
+        <a:schemeClr val="bg1"/>
+      </p:bgRef>
+    </p:bg>
+    <p:spTree>
+      <p:nvGrpSpPr>
+        <p:cNvPr id="1" name=""/>
+        <p:cNvGrpSpPr/>
+        <p:nvPr/>
+      </p:nvGrpSpPr>
+      <p:grpSpPr>
+        <a:xfrm>
+          <a:off x="0" y="0"/>
+          <a:ext cx="0" cy="0"/>
+          <a:chOff x="0" y="0"/>
+          <a:chExt cx="0" cy="0"/>
+        </a:xfrm>
+      </p:grpSpPr>
+      <p:sp>
+        <p:nvSpPr>
+          <p:cNvPr id="2" name="Header Placeholder 1"/>
+          <p:cNvSpPr>
+            <a:spLocks noGrp="1"/>
+          </p:cNvSpPr>
+          <p:nvPr>
+            <p:ph type="hdr" sz="quarter"/>
+          </p:nvPr>
+        </p:nvSpPr>
+        <p:spPr>
+          <a:xfrm>
+            <a:off x="0" y="0"/>
+            <a:ext cx="2971800" cy="458788"/>
+          </a:xfrm>
+          <a:prstGeom prst="rect">
+            <a:avLst/>
+          </a:prstGeom>
+        </p:spPr>
+        <p:txBody>
+          <a:bodyPr vert="horz" lIns="91440" tIns="45720" rIns="91440" bIns="45720" rtlCol="0"/>
+          <a:lstStyle>
+            <a:lvl1pPr algn="l">
+              <a:defRPr sz="1200"/>
+            </a:lvl1pPr>
+          </a:lstStyle>
+          <a:p>
+            <a:endParaRPr lang="en-US"/>
+          </a:p>
+        </p:txBody>
+      </p:sp>
+      <p:sp>
+        <p:nvSpPr>
+          <p:cNvPr id="3" name="Date Placeholder 2"/>
+          <p:cNvSpPr>
+            <a:spLocks noGrp="1"/>
+          </p:cNvSpPr>
+          <p:nvPr>
+            <p:ph type="dt" idx="1"/>
+          </p:nvPr>
+        </p:nvSpPr>
+        <p:spPr>
+          <a:xfrm>
+            <a:off x="3884613" y="0"/>
+            <a:ext cx="2971800" cy="458788"/>
+          </a:xfrm>
+          <a:prstGeom prst="rect">
+            <a:avLst/>
+          </a:prstGeom>
+        </p:spPr>
+        <p:txBody>
+          <a:bodyPr vert="horz" lIns="91440" tIns="45720" rIns="91440" bIns="45720" rtlCol="0"/>
+          <a:lstStyle>
+            <a:lvl1pPr algn="r">
+              <a:defRPr sz="1200"/>
+            </a:lvl1pPr>
+          </a:lstStyle>
+          <a:p>
+            <a:fld id="{DAE750E4-9074-4DF5-8B01-0BB2C4E5C301}" type="datetimeFigureOut">
+              <a:rPr lang="en-US" smtClean="0"/>
+              <a:t>11/18/2024</a:t>
+            </a:fld>
+            <a:endParaRPr lang="en-US"/>
+          </a:p>
+        </p:txBody>
+      </p:sp>
+      <p:sp>
+        <p:nvSpPr>
+          <p:cNvPr id="4" name="Slide Image Placeholder 3"/>
+          <p:cNvSpPr>
+            <a:spLocks noGrp="1" noRot="1" noChangeAspect="1"/>
+          </p:cNvSpPr>
+          <p:nvPr>
+            <p:ph type="sldImg" idx="2"/>
+          </p:nvPr>
+        </p:nvSpPr>
+        <p:spPr>
+          <a:xfrm>
+            <a:off x="685800" y="1143000"/>
+            <a:ext cx="5486400" cy="3086100"/>
+          </a:xfrm>
+          <a:prstGeom prst="rect">
+            <a:avLst/>
+          </a:prstGeom>
+          <a:noFill/>
+          <a:ln w="12700">
+            <a:solidFill>
+              <a:prstClr val="black"/>
+            </a:solidFill>
+          </a:ln>
+        </p:spPr>
+        <p:txBody>
+          <a:bodyPr vert="horz" lIns="91440" tIns="45720" rIns="91440" bIns="45720" rtlCol="0" anchor="ctr"/>
+          <a:lstStyle/>
+          <a:p>
+            <a:endParaRPr lang="en-US"/>
+          </a:p>
+        </p:txBody>
+      </p:sp>
+      <p:sp>
+        <p:nvSpPr>
+          <p:cNvPr id="5" name="Notes Placeholder 4"/>
+          <p:cNvSpPr>
+            <a:spLocks noGrp="1"/>
+          </p:cNvSpPr>
+          <p:nvPr>
+            <p:ph type="body" sz="quarter" idx="3"/>
+          </p:nvPr>
+        </p:nvSpPr>
+        <p:spPr>
+          <a:xfrm>
+            <a:off x="685800" y="4400550"/>
+            <a:ext cx="5486400" cy="3600450"/>
+          </a:xfrm>
+          <a:prstGeom prst="rect">
+            <a:avLst/>
+          </a:prstGeom>
+        </p:spPr>
+        <p:txBody>
+          <a:bodyPr vert="horz" lIns="91440" tIns="45720" rIns="91440" bIns="45720" rtlCol="0"/>
+          <a:lstStyle/>
+          <a:p>
+            <a:pPr lvl="0"/>
+            <a:r>
+              <a:rPr lang="en-US"/>
+              <a:t>Click to edit Master text styles</a:t>
+            </a:r>
+          </a:p>
+          <a:p>
+            <a:pPr lvl="1"/>
+            <a:r>
+              <a:rPr lang="en-US"/>
+              <a:t>Second level</a:t>
+            </a:r>
+          </a:p>
+          <a:p>
+            <a:pPr lvl="2"/>
+            <a:r>
+              <a:rPr lang="en-US"/>
+              <a:t>Third level</a:t>
+            </a:r>
+          </a:p>
+          <a:p>
+            <a:pPr lvl="3"/>
+            <a:r>
+              <a:rPr lang="en-US"/>
+              <a:t>Fourth level</a:t>
+            </a:r>
+          </a:p>
+          <a:p>
+            <a:pPr lvl="4"/>
+            <a:r>
+              <a:rPr lang="en-US"/>
+              <a:t>Fifth level</a:t>
+            </a:r>
+          </a:p>
+        </p:txBody>
+      </p:sp>
+      <p:sp>
+        <p:nvSpPr>
+          <p:cNvPr id="6" name="Footer Placeholder 5"/>
+          <p:cNvSpPr>
+            <a:spLocks noGrp="1"/>
+          </p:cNvSpPr>
+          <p:nvPr>
+            <p:ph type="ftr" sz="quarter" idx="4"/>
+          </p:nvPr>
+        </p:nvSpPr>
+        <p:spPr>
+          <a:xfrm>
+            <a:off x="0" y="8685213"/>
+            <a:ext cx="2971800" cy="458787"/>
+          </a:xfrm>
+          <a:prstGeom prst="rect">
+            <a:avLst/>
+          </a:prstGeom>
+        </p:spPr>
+        <p:txBody>
+          <a:bodyPr vert="horz" lIns="91440" tIns="45720" rIns="91440" bIns="45720" rtlCol="0" anchor="b"/>
+          <a:lstStyle>
+            <a:lvl1pPr algn="l">
+              <a:defRPr sz="1200"/>
+            </a:lvl1pPr>
+          </a:lstStyle>
+          <a:p>
+            <a:endParaRPr lang="en-US"/>
+          </a:p>
+        </p:txBody>
+      </p:sp>
+      <p:sp>
+        <p:nvSpPr>
+          <p:cNvPr id="7" name="Slide Number Placeholder 6"/>
+          <p:cNvSpPr>
+            <a:spLocks noGrp="1"/>
+          </p:cNvSpPr>
+          <p:nvPr>
+            <p:ph type="sldNum" sz="quarter" idx="5"/>
+          </p:nvPr>
+        </p:nvSpPr>
+        <p:spPr>
+          <a:xfrm>
+            <a:off x="3884613" y="8685213"/>
+            <a:ext cx="2971800" cy="458787"/>
+          </a:xfrm>
+          <a:prstGeom prst="rect">
+            <a:avLst/>
+          </a:prstGeom>
+        </p:spPr>
+        <p:txBody>
+          <a:bodyPr vert="horz" lIns="91440" tIns="45720" rIns="91440" bIns="45720" rtlCol="0" anchor="b"/>
+          <a:lstStyle>
+            <a:lvl1pPr algn="r">
+              <a:defRPr sz="1200"/>
+            </a:lvl1pPr>
+          </a:lstStyle>
+          <a:p>
+            <a:fld id="{FD30CE19-A8CA-478E-942B-99850B04099E}" type="slidenum">
+              <a:rPr lang="en-US" smtClean="0"/>
+              <a:t>‹#›</a:t>
+            </a:fld>
+            <a:endParaRPr lang="en-US"/>
+          </a:p>
+        </p:txBody>
+      </p:sp>
+    </p:spTree>
+    <p:extLst>
+      <p:ext uri="{BB962C8B-B14F-4D97-AF65-F5344CB8AC3E}">
+        <p14:creationId xmlns:p14="http://schemas.microsoft.com/office/powerpoint/2010/main" val="431516301"/>
+      </p:ext>
+    </p:extLst>
+  </p:cSld>
+  <p:clrMap bg1="lt1" tx1="dk1" bg2="lt2" tx2="dk2" accent1="accent1" accent2="accent2" accent3="accent3" accent4="accent4" accent5="accent5" accent6="accent6" hlink="hlink" folHlink="folHlink"/>
+  <p:notesStyle>
+    <a:lvl1pPr marL="0" algn="l" defTabSz="914400" rtl="0" eaLnBrk="1" latinLnBrk="0" hangingPunct="1">
+      <a:defRPr sz="1200" kern="1200">
+        <a:solidFill>
+          <a:schemeClr val="tx1"/>
+        </a:solidFill>
+        <a:latin typeface="+mn-lt"/>
+        <a:ea typeface="+mn-ea"/>
+        <a:cs typeface="+mn-cs"/>
+      </a:defRPr>
+    </a:lvl1pPr>
+    <a:lvl2pPr marL="457200" algn="l" defTabSz="914400" rtl="0" eaLnBrk="1" latinLnBrk="0" hangingPunct="1">
+      <a:defRPr sz="1200" kern="1200">
+        <a:solidFill>
+          <a:schemeClr val="tx1"/>
+        </a:solidFill>
+        <a:latin typeface="+mn-lt"/>
+        <a:ea typeface="+mn-ea"/>
+        <a:cs typeface="+mn-cs"/>
+      </a:defRPr>
+    </a:lvl2pPr>
+    <a:lvl3pPr marL="914400" algn="l" defTabSz="914400" rtl="0" eaLnBrk="1" latinLnBrk="0" hangingPunct="1">
+      <a:defRPr sz="1200" kern="1200">
+        <a:solidFill>
+          <a:schemeClr val="tx1"/>
+        </a:solidFill>
+        <a:latin typeface="+mn-lt"/>
+        <a:ea typeface="+mn-ea"/>
+        <a:cs typeface="+mn-cs"/>
+      </a:defRPr>
+    </a:lvl3pPr>
+    <a:lvl4pPr marL="1371600" algn="l" defTabSz="914400" rtl="0" eaLnBrk="1" latinLnBrk="0" hangingPunct="1">
+      <a:defRPr sz="1200" kern="1200">
+        <a:solidFill>
+          <a:schemeClr val="tx1"/>
+        </a:solidFill>
+        <a:latin typeface="+mn-lt"/>
+        <a:ea typeface="+mn-ea"/>
+        <a:cs typeface="+mn-cs"/>
+      </a:defRPr>
+    </a:lvl4pPr>
+    <a:lvl5pPr marL="1828800" algn="l" defTabSz="914400" rtl="0" eaLnBrk="1" latinLnBrk="0" hangingPunct="1">
+      <a:defRPr sz="1200" kern="1200">
+        <a:solidFill>
+          <a:schemeClr val="tx1"/>
+        </a:solidFill>
+        <a:latin typeface="+mn-lt"/>
+        <a:ea typeface="+mn-ea"/>
+        <a:cs typeface="+mn-cs"/>
+      </a:defRPr>
+    </a:lvl5pPr>
+    <a:lvl6pPr marL="2286000" algn="l" defTabSz="914400" rtl="0" eaLnBrk="1" latinLnBrk="0" hangingPunct="1">
+      <a:defRPr sz="1200" kern="1200">
+        <a:solidFill>
+          <a:schemeClr val="tx1"/>
+        </a:solidFill>
+        <a:latin typeface="+mn-lt"/>
+        <a:ea typeface="+mn-ea"/>
+        <a:cs typeface="+mn-cs"/>
+      </a:defRPr>
+    </a:lvl6pPr>
+    <a:lvl7pPr marL="2743200" algn="l" defTabSz="914400" rtl="0" eaLnBrk="1" latinLnBrk="0" hangingPunct="1">
+      <a:defRPr sz="1200" kern="1200">
+        <a:solidFill>
+          <a:schemeClr val="tx1"/>
+        </a:solidFill>
+        <a:latin typeface="+mn-lt"/>
+        <a:ea typeface="+mn-ea"/>
+        <a:cs typeface="+mn-cs"/>
+      </a:defRPr>
+    </a:lvl7pPr>
+    <a:lvl8pPr marL="3200400" algn="l" defTabSz="914400" rtl="0" eaLnBrk="1" latinLnBrk="0" hangingPunct="1">
+      <a:defRPr sz="1200" kern="1200">
+        <a:solidFill>
+          <a:schemeClr val="tx1"/>
+        </a:solidFill>
+        <a:latin typeface="+mn-lt"/>
+        <a:ea typeface="+mn-ea"/>
+        <a:cs typeface="+mn-cs"/>
+      </a:defRPr>
+    </a:lvl8pPr>
+    <a:lvl9pPr marL="3657600" algn="l" defTabSz="914400" rtl="0" eaLnBrk="1" latinLnBrk="0" hangingPunct="1">
+      <a:defRPr sz="1200" kern="1200">
+        <a:solidFill>
+          <a:schemeClr val="tx1"/>
+        </a:solidFill>
+        <a:latin typeface="+mn-lt"/>
+        <a:ea typeface="+mn-ea"/>
+        <a:cs typeface="+mn-cs"/>
+      </a:defRPr>
+    </a:lvl9pPr>
+  </p:notesStyle>
+</p:notesMaster>
+</file>
+
+<file path=ppt/notesSlides/notesSlide1.xml><?xml version="1.0" encoding="utf-8"?>
+<p:notes xmlns:a="http://schemas.openxmlformats.org/drawingml/2006/main" xmlns:r="http://schemas.openxmlformats.org/officeDocument/2006/relationships" xmlns:p="http://schemas.openxmlformats.org/presentationml/2006/main">
+  <p:cSld>
+    <p:spTree>
+      <p:nvGrpSpPr>
+        <p:cNvPr id="1" name=""/>
+        <p:cNvGrpSpPr/>
+        <p:nvPr/>
+      </p:nvGrpSpPr>
+      <p:grpSpPr>
+        <a:xfrm>
+          <a:off x="0" y="0"/>
+          <a:ext cx="0" cy="0"/>
+          <a:chOff x="0" y="0"/>
+          <a:chExt cx="0" cy="0"/>
+        </a:xfrm>
+      </p:grpSpPr>
+      <p:sp>
+        <p:nvSpPr>
+          <p:cNvPr id="2" name="Slide Image Placeholder 1"/>
+          <p:cNvSpPr>
+            <a:spLocks noGrp="1" noRot="1" noChangeAspect="1"/>
+          </p:cNvSpPr>
+          <p:nvPr>
+            <p:ph type="sldImg"/>
+          </p:nvPr>
+        </p:nvSpPr>
+        <p:spPr/>
+      </p:sp>
+      <p:sp>
+        <p:nvSpPr>
+          <p:cNvPr id="3" name="Notes Placeholder 2"/>
+          <p:cNvSpPr>
+            <a:spLocks noGrp="1"/>
+          </p:cNvSpPr>
+          <p:nvPr>
+            <p:ph type="body" idx="1"/>
+          </p:nvPr>
+        </p:nvSpPr>
+        <p:spPr/>
+        <p:txBody>
+          <a:bodyPr/>
+          <a:lstStyle/>
+          <a:p>
+            <a:endParaRPr lang="en-US" dirty="0"/>
+          </a:p>
+        </p:txBody>
+      </p:sp>
+      <p:sp>
+        <p:nvSpPr>
+          <p:cNvPr id="4" name="Slide Number Placeholder 3"/>
+          <p:cNvSpPr>
+            <a:spLocks noGrp="1"/>
+          </p:cNvSpPr>
+          <p:nvPr>
+            <p:ph type="sldNum" sz="quarter" idx="5"/>
+          </p:nvPr>
+        </p:nvSpPr>
+        <p:spPr/>
+        <p:txBody>
+          <a:bodyPr/>
+          <a:lstStyle/>
+          <a:p>
+            <a:fld id="{FD30CE19-A8CA-478E-942B-99850B04099E}" type="slidenum">
+              <a:rPr lang="en-US" smtClean="0"/>
+              <a:t>12</a:t>
+            </a:fld>
+            <a:endParaRPr lang="en-US"/>
+          </a:p>
+        </p:txBody>
+      </p:sp>
+    </p:spTree>
+    <p:extLst>
+      <p:ext uri="{BB962C8B-B14F-4D97-AF65-F5344CB8AC3E}">
+        <p14:creationId xmlns:p14="http://schemas.microsoft.com/office/powerpoint/2010/main" val="1616871729"/>
+      </p:ext>
+    </p:extLst>
+  </p:cSld>
+  <p:clrMapOvr>
+    <a:masterClrMapping/>
+  </p:clrMapOvr>
+</p:notes>
+</file>
+
+<file path=ppt/notesSlides/notesSlide2.xml><?xml version="1.0" encoding="utf-8"?>
+<p:notes xmlns:a="http://schemas.openxmlformats.org/drawingml/2006/main" xmlns:r="http://schemas.openxmlformats.org/officeDocument/2006/relationships" xmlns:p="http://schemas.openxmlformats.org/presentationml/2006/main">
+  <p:cSld>
+    <p:spTree>
+      <p:nvGrpSpPr>
+        <p:cNvPr id="1" name=""/>
+        <p:cNvGrpSpPr/>
+        <p:nvPr/>
+      </p:nvGrpSpPr>
+      <p:grpSpPr>
+        <a:xfrm>
+          <a:off x="0" y="0"/>
+          <a:ext cx="0" cy="0"/>
+          <a:chOff x="0" y="0"/>
+          <a:chExt cx="0" cy="0"/>
+        </a:xfrm>
+      </p:grpSpPr>
+      <p:sp>
+        <p:nvSpPr>
+          <p:cNvPr id="2" name="Slide Image Placeholder 1"/>
+          <p:cNvSpPr>
+            <a:spLocks noGrp="1" noRot="1" noChangeAspect="1"/>
+          </p:cNvSpPr>
+          <p:nvPr>
+            <p:ph type="sldImg"/>
+          </p:nvPr>
+        </p:nvSpPr>
+        <p:spPr/>
+      </p:sp>
+      <p:sp>
+        <p:nvSpPr>
+          <p:cNvPr id="3" name="Notes Placeholder 2"/>
+          <p:cNvSpPr>
+            <a:spLocks noGrp="1"/>
+          </p:cNvSpPr>
+          <p:nvPr>
+            <p:ph type="body" idx="1"/>
+          </p:nvPr>
+        </p:nvSpPr>
+        <p:spPr/>
+        <p:txBody>
+          <a:bodyPr/>
+          <a:lstStyle/>
+          <a:p>
+            <a:endParaRPr lang="en-US" dirty="0"/>
+          </a:p>
+        </p:txBody>
+      </p:sp>
+      <p:sp>
+        <p:nvSpPr>
+          <p:cNvPr id="4" name="Slide Number Placeholder 3"/>
+          <p:cNvSpPr>
+            <a:spLocks noGrp="1"/>
+          </p:cNvSpPr>
+          <p:nvPr>
+            <p:ph type="sldNum" sz="quarter" idx="5"/>
+          </p:nvPr>
+        </p:nvSpPr>
+        <p:spPr/>
+        <p:txBody>
+          <a:bodyPr/>
+          <a:lstStyle/>
+          <a:p>
+            <a:fld id="{FD30CE19-A8CA-478E-942B-99850B04099E}" type="slidenum">
+              <a:rPr lang="en-US" smtClean="0"/>
+              <a:t>13</a:t>
+            </a:fld>
+            <a:endParaRPr lang="en-US"/>
+          </a:p>
+        </p:txBody>
+      </p:sp>
+    </p:spTree>
+    <p:extLst>
+      <p:ext uri="{BB962C8B-B14F-4D97-AF65-F5344CB8AC3E}">
+        <p14:creationId xmlns:p14="http://schemas.microsoft.com/office/powerpoint/2010/main" val="1909970438"/>
+      </p:ext>
+    </p:extLst>
+  </p:cSld>
+  <p:clrMapOvr>
+    <a:masterClrMapping/>
+  </p:clrMapOvr>
+</p:notes>
+</file>
+
+<file path=ppt/notesSlides/notesSlide3.xml><?xml version="1.0" encoding="utf-8"?>
+<p:notes xmlns:a="http://schemas.openxmlformats.org/drawingml/2006/main" xmlns:r="http://schemas.openxmlformats.org/officeDocument/2006/relationships" xmlns:p="http://schemas.openxmlformats.org/presentationml/2006/main">
+  <p:cSld>
+    <p:spTree>
+      <p:nvGrpSpPr>
+        <p:cNvPr id="1" name=""/>
+        <p:cNvGrpSpPr/>
+        <p:nvPr/>
+      </p:nvGrpSpPr>
+      <p:grpSpPr>
+        <a:xfrm>
+          <a:off x="0" y="0"/>
+          <a:ext cx="0" cy="0"/>
+          <a:chOff x="0" y="0"/>
+          <a:chExt cx="0" cy="0"/>
+        </a:xfrm>
+      </p:grpSpPr>
+      <p:sp>
+        <p:nvSpPr>
+          <p:cNvPr id="2" name="Slide Image Placeholder 1"/>
+          <p:cNvSpPr>
+            <a:spLocks noGrp="1" noRot="1" noChangeAspect="1"/>
+          </p:cNvSpPr>
+          <p:nvPr>
+            <p:ph type="sldImg"/>
+          </p:nvPr>
+        </p:nvSpPr>
+        <p:spPr/>
+      </p:sp>
+      <p:sp>
+        <p:nvSpPr>
+          <p:cNvPr id="3" name="Notes Placeholder 2"/>
+          <p:cNvSpPr>
+            <a:spLocks noGrp="1"/>
+          </p:cNvSpPr>
+          <p:nvPr>
+            <p:ph type="body" idx="1"/>
+          </p:nvPr>
+        </p:nvSpPr>
+        <p:spPr/>
+        <p:txBody>
+          <a:bodyPr/>
+          <a:lstStyle/>
+          <a:p>
+            <a:endParaRPr lang="en-US" dirty="0"/>
+          </a:p>
+        </p:txBody>
+      </p:sp>
+      <p:sp>
+        <p:nvSpPr>
+          <p:cNvPr id="4" name="Slide Number Placeholder 3"/>
+          <p:cNvSpPr>
+            <a:spLocks noGrp="1"/>
+          </p:cNvSpPr>
+          <p:nvPr>
+            <p:ph type="sldNum" sz="quarter" idx="5"/>
+          </p:nvPr>
+        </p:nvSpPr>
+        <p:spPr/>
+        <p:txBody>
+          <a:bodyPr/>
+          <a:lstStyle/>
+          <a:p>
+            <a:fld id="{FD30CE19-A8CA-478E-942B-99850B04099E}" type="slidenum">
+              <a:rPr lang="en-US" smtClean="0"/>
+              <a:t>14</a:t>
+            </a:fld>
+            <a:endParaRPr lang="en-US"/>
+          </a:p>
+        </p:txBody>
+      </p:sp>
+    </p:spTree>
+    <p:extLst>
+      <p:ext uri="{BB962C8B-B14F-4D97-AF65-F5344CB8AC3E}">
+        <p14:creationId xmlns:p14="http://schemas.microsoft.com/office/powerpoint/2010/main" val="701387353"/>
+      </p:ext>
+    </p:extLst>
+  </p:cSld>
+  <p:clrMapOvr>
+    <a:masterClrMapping/>
+  </p:clrMapOvr>
+</p:notes>
 </file>
 
 <file path=ppt/slideLayouts/slideLayout1.xml><?xml version="1.0" encoding="utf-8"?>
@@ -1298,7 +2445,7 @@
           <a:p>
             <a:fld id="{736637C2-0074-4FEF-AEBC-2720ADB5AC51}" type="datetimeFigureOut">
               <a:rPr lang="en-US" smtClean="0"/>
-              <a:t>1/20/2024</a:t>
+              <a:t>11/18/2024</a:t>
             </a:fld>
             <a:endParaRPr lang="en-US"/>
           </a:p>
@@ -1528,7 +2675,7 @@
           <a:p>
             <a:fld id="{736637C2-0074-4FEF-AEBC-2720ADB5AC51}" type="datetimeFigureOut">
               <a:rPr lang="en-US" smtClean="0"/>
-              <a:t>1/20/2024</a:t>
+              <a:t>11/18/2024</a:t>
             </a:fld>
             <a:endParaRPr lang="en-US"/>
           </a:p>
@@ -1768,7 +2915,7 @@
           <a:p>
             <a:fld id="{736637C2-0074-4FEF-AEBC-2720ADB5AC51}" type="datetimeFigureOut">
               <a:rPr lang="en-US" smtClean="0"/>
-              <a:t>1/20/2024</a:t>
+              <a:t>11/18/2024</a:t>
             </a:fld>
             <a:endParaRPr lang="en-US"/>
           </a:p>
@@ -1998,7 +3145,7 @@
           <a:p>
             <a:fld id="{736637C2-0074-4FEF-AEBC-2720ADB5AC51}" type="datetimeFigureOut">
               <a:rPr lang="en-US" smtClean="0"/>
-              <a:t>1/20/2024</a:t>
+              <a:t>11/18/2024</a:t>
             </a:fld>
             <a:endParaRPr lang="en-US"/>
           </a:p>
@@ -2250,7 +3397,7 @@
           <a:p>
             <a:fld id="{736637C2-0074-4FEF-AEBC-2720ADB5AC51}" type="datetimeFigureOut">
               <a:rPr lang="en-US" smtClean="0"/>
-              <a:t>1/20/2024</a:t>
+              <a:t>11/18/2024</a:t>
             </a:fld>
             <a:endParaRPr lang="en-US"/>
           </a:p>
@@ -2482,7 +3629,7 @@
           <a:p>
             <a:fld id="{736637C2-0074-4FEF-AEBC-2720ADB5AC51}" type="datetimeFigureOut">
               <a:rPr lang="en-US" smtClean="0"/>
-              <a:t>1/20/2024</a:t>
+              <a:t>11/18/2024</a:t>
             </a:fld>
             <a:endParaRPr lang="en-US"/>
           </a:p>
@@ -2849,7 +3996,7 @@
           <a:p>
             <a:fld id="{736637C2-0074-4FEF-AEBC-2720ADB5AC51}" type="datetimeFigureOut">
               <a:rPr lang="en-US" smtClean="0"/>
-              <a:t>1/20/2024</a:t>
+              <a:t>11/18/2024</a:t>
             </a:fld>
             <a:endParaRPr lang="en-US"/>
           </a:p>
@@ -2977,7 +4124,7 @@
           <a:p>
             <a:fld id="{736637C2-0074-4FEF-AEBC-2720ADB5AC51}" type="datetimeFigureOut">
               <a:rPr lang="en-US" smtClean="0"/>
-              <a:t>1/20/2024</a:t>
+              <a:t>11/18/2024</a:t>
             </a:fld>
             <a:endParaRPr lang="en-US"/>
           </a:p>
@@ -3072,7 +4219,7 @@
           <a:p>
             <a:fld id="{736637C2-0074-4FEF-AEBC-2720ADB5AC51}" type="datetimeFigureOut">
               <a:rPr lang="en-US" smtClean="0"/>
-              <a:t>1/20/2024</a:t>
+              <a:t>11/18/2024</a:t>
             </a:fld>
             <a:endParaRPr lang="en-US"/>
           </a:p>
@@ -3349,7 +4496,7 @@
           <a:p>
             <a:fld id="{736637C2-0074-4FEF-AEBC-2720ADB5AC51}" type="datetimeFigureOut">
               <a:rPr lang="en-US" smtClean="0"/>
-              <a:t>1/20/2024</a:t>
+              <a:t>11/18/2024</a:t>
             </a:fld>
             <a:endParaRPr lang="en-US"/>
           </a:p>
@@ -3606,7 +4753,7 @@
           <a:p>
             <a:fld id="{736637C2-0074-4FEF-AEBC-2720ADB5AC51}" type="datetimeFigureOut">
               <a:rPr lang="en-US" smtClean="0"/>
-              <a:t>1/20/2024</a:t>
+              <a:t>11/18/2024</a:t>
             </a:fld>
             <a:endParaRPr lang="en-US"/>
           </a:p>
@@ -3822,7 +4969,7 @@
           <a:p>
             <a:fld id="{736637C2-0074-4FEF-AEBC-2720ADB5AC51}" type="datetimeFigureOut">
               <a:rPr lang="en-US" smtClean="0"/>
-              <a:t>1/20/2024</a:t>
+              <a:t>11/18/2024</a:t>
             </a:fld>
             <a:endParaRPr lang="en-US"/>
           </a:p>
@@ -4666,8 +5813,12 @@
           <a:lstStyle/>
           <a:p>
             <a:r>
+              <a:rPr lang="en-US" b="1" dirty="0"/>
+              <a:t>Clone</a:t>
+            </a:r>
+            <a:r>
               <a:rPr lang="en-US" dirty="0"/>
-              <a:t>Clone a repository</a:t>
+              <a:t> a repository</a:t>
             </a:r>
             <a:br>
               <a:rPr lang="en-US" dirty="0"/>
@@ -4902,7 +6053,13 @@
               <a:rPr lang="en-US" dirty="0">
                 <a:latin typeface="Consolas" panose="020B0609020204030204" pitchFamily="49" charset="0"/>
               </a:rPr>
-              <a:t>git pull</a:t>
+              <a:t>git </a:t>
+            </a:r>
+            <a:r>
+              <a:rPr lang="en-US" b="1" dirty="0">
+                <a:latin typeface="Consolas" panose="020B0609020204030204" pitchFamily="49" charset="0"/>
+              </a:rPr>
+              <a:t>pull</a:t>
             </a:r>
           </a:p>
         </p:txBody>
@@ -4922,7 +6079,7 @@
           <p:nvPr/>
         </p:nvPicPr>
         <p:blipFill>
-          <a:blip r:embed="rId2"/>
+          <a:blip r:embed="rId3"/>
           <a:stretch>
             <a:fillRect/>
           </a:stretch>
@@ -5509,7 +6666,7 @@
           <p:cNvPr id="2" name="Title 1">
             <a:extLst>
               <a:ext uri="{FF2B5EF4-FFF2-40B4-BE49-F238E27FC236}">
-                <a16:creationId xmlns:a16="http://schemas.microsoft.com/office/drawing/2014/main" id="{2AF331AC-FF45-F932-0C41-6745522AB9EF}"/>
+                <a16:creationId xmlns:a16="http://schemas.microsoft.com/office/drawing/2014/main" id="{0EDFAC8D-1FA1-C402-480E-833CDFA76B98}"/>
               </a:ext>
             </a:extLst>
           </p:cNvPr>
@@ -5526,35 +6683,576 @@
           <a:lstStyle/>
           <a:p>
             <a:r>
-              <a:rPr lang="en-US" dirty="0">
-                <a:solidFill>
-                  <a:schemeClr val="accent2"/>
-                </a:solidFill>
-              </a:rPr>
-              <a:t>You update </a:t>
-            </a:r>
-            <a:r>
-              <a:rPr lang="en-US" dirty="0" err="1">
-                <a:solidFill>
-                  <a:schemeClr val="accent2"/>
-                </a:solidFill>
-              </a:rPr>
-              <a:t>OPEN_ME_FIRST.ipynb</a:t>
-            </a:r>
-            <a:endParaRPr lang="en-US" dirty="0">
+              <a:rPr lang="en-US" dirty="0"/>
+              <a:t>Reminder: </a:t>
+            </a:r>
+            <a:r>
+              <a:rPr lang="en-US" dirty="0" err="1"/>
+              <a:t>Jupyter</a:t>
+            </a:r>
+            <a:r>
+              <a:rPr lang="en-US" dirty="0"/>
+              <a:t> notebooks are just JSON</a:t>
+            </a:r>
+            <a:endParaRPr lang="en-US" b="1" dirty="0">
+              <a:latin typeface="Consolas" panose="020B0609020204030204" pitchFamily="49" charset="0"/>
+            </a:endParaRPr>
+          </a:p>
+        </p:txBody>
+      </p:sp>
+      <p:sp>
+        <p:nvSpPr>
+          <p:cNvPr id="17" name="TextBox 16">
+            <a:extLst>
+              <a:ext uri="{FF2B5EF4-FFF2-40B4-BE49-F238E27FC236}">
+                <a16:creationId xmlns:a16="http://schemas.microsoft.com/office/drawing/2014/main" id="{524869F8-CF5A-5911-1CC0-2FAEC8CDBFE1}"/>
+              </a:ext>
+            </a:extLst>
+          </p:cNvPr>
+          <p:cNvSpPr txBox="1"/>
+          <p:nvPr/>
+        </p:nvSpPr>
+        <p:spPr>
+          <a:xfrm>
+            <a:off x="7439908" y="2099519"/>
+            <a:ext cx="4571116" cy="3416320"/>
+          </a:xfrm>
+          <a:prstGeom prst="rect">
+            <a:avLst/>
+          </a:prstGeom>
+          <a:noFill/>
+        </p:spPr>
+        <p:txBody>
+          <a:bodyPr wrap="square">
+            <a:spAutoFit/>
+          </a:bodyPr>
+          <a:lstStyle/>
+          <a:p>
+            <a:r>
+              <a:rPr lang="en-US" sz="1200" b="0" dirty="0">
+                <a:solidFill>
+                  <a:srgbClr val="CCCCCC"/>
+                </a:solidFill>
+                <a:effectLst/>
+                <a:latin typeface="Consolas" panose="020B0609020204030204" pitchFamily="49" charset="0"/>
+              </a:rPr>
+              <a:t>{</a:t>
+            </a:r>
+          </a:p>
+          <a:p>
+            <a:r>
+              <a:rPr lang="en-US" sz="1200" b="0" dirty="0">
+                <a:solidFill>
+                  <a:srgbClr val="CCCCCC"/>
+                </a:solidFill>
+                <a:effectLst/>
+                <a:latin typeface="Consolas" panose="020B0609020204030204" pitchFamily="49" charset="0"/>
+              </a:rPr>
+              <a:t>  </a:t>
+            </a:r>
+            <a:r>
+              <a:rPr lang="en-US" sz="1200" b="0" dirty="0">
+                <a:solidFill>
+                  <a:srgbClr val="6A8759"/>
+                </a:solidFill>
+                <a:effectLst/>
+                <a:latin typeface="Consolas" panose="020B0609020204030204" pitchFamily="49" charset="0"/>
+              </a:rPr>
+              <a:t>"cells"</a:t>
+            </a:r>
+            <a:r>
+              <a:rPr lang="en-US" sz="1200" b="0" dirty="0">
+                <a:solidFill>
+                  <a:srgbClr val="CCCCCC"/>
+                </a:solidFill>
+                <a:effectLst/>
+                <a:latin typeface="Consolas" panose="020B0609020204030204" pitchFamily="49" charset="0"/>
+              </a:rPr>
+              <a:t>: [</a:t>
+            </a:r>
+          </a:p>
+          <a:p>
+            <a:r>
+              <a:rPr lang="en-US" sz="1200" b="0" dirty="0">
+                <a:solidFill>
+                  <a:srgbClr val="CCCCCC"/>
+                </a:solidFill>
+                <a:effectLst/>
+                <a:latin typeface="Consolas" panose="020B0609020204030204" pitchFamily="49" charset="0"/>
+              </a:rPr>
+              <a:t>    {</a:t>
+            </a:r>
+          </a:p>
+          <a:p>
+            <a:r>
+              <a:rPr lang="en-US" sz="1200" b="0" dirty="0">
+                <a:solidFill>
+                  <a:srgbClr val="CCCCCC"/>
+                </a:solidFill>
+                <a:effectLst/>
+                <a:latin typeface="Consolas" panose="020B0609020204030204" pitchFamily="49" charset="0"/>
+              </a:rPr>
+              <a:t>      </a:t>
+            </a:r>
+            <a:r>
+              <a:rPr lang="en-US" sz="1200" b="0" dirty="0">
+                <a:solidFill>
+                  <a:srgbClr val="6A8759"/>
+                </a:solidFill>
+                <a:effectLst/>
+                <a:latin typeface="Consolas" panose="020B0609020204030204" pitchFamily="49" charset="0"/>
+              </a:rPr>
+              <a:t>"</a:t>
+            </a:r>
+            <a:r>
+              <a:rPr lang="en-US" sz="1200" b="0" dirty="0" err="1">
+                <a:solidFill>
+                  <a:srgbClr val="6A8759"/>
+                </a:solidFill>
+                <a:effectLst/>
+                <a:latin typeface="Consolas" panose="020B0609020204030204" pitchFamily="49" charset="0"/>
+              </a:rPr>
+              <a:t>cell_type</a:t>
+            </a:r>
+            <a:r>
+              <a:rPr lang="en-US" sz="1200" b="0" dirty="0">
+                <a:solidFill>
+                  <a:srgbClr val="6A8759"/>
+                </a:solidFill>
+                <a:effectLst/>
+                <a:latin typeface="Consolas" panose="020B0609020204030204" pitchFamily="49" charset="0"/>
+              </a:rPr>
+              <a:t>"</a:t>
+            </a:r>
+            <a:r>
+              <a:rPr lang="en-US" sz="1200" b="0" dirty="0">
+                <a:solidFill>
+                  <a:srgbClr val="CCCCCC"/>
+                </a:solidFill>
+                <a:effectLst/>
+                <a:latin typeface="Consolas" panose="020B0609020204030204" pitchFamily="49" charset="0"/>
+              </a:rPr>
+              <a:t>: </a:t>
+            </a:r>
+            <a:r>
+              <a:rPr lang="en-US" sz="1200" b="0" dirty="0">
+                <a:solidFill>
+                  <a:srgbClr val="6A8759"/>
+                </a:solidFill>
+                <a:effectLst/>
+                <a:latin typeface="Consolas" panose="020B0609020204030204" pitchFamily="49" charset="0"/>
+              </a:rPr>
+              <a:t>"markdown"</a:t>
+            </a:r>
+            <a:r>
+              <a:rPr lang="en-US" sz="1200" b="0" dirty="0">
+                <a:solidFill>
+                  <a:srgbClr val="CCCCCC"/>
+                </a:solidFill>
+                <a:effectLst/>
+                <a:latin typeface="Consolas" panose="020B0609020204030204" pitchFamily="49" charset="0"/>
+              </a:rPr>
+              <a:t>,</a:t>
+            </a:r>
+          </a:p>
+          <a:p>
+            <a:r>
+              <a:rPr lang="en-US" sz="1200" b="0" dirty="0">
+                <a:solidFill>
+                  <a:srgbClr val="CCCCCC"/>
+                </a:solidFill>
+                <a:effectLst/>
+                <a:latin typeface="Consolas" panose="020B0609020204030204" pitchFamily="49" charset="0"/>
+              </a:rPr>
+              <a:t>      </a:t>
+            </a:r>
+            <a:r>
+              <a:rPr lang="en-US" sz="1200" b="0" dirty="0">
+                <a:solidFill>
+                  <a:srgbClr val="6A8759"/>
+                </a:solidFill>
+                <a:effectLst/>
+                <a:latin typeface="Consolas" panose="020B0609020204030204" pitchFamily="49" charset="0"/>
+              </a:rPr>
+              <a:t>"metadata"</a:t>
+            </a:r>
+            <a:r>
+              <a:rPr lang="en-US" sz="1200" b="0" dirty="0">
+                <a:solidFill>
+                  <a:srgbClr val="CCCCCC"/>
+                </a:solidFill>
+                <a:effectLst/>
+                <a:latin typeface="Consolas" panose="020B0609020204030204" pitchFamily="49" charset="0"/>
+              </a:rPr>
+              <a:t>: {},</a:t>
+            </a:r>
+          </a:p>
+          <a:p>
+            <a:r>
+              <a:rPr lang="en-US" sz="1200" b="0" dirty="0">
+                <a:solidFill>
+                  <a:srgbClr val="CCCCCC"/>
+                </a:solidFill>
+                <a:effectLst/>
+                <a:latin typeface="Consolas" panose="020B0609020204030204" pitchFamily="49" charset="0"/>
+              </a:rPr>
+              <a:t>      </a:t>
+            </a:r>
+            <a:r>
+              <a:rPr lang="en-US" sz="1200" b="0" dirty="0">
+                <a:solidFill>
+                  <a:srgbClr val="6A8759"/>
+                </a:solidFill>
+                <a:effectLst/>
+                <a:latin typeface="Consolas" panose="020B0609020204030204" pitchFamily="49" charset="0"/>
+              </a:rPr>
+              <a:t>"source"</a:t>
+            </a:r>
+            <a:r>
+              <a:rPr lang="en-US" sz="1200" b="0" dirty="0">
+                <a:solidFill>
+                  <a:srgbClr val="CCCCCC"/>
+                </a:solidFill>
+                <a:effectLst/>
+                <a:latin typeface="Consolas" panose="020B0609020204030204" pitchFamily="49" charset="0"/>
+              </a:rPr>
+              <a:t>: [</a:t>
+            </a:r>
+          </a:p>
+          <a:p>
+            <a:r>
+              <a:rPr lang="en-US" sz="1200" b="0" dirty="0">
+                <a:solidFill>
+                  <a:srgbClr val="CCCCCC"/>
+                </a:solidFill>
+                <a:effectLst/>
+                <a:latin typeface="Consolas" panose="020B0609020204030204" pitchFamily="49" charset="0"/>
+              </a:rPr>
+              <a:t>        </a:t>
+            </a:r>
+            <a:r>
+              <a:rPr lang="en-US" sz="1200" b="0" dirty="0">
+                <a:solidFill>
+                  <a:srgbClr val="6A8759"/>
+                </a:solidFill>
+                <a:effectLst/>
+                <a:latin typeface="Consolas" panose="020B0609020204030204" pitchFamily="49" charset="0"/>
+              </a:rPr>
+              <a:t>"# Let's set up your </a:t>
+            </a:r>
+            <a:r>
+              <a:rPr lang="en-US" sz="1200" b="0" dirty="0" err="1">
+                <a:solidFill>
+                  <a:srgbClr val="6A8759"/>
+                </a:solidFill>
+                <a:effectLst/>
+                <a:latin typeface="Consolas" panose="020B0609020204030204" pitchFamily="49" charset="0"/>
+              </a:rPr>
+              <a:t>envrionment</a:t>
+            </a:r>
+            <a:r>
+              <a:rPr lang="en-US" sz="1200" b="0" dirty="0">
+                <a:solidFill>
+                  <a:srgbClr val="6A8759"/>
+                </a:solidFill>
+                <a:effectLst/>
+                <a:latin typeface="Consolas" panose="020B0609020204030204" pitchFamily="49" charset="0"/>
+              </a:rPr>
+              <a:t>"</a:t>
+            </a:r>
+            <a:endParaRPr lang="en-US" sz="1200" b="0" dirty="0">
               <a:solidFill>
-                <a:schemeClr val="accent2"/>
+                <a:srgbClr val="CCCCCC"/>
               </a:solidFill>
+              <a:effectLst/>
+              <a:latin typeface="Consolas" panose="020B0609020204030204" pitchFamily="49" charset="0"/>
             </a:endParaRPr>
+          </a:p>
+          <a:p>
+            <a:r>
+              <a:rPr lang="en-US" sz="1200" b="0" dirty="0">
+                <a:solidFill>
+                  <a:srgbClr val="CCCCCC"/>
+                </a:solidFill>
+                <a:effectLst/>
+                <a:latin typeface="Consolas" panose="020B0609020204030204" pitchFamily="49" charset="0"/>
+              </a:rPr>
+              <a:t>      ]</a:t>
+            </a:r>
+          </a:p>
+          <a:p>
+            <a:r>
+              <a:rPr lang="en-US" sz="1200" b="0" dirty="0">
+                <a:solidFill>
+                  <a:srgbClr val="CCCCCC"/>
+                </a:solidFill>
+                <a:effectLst/>
+                <a:latin typeface="Consolas" panose="020B0609020204030204" pitchFamily="49" charset="0"/>
+              </a:rPr>
+              <a:t>    },</a:t>
+            </a:r>
+          </a:p>
+          <a:p>
+            <a:r>
+              <a:rPr lang="en-US" sz="1200" b="0" dirty="0">
+                <a:solidFill>
+                  <a:srgbClr val="CCCCCC"/>
+                </a:solidFill>
+                <a:effectLst/>
+                <a:latin typeface="Consolas" panose="020B0609020204030204" pitchFamily="49" charset="0"/>
+              </a:rPr>
+              <a:t>    {</a:t>
+            </a:r>
+          </a:p>
+          <a:p>
+            <a:r>
+              <a:rPr lang="en-US" sz="1200" b="0" dirty="0">
+                <a:solidFill>
+                  <a:srgbClr val="CCCCCC"/>
+                </a:solidFill>
+                <a:effectLst/>
+                <a:latin typeface="Consolas" panose="020B0609020204030204" pitchFamily="49" charset="0"/>
+              </a:rPr>
+              <a:t>      </a:t>
+            </a:r>
+            <a:r>
+              <a:rPr lang="en-US" sz="1200" b="0" dirty="0">
+                <a:solidFill>
+                  <a:srgbClr val="6A8759"/>
+                </a:solidFill>
+                <a:effectLst/>
+                <a:latin typeface="Consolas" panose="020B0609020204030204" pitchFamily="49" charset="0"/>
+              </a:rPr>
+              <a:t>"</a:t>
+            </a:r>
+            <a:r>
+              <a:rPr lang="en-US" sz="1200" b="0" dirty="0" err="1">
+                <a:solidFill>
+                  <a:srgbClr val="6A8759"/>
+                </a:solidFill>
+                <a:effectLst/>
+                <a:latin typeface="Consolas" panose="020B0609020204030204" pitchFamily="49" charset="0"/>
+              </a:rPr>
+              <a:t>cell_type</a:t>
+            </a:r>
+            <a:r>
+              <a:rPr lang="en-US" sz="1200" b="0" dirty="0">
+                <a:solidFill>
+                  <a:srgbClr val="6A8759"/>
+                </a:solidFill>
+                <a:effectLst/>
+                <a:latin typeface="Consolas" panose="020B0609020204030204" pitchFamily="49" charset="0"/>
+              </a:rPr>
+              <a:t>"</a:t>
+            </a:r>
+            <a:r>
+              <a:rPr lang="en-US" sz="1200" b="0" dirty="0">
+                <a:solidFill>
+                  <a:srgbClr val="CCCCCC"/>
+                </a:solidFill>
+                <a:effectLst/>
+                <a:latin typeface="Consolas" panose="020B0609020204030204" pitchFamily="49" charset="0"/>
+              </a:rPr>
+              <a:t>: </a:t>
+            </a:r>
+            <a:r>
+              <a:rPr lang="en-US" sz="1200" b="0" dirty="0">
+                <a:solidFill>
+                  <a:srgbClr val="6A8759"/>
+                </a:solidFill>
+                <a:effectLst/>
+                <a:latin typeface="Consolas" panose="020B0609020204030204" pitchFamily="49" charset="0"/>
+              </a:rPr>
+              <a:t>"markdown"</a:t>
+            </a:r>
+            <a:r>
+              <a:rPr lang="en-US" sz="1200" b="0" dirty="0">
+                <a:solidFill>
+                  <a:srgbClr val="CCCCCC"/>
+                </a:solidFill>
+                <a:effectLst/>
+                <a:latin typeface="Consolas" panose="020B0609020204030204" pitchFamily="49" charset="0"/>
+              </a:rPr>
+              <a:t>,</a:t>
+            </a:r>
+          </a:p>
+          <a:p>
+            <a:r>
+              <a:rPr lang="en-US" sz="1200" b="0" dirty="0">
+                <a:solidFill>
+                  <a:srgbClr val="CCCCCC"/>
+                </a:solidFill>
+                <a:effectLst/>
+                <a:latin typeface="Consolas" panose="020B0609020204030204" pitchFamily="49" charset="0"/>
+              </a:rPr>
+              <a:t>      </a:t>
+            </a:r>
+            <a:r>
+              <a:rPr lang="en-US" sz="1200" b="0" dirty="0">
+                <a:solidFill>
+                  <a:srgbClr val="6A8759"/>
+                </a:solidFill>
+                <a:effectLst/>
+                <a:latin typeface="Consolas" panose="020B0609020204030204" pitchFamily="49" charset="0"/>
+              </a:rPr>
+              <a:t>"metadata"</a:t>
+            </a:r>
+            <a:r>
+              <a:rPr lang="en-US" sz="1200" b="0" dirty="0">
+                <a:solidFill>
+                  <a:srgbClr val="CCCCCC"/>
+                </a:solidFill>
+                <a:effectLst/>
+                <a:latin typeface="Consolas" panose="020B0609020204030204" pitchFamily="49" charset="0"/>
+              </a:rPr>
+              <a:t>: {},</a:t>
+            </a:r>
+          </a:p>
+          <a:p>
+            <a:r>
+              <a:rPr lang="en-US" sz="1200" b="0" dirty="0">
+                <a:solidFill>
+                  <a:srgbClr val="CCCCCC"/>
+                </a:solidFill>
+                <a:effectLst/>
+                <a:latin typeface="Consolas" panose="020B0609020204030204" pitchFamily="49" charset="0"/>
+              </a:rPr>
+              <a:t>      </a:t>
+            </a:r>
+            <a:r>
+              <a:rPr lang="en-US" sz="1200" b="0" dirty="0">
+                <a:solidFill>
+                  <a:srgbClr val="6A8759"/>
+                </a:solidFill>
+                <a:effectLst/>
+                <a:latin typeface="Consolas" panose="020B0609020204030204" pitchFamily="49" charset="0"/>
+              </a:rPr>
+              <a:t>"source"</a:t>
+            </a:r>
+            <a:r>
+              <a:rPr lang="en-US" sz="1200" b="0" dirty="0">
+                <a:solidFill>
+                  <a:srgbClr val="CCCCCC"/>
+                </a:solidFill>
+                <a:effectLst/>
+                <a:latin typeface="Consolas" panose="020B0609020204030204" pitchFamily="49" charset="0"/>
+              </a:rPr>
+              <a:t>: [</a:t>
+            </a:r>
+          </a:p>
+          <a:p>
+            <a:r>
+              <a:rPr lang="en-US" sz="1200" b="0" dirty="0">
+                <a:solidFill>
+                  <a:srgbClr val="CCCCCC"/>
+                </a:solidFill>
+                <a:effectLst/>
+                <a:latin typeface="Consolas" panose="020B0609020204030204" pitchFamily="49" charset="0"/>
+              </a:rPr>
+              <a:t>        </a:t>
+            </a:r>
+            <a:r>
+              <a:rPr lang="en-US" sz="1200" b="0" dirty="0">
+                <a:solidFill>
+                  <a:srgbClr val="6A8759"/>
+                </a:solidFill>
+                <a:effectLst/>
+                <a:latin typeface="Consolas" panose="020B0609020204030204" pitchFamily="49" charset="0"/>
+              </a:rPr>
+              <a:t>"### Import necessary libraries </a:t>
+            </a:r>
+            <a:r>
+              <a:rPr lang="en-US" sz="1200" b="0" dirty="0">
+                <a:solidFill>
+                  <a:srgbClr val="9E7BB0"/>
+                </a:solidFill>
+                <a:effectLst/>
+                <a:latin typeface="Consolas" panose="020B0609020204030204" pitchFamily="49" charset="0"/>
+              </a:rPr>
+              <a:t>\n</a:t>
+            </a:r>
+            <a:r>
+              <a:rPr lang="en-US" sz="1200" b="0" dirty="0">
+                <a:solidFill>
+                  <a:srgbClr val="6A8759"/>
+                </a:solidFill>
+                <a:effectLst/>
+                <a:latin typeface="Consolas" panose="020B0609020204030204" pitchFamily="49" charset="0"/>
+              </a:rPr>
+              <a:t>"</a:t>
+            </a:r>
+            <a:r>
+              <a:rPr lang="en-US" sz="1200" b="0" dirty="0">
+                <a:solidFill>
+                  <a:srgbClr val="CCCCCC"/>
+                </a:solidFill>
+                <a:effectLst/>
+                <a:latin typeface="Consolas" panose="020B0609020204030204" pitchFamily="49" charset="0"/>
+              </a:rPr>
+              <a:t>,</a:t>
+            </a:r>
+          </a:p>
+          <a:p>
+            <a:r>
+              <a:rPr lang="en-US" sz="1200" b="0" dirty="0">
+                <a:solidFill>
+                  <a:srgbClr val="CCCCCC"/>
+                </a:solidFill>
+                <a:effectLst/>
+                <a:latin typeface="Consolas" panose="020B0609020204030204" pitchFamily="49" charset="0"/>
+              </a:rPr>
+              <a:t>        </a:t>
+            </a:r>
+            <a:r>
+              <a:rPr lang="en-US" sz="1200" b="0" dirty="0">
+                <a:solidFill>
+                  <a:srgbClr val="6A8759"/>
+                </a:solidFill>
+                <a:effectLst/>
+                <a:latin typeface="Consolas" panose="020B0609020204030204" pitchFamily="49" charset="0"/>
+              </a:rPr>
+              <a:t>"*(click the *play* button in the toolbar above to execute a cell)*"</a:t>
+            </a:r>
+            <a:endParaRPr lang="en-US" sz="1200" b="0" dirty="0">
+              <a:solidFill>
+                <a:srgbClr val="CCCCCC"/>
+              </a:solidFill>
+              <a:effectLst/>
+              <a:latin typeface="Consolas" panose="020B0609020204030204" pitchFamily="49" charset="0"/>
+            </a:endParaRPr>
+          </a:p>
+          <a:p>
+            <a:r>
+              <a:rPr lang="en-US" sz="1200" b="0" dirty="0">
+                <a:solidFill>
+                  <a:srgbClr val="CCCCCC"/>
+                </a:solidFill>
+                <a:effectLst/>
+                <a:latin typeface="Consolas" panose="020B0609020204030204" pitchFamily="49" charset="0"/>
+              </a:rPr>
+              <a:t>      ]</a:t>
+            </a:r>
+          </a:p>
+          <a:p>
+            <a:r>
+              <a:rPr lang="en-US" sz="1200" b="0" dirty="0">
+                <a:solidFill>
+                  <a:srgbClr val="CCCCCC"/>
+                </a:solidFill>
+                <a:effectLst/>
+                <a:latin typeface="Consolas" panose="020B0609020204030204" pitchFamily="49" charset="0"/>
+              </a:rPr>
+              <a:t>    },</a:t>
+            </a:r>
           </a:p>
         </p:txBody>
       </p:sp>
       <p:pic>
         <p:nvPicPr>
-          <p:cNvPr id="6" name="Picture 5">
-            <a:extLst>
-              <a:ext uri="{FF2B5EF4-FFF2-40B4-BE49-F238E27FC236}">
-                <a16:creationId xmlns:a16="http://schemas.microsoft.com/office/drawing/2014/main" id="{E23F9E9A-179E-F853-4E5E-CF7C71FBA524}"/>
+          <p:cNvPr id="23" name="Picture 22">
+            <a:extLst>
+              <a:ext uri="{FF2B5EF4-FFF2-40B4-BE49-F238E27FC236}">
+                <a16:creationId xmlns:a16="http://schemas.microsoft.com/office/drawing/2014/main" id="{CDC13CC8-77A9-DB6E-6EEE-0F9FE1ACBDAB}"/>
               </a:ext>
             </a:extLst>
           </p:cNvPr>
@@ -5564,15 +7262,15 @@
           <p:nvPr/>
         </p:nvPicPr>
         <p:blipFill>
-          <a:blip r:embed="rId2"/>
+          <a:blip r:embed="rId3"/>
           <a:stretch>
             <a:fillRect/>
           </a:stretch>
         </p:blipFill>
         <p:spPr>
           <a:xfrm>
-            <a:off x="5599026" y="1504069"/>
-            <a:ext cx="5068007" cy="3143689"/>
+            <a:off x="838200" y="1690688"/>
+            <a:ext cx="6325483" cy="4620270"/>
           </a:xfrm>
           <a:prstGeom prst="rect">
             <a:avLst/>
@@ -5586,81 +7284,10 @@
           </a:effectLst>
         </p:spPr>
       </p:pic>
-      <p:sp>
-        <p:nvSpPr>
-          <p:cNvPr id="7" name="Title 1">
-            <a:extLst>
-              <a:ext uri="{FF2B5EF4-FFF2-40B4-BE49-F238E27FC236}">
-                <a16:creationId xmlns:a16="http://schemas.microsoft.com/office/drawing/2014/main" id="{DED2411D-6BBB-990F-D5F7-5D5B1E2A824E}"/>
-              </a:ext>
-            </a:extLst>
-          </p:cNvPr>
-          <p:cNvSpPr txBox="1">
-            <a:spLocks/>
-          </p:cNvSpPr>
-          <p:nvPr/>
-        </p:nvSpPr>
-        <p:spPr>
-          <a:xfrm>
-            <a:off x="838200" y="4691149"/>
-            <a:ext cx="10515600" cy="1325563"/>
-          </a:xfrm>
-          <a:prstGeom prst="rect">
-            <a:avLst/>
-          </a:prstGeom>
-        </p:spPr>
-        <p:txBody>
-          <a:bodyPr vert="horz" lIns="91440" tIns="45720" rIns="91440" bIns="45720" rtlCol="0" anchor="ctr">
-            <a:normAutofit/>
-          </a:bodyPr>
-          <a:lstStyle>
-            <a:lvl1pPr algn="l" defTabSz="914400" rtl="0" eaLnBrk="1" latinLnBrk="0" hangingPunct="1">
-              <a:lnSpc>
-                <a:spcPct val="90000"/>
-              </a:lnSpc>
-              <a:spcBef>
-                <a:spcPct val="0"/>
-              </a:spcBef>
-              <a:buNone/>
-              <a:defRPr sz="4400" kern="1200">
-                <a:solidFill>
-                  <a:schemeClr val="tx1"/>
-                </a:solidFill>
-                <a:latin typeface="+mj-lt"/>
-                <a:ea typeface="+mj-ea"/>
-                <a:cs typeface="+mj-cs"/>
-              </a:defRPr>
-            </a:lvl1pPr>
-          </a:lstStyle>
-          <a:p>
-            <a:r>
-              <a:rPr lang="en-US" dirty="0">
-                <a:solidFill>
-                  <a:schemeClr val="accent1"/>
-                </a:solidFill>
-              </a:rPr>
-              <a:t>I also update </a:t>
-            </a:r>
-            <a:r>
-              <a:rPr lang="en-US" dirty="0" err="1">
-                <a:solidFill>
-                  <a:schemeClr val="accent1"/>
-                </a:solidFill>
-              </a:rPr>
-              <a:t>OPEN_ME_FIRST.ipynb</a:t>
-            </a:r>
-            <a:endParaRPr lang="en-US" dirty="0">
-              <a:solidFill>
-                <a:schemeClr val="accent1"/>
-              </a:solidFill>
-            </a:endParaRPr>
-          </a:p>
-        </p:txBody>
-      </p:sp>
     </p:spTree>
     <p:extLst>
       <p:ext uri="{BB962C8B-B14F-4D97-AF65-F5344CB8AC3E}">
-        <p14:creationId xmlns:p14="http://schemas.microsoft.com/office/powerpoint/2010/main" val="2335098605"/>
+        <p14:creationId xmlns:p14="http://schemas.microsoft.com/office/powerpoint/2010/main" val="1324200523"/>
       </p:ext>
     </p:extLst>
   </p:cSld>
@@ -5692,7 +7319,7 @@
           <p:cNvPr id="2" name="Title 1">
             <a:extLst>
               <a:ext uri="{FF2B5EF4-FFF2-40B4-BE49-F238E27FC236}">
-                <a16:creationId xmlns:a16="http://schemas.microsoft.com/office/drawing/2014/main" id="{0EDFAC8D-1FA1-C402-480E-833CDFA76B98}"/>
+                <a16:creationId xmlns:a16="http://schemas.microsoft.com/office/drawing/2014/main" id="{2AF331AC-FF45-F932-0C41-6745522AB9EF}"/>
               </a:ext>
             </a:extLst>
           </p:cNvPr>
@@ -5709,653 +7336,22 @@
           <a:lstStyle/>
           <a:p>
             <a:r>
-              <a:rPr lang="en-US" dirty="0"/>
-              <a:t>Get latest changes with </a:t>
-            </a:r>
-            <a:r>
               <a:rPr lang="en-US" dirty="0">
-                <a:latin typeface="Consolas" panose="020B0609020204030204" pitchFamily="49" charset="0"/>
-              </a:rPr>
-              <a:t>git </a:t>
-            </a:r>
-            <a:r>
-              <a:rPr lang="en-US" dirty="0" err="1">
-                <a:latin typeface="Consolas" panose="020B0609020204030204" pitchFamily="49" charset="0"/>
-              </a:rPr>
-              <a:t>pull,</a:t>
-            </a:r>
-            <a:r>
-              <a:rPr lang="en-US" dirty="0" err="1"/>
-              <a:t>again</a:t>
-            </a:r>
-            <a:endParaRPr lang="en-US" dirty="0"/>
-          </a:p>
-        </p:txBody>
-      </p:sp>
-      <p:cxnSp>
-        <p:nvCxnSpPr>
-          <p:cNvPr id="7" name="Straight Arrow Connector 6">
-            <a:extLst>
-              <a:ext uri="{FF2B5EF4-FFF2-40B4-BE49-F238E27FC236}">
-                <a16:creationId xmlns:a16="http://schemas.microsoft.com/office/drawing/2014/main" id="{5E3F10FF-2558-CEBD-A891-BE0951101AE2}"/>
-              </a:ext>
-            </a:extLst>
-          </p:cNvPr>
-          <p:cNvCxnSpPr/>
-          <p:nvPr/>
-        </p:nvCxnSpPr>
-        <p:spPr>
-          <a:xfrm>
-            <a:off x="1428541" y="2170444"/>
-            <a:ext cx="9334918" cy="0"/>
-          </a:xfrm>
-          <a:prstGeom prst="straightConnector1">
-            <a:avLst/>
-          </a:prstGeom>
-          <a:ln w="28575">
-            <a:tailEnd type="triangle"/>
-          </a:ln>
-        </p:spPr>
-        <p:style>
-          <a:lnRef idx="1">
-            <a:schemeClr val="accent1"/>
-          </a:lnRef>
-          <a:fillRef idx="0">
-            <a:schemeClr val="accent1"/>
-          </a:fillRef>
-          <a:effectRef idx="0">
-            <a:schemeClr val="accent1"/>
-          </a:effectRef>
-          <a:fontRef idx="minor">
-            <a:schemeClr val="tx1"/>
-          </a:fontRef>
-        </p:style>
-      </p:cxnSp>
-      <p:sp>
-        <p:nvSpPr>
-          <p:cNvPr id="8" name="TextBox 7">
-            <a:extLst>
-              <a:ext uri="{FF2B5EF4-FFF2-40B4-BE49-F238E27FC236}">
-                <a16:creationId xmlns:a16="http://schemas.microsoft.com/office/drawing/2014/main" id="{5E99CA27-6410-D1A2-E5A9-98A46FCC3515}"/>
-              </a:ext>
-            </a:extLst>
-          </p:cNvPr>
-          <p:cNvSpPr txBox="1"/>
-          <p:nvPr/>
-        </p:nvSpPr>
-        <p:spPr>
-          <a:xfrm>
-            <a:off x="399618" y="1985778"/>
-            <a:ext cx="511679" cy="369332"/>
-          </a:xfrm>
-          <a:prstGeom prst="rect">
-            <a:avLst/>
-          </a:prstGeom>
-          <a:noFill/>
-        </p:spPr>
-        <p:txBody>
-          <a:bodyPr wrap="none" rtlCol="0">
-            <a:spAutoFit/>
-          </a:bodyPr>
-          <a:lstStyle/>
-          <a:p>
-            <a:r>
-              <a:rPr lang="en-US" dirty="0">
-                <a:solidFill>
-                  <a:schemeClr val="accent1"/>
-                </a:solidFill>
-              </a:rPr>
-              <a:t>Me</a:t>
-            </a:r>
-          </a:p>
-        </p:txBody>
-      </p:sp>
-      <p:sp>
-        <p:nvSpPr>
-          <p:cNvPr id="9" name="TextBox 8">
-            <a:extLst>
-              <a:ext uri="{FF2B5EF4-FFF2-40B4-BE49-F238E27FC236}">
-                <a16:creationId xmlns:a16="http://schemas.microsoft.com/office/drawing/2014/main" id="{766DD2A2-4E9B-E20C-D0EA-3EDF5BFA9895}"/>
-              </a:ext>
-            </a:extLst>
-          </p:cNvPr>
-          <p:cNvSpPr txBox="1"/>
-          <p:nvPr/>
-        </p:nvSpPr>
-        <p:spPr>
-          <a:xfrm>
-            <a:off x="399618" y="2743773"/>
-            <a:ext cx="585417" cy="369332"/>
-          </a:xfrm>
-          <a:prstGeom prst="rect">
-            <a:avLst/>
-          </a:prstGeom>
-          <a:noFill/>
-        </p:spPr>
-        <p:txBody>
-          <a:bodyPr wrap="none" rtlCol="0">
-            <a:spAutoFit/>
-          </a:bodyPr>
-          <a:lstStyle/>
-          <a:p>
-            <a:r>
-              <a:rPr lang="en-US" dirty="0">
                 <a:solidFill>
                   <a:schemeClr val="accent2"/>
                 </a:solidFill>
               </a:rPr>
-              <a:t>You</a:t>
-            </a:r>
-          </a:p>
-        </p:txBody>
-      </p:sp>
-      <p:sp>
-        <p:nvSpPr>
-          <p:cNvPr id="11" name="Flowchart: Connector 10">
-            <a:extLst>
-              <a:ext uri="{FF2B5EF4-FFF2-40B4-BE49-F238E27FC236}">
-                <a16:creationId xmlns:a16="http://schemas.microsoft.com/office/drawing/2014/main" id="{ADED6D95-ED31-D3AC-EBDA-A4D4D908A60B}"/>
-              </a:ext>
-            </a:extLst>
-          </p:cNvPr>
-          <p:cNvSpPr/>
-          <p:nvPr/>
-        </p:nvSpPr>
-        <p:spPr>
-          <a:xfrm>
-            <a:off x="1690007" y="2090179"/>
-            <a:ext cx="144951" cy="160771"/>
-          </a:xfrm>
-          <a:prstGeom prst="flowChartConnector">
-            <a:avLst/>
-          </a:prstGeom>
-          <a:ln>
-            <a:noFill/>
-          </a:ln>
-        </p:spPr>
-        <p:style>
-          <a:lnRef idx="2">
-            <a:schemeClr val="accent1">
-              <a:shade val="15000"/>
-            </a:schemeClr>
-          </a:lnRef>
-          <a:fillRef idx="1">
-            <a:schemeClr val="accent1"/>
-          </a:fillRef>
-          <a:effectRef idx="0">
-            <a:schemeClr val="accent1"/>
-          </a:effectRef>
-          <a:fontRef idx="minor">
-            <a:schemeClr val="lt1"/>
-          </a:fontRef>
-        </p:style>
-        <p:txBody>
-          <a:bodyPr rtlCol="0" anchor="ctr"/>
-          <a:lstStyle/>
-          <a:p>
-            <a:pPr algn="ctr"/>
-            <a:endParaRPr lang="en-US"/>
-          </a:p>
-        </p:txBody>
-      </p:sp>
-      <p:sp>
-        <p:nvSpPr>
-          <p:cNvPr id="12" name="Flowchart: Connector 11">
-            <a:extLst>
-              <a:ext uri="{FF2B5EF4-FFF2-40B4-BE49-F238E27FC236}">
-                <a16:creationId xmlns:a16="http://schemas.microsoft.com/office/drawing/2014/main" id="{EB1DC4A7-5C3D-CEBB-BF96-0909ADC3DCBE}"/>
-              </a:ext>
-            </a:extLst>
-          </p:cNvPr>
-          <p:cNvSpPr/>
-          <p:nvPr/>
-        </p:nvSpPr>
-        <p:spPr>
-          <a:xfrm>
-            <a:off x="4168164" y="2090058"/>
-            <a:ext cx="144951" cy="160771"/>
-          </a:xfrm>
-          <a:prstGeom prst="flowChartConnector">
-            <a:avLst/>
-          </a:prstGeom>
-          <a:ln>
-            <a:noFill/>
-          </a:ln>
-        </p:spPr>
-        <p:style>
-          <a:lnRef idx="2">
-            <a:schemeClr val="accent1">
-              <a:shade val="15000"/>
-            </a:schemeClr>
-          </a:lnRef>
-          <a:fillRef idx="1">
-            <a:schemeClr val="accent1"/>
-          </a:fillRef>
-          <a:effectRef idx="0">
-            <a:schemeClr val="accent1"/>
-          </a:effectRef>
-          <a:fontRef idx="minor">
-            <a:schemeClr val="lt1"/>
-          </a:fontRef>
-        </p:style>
-        <p:txBody>
-          <a:bodyPr rtlCol="0" anchor="ctr"/>
-          <a:lstStyle/>
-          <a:p>
-            <a:pPr algn="ctr"/>
-            <a:endParaRPr lang="en-US"/>
-          </a:p>
-        </p:txBody>
-      </p:sp>
-      <p:cxnSp>
-        <p:nvCxnSpPr>
-          <p:cNvPr id="13" name="Straight Arrow Connector 12">
-            <a:extLst>
-              <a:ext uri="{FF2B5EF4-FFF2-40B4-BE49-F238E27FC236}">
-                <a16:creationId xmlns:a16="http://schemas.microsoft.com/office/drawing/2014/main" id="{0FBF2718-31A0-C685-C817-280615134FB9}"/>
-              </a:ext>
-            </a:extLst>
-          </p:cNvPr>
-          <p:cNvCxnSpPr>
-            <a:cxnSpLocks/>
-            <a:stCxn id="16" idx="2"/>
-          </p:cNvCxnSpPr>
-          <p:nvPr/>
-        </p:nvCxnSpPr>
-        <p:spPr>
-          <a:xfrm flipV="1">
-            <a:off x="2481001" y="2985160"/>
-            <a:ext cx="8282458" cy="874"/>
-          </a:xfrm>
-          <a:prstGeom prst="straightConnector1">
-            <a:avLst/>
-          </a:prstGeom>
-          <a:ln w="28575">
-            <a:solidFill>
-              <a:schemeClr val="accent2"/>
-            </a:solidFill>
-            <a:tailEnd type="triangle"/>
-          </a:ln>
-        </p:spPr>
-        <p:style>
-          <a:lnRef idx="1">
-            <a:schemeClr val="accent1"/>
-          </a:lnRef>
-          <a:fillRef idx="0">
-            <a:schemeClr val="accent1"/>
-          </a:fillRef>
-          <a:effectRef idx="0">
-            <a:schemeClr val="accent1"/>
-          </a:effectRef>
-          <a:fontRef idx="minor">
-            <a:schemeClr val="tx1"/>
-          </a:fontRef>
-        </p:style>
-      </p:cxnSp>
-      <p:cxnSp>
-        <p:nvCxnSpPr>
-          <p:cNvPr id="15" name="Straight Arrow Connector 14">
-            <a:extLst>
-              <a:ext uri="{FF2B5EF4-FFF2-40B4-BE49-F238E27FC236}">
-                <a16:creationId xmlns:a16="http://schemas.microsoft.com/office/drawing/2014/main" id="{F7358A8E-1B9F-F7CA-6388-3E1464B12970}"/>
-              </a:ext>
-            </a:extLst>
-          </p:cNvPr>
-          <p:cNvCxnSpPr>
-            <a:cxnSpLocks/>
-          </p:cNvCxnSpPr>
-          <p:nvPr/>
-        </p:nvCxnSpPr>
-        <p:spPr>
-          <a:xfrm flipH="1">
-            <a:off x="2553476" y="2170443"/>
-            <a:ext cx="880" cy="673020"/>
-          </a:xfrm>
-          <a:prstGeom prst="straightConnector1">
-            <a:avLst/>
-          </a:prstGeom>
-          <a:ln>
-            <a:tailEnd type="triangle"/>
-          </a:ln>
-        </p:spPr>
-        <p:style>
-          <a:lnRef idx="1">
-            <a:schemeClr val="accent2"/>
-          </a:lnRef>
-          <a:fillRef idx="0">
-            <a:schemeClr val="accent2"/>
-          </a:fillRef>
-          <a:effectRef idx="0">
-            <a:schemeClr val="accent2"/>
-          </a:effectRef>
-          <a:fontRef idx="minor">
-            <a:schemeClr val="tx1"/>
-          </a:fontRef>
-        </p:style>
-      </p:cxnSp>
-      <p:sp>
-        <p:nvSpPr>
-          <p:cNvPr id="16" name="Flowchart: Connector 15">
-            <a:extLst>
-              <a:ext uri="{FF2B5EF4-FFF2-40B4-BE49-F238E27FC236}">
-                <a16:creationId xmlns:a16="http://schemas.microsoft.com/office/drawing/2014/main" id="{D46750FD-E3E4-ACEE-F578-1A237BB72492}"/>
-              </a:ext>
-            </a:extLst>
-          </p:cNvPr>
-          <p:cNvSpPr/>
-          <p:nvPr/>
-        </p:nvSpPr>
-        <p:spPr>
-          <a:xfrm>
-            <a:off x="2481001" y="2905648"/>
-            <a:ext cx="144951" cy="160771"/>
-          </a:xfrm>
-          <a:prstGeom prst="flowChartConnector">
-            <a:avLst/>
-          </a:prstGeom>
-          <a:solidFill>
-            <a:schemeClr val="accent2"/>
-          </a:solidFill>
-          <a:ln>
-            <a:noFill/>
-          </a:ln>
-        </p:spPr>
-        <p:style>
-          <a:lnRef idx="2">
-            <a:schemeClr val="accent1">
-              <a:shade val="15000"/>
-            </a:schemeClr>
-          </a:lnRef>
-          <a:fillRef idx="1">
-            <a:schemeClr val="accent1"/>
-          </a:fillRef>
-          <a:effectRef idx="0">
-            <a:schemeClr val="accent1"/>
-          </a:effectRef>
-          <a:fontRef idx="minor">
-            <a:schemeClr val="lt1"/>
-          </a:fontRef>
-        </p:style>
-        <p:txBody>
-          <a:bodyPr rtlCol="0" anchor="ctr"/>
-          <a:lstStyle/>
-          <a:p>
-            <a:pPr algn="ctr"/>
-            <a:endParaRPr lang="en-US"/>
-          </a:p>
-        </p:txBody>
-      </p:sp>
-      <p:sp>
-        <p:nvSpPr>
-          <p:cNvPr id="19" name="TextBox 18">
-            <a:extLst>
-              <a:ext uri="{FF2B5EF4-FFF2-40B4-BE49-F238E27FC236}">
-                <a16:creationId xmlns:a16="http://schemas.microsoft.com/office/drawing/2014/main" id="{EAE41324-04B1-4B5F-D099-8BA0B3C29BD9}"/>
-              </a:ext>
-            </a:extLst>
-          </p:cNvPr>
-          <p:cNvSpPr txBox="1"/>
-          <p:nvPr/>
-        </p:nvSpPr>
-        <p:spPr>
-          <a:xfrm>
-            <a:off x="2553476" y="2364079"/>
-            <a:ext cx="848309" cy="253916"/>
-          </a:xfrm>
-          <a:prstGeom prst="rect">
-            <a:avLst/>
-          </a:prstGeom>
-          <a:noFill/>
-        </p:spPr>
-        <p:txBody>
-          <a:bodyPr wrap="none" rtlCol="0">
-            <a:spAutoFit/>
-          </a:bodyPr>
-          <a:lstStyle/>
-          <a:p>
-            <a:r>
-              <a:rPr lang="en-US" sz="1050" dirty="0">
-                <a:solidFill>
-                  <a:schemeClr val="accent2"/>
-                </a:solidFill>
-                <a:latin typeface="Consolas" panose="020B0609020204030204" pitchFamily="49" charset="0"/>
-              </a:rPr>
-              <a:t>git clone</a:t>
-            </a:r>
-          </a:p>
-        </p:txBody>
-      </p:sp>
-      <p:cxnSp>
-        <p:nvCxnSpPr>
-          <p:cNvPr id="20" name="Straight Arrow Connector 19">
-            <a:extLst>
-              <a:ext uri="{FF2B5EF4-FFF2-40B4-BE49-F238E27FC236}">
-                <a16:creationId xmlns:a16="http://schemas.microsoft.com/office/drawing/2014/main" id="{AD8CBA3C-DC07-8775-8185-E69E02BB5BAF}"/>
-              </a:ext>
-            </a:extLst>
-          </p:cNvPr>
-          <p:cNvCxnSpPr>
-            <a:cxnSpLocks/>
-          </p:cNvCxnSpPr>
-          <p:nvPr/>
-        </p:nvCxnSpPr>
-        <p:spPr>
-          <a:xfrm flipH="1">
-            <a:off x="4886682" y="2170443"/>
-            <a:ext cx="880" cy="673020"/>
-          </a:xfrm>
-          <a:prstGeom prst="straightConnector1">
-            <a:avLst/>
-          </a:prstGeom>
-          <a:ln>
-            <a:tailEnd type="triangle"/>
-          </a:ln>
-        </p:spPr>
-        <p:style>
-          <a:lnRef idx="1">
-            <a:schemeClr val="accent2"/>
-          </a:lnRef>
-          <a:fillRef idx="0">
-            <a:schemeClr val="accent2"/>
-          </a:fillRef>
-          <a:effectRef idx="0">
-            <a:schemeClr val="accent2"/>
-          </a:effectRef>
-          <a:fontRef idx="minor">
-            <a:schemeClr val="tx1"/>
-          </a:fontRef>
-        </p:style>
-      </p:cxnSp>
-      <p:sp>
-        <p:nvSpPr>
-          <p:cNvPr id="21" name="TextBox 20">
-            <a:extLst>
-              <a:ext uri="{FF2B5EF4-FFF2-40B4-BE49-F238E27FC236}">
-                <a16:creationId xmlns:a16="http://schemas.microsoft.com/office/drawing/2014/main" id="{E39A7224-7412-50D8-9D26-95ADA2EDA588}"/>
-              </a:ext>
-            </a:extLst>
-          </p:cNvPr>
-          <p:cNvSpPr txBox="1"/>
-          <p:nvPr/>
-        </p:nvSpPr>
-        <p:spPr>
-          <a:xfrm>
-            <a:off x="4886682" y="2364079"/>
-            <a:ext cx="774571" cy="253916"/>
-          </a:xfrm>
-          <a:prstGeom prst="rect">
-            <a:avLst/>
-          </a:prstGeom>
-          <a:noFill/>
-        </p:spPr>
-        <p:txBody>
-          <a:bodyPr wrap="none" rtlCol="0">
-            <a:spAutoFit/>
-          </a:bodyPr>
-          <a:lstStyle/>
-          <a:p>
-            <a:r>
-              <a:rPr lang="en-US" sz="1050" dirty="0">
-                <a:solidFill>
-                  <a:schemeClr val="accent2"/>
-                </a:solidFill>
-                <a:latin typeface="Consolas" panose="020B0609020204030204" pitchFamily="49" charset="0"/>
-              </a:rPr>
-              <a:t>git pull</a:t>
-            </a:r>
-          </a:p>
-        </p:txBody>
-      </p:sp>
-      <p:sp>
-        <p:nvSpPr>
-          <p:cNvPr id="22" name="Flowchart: Connector 21">
-            <a:extLst>
-              <a:ext uri="{FF2B5EF4-FFF2-40B4-BE49-F238E27FC236}">
-                <a16:creationId xmlns:a16="http://schemas.microsoft.com/office/drawing/2014/main" id="{42BCDF13-E3BA-D23D-E1A2-8EE39AECDB0A}"/>
-              </a:ext>
-            </a:extLst>
-          </p:cNvPr>
-          <p:cNvSpPr/>
-          <p:nvPr/>
-        </p:nvSpPr>
-        <p:spPr>
-          <a:xfrm>
-            <a:off x="4814206" y="2900190"/>
-            <a:ext cx="144951" cy="160771"/>
-          </a:xfrm>
-          <a:prstGeom prst="flowChartConnector">
-            <a:avLst/>
-          </a:prstGeom>
-          <a:solidFill>
-            <a:schemeClr val="accent2"/>
-          </a:solidFill>
-          <a:ln>
-            <a:noFill/>
-          </a:ln>
-        </p:spPr>
-        <p:style>
-          <a:lnRef idx="2">
-            <a:schemeClr val="accent1">
-              <a:shade val="15000"/>
-            </a:schemeClr>
-          </a:lnRef>
-          <a:fillRef idx="1">
-            <a:schemeClr val="accent1"/>
-          </a:fillRef>
-          <a:effectRef idx="0">
-            <a:schemeClr val="accent1"/>
-          </a:effectRef>
-          <a:fontRef idx="minor">
-            <a:schemeClr val="lt1"/>
-          </a:fontRef>
-        </p:style>
-        <p:txBody>
-          <a:bodyPr rtlCol="0" anchor="ctr"/>
-          <a:lstStyle/>
-          <a:p>
-            <a:pPr algn="ctr"/>
-            <a:endParaRPr lang="en-US"/>
-          </a:p>
-        </p:txBody>
-      </p:sp>
-      <p:sp>
-        <p:nvSpPr>
-          <p:cNvPr id="3" name="Flowchart: Connector 2">
-            <a:extLst>
-              <a:ext uri="{FF2B5EF4-FFF2-40B4-BE49-F238E27FC236}">
-                <a16:creationId xmlns:a16="http://schemas.microsoft.com/office/drawing/2014/main" id="{D06AFDD7-8B1D-F8C4-43B1-3E1D448E3BE6}"/>
-              </a:ext>
-            </a:extLst>
-          </p:cNvPr>
-          <p:cNvSpPr/>
-          <p:nvPr/>
-        </p:nvSpPr>
-        <p:spPr>
-          <a:xfrm>
-            <a:off x="6109836" y="2904774"/>
-            <a:ext cx="144951" cy="160771"/>
-          </a:xfrm>
-          <a:prstGeom prst="flowChartConnector">
-            <a:avLst/>
-          </a:prstGeom>
-          <a:solidFill>
-            <a:schemeClr val="accent2"/>
-          </a:solidFill>
-          <a:ln>
-            <a:noFill/>
-          </a:ln>
-        </p:spPr>
-        <p:style>
-          <a:lnRef idx="2">
-            <a:schemeClr val="accent1">
-              <a:shade val="15000"/>
-            </a:schemeClr>
-          </a:lnRef>
-          <a:fillRef idx="1">
-            <a:schemeClr val="accent1"/>
-          </a:fillRef>
-          <a:effectRef idx="0">
-            <a:schemeClr val="accent1"/>
-          </a:effectRef>
-          <a:fontRef idx="minor">
-            <a:schemeClr val="lt1"/>
-          </a:fontRef>
-        </p:style>
-        <p:txBody>
-          <a:bodyPr rtlCol="0" anchor="ctr"/>
-          <a:lstStyle/>
-          <a:p>
-            <a:pPr algn="ctr"/>
-            <a:endParaRPr lang="en-US"/>
-          </a:p>
-        </p:txBody>
-      </p:sp>
-      <p:sp>
-        <p:nvSpPr>
-          <p:cNvPr id="4" name="TextBox 3">
-            <a:extLst>
-              <a:ext uri="{FF2B5EF4-FFF2-40B4-BE49-F238E27FC236}">
-                <a16:creationId xmlns:a16="http://schemas.microsoft.com/office/drawing/2014/main" id="{8A3611E1-7AF0-3272-49F5-19ECA21F9C4B}"/>
-              </a:ext>
-            </a:extLst>
-          </p:cNvPr>
-          <p:cNvSpPr txBox="1"/>
-          <p:nvPr/>
-        </p:nvSpPr>
-        <p:spPr>
-          <a:xfrm>
-            <a:off x="5985173" y="2519205"/>
-            <a:ext cx="732893" cy="253916"/>
-          </a:xfrm>
-          <a:prstGeom prst="rect">
-            <a:avLst/>
-          </a:prstGeom>
-          <a:noFill/>
-        </p:spPr>
-        <p:txBody>
-          <a:bodyPr wrap="none" rtlCol="0">
-            <a:spAutoFit/>
-          </a:bodyPr>
-          <a:lstStyle/>
-          <a:p>
-            <a:r>
-              <a:rPr lang="en-US" sz="1050" dirty="0">
-                <a:solidFill>
-                  <a:schemeClr val="accent2"/>
-                </a:solidFill>
-                <a:latin typeface="+mj-lt"/>
-              </a:rPr>
-              <a:t>Your edit</a:t>
+              <a:t>You update README.md</a:t>
             </a:r>
           </a:p>
         </p:txBody>
       </p:sp>
       <p:pic>
         <p:nvPicPr>
-          <p:cNvPr id="10" name="Picture 9">
-            <a:extLst>
-              <a:ext uri="{FF2B5EF4-FFF2-40B4-BE49-F238E27FC236}">
-                <a16:creationId xmlns:a16="http://schemas.microsoft.com/office/drawing/2014/main" id="{8AC2BB74-E247-5F2F-122C-884B4939963B}"/>
+          <p:cNvPr id="6" name="Picture 5">
+            <a:extLst>
+              <a:ext uri="{FF2B5EF4-FFF2-40B4-BE49-F238E27FC236}">
+                <a16:creationId xmlns:a16="http://schemas.microsoft.com/office/drawing/2014/main" id="{E23F9E9A-179E-F853-4E5E-CF7C71FBA524}"/>
               </a:ext>
             </a:extLst>
           </p:cNvPr>
@@ -6365,15 +7361,15 @@
           <p:nvPr/>
         </p:nvPicPr>
         <p:blipFill>
-          <a:blip r:embed="rId2"/>
+          <a:blip r:embed="rId3"/>
           <a:stretch>
             <a:fillRect/>
           </a:stretch>
         </p:blipFill>
         <p:spPr>
           <a:xfrm>
-            <a:off x="2855774" y="3512131"/>
-            <a:ext cx="6258798" cy="1962424"/>
+            <a:off x="5599026" y="1504069"/>
+            <a:ext cx="5068007" cy="3143689"/>
           </a:xfrm>
           <a:prstGeom prst="rect">
             <a:avLst/>
@@ -6389,89 +7385,58 @@
       </p:pic>
       <p:sp>
         <p:nvSpPr>
-          <p:cNvPr id="14" name="Flowchart: Connector 13">
-            <a:extLst>
-              <a:ext uri="{FF2B5EF4-FFF2-40B4-BE49-F238E27FC236}">
-                <a16:creationId xmlns:a16="http://schemas.microsoft.com/office/drawing/2014/main" id="{201B2618-3D49-7389-C353-08B859BCB55C}"/>
-              </a:ext>
-            </a:extLst>
-          </p:cNvPr>
-          <p:cNvSpPr/>
-          <p:nvPr/>
-        </p:nvSpPr>
-        <p:spPr>
-          <a:xfrm>
-            <a:off x="7393335" y="2105468"/>
-            <a:ext cx="144951" cy="160771"/>
-          </a:xfrm>
-          <a:prstGeom prst="flowChartConnector">
-            <a:avLst/>
-          </a:prstGeom>
-          <a:ln>
-            <a:noFill/>
-          </a:ln>
-        </p:spPr>
-        <p:style>
-          <a:lnRef idx="2">
-            <a:schemeClr val="accent1">
-              <a:shade val="15000"/>
-            </a:schemeClr>
-          </a:lnRef>
-          <a:fillRef idx="1">
-            <a:schemeClr val="accent1"/>
-          </a:fillRef>
-          <a:effectRef idx="0">
-            <a:schemeClr val="accent1"/>
-          </a:effectRef>
-          <a:fontRef idx="minor">
-            <a:schemeClr val="lt1"/>
-          </a:fontRef>
-        </p:style>
-        <p:txBody>
-          <a:bodyPr rtlCol="0" anchor="ctr"/>
-          <a:lstStyle/>
-          <a:p>
-            <a:pPr algn="ctr"/>
-            <a:endParaRPr lang="en-US"/>
-          </a:p>
-        </p:txBody>
-      </p:sp>
-      <p:sp>
-        <p:nvSpPr>
-          <p:cNvPr id="17" name="TextBox 16">
-            <a:extLst>
-              <a:ext uri="{FF2B5EF4-FFF2-40B4-BE49-F238E27FC236}">
-                <a16:creationId xmlns:a16="http://schemas.microsoft.com/office/drawing/2014/main" id="{F77293AC-085A-909E-9F5A-4AF3C110E9A4}"/>
-              </a:ext>
-            </a:extLst>
-          </p:cNvPr>
-          <p:cNvSpPr txBox="1"/>
-          <p:nvPr/>
-        </p:nvSpPr>
-        <p:spPr>
-          <a:xfrm>
-            <a:off x="7538286" y="1829763"/>
-            <a:ext cx="636713" cy="253916"/>
+          <p:cNvPr id="7" name="Title 1">
+            <a:extLst>
+              <a:ext uri="{FF2B5EF4-FFF2-40B4-BE49-F238E27FC236}">
+                <a16:creationId xmlns:a16="http://schemas.microsoft.com/office/drawing/2014/main" id="{DED2411D-6BBB-990F-D5F7-5D5B1E2A824E}"/>
+              </a:ext>
+            </a:extLst>
+          </p:cNvPr>
+          <p:cNvSpPr txBox="1">
+            <a:spLocks/>
+          </p:cNvSpPr>
+          <p:nvPr/>
+        </p:nvSpPr>
+        <p:spPr>
+          <a:xfrm>
+            <a:off x="838200" y="4691149"/>
+            <a:ext cx="10515600" cy="1325563"/>
           </a:xfrm>
           <a:prstGeom prst="rect">
             <a:avLst/>
           </a:prstGeom>
-          <a:noFill/>
-        </p:spPr>
-        <p:txBody>
-          <a:bodyPr wrap="none" rtlCol="0">
-            <a:spAutoFit/>
+        </p:spPr>
+        <p:txBody>
+          <a:bodyPr vert="horz" lIns="91440" tIns="45720" rIns="91440" bIns="45720" rtlCol="0" anchor="ctr">
+            <a:normAutofit/>
           </a:bodyPr>
-          <a:lstStyle/>
-          <a:p>
-            <a:r>
-              <a:rPr lang="en-US" sz="1050" dirty="0">
+          <a:lstStyle>
+            <a:lvl1pPr algn="l" defTabSz="914400" rtl="0" eaLnBrk="1" latinLnBrk="0" hangingPunct="1">
+              <a:lnSpc>
+                <a:spcPct val="90000"/>
+              </a:lnSpc>
+              <a:spcBef>
+                <a:spcPct val="0"/>
+              </a:spcBef>
+              <a:buNone/>
+              <a:defRPr sz="4400" kern="1200">
+                <a:solidFill>
+                  <a:schemeClr val="tx1"/>
+                </a:solidFill>
+                <a:latin typeface="+mj-lt"/>
+                <a:ea typeface="+mj-ea"/>
+                <a:cs typeface="+mj-cs"/>
+              </a:defRPr>
+            </a:lvl1pPr>
+          </a:lstStyle>
+          <a:p>
+            <a:r>
+              <a:rPr lang="en-US" dirty="0">
                 <a:solidFill>
                   <a:schemeClr val="accent1"/>
                 </a:solidFill>
-                <a:latin typeface="+mj-lt"/>
-              </a:rPr>
-              <a:t>My edit</a:t>
+              </a:rPr>
+              <a:t>I also update README.md</a:t>
             </a:r>
           </a:p>
         </p:txBody>
@@ -6479,7 +7444,7 @@
     </p:spTree>
     <p:extLst>
       <p:ext uri="{BB962C8B-B14F-4D97-AF65-F5344CB8AC3E}">
-        <p14:creationId xmlns:p14="http://schemas.microsoft.com/office/powerpoint/2010/main" val="4115458080"/>
+        <p14:creationId xmlns:p14="http://schemas.microsoft.com/office/powerpoint/2010/main" val="2335098605"/>
       </p:ext>
     </p:extLst>
   </p:cSld>
@@ -7169,6 +8134,43 @@
           </a:p>
         </p:txBody>
       </p:sp>
+      <p:pic>
+        <p:nvPicPr>
+          <p:cNvPr id="10" name="Picture 9">
+            <a:extLst>
+              <a:ext uri="{FF2B5EF4-FFF2-40B4-BE49-F238E27FC236}">
+                <a16:creationId xmlns:a16="http://schemas.microsoft.com/office/drawing/2014/main" id="{8AC2BB74-E247-5F2F-122C-884B4939963B}"/>
+              </a:ext>
+            </a:extLst>
+          </p:cNvPr>
+          <p:cNvPicPr>
+            <a:picLocks noChangeAspect="1"/>
+          </p:cNvPicPr>
+          <p:nvPr/>
+        </p:nvPicPr>
+        <p:blipFill>
+          <a:blip r:embed="rId2"/>
+          <a:stretch>
+            <a:fillRect/>
+          </a:stretch>
+        </p:blipFill>
+        <p:spPr>
+          <a:xfrm>
+            <a:off x="2855774" y="3512131"/>
+            <a:ext cx="6258798" cy="1962424"/>
+          </a:xfrm>
+          <a:prstGeom prst="rect">
+            <a:avLst/>
+          </a:prstGeom>
+          <a:effectLst>
+            <a:outerShdw blurRad="50800" dist="38100" dir="2700000" algn="tl" rotWithShape="0">
+              <a:prstClr val="black">
+                <a:alpha val="40000"/>
+              </a:prstClr>
+            </a:outerShdw>
+          </a:effectLst>
+        </p:spPr>
+      </p:pic>
       <p:sp>
         <p:nvSpPr>
           <p:cNvPr id="14" name="Flowchart: Connector 13">
@@ -7258,273 +8260,10 @@
           </a:p>
         </p:txBody>
       </p:sp>
-      <p:cxnSp>
-        <p:nvCxnSpPr>
-          <p:cNvPr id="18" name="Straight Arrow Connector 17">
-            <a:extLst>
-              <a:ext uri="{FF2B5EF4-FFF2-40B4-BE49-F238E27FC236}">
-                <a16:creationId xmlns:a16="http://schemas.microsoft.com/office/drawing/2014/main" id="{4984A806-D562-6054-D0ED-5081F03228F9}"/>
-              </a:ext>
-            </a:extLst>
-          </p:cNvPr>
-          <p:cNvCxnSpPr>
-            <a:cxnSpLocks/>
-          </p:cNvCxnSpPr>
-          <p:nvPr/>
-        </p:nvCxnSpPr>
-        <p:spPr>
-          <a:xfrm flipH="1">
-            <a:off x="8655730" y="2170443"/>
-            <a:ext cx="880" cy="673020"/>
-          </a:xfrm>
-          <a:prstGeom prst="straightConnector1">
-            <a:avLst/>
-          </a:prstGeom>
-          <a:ln>
-            <a:tailEnd type="triangle"/>
-          </a:ln>
-        </p:spPr>
-        <p:style>
-          <a:lnRef idx="1">
-            <a:schemeClr val="accent2"/>
-          </a:lnRef>
-          <a:fillRef idx="0">
-            <a:schemeClr val="accent2"/>
-          </a:fillRef>
-          <a:effectRef idx="0">
-            <a:schemeClr val="accent2"/>
-          </a:effectRef>
-          <a:fontRef idx="minor">
-            <a:schemeClr val="tx1"/>
-          </a:fontRef>
-        </p:style>
-      </p:cxnSp>
-      <p:sp>
-        <p:nvSpPr>
-          <p:cNvPr id="23" name="TextBox 22">
-            <a:extLst>
-              <a:ext uri="{FF2B5EF4-FFF2-40B4-BE49-F238E27FC236}">
-                <a16:creationId xmlns:a16="http://schemas.microsoft.com/office/drawing/2014/main" id="{0DF4D7F6-4474-F622-F4E2-5B636E8C4361}"/>
-              </a:ext>
-            </a:extLst>
-          </p:cNvPr>
-          <p:cNvSpPr txBox="1"/>
-          <p:nvPr/>
-        </p:nvSpPr>
-        <p:spPr>
-          <a:xfrm>
-            <a:off x="8655730" y="2364079"/>
-            <a:ext cx="774571" cy="253916"/>
-          </a:xfrm>
-          <a:prstGeom prst="rect">
-            <a:avLst/>
-          </a:prstGeom>
-          <a:noFill/>
-        </p:spPr>
-        <p:txBody>
-          <a:bodyPr wrap="none" rtlCol="0">
-            <a:spAutoFit/>
-          </a:bodyPr>
-          <a:lstStyle/>
-          <a:p>
-            <a:r>
-              <a:rPr lang="en-US" sz="1050" dirty="0">
-                <a:solidFill>
-                  <a:schemeClr val="accent2"/>
-                </a:solidFill>
-                <a:latin typeface="Consolas" panose="020B0609020204030204" pitchFamily="49" charset="0"/>
-              </a:rPr>
-              <a:t>git pull</a:t>
-            </a:r>
-          </a:p>
-        </p:txBody>
-      </p:sp>
-      <p:sp>
-        <p:nvSpPr>
-          <p:cNvPr id="24" name="Flowchart: Connector 23">
-            <a:extLst>
-              <a:ext uri="{FF2B5EF4-FFF2-40B4-BE49-F238E27FC236}">
-                <a16:creationId xmlns:a16="http://schemas.microsoft.com/office/drawing/2014/main" id="{51C6AFE3-C63D-015D-21CC-904A81E8313F}"/>
-              </a:ext>
-            </a:extLst>
-          </p:cNvPr>
-          <p:cNvSpPr/>
-          <p:nvPr/>
-        </p:nvSpPr>
-        <p:spPr>
-          <a:xfrm>
-            <a:off x="8583254" y="2909455"/>
-            <a:ext cx="144951" cy="160771"/>
-          </a:xfrm>
-          <a:prstGeom prst="flowChartConnector">
-            <a:avLst/>
-          </a:prstGeom>
-          <a:solidFill>
-            <a:schemeClr val="accent2"/>
-          </a:solidFill>
-          <a:ln>
-            <a:noFill/>
-          </a:ln>
-        </p:spPr>
-        <p:style>
-          <a:lnRef idx="2">
-            <a:schemeClr val="accent1">
-              <a:shade val="15000"/>
-            </a:schemeClr>
-          </a:lnRef>
-          <a:fillRef idx="1">
-            <a:schemeClr val="accent1"/>
-          </a:fillRef>
-          <a:effectRef idx="0">
-            <a:schemeClr val="accent1"/>
-          </a:effectRef>
-          <a:fontRef idx="minor">
-            <a:schemeClr val="lt1"/>
-          </a:fontRef>
-        </p:style>
-        <p:txBody>
-          <a:bodyPr rtlCol="0" anchor="ctr"/>
-          <a:lstStyle/>
-          <a:p>
-            <a:pPr algn="ctr"/>
-            <a:endParaRPr lang="en-US"/>
-          </a:p>
-        </p:txBody>
-      </p:sp>
-      <p:pic>
-        <p:nvPicPr>
-          <p:cNvPr id="6" name="Picture 5">
-            <a:extLst>
-              <a:ext uri="{FF2B5EF4-FFF2-40B4-BE49-F238E27FC236}">
-                <a16:creationId xmlns:a16="http://schemas.microsoft.com/office/drawing/2014/main" id="{F0BC58DC-82CD-6709-2FDC-AF15A125F2C3}"/>
-              </a:ext>
-            </a:extLst>
-          </p:cNvPr>
-          <p:cNvPicPr>
-            <a:picLocks noChangeAspect="1"/>
-          </p:cNvPicPr>
-          <p:nvPr/>
-        </p:nvPicPr>
-        <p:blipFill>
-          <a:blip r:embed="rId2"/>
-          <a:stretch>
-            <a:fillRect/>
-          </a:stretch>
-        </p:blipFill>
-        <p:spPr>
-          <a:xfrm>
-            <a:off x="2590311" y="3658178"/>
-            <a:ext cx="7011378" cy="2467319"/>
-          </a:xfrm>
-          <a:prstGeom prst="rect">
-            <a:avLst/>
-          </a:prstGeom>
-          <a:effectLst>
-            <a:outerShdw blurRad="50800" dist="38100" dir="2700000" algn="tl" rotWithShape="0">
-              <a:prstClr val="black">
-                <a:alpha val="40000"/>
-              </a:prstClr>
-            </a:outerShdw>
-          </a:effectLst>
-        </p:spPr>
-      </p:pic>
-      <p:sp>
-        <p:nvSpPr>
-          <p:cNvPr id="27" name="Rectangle 26">
-            <a:extLst>
-              <a:ext uri="{FF2B5EF4-FFF2-40B4-BE49-F238E27FC236}">
-                <a16:creationId xmlns:a16="http://schemas.microsoft.com/office/drawing/2014/main" id="{8220D873-2E34-B392-7F1C-9D1FD489D6D8}"/>
-              </a:ext>
-            </a:extLst>
-          </p:cNvPr>
-          <p:cNvSpPr/>
-          <p:nvPr/>
-        </p:nvSpPr>
-        <p:spPr>
-          <a:xfrm>
-            <a:off x="5661253" y="1749258"/>
-            <a:ext cx="2645288" cy="1587327"/>
-          </a:xfrm>
-          <a:prstGeom prst="rect">
-            <a:avLst/>
-          </a:prstGeom>
-          <a:solidFill>
-            <a:schemeClr val="accent6">
-              <a:alpha val="30196"/>
-            </a:schemeClr>
-          </a:solidFill>
-          <a:ln>
-            <a:noFill/>
-          </a:ln>
-        </p:spPr>
-        <p:style>
-          <a:lnRef idx="2">
-            <a:schemeClr val="accent1">
-              <a:shade val="15000"/>
-            </a:schemeClr>
-          </a:lnRef>
-          <a:fillRef idx="1">
-            <a:schemeClr val="accent1"/>
-          </a:fillRef>
-          <a:effectRef idx="0">
-            <a:schemeClr val="accent1"/>
-          </a:effectRef>
-          <a:fontRef idx="minor">
-            <a:schemeClr val="lt1"/>
-          </a:fontRef>
-        </p:style>
-        <p:txBody>
-          <a:bodyPr rtlCol="0" anchor="ctr"/>
-          <a:lstStyle/>
-          <a:p>
-            <a:pPr algn="ctr"/>
-            <a:endParaRPr lang="en-US"/>
-          </a:p>
-        </p:txBody>
-      </p:sp>
-      <p:sp>
-        <p:nvSpPr>
-          <p:cNvPr id="28" name="TextBox 27">
-            <a:extLst>
-              <a:ext uri="{FF2B5EF4-FFF2-40B4-BE49-F238E27FC236}">
-                <a16:creationId xmlns:a16="http://schemas.microsoft.com/office/drawing/2014/main" id="{2C5281A4-5497-66F4-288E-113882130349}"/>
-              </a:ext>
-            </a:extLst>
-          </p:cNvPr>
-          <p:cNvSpPr txBox="1"/>
-          <p:nvPr/>
-        </p:nvSpPr>
-        <p:spPr>
-          <a:xfrm>
-            <a:off x="5781473" y="1495501"/>
-            <a:ext cx="867545" cy="307777"/>
-          </a:xfrm>
-          <a:prstGeom prst="rect">
-            <a:avLst/>
-          </a:prstGeom>
-          <a:noFill/>
-        </p:spPr>
-        <p:txBody>
-          <a:bodyPr wrap="none" rtlCol="0">
-            <a:spAutoFit/>
-          </a:bodyPr>
-          <a:lstStyle/>
-          <a:p>
-            <a:r>
-              <a:rPr lang="en-US" sz="1400" dirty="0">
-                <a:solidFill>
-                  <a:schemeClr val="accent6"/>
-                </a:solidFill>
-              </a:rPr>
-              <a:t>Conflict!</a:t>
-            </a:r>
-          </a:p>
-        </p:txBody>
-      </p:sp>
     </p:spTree>
     <p:extLst>
       <p:ext uri="{BB962C8B-B14F-4D97-AF65-F5344CB8AC3E}">
-        <p14:creationId xmlns:p14="http://schemas.microsoft.com/office/powerpoint/2010/main" val="3307249859"/>
+        <p14:creationId xmlns:p14="http://schemas.microsoft.com/office/powerpoint/2010/main" val="4115458080"/>
       </p:ext>
     </p:extLst>
   </p:cSld>
@@ -7574,13 +8313,23 @@
           <a:p>
             <a:r>
               <a:rPr lang="en-US" dirty="0"/>
-              <a:t>More detail with </a:t>
+              <a:t>Get latest changes with </a:t>
             </a:r>
             <a:r>
               <a:rPr lang="en-US" dirty="0">
                 <a:latin typeface="Consolas" panose="020B0609020204030204" pitchFamily="49" charset="0"/>
               </a:rPr>
-              <a:t>git diff</a:t>
+              <a:t>git </a:t>
+            </a:r>
+            <a:r>
+              <a:rPr lang="en-US" dirty="0" err="1">
+                <a:latin typeface="Consolas" panose="020B0609020204030204" pitchFamily="49" charset="0"/>
+              </a:rPr>
+              <a:t>pull,</a:t>
+            </a:r>
+            <a:r>
+              <a:rPr lang="en-US" dirty="0" err="1"/>
+              <a:t>again</a:t>
             </a:r>
             <a:endParaRPr lang="en-US" dirty="0"/>
           </a:p>
@@ -8426,6 +9175,43 @@
           </a:p>
         </p:txBody>
       </p:sp>
+      <p:pic>
+        <p:nvPicPr>
+          <p:cNvPr id="6" name="Picture 5">
+            <a:extLst>
+              <a:ext uri="{FF2B5EF4-FFF2-40B4-BE49-F238E27FC236}">
+                <a16:creationId xmlns:a16="http://schemas.microsoft.com/office/drawing/2014/main" id="{F0BC58DC-82CD-6709-2FDC-AF15A125F2C3}"/>
+              </a:ext>
+            </a:extLst>
+          </p:cNvPr>
+          <p:cNvPicPr>
+            <a:picLocks noChangeAspect="1"/>
+          </p:cNvPicPr>
+          <p:nvPr/>
+        </p:nvPicPr>
+        <p:blipFill>
+          <a:blip r:embed="rId2"/>
+          <a:stretch>
+            <a:fillRect/>
+          </a:stretch>
+        </p:blipFill>
+        <p:spPr>
+          <a:xfrm>
+            <a:off x="2590311" y="3658178"/>
+            <a:ext cx="7011378" cy="2467319"/>
+          </a:xfrm>
+          <a:prstGeom prst="rect">
+            <a:avLst/>
+          </a:prstGeom>
+          <a:effectLst>
+            <a:outerShdw blurRad="50800" dist="38100" dir="2700000" algn="tl" rotWithShape="0">
+              <a:prstClr val="black">
+                <a:alpha val="40000"/>
+              </a:prstClr>
+            </a:outerShdw>
+          </a:effectLst>
+        </p:spPr>
+      </p:pic>
       <p:sp>
         <p:nvSpPr>
           <p:cNvPr id="27" name="Rectangle 26">
@@ -8447,9 +9233,9 @@
             <a:avLst/>
           </a:prstGeom>
           <a:solidFill>
-            <a:srgbClr val="FBE5D6">
+            <a:schemeClr val="accent6">
               <a:alpha val="30196"/>
-            </a:srgbClr>
+            </a:schemeClr>
           </a:solidFill>
           <a:ln>
             <a:noFill/>
@@ -8509,53 +9295,20 @@
           <a:lstStyle/>
           <a:p>
             <a:r>
-              <a:rPr lang="en-US" sz="1400" dirty="0"/>
+              <a:rPr lang="en-US" sz="1400" dirty="0">
+                <a:solidFill>
+                  <a:schemeClr val="accent6"/>
+                </a:solidFill>
+              </a:rPr>
               <a:t>Conflict!</a:t>
             </a:r>
           </a:p>
         </p:txBody>
       </p:sp>
-      <p:pic>
-        <p:nvPicPr>
-          <p:cNvPr id="10" name="Picture 9">
-            <a:extLst>
-              <a:ext uri="{FF2B5EF4-FFF2-40B4-BE49-F238E27FC236}">
-                <a16:creationId xmlns:a16="http://schemas.microsoft.com/office/drawing/2014/main" id="{175D62B3-2FF2-2F68-8F49-3793B1437476}"/>
-              </a:ext>
-            </a:extLst>
-          </p:cNvPr>
-          <p:cNvPicPr>
-            <a:picLocks noChangeAspect="1"/>
-          </p:cNvPicPr>
-          <p:nvPr/>
-        </p:nvPicPr>
-        <p:blipFill>
-          <a:blip r:embed="rId2"/>
-          <a:stretch>
-            <a:fillRect/>
-          </a:stretch>
-        </p:blipFill>
-        <p:spPr>
-          <a:xfrm>
-            <a:off x="1275677" y="3437391"/>
-            <a:ext cx="9640645" cy="2800741"/>
-          </a:xfrm>
-          <a:prstGeom prst="rect">
-            <a:avLst/>
-          </a:prstGeom>
-          <a:effectLst>
-            <a:outerShdw blurRad="50800" dist="38100" dir="2700000" algn="tl" rotWithShape="0">
-              <a:prstClr val="black">
-                <a:alpha val="40000"/>
-              </a:prstClr>
-            </a:outerShdw>
-          </a:effectLst>
-        </p:spPr>
-      </p:pic>
     </p:spTree>
     <p:extLst>
       <p:ext uri="{BB962C8B-B14F-4D97-AF65-F5344CB8AC3E}">
-        <p14:creationId xmlns:p14="http://schemas.microsoft.com/office/powerpoint/2010/main" val="3840065364"/>
+        <p14:creationId xmlns:p14="http://schemas.microsoft.com/office/powerpoint/2010/main" val="3307249859"/>
       </p:ext>
     </p:extLst>
   </p:cSld>
@@ -8605,8 +9358,15 @@
           <a:p>
             <a:r>
               <a:rPr lang="en-US" dirty="0"/>
-              <a:t>Either resolve the merge conflict</a:t>
-            </a:r>
+              <a:t>More detail with </a:t>
+            </a:r>
+            <a:r>
+              <a:rPr lang="en-US" dirty="0">
+                <a:latin typeface="Consolas" panose="020B0609020204030204" pitchFamily="49" charset="0"/>
+              </a:rPr>
+              <a:t>git diff</a:t>
+            </a:r>
+            <a:endParaRPr lang="en-US" dirty="0"/>
           </a:p>
         </p:txBody>
       </p:sp>
@@ -9541,10 +10301,10 @@
       </p:sp>
       <p:pic>
         <p:nvPicPr>
-          <p:cNvPr id="6" name="Picture 5">
-            <a:extLst>
-              <a:ext uri="{FF2B5EF4-FFF2-40B4-BE49-F238E27FC236}">
-                <a16:creationId xmlns:a16="http://schemas.microsoft.com/office/drawing/2014/main" id="{4ABD603D-78E1-CD53-D68F-178ED4046869}"/>
+          <p:cNvPr id="10" name="Picture 9">
+            <a:extLst>
+              <a:ext uri="{FF2B5EF4-FFF2-40B4-BE49-F238E27FC236}">
+                <a16:creationId xmlns:a16="http://schemas.microsoft.com/office/drawing/2014/main" id="{175D62B3-2FF2-2F68-8F49-3793B1437476}"/>
               </a:ext>
             </a:extLst>
           </p:cNvPr>
@@ -9561,8 +10321,8 @@
         </p:blipFill>
         <p:spPr>
           <a:xfrm>
-            <a:off x="2932805" y="3264649"/>
-            <a:ext cx="6354062" cy="3334215"/>
+            <a:off x="1275677" y="3437391"/>
+            <a:ext cx="9640645" cy="2800741"/>
           </a:xfrm>
           <a:prstGeom prst="rect">
             <a:avLst/>
@@ -9579,7 +10339,7 @@
     </p:spTree>
     <p:extLst>
       <p:ext uri="{BB962C8B-B14F-4D97-AF65-F5344CB8AC3E}">
-        <p14:creationId xmlns:p14="http://schemas.microsoft.com/office/powerpoint/2010/main" val="1962549041"/>
+        <p14:creationId xmlns:p14="http://schemas.microsoft.com/office/powerpoint/2010/main" val="3840065364"/>
       </p:ext>
     </p:extLst>
   </p:cSld>
@@ -9629,7 +10389,7 @@
           <a:p>
             <a:r>
               <a:rPr lang="en-US" dirty="0"/>
-              <a:t>Sometimes by manually picking changes</a:t>
+              <a:t>Either resolve the merge conflict</a:t>
             </a:r>
           </a:p>
         </p:txBody>
@@ -10565,10 +11325,10 @@
       </p:sp>
       <p:pic>
         <p:nvPicPr>
-          <p:cNvPr id="10" name="Picture 9">
-            <a:extLst>
-              <a:ext uri="{FF2B5EF4-FFF2-40B4-BE49-F238E27FC236}">
-                <a16:creationId xmlns:a16="http://schemas.microsoft.com/office/drawing/2014/main" id="{2FBBAD6E-796F-75B1-E46B-5A0F8DDAE34D}"/>
+          <p:cNvPr id="6" name="Picture 5">
+            <a:extLst>
+              <a:ext uri="{FF2B5EF4-FFF2-40B4-BE49-F238E27FC236}">
+                <a16:creationId xmlns:a16="http://schemas.microsoft.com/office/drawing/2014/main" id="{4ABD603D-78E1-CD53-D68F-178ED4046869}"/>
               </a:ext>
             </a:extLst>
           </p:cNvPr>
@@ -10585,8 +11345,8 @@
         </p:blipFill>
         <p:spPr>
           <a:xfrm>
-            <a:off x="1875836" y="3401561"/>
-            <a:ext cx="8440328" cy="3267531"/>
+            <a:off x="2932805" y="3264649"/>
+            <a:ext cx="6354062" cy="3334215"/>
           </a:xfrm>
           <a:prstGeom prst="rect">
             <a:avLst/>
@@ -10603,7 +11363,7 @@
     </p:spTree>
     <p:extLst>
       <p:ext uri="{BB962C8B-B14F-4D97-AF65-F5344CB8AC3E}">
-        <p14:creationId xmlns:p14="http://schemas.microsoft.com/office/powerpoint/2010/main" val="1676956924"/>
+        <p14:creationId xmlns:p14="http://schemas.microsoft.com/office/powerpoint/2010/main" val="1962549041"/>
       </p:ext>
     </p:extLst>
   </p:cSld>
@@ -10635,7 +11395,7 @@
           <p:cNvPr id="2" name="Title 1">
             <a:extLst>
               <a:ext uri="{FF2B5EF4-FFF2-40B4-BE49-F238E27FC236}">
-                <a16:creationId xmlns:a16="http://schemas.microsoft.com/office/drawing/2014/main" id="{FE7C2B30-2F44-A398-9CDF-AC339691410D}"/>
+                <a16:creationId xmlns:a16="http://schemas.microsoft.com/office/drawing/2014/main" id="{0EDFAC8D-1FA1-C402-480E-833CDFA76B98}"/>
               </a:ext>
             </a:extLst>
           </p:cNvPr>
@@ -10653,17 +11413,946 @@
           <a:p>
             <a:r>
               <a:rPr lang="en-US" dirty="0"/>
-              <a:t>…or just overwrite the local file </a:t>
+              <a:t>Sometimes by manually picking changes</a:t>
+            </a:r>
+          </a:p>
+        </p:txBody>
+      </p:sp>
+      <p:cxnSp>
+        <p:nvCxnSpPr>
+          <p:cNvPr id="7" name="Straight Arrow Connector 6">
+            <a:extLst>
+              <a:ext uri="{FF2B5EF4-FFF2-40B4-BE49-F238E27FC236}">
+                <a16:creationId xmlns:a16="http://schemas.microsoft.com/office/drawing/2014/main" id="{5E3F10FF-2558-CEBD-A891-BE0951101AE2}"/>
+              </a:ext>
+            </a:extLst>
+          </p:cNvPr>
+          <p:cNvCxnSpPr/>
+          <p:nvPr/>
+        </p:nvCxnSpPr>
+        <p:spPr>
+          <a:xfrm>
+            <a:off x="1428541" y="2170444"/>
+            <a:ext cx="9334918" cy="0"/>
+          </a:xfrm>
+          <a:prstGeom prst="straightConnector1">
+            <a:avLst/>
+          </a:prstGeom>
+          <a:ln w="28575">
+            <a:tailEnd type="triangle"/>
+          </a:ln>
+        </p:spPr>
+        <p:style>
+          <a:lnRef idx="1">
+            <a:schemeClr val="accent1"/>
+          </a:lnRef>
+          <a:fillRef idx="0">
+            <a:schemeClr val="accent1"/>
+          </a:fillRef>
+          <a:effectRef idx="0">
+            <a:schemeClr val="accent1"/>
+          </a:effectRef>
+          <a:fontRef idx="minor">
+            <a:schemeClr val="tx1"/>
+          </a:fontRef>
+        </p:style>
+      </p:cxnSp>
+      <p:sp>
+        <p:nvSpPr>
+          <p:cNvPr id="8" name="TextBox 7">
+            <a:extLst>
+              <a:ext uri="{FF2B5EF4-FFF2-40B4-BE49-F238E27FC236}">
+                <a16:creationId xmlns:a16="http://schemas.microsoft.com/office/drawing/2014/main" id="{5E99CA27-6410-D1A2-E5A9-98A46FCC3515}"/>
+              </a:ext>
+            </a:extLst>
+          </p:cNvPr>
+          <p:cNvSpPr txBox="1"/>
+          <p:nvPr/>
+        </p:nvSpPr>
+        <p:spPr>
+          <a:xfrm>
+            <a:off x="399618" y="1985778"/>
+            <a:ext cx="511679" cy="369332"/>
+          </a:xfrm>
+          <a:prstGeom prst="rect">
+            <a:avLst/>
+          </a:prstGeom>
+          <a:noFill/>
+        </p:spPr>
+        <p:txBody>
+          <a:bodyPr wrap="none" rtlCol="0">
+            <a:spAutoFit/>
+          </a:bodyPr>
+          <a:lstStyle/>
+          <a:p>
+            <a:r>
+              <a:rPr lang="en-US" dirty="0">
+                <a:solidFill>
+                  <a:schemeClr val="accent1"/>
+                </a:solidFill>
+              </a:rPr>
+              <a:t>Me</a:t>
+            </a:r>
+          </a:p>
+        </p:txBody>
+      </p:sp>
+      <p:sp>
+        <p:nvSpPr>
+          <p:cNvPr id="9" name="TextBox 8">
+            <a:extLst>
+              <a:ext uri="{FF2B5EF4-FFF2-40B4-BE49-F238E27FC236}">
+                <a16:creationId xmlns:a16="http://schemas.microsoft.com/office/drawing/2014/main" id="{766DD2A2-4E9B-E20C-D0EA-3EDF5BFA9895}"/>
+              </a:ext>
+            </a:extLst>
+          </p:cNvPr>
+          <p:cNvSpPr txBox="1"/>
+          <p:nvPr/>
+        </p:nvSpPr>
+        <p:spPr>
+          <a:xfrm>
+            <a:off x="399618" y="2743773"/>
+            <a:ext cx="585417" cy="369332"/>
+          </a:xfrm>
+          <a:prstGeom prst="rect">
+            <a:avLst/>
+          </a:prstGeom>
+          <a:noFill/>
+        </p:spPr>
+        <p:txBody>
+          <a:bodyPr wrap="none" rtlCol="0">
+            <a:spAutoFit/>
+          </a:bodyPr>
+          <a:lstStyle/>
+          <a:p>
+            <a:r>
+              <a:rPr lang="en-US" dirty="0">
+                <a:solidFill>
+                  <a:schemeClr val="accent2"/>
+                </a:solidFill>
+              </a:rPr>
+              <a:t>You</a:t>
+            </a:r>
+          </a:p>
+        </p:txBody>
+      </p:sp>
+      <p:sp>
+        <p:nvSpPr>
+          <p:cNvPr id="11" name="Flowchart: Connector 10">
+            <a:extLst>
+              <a:ext uri="{FF2B5EF4-FFF2-40B4-BE49-F238E27FC236}">
+                <a16:creationId xmlns:a16="http://schemas.microsoft.com/office/drawing/2014/main" id="{ADED6D95-ED31-D3AC-EBDA-A4D4D908A60B}"/>
+              </a:ext>
+            </a:extLst>
+          </p:cNvPr>
+          <p:cNvSpPr/>
+          <p:nvPr/>
+        </p:nvSpPr>
+        <p:spPr>
+          <a:xfrm>
+            <a:off x="1690007" y="2090179"/>
+            <a:ext cx="144951" cy="160771"/>
+          </a:xfrm>
+          <a:prstGeom prst="flowChartConnector">
+            <a:avLst/>
+          </a:prstGeom>
+          <a:ln>
+            <a:noFill/>
+          </a:ln>
+        </p:spPr>
+        <p:style>
+          <a:lnRef idx="2">
+            <a:schemeClr val="accent1">
+              <a:shade val="15000"/>
+            </a:schemeClr>
+          </a:lnRef>
+          <a:fillRef idx="1">
+            <a:schemeClr val="accent1"/>
+          </a:fillRef>
+          <a:effectRef idx="0">
+            <a:schemeClr val="accent1"/>
+          </a:effectRef>
+          <a:fontRef idx="minor">
+            <a:schemeClr val="lt1"/>
+          </a:fontRef>
+        </p:style>
+        <p:txBody>
+          <a:bodyPr rtlCol="0" anchor="ctr"/>
+          <a:lstStyle/>
+          <a:p>
+            <a:pPr algn="ctr"/>
+            <a:endParaRPr lang="en-US"/>
+          </a:p>
+        </p:txBody>
+      </p:sp>
+      <p:sp>
+        <p:nvSpPr>
+          <p:cNvPr id="12" name="Flowchart: Connector 11">
+            <a:extLst>
+              <a:ext uri="{FF2B5EF4-FFF2-40B4-BE49-F238E27FC236}">
+                <a16:creationId xmlns:a16="http://schemas.microsoft.com/office/drawing/2014/main" id="{EB1DC4A7-5C3D-CEBB-BF96-0909ADC3DCBE}"/>
+              </a:ext>
+            </a:extLst>
+          </p:cNvPr>
+          <p:cNvSpPr/>
+          <p:nvPr/>
+        </p:nvSpPr>
+        <p:spPr>
+          <a:xfrm>
+            <a:off x="4168164" y="2090058"/>
+            <a:ext cx="144951" cy="160771"/>
+          </a:xfrm>
+          <a:prstGeom prst="flowChartConnector">
+            <a:avLst/>
+          </a:prstGeom>
+          <a:ln>
+            <a:noFill/>
+          </a:ln>
+        </p:spPr>
+        <p:style>
+          <a:lnRef idx="2">
+            <a:schemeClr val="accent1">
+              <a:shade val="15000"/>
+            </a:schemeClr>
+          </a:lnRef>
+          <a:fillRef idx="1">
+            <a:schemeClr val="accent1"/>
+          </a:fillRef>
+          <a:effectRef idx="0">
+            <a:schemeClr val="accent1"/>
+          </a:effectRef>
+          <a:fontRef idx="minor">
+            <a:schemeClr val="lt1"/>
+          </a:fontRef>
+        </p:style>
+        <p:txBody>
+          <a:bodyPr rtlCol="0" anchor="ctr"/>
+          <a:lstStyle/>
+          <a:p>
+            <a:pPr algn="ctr"/>
+            <a:endParaRPr lang="en-US"/>
+          </a:p>
+        </p:txBody>
+      </p:sp>
+      <p:cxnSp>
+        <p:nvCxnSpPr>
+          <p:cNvPr id="13" name="Straight Arrow Connector 12">
+            <a:extLst>
+              <a:ext uri="{FF2B5EF4-FFF2-40B4-BE49-F238E27FC236}">
+                <a16:creationId xmlns:a16="http://schemas.microsoft.com/office/drawing/2014/main" id="{0FBF2718-31A0-C685-C817-280615134FB9}"/>
+              </a:ext>
+            </a:extLst>
+          </p:cNvPr>
+          <p:cNvCxnSpPr>
+            <a:cxnSpLocks/>
+            <a:stCxn id="16" idx="2"/>
+          </p:cNvCxnSpPr>
+          <p:nvPr/>
+        </p:nvCxnSpPr>
+        <p:spPr>
+          <a:xfrm flipV="1">
+            <a:off x="2481001" y="2985160"/>
+            <a:ext cx="8282458" cy="874"/>
+          </a:xfrm>
+          <a:prstGeom prst="straightConnector1">
+            <a:avLst/>
+          </a:prstGeom>
+          <a:ln w="28575">
+            <a:solidFill>
+              <a:schemeClr val="accent2"/>
+            </a:solidFill>
+            <a:tailEnd type="triangle"/>
+          </a:ln>
+        </p:spPr>
+        <p:style>
+          <a:lnRef idx="1">
+            <a:schemeClr val="accent1"/>
+          </a:lnRef>
+          <a:fillRef idx="0">
+            <a:schemeClr val="accent1"/>
+          </a:fillRef>
+          <a:effectRef idx="0">
+            <a:schemeClr val="accent1"/>
+          </a:effectRef>
+          <a:fontRef idx="minor">
+            <a:schemeClr val="tx1"/>
+          </a:fontRef>
+        </p:style>
+      </p:cxnSp>
+      <p:cxnSp>
+        <p:nvCxnSpPr>
+          <p:cNvPr id="15" name="Straight Arrow Connector 14">
+            <a:extLst>
+              <a:ext uri="{FF2B5EF4-FFF2-40B4-BE49-F238E27FC236}">
+                <a16:creationId xmlns:a16="http://schemas.microsoft.com/office/drawing/2014/main" id="{F7358A8E-1B9F-F7CA-6388-3E1464B12970}"/>
+              </a:ext>
+            </a:extLst>
+          </p:cNvPr>
+          <p:cNvCxnSpPr>
+            <a:cxnSpLocks/>
+          </p:cNvCxnSpPr>
+          <p:nvPr/>
+        </p:nvCxnSpPr>
+        <p:spPr>
+          <a:xfrm flipH="1">
+            <a:off x="2553476" y="2170443"/>
+            <a:ext cx="880" cy="673020"/>
+          </a:xfrm>
+          <a:prstGeom prst="straightConnector1">
+            <a:avLst/>
+          </a:prstGeom>
+          <a:ln>
+            <a:tailEnd type="triangle"/>
+          </a:ln>
+        </p:spPr>
+        <p:style>
+          <a:lnRef idx="1">
+            <a:schemeClr val="accent2"/>
+          </a:lnRef>
+          <a:fillRef idx="0">
+            <a:schemeClr val="accent2"/>
+          </a:fillRef>
+          <a:effectRef idx="0">
+            <a:schemeClr val="accent2"/>
+          </a:effectRef>
+          <a:fontRef idx="minor">
+            <a:schemeClr val="tx1"/>
+          </a:fontRef>
+        </p:style>
+      </p:cxnSp>
+      <p:sp>
+        <p:nvSpPr>
+          <p:cNvPr id="16" name="Flowchart: Connector 15">
+            <a:extLst>
+              <a:ext uri="{FF2B5EF4-FFF2-40B4-BE49-F238E27FC236}">
+                <a16:creationId xmlns:a16="http://schemas.microsoft.com/office/drawing/2014/main" id="{D46750FD-E3E4-ACEE-F578-1A237BB72492}"/>
+              </a:ext>
+            </a:extLst>
+          </p:cNvPr>
+          <p:cNvSpPr/>
+          <p:nvPr/>
+        </p:nvSpPr>
+        <p:spPr>
+          <a:xfrm>
+            <a:off x="2481001" y="2905648"/>
+            <a:ext cx="144951" cy="160771"/>
+          </a:xfrm>
+          <a:prstGeom prst="flowChartConnector">
+            <a:avLst/>
+          </a:prstGeom>
+          <a:solidFill>
+            <a:schemeClr val="accent2"/>
+          </a:solidFill>
+          <a:ln>
+            <a:noFill/>
+          </a:ln>
+        </p:spPr>
+        <p:style>
+          <a:lnRef idx="2">
+            <a:schemeClr val="accent1">
+              <a:shade val="15000"/>
+            </a:schemeClr>
+          </a:lnRef>
+          <a:fillRef idx="1">
+            <a:schemeClr val="accent1"/>
+          </a:fillRef>
+          <a:effectRef idx="0">
+            <a:schemeClr val="accent1"/>
+          </a:effectRef>
+          <a:fontRef idx="minor">
+            <a:schemeClr val="lt1"/>
+          </a:fontRef>
+        </p:style>
+        <p:txBody>
+          <a:bodyPr rtlCol="0" anchor="ctr"/>
+          <a:lstStyle/>
+          <a:p>
+            <a:pPr algn="ctr"/>
+            <a:endParaRPr lang="en-US"/>
+          </a:p>
+        </p:txBody>
+      </p:sp>
+      <p:sp>
+        <p:nvSpPr>
+          <p:cNvPr id="19" name="TextBox 18">
+            <a:extLst>
+              <a:ext uri="{FF2B5EF4-FFF2-40B4-BE49-F238E27FC236}">
+                <a16:creationId xmlns:a16="http://schemas.microsoft.com/office/drawing/2014/main" id="{EAE41324-04B1-4B5F-D099-8BA0B3C29BD9}"/>
+              </a:ext>
+            </a:extLst>
+          </p:cNvPr>
+          <p:cNvSpPr txBox="1"/>
+          <p:nvPr/>
+        </p:nvSpPr>
+        <p:spPr>
+          <a:xfrm>
+            <a:off x="2553476" y="2364079"/>
+            <a:ext cx="848309" cy="253916"/>
+          </a:xfrm>
+          <a:prstGeom prst="rect">
+            <a:avLst/>
+          </a:prstGeom>
+          <a:noFill/>
+        </p:spPr>
+        <p:txBody>
+          <a:bodyPr wrap="none" rtlCol="0">
+            <a:spAutoFit/>
+          </a:bodyPr>
+          <a:lstStyle/>
+          <a:p>
+            <a:r>
+              <a:rPr lang="en-US" sz="1050" dirty="0">
+                <a:solidFill>
+                  <a:schemeClr val="accent2"/>
+                </a:solidFill>
+                <a:latin typeface="Consolas" panose="020B0609020204030204" pitchFamily="49" charset="0"/>
+              </a:rPr>
+              <a:t>git clone</a:t>
+            </a:r>
+          </a:p>
+        </p:txBody>
+      </p:sp>
+      <p:cxnSp>
+        <p:nvCxnSpPr>
+          <p:cNvPr id="20" name="Straight Arrow Connector 19">
+            <a:extLst>
+              <a:ext uri="{FF2B5EF4-FFF2-40B4-BE49-F238E27FC236}">
+                <a16:creationId xmlns:a16="http://schemas.microsoft.com/office/drawing/2014/main" id="{AD8CBA3C-DC07-8775-8185-E69E02BB5BAF}"/>
+              </a:ext>
+            </a:extLst>
+          </p:cNvPr>
+          <p:cNvCxnSpPr>
+            <a:cxnSpLocks/>
+          </p:cNvCxnSpPr>
+          <p:nvPr/>
+        </p:nvCxnSpPr>
+        <p:spPr>
+          <a:xfrm flipH="1">
+            <a:off x="4886682" y="2170443"/>
+            <a:ext cx="880" cy="673020"/>
+          </a:xfrm>
+          <a:prstGeom prst="straightConnector1">
+            <a:avLst/>
+          </a:prstGeom>
+          <a:ln>
+            <a:tailEnd type="triangle"/>
+          </a:ln>
+        </p:spPr>
+        <p:style>
+          <a:lnRef idx="1">
+            <a:schemeClr val="accent2"/>
+          </a:lnRef>
+          <a:fillRef idx="0">
+            <a:schemeClr val="accent2"/>
+          </a:fillRef>
+          <a:effectRef idx="0">
+            <a:schemeClr val="accent2"/>
+          </a:effectRef>
+          <a:fontRef idx="minor">
+            <a:schemeClr val="tx1"/>
+          </a:fontRef>
+        </p:style>
+      </p:cxnSp>
+      <p:sp>
+        <p:nvSpPr>
+          <p:cNvPr id="21" name="TextBox 20">
+            <a:extLst>
+              <a:ext uri="{FF2B5EF4-FFF2-40B4-BE49-F238E27FC236}">
+                <a16:creationId xmlns:a16="http://schemas.microsoft.com/office/drawing/2014/main" id="{E39A7224-7412-50D8-9D26-95ADA2EDA588}"/>
+              </a:ext>
+            </a:extLst>
+          </p:cNvPr>
+          <p:cNvSpPr txBox="1"/>
+          <p:nvPr/>
+        </p:nvSpPr>
+        <p:spPr>
+          <a:xfrm>
+            <a:off x="4886682" y="2364079"/>
+            <a:ext cx="774571" cy="253916"/>
+          </a:xfrm>
+          <a:prstGeom prst="rect">
+            <a:avLst/>
+          </a:prstGeom>
+          <a:noFill/>
+        </p:spPr>
+        <p:txBody>
+          <a:bodyPr wrap="none" rtlCol="0">
+            <a:spAutoFit/>
+          </a:bodyPr>
+          <a:lstStyle/>
+          <a:p>
+            <a:r>
+              <a:rPr lang="en-US" sz="1050" dirty="0">
+                <a:solidFill>
+                  <a:schemeClr val="accent2"/>
+                </a:solidFill>
+                <a:latin typeface="Consolas" panose="020B0609020204030204" pitchFamily="49" charset="0"/>
+              </a:rPr>
+              <a:t>git pull</a:t>
+            </a:r>
+          </a:p>
+        </p:txBody>
+      </p:sp>
+      <p:sp>
+        <p:nvSpPr>
+          <p:cNvPr id="22" name="Flowchart: Connector 21">
+            <a:extLst>
+              <a:ext uri="{FF2B5EF4-FFF2-40B4-BE49-F238E27FC236}">
+                <a16:creationId xmlns:a16="http://schemas.microsoft.com/office/drawing/2014/main" id="{42BCDF13-E3BA-D23D-E1A2-8EE39AECDB0A}"/>
+              </a:ext>
+            </a:extLst>
+          </p:cNvPr>
+          <p:cNvSpPr/>
+          <p:nvPr/>
+        </p:nvSpPr>
+        <p:spPr>
+          <a:xfrm>
+            <a:off x="4814206" y="2900190"/>
+            <a:ext cx="144951" cy="160771"/>
+          </a:xfrm>
+          <a:prstGeom prst="flowChartConnector">
+            <a:avLst/>
+          </a:prstGeom>
+          <a:solidFill>
+            <a:schemeClr val="accent2"/>
+          </a:solidFill>
+          <a:ln>
+            <a:noFill/>
+          </a:ln>
+        </p:spPr>
+        <p:style>
+          <a:lnRef idx="2">
+            <a:schemeClr val="accent1">
+              <a:shade val="15000"/>
+            </a:schemeClr>
+          </a:lnRef>
+          <a:fillRef idx="1">
+            <a:schemeClr val="accent1"/>
+          </a:fillRef>
+          <a:effectRef idx="0">
+            <a:schemeClr val="accent1"/>
+          </a:effectRef>
+          <a:fontRef idx="minor">
+            <a:schemeClr val="lt1"/>
+          </a:fontRef>
+        </p:style>
+        <p:txBody>
+          <a:bodyPr rtlCol="0" anchor="ctr"/>
+          <a:lstStyle/>
+          <a:p>
+            <a:pPr algn="ctr"/>
+            <a:endParaRPr lang="en-US"/>
+          </a:p>
+        </p:txBody>
+      </p:sp>
+      <p:sp>
+        <p:nvSpPr>
+          <p:cNvPr id="3" name="Flowchart: Connector 2">
+            <a:extLst>
+              <a:ext uri="{FF2B5EF4-FFF2-40B4-BE49-F238E27FC236}">
+                <a16:creationId xmlns:a16="http://schemas.microsoft.com/office/drawing/2014/main" id="{D06AFDD7-8B1D-F8C4-43B1-3E1D448E3BE6}"/>
+              </a:ext>
+            </a:extLst>
+          </p:cNvPr>
+          <p:cNvSpPr/>
+          <p:nvPr/>
+        </p:nvSpPr>
+        <p:spPr>
+          <a:xfrm>
+            <a:off x="6109836" y="2904774"/>
+            <a:ext cx="144951" cy="160771"/>
+          </a:xfrm>
+          <a:prstGeom prst="flowChartConnector">
+            <a:avLst/>
+          </a:prstGeom>
+          <a:solidFill>
+            <a:schemeClr val="accent2"/>
+          </a:solidFill>
+          <a:ln>
+            <a:noFill/>
+          </a:ln>
+        </p:spPr>
+        <p:style>
+          <a:lnRef idx="2">
+            <a:schemeClr val="accent1">
+              <a:shade val="15000"/>
+            </a:schemeClr>
+          </a:lnRef>
+          <a:fillRef idx="1">
+            <a:schemeClr val="accent1"/>
+          </a:fillRef>
+          <a:effectRef idx="0">
+            <a:schemeClr val="accent1"/>
+          </a:effectRef>
+          <a:fontRef idx="minor">
+            <a:schemeClr val="lt1"/>
+          </a:fontRef>
+        </p:style>
+        <p:txBody>
+          <a:bodyPr rtlCol="0" anchor="ctr"/>
+          <a:lstStyle/>
+          <a:p>
+            <a:pPr algn="ctr"/>
+            <a:endParaRPr lang="en-US"/>
+          </a:p>
+        </p:txBody>
+      </p:sp>
+      <p:sp>
+        <p:nvSpPr>
+          <p:cNvPr id="4" name="TextBox 3">
+            <a:extLst>
+              <a:ext uri="{FF2B5EF4-FFF2-40B4-BE49-F238E27FC236}">
+                <a16:creationId xmlns:a16="http://schemas.microsoft.com/office/drawing/2014/main" id="{8A3611E1-7AF0-3272-49F5-19ECA21F9C4B}"/>
+              </a:ext>
+            </a:extLst>
+          </p:cNvPr>
+          <p:cNvSpPr txBox="1"/>
+          <p:nvPr/>
+        </p:nvSpPr>
+        <p:spPr>
+          <a:xfrm>
+            <a:off x="5985173" y="2519205"/>
+            <a:ext cx="732893" cy="253916"/>
+          </a:xfrm>
+          <a:prstGeom prst="rect">
+            <a:avLst/>
+          </a:prstGeom>
+          <a:noFill/>
+        </p:spPr>
+        <p:txBody>
+          <a:bodyPr wrap="none" rtlCol="0">
+            <a:spAutoFit/>
+          </a:bodyPr>
+          <a:lstStyle/>
+          <a:p>
+            <a:r>
+              <a:rPr lang="en-US" sz="1050" dirty="0">
+                <a:solidFill>
+                  <a:schemeClr val="accent2"/>
+                </a:solidFill>
+                <a:latin typeface="+mj-lt"/>
+              </a:rPr>
+              <a:t>Your edit</a:t>
+            </a:r>
+          </a:p>
+        </p:txBody>
+      </p:sp>
+      <p:sp>
+        <p:nvSpPr>
+          <p:cNvPr id="14" name="Flowchart: Connector 13">
+            <a:extLst>
+              <a:ext uri="{FF2B5EF4-FFF2-40B4-BE49-F238E27FC236}">
+                <a16:creationId xmlns:a16="http://schemas.microsoft.com/office/drawing/2014/main" id="{201B2618-3D49-7389-C353-08B859BCB55C}"/>
+              </a:ext>
+            </a:extLst>
+          </p:cNvPr>
+          <p:cNvSpPr/>
+          <p:nvPr/>
+        </p:nvSpPr>
+        <p:spPr>
+          <a:xfrm>
+            <a:off x="7393335" y="2105468"/>
+            <a:ext cx="144951" cy="160771"/>
+          </a:xfrm>
+          <a:prstGeom prst="flowChartConnector">
+            <a:avLst/>
+          </a:prstGeom>
+          <a:ln>
+            <a:noFill/>
+          </a:ln>
+        </p:spPr>
+        <p:style>
+          <a:lnRef idx="2">
+            <a:schemeClr val="accent1">
+              <a:shade val="15000"/>
+            </a:schemeClr>
+          </a:lnRef>
+          <a:fillRef idx="1">
+            <a:schemeClr val="accent1"/>
+          </a:fillRef>
+          <a:effectRef idx="0">
+            <a:schemeClr val="accent1"/>
+          </a:effectRef>
+          <a:fontRef idx="minor">
+            <a:schemeClr val="lt1"/>
+          </a:fontRef>
+        </p:style>
+        <p:txBody>
+          <a:bodyPr rtlCol="0" anchor="ctr"/>
+          <a:lstStyle/>
+          <a:p>
+            <a:pPr algn="ctr"/>
+            <a:endParaRPr lang="en-US"/>
+          </a:p>
+        </p:txBody>
+      </p:sp>
+      <p:sp>
+        <p:nvSpPr>
+          <p:cNvPr id="17" name="TextBox 16">
+            <a:extLst>
+              <a:ext uri="{FF2B5EF4-FFF2-40B4-BE49-F238E27FC236}">
+                <a16:creationId xmlns:a16="http://schemas.microsoft.com/office/drawing/2014/main" id="{F77293AC-085A-909E-9F5A-4AF3C110E9A4}"/>
+              </a:ext>
+            </a:extLst>
+          </p:cNvPr>
+          <p:cNvSpPr txBox="1"/>
+          <p:nvPr/>
+        </p:nvSpPr>
+        <p:spPr>
+          <a:xfrm>
+            <a:off x="7538286" y="1829763"/>
+            <a:ext cx="636713" cy="253916"/>
+          </a:xfrm>
+          <a:prstGeom prst="rect">
+            <a:avLst/>
+          </a:prstGeom>
+          <a:noFill/>
+        </p:spPr>
+        <p:txBody>
+          <a:bodyPr wrap="none" rtlCol="0">
+            <a:spAutoFit/>
+          </a:bodyPr>
+          <a:lstStyle/>
+          <a:p>
+            <a:r>
+              <a:rPr lang="en-US" sz="1050" dirty="0">
+                <a:solidFill>
+                  <a:schemeClr val="accent1"/>
+                </a:solidFill>
+                <a:latin typeface="+mj-lt"/>
+              </a:rPr>
+              <a:t>My edit</a:t>
+            </a:r>
+          </a:p>
+        </p:txBody>
+      </p:sp>
+      <p:cxnSp>
+        <p:nvCxnSpPr>
+          <p:cNvPr id="18" name="Straight Arrow Connector 17">
+            <a:extLst>
+              <a:ext uri="{FF2B5EF4-FFF2-40B4-BE49-F238E27FC236}">
+                <a16:creationId xmlns:a16="http://schemas.microsoft.com/office/drawing/2014/main" id="{4984A806-D562-6054-D0ED-5081F03228F9}"/>
+              </a:ext>
+            </a:extLst>
+          </p:cNvPr>
+          <p:cNvCxnSpPr>
+            <a:cxnSpLocks/>
+          </p:cNvCxnSpPr>
+          <p:nvPr/>
+        </p:nvCxnSpPr>
+        <p:spPr>
+          <a:xfrm flipH="1">
+            <a:off x="8655730" y="2170443"/>
+            <a:ext cx="880" cy="673020"/>
+          </a:xfrm>
+          <a:prstGeom prst="straightConnector1">
+            <a:avLst/>
+          </a:prstGeom>
+          <a:ln>
+            <a:tailEnd type="triangle"/>
+          </a:ln>
+        </p:spPr>
+        <p:style>
+          <a:lnRef idx="1">
+            <a:schemeClr val="accent2"/>
+          </a:lnRef>
+          <a:fillRef idx="0">
+            <a:schemeClr val="accent2"/>
+          </a:fillRef>
+          <a:effectRef idx="0">
+            <a:schemeClr val="accent2"/>
+          </a:effectRef>
+          <a:fontRef idx="minor">
+            <a:schemeClr val="tx1"/>
+          </a:fontRef>
+        </p:style>
+      </p:cxnSp>
+      <p:sp>
+        <p:nvSpPr>
+          <p:cNvPr id="23" name="TextBox 22">
+            <a:extLst>
+              <a:ext uri="{FF2B5EF4-FFF2-40B4-BE49-F238E27FC236}">
+                <a16:creationId xmlns:a16="http://schemas.microsoft.com/office/drawing/2014/main" id="{0DF4D7F6-4474-F622-F4E2-5B636E8C4361}"/>
+              </a:ext>
+            </a:extLst>
+          </p:cNvPr>
+          <p:cNvSpPr txBox="1"/>
+          <p:nvPr/>
+        </p:nvSpPr>
+        <p:spPr>
+          <a:xfrm>
+            <a:off x="8655730" y="2364079"/>
+            <a:ext cx="774571" cy="253916"/>
+          </a:xfrm>
+          <a:prstGeom prst="rect">
+            <a:avLst/>
+          </a:prstGeom>
+          <a:noFill/>
+        </p:spPr>
+        <p:txBody>
+          <a:bodyPr wrap="none" rtlCol="0">
+            <a:spAutoFit/>
+          </a:bodyPr>
+          <a:lstStyle/>
+          <a:p>
+            <a:r>
+              <a:rPr lang="en-US" sz="1050" dirty="0">
+                <a:solidFill>
+                  <a:schemeClr val="accent2"/>
+                </a:solidFill>
+                <a:latin typeface="Consolas" panose="020B0609020204030204" pitchFamily="49" charset="0"/>
+              </a:rPr>
+              <a:t>git pull</a:t>
+            </a:r>
+          </a:p>
+        </p:txBody>
+      </p:sp>
+      <p:sp>
+        <p:nvSpPr>
+          <p:cNvPr id="24" name="Flowchart: Connector 23">
+            <a:extLst>
+              <a:ext uri="{FF2B5EF4-FFF2-40B4-BE49-F238E27FC236}">
+                <a16:creationId xmlns:a16="http://schemas.microsoft.com/office/drawing/2014/main" id="{51C6AFE3-C63D-015D-21CC-904A81E8313F}"/>
+              </a:ext>
+            </a:extLst>
+          </p:cNvPr>
+          <p:cNvSpPr/>
+          <p:nvPr/>
+        </p:nvSpPr>
+        <p:spPr>
+          <a:xfrm>
+            <a:off x="8583254" y="2909455"/>
+            <a:ext cx="144951" cy="160771"/>
+          </a:xfrm>
+          <a:prstGeom prst="flowChartConnector">
+            <a:avLst/>
+          </a:prstGeom>
+          <a:solidFill>
+            <a:schemeClr val="accent2"/>
+          </a:solidFill>
+          <a:ln>
+            <a:noFill/>
+          </a:ln>
+        </p:spPr>
+        <p:style>
+          <a:lnRef idx="2">
+            <a:schemeClr val="accent1">
+              <a:shade val="15000"/>
+            </a:schemeClr>
+          </a:lnRef>
+          <a:fillRef idx="1">
+            <a:schemeClr val="accent1"/>
+          </a:fillRef>
+          <a:effectRef idx="0">
+            <a:schemeClr val="accent1"/>
+          </a:effectRef>
+          <a:fontRef idx="minor">
+            <a:schemeClr val="lt1"/>
+          </a:fontRef>
+        </p:style>
+        <p:txBody>
+          <a:bodyPr rtlCol="0" anchor="ctr"/>
+          <a:lstStyle/>
+          <a:p>
+            <a:pPr algn="ctr"/>
+            <a:endParaRPr lang="en-US"/>
+          </a:p>
+        </p:txBody>
+      </p:sp>
+      <p:sp>
+        <p:nvSpPr>
+          <p:cNvPr id="27" name="Rectangle 26">
+            <a:extLst>
+              <a:ext uri="{FF2B5EF4-FFF2-40B4-BE49-F238E27FC236}">
+                <a16:creationId xmlns:a16="http://schemas.microsoft.com/office/drawing/2014/main" id="{8220D873-2E34-B392-7F1C-9D1FD489D6D8}"/>
+              </a:ext>
+            </a:extLst>
+          </p:cNvPr>
+          <p:cNvSpPr/>
+          <p:nvPr/>
+        </p:nvSpPr>
+        <p:spPr>
+          <a:xfrm>
+            <a:off x="5661253" y="1749258"/>
+            <a:ext cx="2645288" cy="1587327"/>
+          </a:xfrm>
+          <a:prstGeom prst="rect">
+            <a:avLst/>
+          </a:prstGeom>
+          <a:solidFill>
+            <a:srgbClr val="FBE5D6">
+              <a:alpha val="30196"/>
+            </a:srgbClr>
+          </a:solidFill>
+          <a:ln>
+            <a:noFill/>
+          </a:ln>
+        </p:spPr>
+        <p:style>
+          <a:lnRef idx="2">
+            <a:schemeClr val="accent1">
+              <a:shade val="15000"/>
+            </a:schemeClr>
+          </a:lnRef>
+          <a:fillRef idx="1">
+            <a:schemeClr val="accent1"/>
+          </a:fillRef>
+          <a:effectRef idx="0">
+            <a:schemeClr val="accent1"/>
+          </a:effectRef>
+          <a:fontRef idx="minor">
+            <a:schemeClr val="lt1"/>
+          </a:fontRef>
+        </p:style>
+        <p:txBody>
+          <a:bodyPr rtlCol="0" anchor="ctr"/>
+          <a:lstStyle/>
+          <a:p>
+            <a:pPr algn="ctr"/>
+            <a:endParaRPr lang="en-US"/>
+          </a:p>
+        </p:txBody>
+      </p:sp>
+      <p:sp>
+        <p:nvSpPr>
+          <p:cNvPr id="28" name="TextBox 27">
+            <a:extLst>
+              <a:ext uri="{FF2B5EF4-FFF2-40B4-BE49-F238E27FC236}">
+                <a16:creationId xmlns:a16="http://schemas.microsoft.com/office/drawing/2014/main" id="{2C5281A4-5497-66F4-288E-113882130349}"/>
+              </a:ext>
+            </a:extLst>
+          </p:cNvPr>
+          <p:cNvSpPr txBox="1"/>
+          <p:nvPr/>
+        </p:nvSpPr>
+        <p:spPr>
+          <a:xfrm>
+            <a:off x="5781473" y="1495501"/>
+            <a:ext cx="867545" cy="307777"/>
+          </a:xfrm>
+          <a:prstGeom prst="rect">
+            <a:avLst/>
+          </a:prstGeom>
+          <a:noFill/>
+        </p:spPr>
+        <p:txBody>
+          <a:bodyPr wrap="none" rtlCol="0">
+            <a:spAutoFit/>
+          </a:bodyPr>
+          <a:lstStyle/>
+          <a:p>
+            <a:r>
+              <a:rPr lang="en-US" sz="1400" dirty="0"/>
+              <a:t>Conflict!</a:t>
             </a:r>
           </a:p>
         </p:txBody>
       </p:sp>
       <p:pic>
         <p:nvPicPr>
-          <p:cNvPr id="4" name="Graphic 3" descr="Woman Shrugging with solid fill">
-            <a:extLst>
-              <a:ext uri="{FF2B5EF4-FFF2-40B4-BE49-F238E27FC236}">
-                <a16:creationId xmlns:a16="http://schemas.microsoft.com/office/drawing/2014/main" id="{DEA9C024-A2D8-80B6-9459-1FAD70F64F38}"/>
+          <p:cNvPr id="10" name="Picture 9">
+            <a:extLst>
+              <a:ext uri="{FF2B5EF4-FFF2-40B4-BE49-F238E27FC236}">
+                <a16:creationId xmlns:a16="http://schemas.microsoft.com/office/drawing/2014/main" id="{2FBBAD6E-796F-75B1-E46B-5A0F8DDAE34D}"/>
               </a:ext>
             </a:extLst>
           </p:cNvPr>
@@ -10673,34 +12362,32 @@
           <p:nvPr/>
         </p:nvPicPr>
         <p:blipFill>
-          <a:blip r:embed="rId2">
-            <a:extLst>
-              <a:ext uri="{28A0092B-C50C-407E-A947-70E740481C1C}">
-                <a14:useLocalDpi xmlns:a14="http://schemas.microsoft.com/office/drawing/2010/main" val="0"/>
-              </a:ext>
-              <a:ext uri="{96DAC541-7B7A-43D3-8B79-37D633B846F1}">
-                <asvg:svgBlip xmlns:asvg="http://schemas.microsoft.com/office/drawing/2016/SVG/main" r:embed="rId3"/>
-              </a:ext>
-            </a:extLst>
-          </a:blip>
+          <a:blip r:embed="rId2"/>
           <a:stretch>
             <a:fillRect/>
           </a:stretch>
         </p:blipFill>
         <p:spPr>
           <a:xfrm>
-            <a:off x="4043463" y="1969850"/>
-            <a:ext cx="3427379" cy="3427379"/>
+            <a:off x="1875836" y="3401561"/>
+            <a:ext cx="8440328" cy="3267531"/>
           </a:xfrm>
           <a:prstGeom prst="rect">
             <a:avLst/>
           </a:prstGeom>
+          <a:effectLst>
+            <a:outerShdw blurRad="50800" dist="38100" dir="2700000" algn="tl" rotWithShape="0">
+              <a:prstClr val="black">
+                <a:alpha val="40000"/>
+              </a:prstClr>
+            </a:outerShdw>
+          </a:effectLst>
         </p:spPr>
       </p:pic>
     </p:spTree>
     <p:extLst>
       <p:ext uri="{BB962C8B-B14F-4D97-AF65-F5344CB8AC3E}">
-        <p14:creationId xmlns:p14="http://schemas.microsoft.com/office/powerpoint/2010/main" val="1621642431"/>
+        <p14:creationId xmlns:p14="http://schemas.microsoft.com/office/powerpoint/2010/main" val="1676956924"/>
       </p:ext>
     </p:extLst>
   </p:cSld>
@@ -10750,7 +12437,7 @@
           <a:p>
             <a:r>
               <a:rPr lang="en-US" dirty="0"/>
-              <a:t>Version control remembers history</a:t>
+              <a:t>1. Version control remembers history</a:t>
             </a:r>
           </a:p>
         </p:txBody>
@@ -10986,6 +12673,103 @@
           <p:cNvPr id="2" name="Title 1">
             <a:extLst>
               <a:ext uri="{FF2B5EF4-FFF2-40B4-BE49-F238E27FC236}">
+                <a16:creationId xmlns:a16="http://schemas.microsoft.com/office/drawing/2014/main" id="{FE7C2B30-2F44-A398-9CDF-AC339691410D}"/>
+              </a:ext>
+            </a:extLst>
+          </p:cNvPr>
+          <p:cNvSpPr>
+            <a:spLocks noGrp="1"/>
+          </p:cNvSpPr>
+          <p:nvPr>
+            <p:ph type="title"/>
+          </p:nvPr>
+        </p:nvSpPr>
+        <p:spPr/>
+        <p:txBody>
+          <a:bodyPr/>
+          <a:lstStyle/>
+          <a:p>
+            <a:r>
+              <a:rPr lang="en-US" dirty="0"/>
+              <a:t>…or just overwrite the local file </a:t>
+            </a:r>
+          </a:p>
+        </p:txBody>
+      </p:sp>
+      <p:pic>
+        <p:nvPicPr>
+          <p:cNvPr id="4" name="Graphic 3" descr="Woman Shrugging with solid fill">
+            <a:extLst>
+              <a:ext uri="{FF2B5EF4-FFF2-40B4-BE49-F238E27FC236}">
+                <a16:creationId xmlns:a16="http://schemas.microsoft.com/office/drawing/2014/main" id="{DEA9C024-A2D8-80B6-9459-1FAD70F64F38}"/>
+              </a:ext>
+            </a:extLst>
+          </p:cNvPr>
+          <p:cNvPicPr>
+            <a:picLocks noChangeAspect="1"/>
+          </p:cNvPicPr>
+          <p:nvPr/>
+        </p:nvPicPr>
+        <p:blipFill>
+          <a:blip r:embed="rId2">
+            <a:extLst>
+              <a:ext uri="{28A0092B-C50C-407E-A947-70E740481C1C}">
+                <a14:useLocalDpi xmlns:a14="http://schemas.microsoft.com/office/drawing/2010/main" val="0"/>
+              </a:ext>
+              <a:ext uri="{96DAC541-7B7A-43D3-8B79-37D633B846F1}">
+                <asvg:svgBlip xmlns:asvg="http://schemas.microsoft.com/office/drawing/2016/SVG/main" r:embed="rId3"/>
+              </a:ext>
+            </a:extLst>
+          </a:blip>
+          <a:stretch>
+            <a:fillRect/>
+          </a:stretch>
+        </p:blipFill>
+        <p:spPr>
+          <a:xfrm>
+            <a:off x="4043463" y="1969850"/>
+            <a:ext cx="3427379" cy="3427379"/>
+          </a:xfrm>
+          <a:prstGeom prst="rect">
+            <a:avLst/>
+          </a:prstGeom>
+        </p:spPr>
+      </p:pic>
+    </p:spTree>
+    <p:extLst>
+      <p:ext uri="{BB962C8B-B14F-4D97-AF65-F5344CB8AC3E}">
+        <p14:creationId xmlns:p14="http://schemas.microsoft.com/office/powerpoint/2010/main" val="1621642431"/>
+      </p:ext>
+    </p:extLst>
+  </p:cSld>
+  <p:clrMapOvr>
+    <a:masterClrMapping/>
+  </p:clrMapOvr>
+</p:sld>
+</file>
+
+<file path=ppt/slides/slide21.xml><?xml version="1.0" encoding="utf-8"?>
+<p:sld xmlns:a="http://schemas.openxmlformats.org/drawingml/2006/main" xmlns:r="http://schemas.openxmlformats.org/officeDocument/2006/relationships" xmlns:p="http://schemas.openxmlformats.org/presentationml/2006/main">
+  <p:cSld>
+    <p:spTree>
+      <p:nvGrpSpPr>
+        <p:cNvPr id="1" name=""/>
+        <p:cNvGrpSpPr/>
+        <p:nvPr/>
+      </p:nvGrpSpPr>
+      <p:grpSpPr>
+        <a:xfrm>
+          <a:off x="0" y="0"/>
+          <a:ext cx="0" cy="0"/>
+          <a:chOff x="0" y="0"/>
+          <a:chExt cx="0" cy="0"/>
+        </a:xfrm>
+      </p:grpSpPr>
+      <p:sp>
+        <p:nvSpPr>
+          <p:cNvPr id="2" name="Title 1">
+            <a:extLst>
+              <a:ext uri="{FF2B5EF4-FFF2-40B4-BE49-F238E27FC236}">
                 <a16:creationId xmlns:a16="http://schemas.microsoft.com/office/drawing/2014/main" id="{7BE552AD-EDFD-92C3-0B38-63394FF40FA0}"/>
               </a:ext>
             </a:extLst>
@@ -11274,317 +13058,6 @@
 </p:sld>
 </file>
 
-<file path=ppt/slides/slide21.xml><?xml version="1.0" encoding="utf-8"?>
-<p:sld xmlns:a="http://schemas.openxmlformats.org/drawingml/2006/main" xmlns:r="http://schemas.openxmlformats.org/officeDocument/2006/relationships" xmlns:p="http://schemas.openxmlformats.org/presentationml/2006/main">
-  <p:cSld>
-    <p:spTree>
-      <p:nvGrpSpPr>
-        <p:cNvPr id="1" name=""/>
-        <p:cNvGrpSpPr/>
-        <p:nvPr/>
-      </p:nvGrpSpPr>
-      <p:grpSpPr>
-        <a:xfrm>
-          <a:off x="0" y="0"/>
-          <a:ext cx="0" cy="0"/>
-          <a:chOff x="0" y="0"/>
-          <a:chExt cx="0" cy="0"/>
-        </a:xfrm>
-      </p:grpSpPr>
-      <p:sp>
-        <p:nvSpPr>
-          <p:cNvPr id="2" name="Title 1">
-            <a:extLst>
-              <a:ext uri="{FF2B5EF4-FFF2-40B4-BE49-F238E27FC236}">
-                <a16:creationId xmlns:a16="http://schemas.microsoft.com/office/drawing/2014/main" id="{EDFB0D80-CB44-017A-52D2-68B27A2943CC}"/>
-              </a:ext>
-            </a:extLst>
-          </p:cNvPr>
-          <p:cNvSpPr>
-            <a:spLocks noGrp="1"/>
-          </p:cNvSpPr>
-          <p:nvPr>
-            <p:ph type="title"/>
-          </p:nvPr>
-        </p:nvSpPr>
-        <p:spPr/>
-        <p:txBody>
-          <a:bodyPr/>
-          <a:lstStyle/>
-          <a:p>
-            <a:r>
-              <a:rPr lang="en-US" dirty="0"/>
-              <a:t>Git is a </a:t>
-            </a:r>
-            <a:r>
-              <a:rPr lang="en-US" i="1" dirty="0"/>
-              <a:t>distributed</a:t>
-            </a:r>
-            <a:r>
-              <a:rPr lang="en-US" dirty="0"/>
-              <a:t> version control system</a:t>
-            </a:r>
-          </a:p>
-        </p:txBody>
-      </p:sp>
-      <p:pic>
-        <p:nvPicPr>
-          <p:cNvPr id="4" name="Graphic 3" descr="Connections outline">
-            <a:extLst>
-              <a:ext uri="{FF2B5EF4-FFF2-40B4-BE49-F238E27FC236}">
-                <a16:creationId xmlns:a16="http://schemas.microsoft.com/office/drawing/2014/main" id="{84F241CF-3E45-A0CA-C5EC-2C4D43DAD2BF}"/>
-              </a:ext>
-            </a:extLst>
-          </p:cNvPr>
-          <p:cNvPicPr>
-            <a:picLocks noChangeAspect="1"/>
-          </p:cNvPicPr>
-          <p:nvPr/>
-        </p:nvPicPr>
-        <p:blipFill>
-          <a:blip r:embed="rId2">
-            <a:extLst>
-              <a:ext uri="{28A0092B-C50C-407E-A947-70E740481C1C}">
-                <a14:useLocalDpi xmlns:a14="http://schemas.microsoft.com/office/drawing/2010/main" val="0"/>
-              </a:ext>
-              <a:ext uri="{96DAC541-7B7A-43D3-8B79-37D633B846F1}">
-                <asvg:svgBlip xmlns:asvg="http://schemas.microsoft.com/office/drawing/2016/SVG/main" r:embed="rId3"/>
-              </a:ext>
-            </a:extLst>
-          </a:blip>
-          <a:stretch>
-            <a:fillRect/>
-          </a:stretch>
-        </p:blipFill>
-        <p:spPr>
-          <a:xfrm>
-            <a:off x="8006634" y="2259531"/>
-            <a:ext cx="914400" cy="914400"/>
-          </a:xfrm>
-          <a:prstGeom prst="rect">
-            <a:avLst/>
-          </a:prstGeom>
-        </p:spPr>
-      </p:pic>
-      <p:pic>
-        <p:nvPicPr>
-          <p:cNvPr id="6" name="Graphic 5" descr="Laptop outline">
-            <a:extLst>
-              <a:ext uri="{FF2B5EF4-FFF2-40B4-BE49-F238E27FC236}">
-                <a16:creationId xmlns:a16="http://schemas.microsoft.com/office/drawing/2014/main" id="{88376052-85DA-F9BC-A2E9-DA3BB743E474}"/>
-              </a:ext>
-            </a:extLst>
-          </p:cNvPr>
-          <p:cNvPicPr>
-            <a:picLocks noChangeAspect="1"/>
-          </p:cNvPicPr>
-          <p:nvPr/>
-        </p:nvPicPr>
-        <p:blipFill>
-          <a:blip r:embed="rId4">
-            <a:extLst>
-              <a:ext uri="{28A0092B-C50C-407E-A947-70E740481C1C}">
-                <a14:useLocalDpi xmlns:a14="http://schemas.microsoft.com/office/drawing/2010/main" val="0"/>
-              </a:ext>
-              <a:ext uri="{96DAC541-7B7A-43D3-8B79-37D633B846F1}">
-                <asvg:svgBlip xmlns:asvg="http://schemas.microsoft.com/office/drawing/2016/SVG/main" r:embed="rId5"/>
-              </a:ext>
-            </a:extLst>
-          </a:blip>
-          <a:stretch>
-            <a:fillRect/>
-          </a:stretch>
-        </p:blipFill>
-        <p:spPr>
-          <a:xfrm>
-            <a:off x="7575103" y="4417428"/>
-            <a:ext cx="1934678" cy="1934678"/>
-          </a:xfrm>
-          <a:prstGeom prst="rect">
-            <a:avLst/>
-          </a:prstGeom>
-        </p:spPr>
-      </p:pic>
-      <p:pic>
-        <p:nvPicPr>
-          <p:cNvPr id="8" name="Graphic 7" descr="Computer outline">
-            <a:extLst>
-              <a:ext uri="{FF2B5EF4-FFF2-40B4-BE49-F238E27FC236}">
-                <a16:creationId xmlns:a16="http://schemas.microsoft.com/office/drawing/2014/main" id="{339CD682-116A-7DE8-C3CD-CBD644758A42}"/>
-              </a:ext>
-            </a:extLst>
-          </p:cNvPr>
-          <p:cNvPicPr>
-            <a:picLocks noChangeAspect="1"/>
-          </p:cNvPicPr>
-          <p:nvPr/>
-        </p:nvPicPr>
-        <p:blipFill>
-          <a:blip r:embed="rId6">
-            <a:extLst>
-              <a:ext uri="{28A0092B-C50C-407E-A947-70E740481C1C}">
-                <a14:useLocalDpi xmlns:a14="http://schemas.microsoft.com/office/drawing/2010/main" val="0"/>
-              </a:ext>
-              <a:ext uri="{96DAC541-7B7A-43D3-8B79-37D633B846F1}">
-                <asvg:svgBlip xmlns:asvg="http://schemas.microsoft.com/office/drawing/2016/SVG/main" r:embed="rId7"/>
-              </a:ext>
-            </a:extLst>
-          </a:blip>
-          <a:stretch>
-            <a:fillRect/>
-          </a:stretch>
-        </p:blipFill>
-        <p:spPr>
-          <a:xfrm>
-            <a:off x="7278322" y="1083644"/>
-            <a:ext cx="3776312" cy="3776312"/>
-          </a:xfrm>
-          <a:prstGeom prst="rect">
-            <a:avLst/>
-          </a:prstGeom>
-        </p:spPr>
-      </p:pic>
-      <p:pic>
-        <p:nvPicPr>
-          <p:cNvPr id="9" name="Graphic 8" descr="Connections outline">
-            <a:extLst>
-              <a:ext uri="{FF2B5EF4-FFF2-40B4-BE49-F238E27FC236}">
-                <a16:creationId xmlns:a16="http://schemas.microsoft.com/office/drawing/2014/main" id="{A23156BD-A6DB-8B49-6E65-D657C163D54D}"/>
-              </a:ext>
-            </a:extLst>
-          </p:cNvPr>
-          <p:cNvPicPr>
-            <a:picLocks noChangeAspect="1"/>
-          </p:cNvPicPr>
-          <p:nvPr/>
-        </p:nvPicPr>
-        <p:blipFill>
-          <a:blip r:embed="rId2">
-            <a:extLst>
-              <a:ext uri="{28A0092B-C50C-407E-A947-70E740481C1C}">
-                <a14:useLocalDpi xmlns:a14="http://schemas.microsoft.com/office/drawing/2010/main" val="0"/>
-              </a:ext>
-              <a:ext uri="{96DAC541-7B7A-43D3-8B79-37D633B846F1}">
-                <asvg:svgBlip xmlns:asvg="http://schemas.microsoft.com/office/drawing/2016/SVG/main" r:embed="rId3"/>
-              </a:ext>
-            </a:extLst>
-          </a:blip>
-          <a:stretch>
-            <a:fillRect/>
-          </a:stretch>
-        </p:blipFill>
-        <p:spPr>
-          <a:xfrm>
-            <a:off x="8286572" y="5066735"/>
-            <a:ext cx="511740" cy="511740"/>
-          </a:xfrm>
-          <a:prstGeom prst="rect">
-            <a:avLst/>
-          </a:prstGeom>
-        </p:spPr>
-      </p:pic>
-      <p:sp>
-        <p:nvSpPr>
-          <p:cNvPr id="10" name="TextBox 9">
-            <a:extLst>
-              <a:ext uri="{FF2B5EF4-FFF2-40B4-BE49-F238E27FC236}">
-                <a16:creationId xmlns:a16="http://schemas.microsoft.com/office/drawing/2014/main" id="{2DE1C7C9-7D41-2C76-9272-795E6936EEAA}"/>
-              </a:ext>
-            </a:extLst>
-          </p:cNvPr>
-          <p:cNvSpPr txBox="1"/>
-          <p:nvPr/>
-        </p:nvSpPr>
-        <p:spPr>
-          <a:xfrm>
-            <a:off x="838200" y="2274633"/>
-            <a:ext cx="5707781" cy="2585323"/>
-          </a:xfrm>
-          <a:prstGeom prst="rect">
-            <a:avLst/>
-          </a:prstGeom>
-          <a:noFill/>
-        </p:spPr>
-        <p:txBody>
-          <a:bodyPr wrap="square" rtlCol="0">
-            <a:spAutoFit/>
-          </a:bodyPr>
-          <a:lstStyle/>
-          <a:p>
-            <a:r>
-              <a:rPr lang="en-US" dirty="0"/>
-              <a:t>When you </a:t>
-            </a:r>
-            <a:r>
-              <a:rPr lang="en-US" dirty="0">
-                <a:latin typeface="Consolas" panose="020B0609020204030204" pitchFamily="49" charset="0"/>
-              </a:rPr>
-              <a:t>clone</a:t>
-            </a:r>
-            <a:r>
-              <a:rPr lang="en-US" dirty="0"/>
-              <a:t> a repository, you are pulling down all the files </a:t>
-            </a:r>
-            <a:r>
-              <a:rPr lang="en-US" i="1" dirty="0"/>
-              <a:t>and their history</a:t>
-            </a:r>
-            <a:r>
-              <a:rPr lang="en-US" dirty="0"/>
-              <a:t>. </a:t>
-            </a:r>
-          </a:p>
-          <a:p>
-            <a:endParaRPr lang="en-US" dirty="0"/>
-          </a:p>
-          <a:p>
-            <a:r>
-              <a:rPr lang="en-US" dirty="0"/>
-              <a:t>You then operate only on the </a:t>
-            </a:r>
-            <a:r>
-              <a:rPr lang="en-US" i="1" dirty="0"/>
-              <a:t>local </a:t>
-            </a:r>
-            <a:r>
-              <a:rPr lang="en-US" dirty="0"/>
-              <a:t>copy. If you want to sync the changes, you have to explicitly </a:t>
-            </a:r>
-            <a:r>
-              <a:rPr lang="en-US" dirty="0">
-                <a:latin typeface="Consolas" panose="020B0609020204030204" pitchFamily="49" charset="0"/>
-              </a:rPr>
-              <a:t>push</a:t>
-            </a:r>
-            <a:r>
-              <a:rPr lang="en-US" dirty="0"/>
-              <a:t> the changes back.</a:t>
-            </a:r>
-          </a:p>
-          <a:p>
-            <a:endParaRPr lang="en-US" dirty="0"/>
-          </a:p>
-          <a:p>
-            <a:r>
-              <a:rPr lang="en-US" dirty="0"/>
-              <a:t>Git operates as a giant network of peers, not as a remote/local hierarchy</a:t>
-            </a:r>
-          </a:p>
-        </p:txBody>
-      </p:sp>
-    </p:spTree>
-    <p:extLst>
-      <p:ext uri="{BB962C8B-B14F-4D97-AF65-F5344CB8AC3E}">
-        <p14:creationId xmlns:p14="http://schemas.microsoft.com/office/powerpoint/2010/main" val="2641454909"/>
-      </p:ext>
-    </p:extLst>
-  </p:cSld>
-  <p:clrMapOvr>
-    <a:masterClrMapping/>
-  </p:clrMapOvr>
-</p:sld>
-</file>
-
 <file path=ppt/slides/slide22.xml><?xml version="1.0" encoding="utf-8"?>
 <p:sld xmlns:a="http://schemas.openxmlformats.org/drawingml/2006/main" xmlns:r="http://schemas.openxmlformats.org/officeDocument/2006/relationships" xmlns:p="http://schemas.openxmlformats.org/presentationml/2006/main">
   <p:cSld>
@@ -11607,7 +13080,7 @@
           <p:cNvPr id="2" name="Title 1">
             <a:extLst>
               <a:ext uri="{FF2B5EF4-FFF2-40B4-BE49-F238E27FC236}">
-                <a16:creationId xmlns:a16="http://schemas.microsoft.com/office/drawing/2014/main" id="{E40F824C-9119-D7CE-F06B-052C347712BF}"/>
+                <a16:creationId xmlns:a16="http://schemas.microsoft.com/office/drawing/2014/main" id="{7BE552AD-EDFD-92C3-0B38-63394FF40FA0}"/>
               </a:ext>
             </a:extLst>
           </p:cNvPr>
@@ -11625,37 +13098,31 @@
           <a:p>
             <a:r>
               <a:rPr lang="en-US" dirty="0"/>
-              <a:t>Create a repo, </a:t>
+              <a:t>Save your work with </a:t>
             </a:r>
             <a:r>
               <a:rPr lang="en-US" dirty="0">
                 <a:latin typeface="Consolas" panose="020B0609020204030204" pitchFamily="49" charset="0"/>
               </a:rPr>
-              <a:t>git commit </a:t>
-            </a:r>
-            <a:r>
-              <a:rPr lang="en-US" dirty="0"/>
-              <a:t>and </a:t>
-            </a:r>
-            <a:r>
-              <a:rPr lang="en-US" dirty="0">
-                <a:latin typeface="Consolas" panose="020B0609020204030204" pitchFamily="49" charset="0"/>
-              </a:rPr>
-              <a:t>git push </a:t>
-            </a:r>
-            <a:r>
-              <a:rPr lang="en-US" dirty="0"/>
-              <a:t>to it</a:t>
-            </a:r>
-          </a:p>
-        </p:txBody>
-      </p:sp>
-      <p:sp>
-        <p:nvSpPr>
-          <p:cNvPr id="3" name="TextBox 2">
-            <a:extLst>
-              <a:ext uri="{FF2B5EF4-FFF2-40B4-BE49-F238E27FC236}">
-                <a16:creationId xmlns:a16="http://schemas.microsoft.com/office/drawing/2014/main" id="{E19DCBD9-6321-0818-3D62-1148817A0583}"/>
+              <a:t>git commit</a:t>
+            </a:r>
+            <a:endParaRPr lang="en-US" dirty="0">
+              <a:solidFill>
+                <a:schemeClr val="bg1">
+                  <a:lumMod val="75000"/>
+                </a:schemeClr>
+              </a:solidFill>
+              <a:latin typeface="Consolas" panose="020B0609020204030204" pitchFamily="49" charset="0"/>
+            </a:endParaRPr>
+          </a:p>
+        </p:txBody>
+      </p:sp>
+      <p:sp>
+        <p:nvSpPr>
+          <p:cNvPr id="4" name="TextBox 3">
+            <a:extLst>
+              <a:ext uri="{FF2B5EF4-FFF2-40B4-BE49-F238E27FC236}">
+                <a16:creationId xmlns:a16="http://schemas.microsoft.com/office/drawing/2014/main" id="{41981000-39E2-14CB-5D63-2375F17D1DE7}"/>
               </a:ext>
             </a:extLst>
           </p:cNvPr>
@@ -11664,8 +13131,8 @@
         </p:nvSpPr>
         <p:spPr>
           <a:xfrm>
-            <a:off x="956930" y="1828800"/>
-            <a:ext cx="6317449" cy="2585323"/>
+            <a:off x="3324225" y="1690688"/>
+            <a:ext cx="8442030" cy="4524315"/>
           </a:xfrm>
           <a:prstGeom prst="rect">
             <a:avLst/>
@@ -11679,66 +13146,71 @@
           <a:lstStyle/>
           <a:p>
             <a:r>
-              <a:rPr lang="en-US" dirty="0"/>
-              <a:t>So far, we have had only one way interactions with repositories. Now we need to go the other way.</a:t>
-            </a:r>
-          </a:p>
-          <a:p>
-            <a:endParaRPr lang="en-US" dirty="0"/>
-          </a:p>
-          <a:p>
-            <a:pPr marL="342900" indent="-342900">
-              <a:buAutoNum type="arabicPeriod"/>
-            </a:pPr>
-            <a:r>
-              <a:rPr lang="en-US" dirty="0"/>
-              <a:t>Create an account on GitHub (pick your name wisely, it will be your internet identity)</a:t>
-            </a:r>
-          </a:p>
-          <a:p>
-            <a:pPr marL="342900" indent="-342900">
-              <a:buAutoNum type="arabicPeriod"/>
-            </a:pPr>
-            <a:r>
-              <a:rPr lang="en-US" dirty="0"/>
-              <a:t>Create a new repository</a:t>
-            </a:r>
-          </a:p>
-          <a:p>
-            <a:pPr marL="342900" indent="-342900">
-              <a:buAutoNum type="arabicPeriod"/>
-            </a:pPr>
-            <a:r>
-              <a:rPr lang="en-US" dirty="0"/>
-              <a:t>Clone it</a:t>
-            </a:r>
-          </a:p>
-          <a:p>
-            <a:pPr marL="342900" indent="-342900">
-              <a:buAutoNum type="arabicPeriod"/>
-            </a:pPr>
-            <a:r>
-              <a:rPr lang="en-US" dirty="0"/>
-              <a:t>Add a new file to it</a:t>
-            </a:r>
-          </a:p>
-          <a:p>
-            <a:pPr marL="342900" indent="-342900">
-              <a:buAutoNum type="arabicPeriod"/>
-            </a:pPr>
-            <a:r>
-              <a:rPr lang="en-US" b="1" dirty="0"/>
-              <a:t>How has the status changed?</a:t>
+              <a:rPr lang="en-US" sz="3200" dirty="0">
+                <a:solidFill>
+                  <a:schemeClr val="tx1">
+                    <a:lumMod val="75000"/>
+                    <a:lumOff val="25000"/>
+                  </a:schemeClr>
+                </a:solidFill>
+              </a:rPr>
+              <a:t>Many software packages require periodic use of a “save” command to make sure your work is not lost when the application closes.</a:t>
+            </a:r>
+          </a:p>
+          <a:p>
+            <a:endParaRPr lang="en-US" sz="3200" dirty="0">
+              <a:solidFill>
+                <a:schemeClr val="tx1">
+                  <a:lumMod val="75000"/>
+                  <a:lumOff val="25000"/>
+                </a:schemeClr>
+              </a:solidFill>
+            </a:endParaRPr>
+          </a:p>
+          <a:p>
+            <a:r>
+              <a:rPr lang="en-US" sz="3200" dirty="0">
+                <a:solidFill>
+                  <a:schemeClr val="tx1">
+                    <a:lumMod val="75000"/>
+                    <a:lumOff val="25000"/>
+                  </a:schemeClr>
+                </a:solidFill>
+              </a:rPr>
+              <a:t>Similarly, </a:t>
+            </a:r>
+            <a:r>
+              <a:rPr lang="en-US" sz="3200" dirty="0">
+                <a:solidFill>
+                  <a:schemeClr val="tx1">
+                    <a:lumMod val="75000"/>
+                    <a:lumOff val="25000"/>
+                  </a:schemeClr>
+                </a:solidFill>
+                <a:latin typeface="Consolas" panose="020B0609020204030204" pitchFamily="49" charset="0"/>
+              </a:rPr>
+              <a:t>git commit</a:t>
+            </a:r>
+            <a:r>
+              <a:rPr lang="en-US" sz="3200" dirty="0">
+                <a:solidFill>
+                  <a:schemeClr val="tx1">
+                    <a:lumMod val="75000"/>
+                    <a:lumOff val="25000"/>
+                  </a:schemeClr>
+                </a:solidFill>
+              </a:rPr>
+              <a:t> records all changes in a chronological manner. Since git doesn’t over-write snapshots, annotating the save with a comment provide a log book of changes.</a:t>
             </a:r>
           </a:p>
         </p:txBody>
       </p:sp>
       <p:pic>
         <p:nvPicPr>
-          <p:cNvPr id="5" name="Picture 4">
-            <a:extLst>
-              <a:ext uri="{FF2B5EF4-FFF2-40B4-BE49-F238E27FC236}">
-                <a16:creationId xmlns:a16="http://schemas.microsoft.com/office/drawing/2014/main" id="{E2A7C0B9-D3F8-55E0-FA11-E152E5DFB682}"/>
+          <p:cNvPr id="7" name="Picture 6">
+            <a:extLst>
+              <a:ext uri="{FF2B5EF4-FFF2-40B4-BE49-F238E27FC236}">
+                <a16:creationId xmlns:a16="http://schemas.microsoft.com/office/drawing/2014/main" id="{2DABC490-8888-D146-661E-A3DE7E8C9C55}"/>
               </a:ext>
             </a:extLst>
           </p:cNvPr>
@@ -11755,8 +13227,8 @@
         </p:blipFill>
         <p:spPr>
           <a:xfrm>
-            <a:off x="7484055" y="1589482"/>
-            <a:ext cx="3751015" cy="3011069"/>
+            <a:off x="591437" y="1690688"/>
+            <a:ext cx="2324424" cy="3658111"/>
           </a:xfrm>
           <a:prstGeom prst="rect">
             <a:avLst/>
@@ -11770,223 +13242,10 @@
           </a:effectLst>
         </p:spPr>
       </p:pic>
-      <p:pic>
-        <p:nvPicPr>
-          <p:cNvPr id="6" name="Picture 5">
-            <a:extLst>
-              <a:ext uri="{FF2B5EF4-FFF2-40B4-BE49-F238E27FC236}">
-                <a16:creationId xmlns:a16="http://schemas.microsoft.com/office/drawing/2014/main" id="{825A8E14-471B-1FF5-E71E-F9F7A6C351D5}"/>
-              </a:ext>
-            </a:extLst>
-          </p:cNvPr>
-          <p:cNvPicPr>
-            <a:picLocks noChangeAspect="1"/>
-          </p:cNvPicPr>
-          <p:nvPr/>
-        </p:nvPicPr>
-        <p:blipFill>
-          <a:blip r:embed="rId3"/>
-          <a:stretch>
-            <a:fillRect/>
-          </a:stretch>
-        </p:blipFill>
-        <p:spPr>
-          <a:xfrm>
-            <a:off x="1505352" y="5078186"/>
-            <a:ext cx="9729718" cy="831337"/>
-          </a:xfrm>
-          <a:prstGeom prst="rect">
-            <a:avLst/>
-          </a:prstGeom>
-          <a:effectLst>
-            <a:outerShdw blurRad="50800" dist="38100" dir="2700000" algn="tl" rotWithShape="0">
-              <a:prstClr val="black">
-                <a:alpha val="40000"/>
-              </a:prstClr>
-            </a:outerShdw>
-          </a:effectLst>
-        </p:spPr>
-      </p:pic>
-      <p:sp>
-        <p:nvSpPr>
-          <p:cNvPr id="7" name="Arrow: Up 6">
-            <a:extLst>
-              <a:ext uri="{FF2B5EF4-FFF2-40B4-BE49-F238E27FC236}">
-                <a16:creationId xmlns:a16="http://schemas.microsoft.com/office/drawing/2014/main" id="{93E61358-0533-3AA7-1196-016CBFFE4947}"/>
-              </a:ext>
-            </a:extLst>
-          </p:cNvPr>
-          <p:cNvSpPr/>
-          <p:nvPr/>
-        </p:nvSpPr>
-        <p:spPr>
-          <a:xfrm rot="6118333">
-            <a:off x="7048376" y="3606281"/>
-            <a:ext cx="265253" cy="563336"/>
-          </a:xfrm>
-          <a:prstGeom prst="upArrow">
-            <a:avLst/>
-          </a:prstGeom>
-        </p:spPr>
-        <p:style>
-          <a:lnRef idx="2">
-            <a:schemeClr val="accent1">
-              <a:shade val="15000"/>
-            </a:schemeClr>
-          </a:lnRef>
-          <a:fillRef idx="1">
-            <a:schemeClr val="accent1"/>
-          </a:fillRef>
-          <a:effectRef idx="0">
-            <a:schemeClr val="accent1"/>
-          </a:effectRef>
-          <a:fontRef idx="minor">
-            <a:schemeClr val="lt1"/>
-          </a:fontRef>
-        </p:style>
-        <p:txBody>
-          <a:bodyPr rtlCol="0" anchor="ctr"/>
-          <a:lstStyle/>
-          <a:p>
-            <a:pPr algn="ctr"/>
-            <a:endParaRPr lang="en-US"/>
-          </a:p>
-        </p:txBody>
-      </p:sp>
-      <p:sp>
-        <p:nvSpPr>
-          <p:cNvPr id="8" name="Arrow: Up 7">
-            <a:extLst>
-              <a:ext uri="{FF2B5EF4-FFF2-40B4-BE49-F238E27FC236}">
-                <a16:creationId xmlns:a16="http://schemas.microsoft.com/office/drawing/2014/main" id="{BA547222-6DC6-6AFA-51B5-AFD6ADF7A6A1}"/>
-              </a:ext>
-            </a:extLst>
-          </p:cNvPr>
-          <p:cNvSpPr/>
-          <p:nvPr/>
-        </p:nvSpPr>
-        <p:spPr>
-          <a:xfrm rot="2138384">
-            <a:off x="10282112" y="5627139"/>
-            <a:ext cx="265253" cy="563336"/>
-          </a:xfrm>
-          <a:prstGeom prst="upArrow">
-            <a:avLst/>
-          </a:prstGeom>
-        </p:spPr>
-        <p:style>
-          <a:lnRef idx="2">
-            <a:schemeClr val="accent1">
-              <a:shade val="15000"/>
-            </a:schemeClr>
-          </a:lnRef>
-          <a:fillRef idx="1">
-            <a:schemeClr val="accent1"/>
-          </a:fillRef>
-          <a:effectRef idx="0">
-            <a:schemeClr val="accent1"/>
-          </a:effectRef>
-          <a:fontRef idx="minor">
-            <a:schemeClr val="lt1"/>
-          </a:fontRef>
-        </p:style>
-        <p:txBody>
-          <a:bodyPr rtlCol="0" anchor="ctr"/>
-          <a:lstStyle/>
-          <a:p>
-            <a:pPr algn="ctr"/>
-            <a:endParaRPr lang="en-US"/>
-          </a:p>
-        </p:txBody>
-      </p:sp>
-      <p:sp>
-        <p:nvSpPr>
-          <p:cNvPr id="9" name="TextBox 8">
-            <a:extLst>
-              <a:ext uri="{FF2B5EF4-FFF2-40B4-BE49-F238E27FC236}">
-                <a16:creationId xmlns:a16="http://schemas.microsoft.com/office/drawing/2014/main" id="{1506BA93-CE1B-72EE-5D73-9316E065EF3E}"/>
-              </a:ext>
-            </a:extLst>
-          </p:cNvPr>
-          <p:cNvSpPr txBox="1"/>
-          <p:nvPr/>
-        </p:nvSpPr>
-        <p:spPr>
-          <a:xfrm>
-            <a:off x="6096000" y="4006610"/>
-            <a:ext cx="1385860" cy="430887"/>
-          </a:xfrm>
-          <a:prstGeom prst="rect">
-            <a:avLst/>
-          </a:prstGeom>
-          <a:noFill/>
-        </p:spPr>
-        <p:txBody>
-          <a:bodyPr wrap="square" rtlCol="0">
-            <a:spAutoFit/>
-          </a:bodyPr>
-          <a:lstStyle/>
-          <a:p>
-            <a:r>
-              <a:rPr lang="en-US" sz="1100" dirty="0">
-                <a:solidFill>
-                  <a:schemeClr val="tx1">
-                    <a:lumMod val="75000"/>
-                    <a:lumOff val="25000"/>
-                  </a:schemeClr>
-                </a:solidFill>
-              </a:rPr>
-              <a:t>1. “Commit” file to version control</a:t>
-            </a:r>
-          </a:p>
-        </p:txBody>
-      </p:sp>
-      <p:sp>
-        <p:nvSpPr>
-          <p:cNvPr id="10" name="TextBox 9">
-            <a:extLst>
-              <a:ext uri="{FF2B5EF4-FFF2-40B4-BE49-F238E27FC236}">
-                <a16:creationId xmlns:a16="http://schemas.microsoft.com/office/drawing/2014/main" id="{6B3BAD01-8E32-6198-0C15-EFD6AF7AA060}"/>
-              </a:ext>
-            </a:extLst>
-          </p:cNvPr>
-          <p:cNvSpPr txBox="1"/>
-          <p:nvPr/>
-        </p:nvSpPr>
-        <p:spPr>
-          <a:xfrm>
-            <a:off x="9379140" y="6200630"/>
-            <a:ext cx="1385860" cy="430887"/>
-          </a:xfrm>
-          <a:prstGeom prst="rect">
-            <a:avLst/>
-          </a:prstGeom>
-          <a:noFill/>
-        </p:spPr>
-        <p:txBody>
-          <a:bodyPr wrap="square" rtlCol="0">
-            <a:spAutoFit/>
-          </a:bodyPr>
-          <a:lstStyle/>
-          <a:p>
-            <a:r>
-              <a:rPr lang="en-US" sz="1100" dirty="0">
-                <a:solidFill>
-                  <a:schemeClr val="tx1">
-                    <a:lumMod val="75000"/>
-                    <a:lumOff val="25000"/>
-                  </a:schemeClr>
-                </a:solidFill>
-              </a:rPr>
-              <a:t>2. “Push” file to remote repository</a:t>
-            </a:r>
-          </a:p>
-        </p:txBody>
-      </p:sp>
     </p:spTree>
     <p:extLst>
       <p:ext uri="{BB962C8B-B14F-4D97-AF65-F5344CB8AC3E}">
-        <p14:creationId xmlns:p14="http://schemas.microsoft.com/office/powerpoint/2010/main" val="3977715652"/>
+        <p14:creationId xmlns:p14="http://schemas.microsoft.com/office/powerpoint/2010/main" val="1752995467"/>
       </p:ext>
     </p:extLst>
   </p:cSld>
@@ -12018,6 +13277,1366 @@
           <p:cNvPr id="2" name="Title 1">
             <a:extLst>
               <a:ext uri="{FF2B5EF4-FFF2-40B4-BE49-F238E27FC236}">
+                <a16:creationId xmlns:a16="http://schemas.microsoft.com/office/drawing/2014/main" id="{7BE552AD-EDFD-92C3-0B38-63394FF40FA0}"/>
+              </a:ext>
+            </a:extLst>
+          </p:cNvPr>
+          <p:cNvSpPr>
+            <a:spLocks noGrp="1"/>
+          </p:cNvSpPr>
+          <p:nvPr>
+            <p:ph type="title"/>
+          </p:nvPr>
+        </p:nvSpPr>
+        <p:spPr/>
+        <p:txBody>
+          <a:bodyPr/>
+          <a:lstStyle/>
+          <a:p>
+            <a:r>
+              <a:rPr lang="en-US" dirty="0"/>
+              <a:t>Two ways to do </a:t>
+            </a:r>
+            <a:r>
+              <a:rPr lang="en-US" dirty="0">
+                <a:latin typeface="Consolas" panose="020B0609020204030204" pitchFamily="49" charset="0"/>
+              </a:rPr>
+              <a:t>git commit – m “…”</a:t>
+            </a:r>
+            <a:endParaRPr lang="en-US" dirty="0">
+              <a:solidFill>
+                <a:schemeClr val="bg1">
+                  <a:lumMod val="75000"/>
+                </a:schemeClr>
+              </a:solidFill>
+              <a:latin typeface="Consolas" panose="020B0609020204030204" pitchFamily="49" charset="0"/>
+            </a:endParaRPr>
+          </a:p>
+        </p:txBody>
+      </p:sp>
+      <p:pic>
+        <p:nvPicPr>
+          <p:cNvPr id="5" name="Picture 4">
+            <a:extLst>
+              <a:ext uri="{FF2B5EF4-FFF2-40B4-BE49-F238E27FC236}">
+                <a16:creationId xmlns:a16="http://schemas.microsoft.com/office/drawing/2014/main" id="{908AD81E-9A86-F30E-E9B6-B63144CCC239}"/>
+              </a:ext>
+            </a:extLst>
+          </p:cNvPr>
+          <p:cNvPicPr>
+            <a:picLocks noChangeAspect="1"/>
+          </p:cNvPicPr>
+          <p:nvPr/>
+        </p:nvPicPr>
+        <p:blipFill>
+          <a:blip r:embed="rId2"/>
+          <a:srcRect l="52995"/>
+          <a:stretch/>
+        </p:blipFill>
+        <p:spPr>
+          <a:xfrm>
+            <a:off x="996042" y="2808031"/>
+            <a:ext cx="4912275" cy="1352739"/>
+          </a:xfrm>
+          <a:prstGeom prst="rect">
+            <a:avLst/>
+          </a:prstGeom>
+        </p:spPr>
+      </p:pic>
+      <p:pic>
+        <p:nvPicPr>
+          <p:cNvPr id="8" name="Picture 7">
+            <a:extLst>
+              <a:ext uri="{FF2B5EF4-FFF2-40B4-BE49-F238E27FC236}">
+                <a16:creationId xmlns:a16="http://schemas.microsoft.com/office/drawing/2014/main" id="{EE9106A0-B2FC-A90D-1F36-4824EE540698}"/>
+              </a:ext>
+            </a:extLst>
+          </p:cNvPr>
+          <p:cNvPicPr>
+            <a:picLocks noChangeAspect="1"/>
+          </p:cNvPicPr>
+          <p:nvPr/>
+        </p:nvPicPr>
+        <p:blipFill>
+          <a:blip r:embed="rId3"/>
+          <a:srcRect b="68567"/>
+          <a:stretch/>
+        </p:blipFill>
+        <p:spPr>
+          <a:xfrm>
+            <a:off x="6910799" y="2240575"/>
+            <a:ext cx="4530184" cy="1769177"/>
+          </a:xfrm>
+          <a:prstGeom prst="rect">
+            <a:avLst/>
+          </a:prstGeom>
+        </p:spPr>
+      </p:pic>
+      <p:pic>
+        <p:nvPicPr>
+          <p:cNvPr id="9" name="Picture 8">
+            <a:extLst>
+              <a:ext uri="{FF2B5EF4-FFF2-40B4-BE49-F238E27FC236}">
+                <a16:creationId xmlns:a16="http://schemas.microsoft.com/office/drawing/2014/main" id="{94317491-0A8D-1CFC-70C9-A04E52215A37}"/>
+              </a:ext>
+            </a:extLst>
+          </p:cNvPr>
+          <p:cNvPicPr>
+            <a:picLocks noChangeAspect="1"/>
+          </p:cNvPicPr>
+          <p:nvPr/>
+        </p:nvPicPr>
+        <p:blipFill>
+          <a:blip r:embed="rId3"/>
+          <a:srcRect t="63993"/>
+          <a:stretch/>
+        </p:blipFill>
+        <p:spPr>
+          <a:xfrm>
+            <a:off x="6910799" y="3724012"/>
+            <a:ext cx="4530184" cy="2026615"/>
+          </a:xfrm>
+          <a:prstGeom prst="rect">
+            <a:avLst/>
+          </a:prstGeom>
+        </p:spPr>
+      </p:pic>
+    </p:spTree>
+    <p:extLst>
+      <p:ext uri="{BB962C8B-B14F-4D97-AF65-F5344CB8AC3E}">
+        <p14:creationId xmlns:p14="http://schemas.microsoft.com/office/powerpoint/2010/main" val="3979796534"/>
+      </p:ext>
+    </p:extLst>
+  </p:cSld>
+  <p:clrMapOvr>
+    <a:masterClrMapping/>
+  </p:clrMapOvr>
+</p:sld>
+</file>
+
+<file path=ppt/slides/slide24.xml><?xml version="1.0" encoding="utf-8"?>
+<p:sld xmlns:a="http://schemas.openxmlformats.org/drawingml/2006/main" xmlns:r="http://schemas.openxmlformats.org/officeDocument/2006/relationships" xmlns:p="http://schemas.openxmlformats.org/presentationml/2006/main">
+  <p:cSld>
+    <p:spTree>
+      <p:nvGrpSpPr>
+        <p:cNvPr id="1" name=""/>
+        <p:cNvGrpSpPr/>
+        <p:nvPr/>
+      </p:nvGrpSpPr>
+      <p:grpSpPr>
+        <a:xfrm>
+          <a:off x="0" y="0"/>
+          <a:ext cx="0" cy="0"/>
+          <a:chOff x="0" y="0"/>
+          <a:chExt cx="0" cy="0"/>
+        </a:xfrm>
+      </p:grpSpPr>
+      <p:sp>
+        <p:nvSpPr>
+          <p:cNvPr id="2" name="Title 1">
+            <a:extLst>
+              <a:ext uri="{FF2B5EF4-FFF2-40B4-BE49-F238E27FC236}">
+                <a16:creationId xmlns:a16="http://schemas.microsoft.com/office/drawing/2014/main" id="{EDFB0D80-CB44-017A-52D2-68B27A2943CC}"/>
+              </a:ext>
+            </a:extLst>
+          </p:cNvPr>
+          <p:cNvSpPr>
+            <a:spLocks noGrp="1"/>
+          </p:cNvSpPr>
+          <p:nvPr>
+            <p:ph type="title"/>
+          </p:nvPr>
+        </p:nvSpPr>
+        <p:spPr/>
+        <p:txBody>
+          <a:bodyPr/>
+          <a:lstStyle/>
+          <a:p>
+            <a:r>
+              <a:rPr lang="en-US" dirty="0"/>
+              <a:t>Git is a </a:t>
+            </a:r>
+            <a:r>
+              <a:rPr lang="en-US" i="1" dirty="0"/>
+              <a:t>distributed</a:t>
+            </a:r>
+            <a:r>
+              <a:rPr lang="en-US" dirty="0"/>
+              <a:t> version control system</a:t>
+            </a:r>
+          </a:p>
+        </p:txBody>
+      </p:sp>
+      <p:pic>
+        <p:nvPicPr>
+          <p:cNvPr id="4" name="Graphic 3" descr="Connections outline">
+            <a:extLst>
+              <a:ext uri="{FF2B5EF4-FFF2-40B4-BE49-F238E27FC236}">
+                <a16:creationId xmlns:a16="http://schemas.microsoft.com/office/drawing/2014/main" id="{84F241CF-3E45-A0CA-C5EC-2C4D43DAD2BF}"/>
+              </a:ext>
+            </a:extLst>
+          </p:cNvPr>
+          <p:cNvPicPr>
+            <a:picLocks noChangeAspect="1"/>
+          </p:cNvPicPr>
+          <p:nvPr/>
+        </p:nvPicPr>
+        <p:blipFill>
+          <a:blip r:embed="rId2">
+            <a:extLst>
+              <a:ext uri="{28A0092B-C50C-407E-A947-70E740481C1C}">
+                <a14:useLocalDpi xmlns:a14="http://schemas.microsoft.com/office/drawing/2010/main" val="0"/>
+              </a:ext>
+              <a:ext uri="{96DAC541-7B7A-43D3-8B79-37D633B846F1}">
+                <asvg:svgBlip xmlns:asvg="http://schemas.microsoft.com/office/drawing/2016/SVG/main" r:embed="rId3"/>
+              </a:ext>
+            </a:extLst>
+          </a:blip>
+          <a:stretch>
+            <a:fillRect/>
+          </a:stretch>
+        </p:blipFill>
+        <p:spPr>
+          <a:xfrm>
+            <a:off x="8006634" y="2259531"/>
+            <a:ext cx="914400" cy="914400"/>
+          </a:xfrm>
+          <a:prstGeom prst="rect">
+            <a:avLst/>
+          </a:prstGeom>
+        </p:spPr>
+      </p:pic>
+      <p:pic>
+        <p:nvPicPr>
+          <p:cNvPr id="6" name="Graphic 5" descr="Laptop outline">
+            <a:extLst>
+              <a:ext uri="{FF2B5EF4-FFF2-40B4-BE49-F238E27FC236}">
+                <a16:creationId xmlns:a16="http://schemas.microsoft.com/office/drawing/2014/main" id="{88376052-85DA-F9BC-A2E9-DA3BB743E474}"/>
+              </a:ext>
+            </a:extLst>
+          </p:cNvPr>
+          <p:cNvPicPr>
+            <a:picLocks noChangeAspect="1"/>
+          </p:cNvPicPr>
+          <p:nvPr/>
+        </p:nvPicPr>
+        <p:blipFill>
+          <a:blip r:embed="rId4">
+            <a:extLst>
+              <a:ext uri="{28A0092B-C50C-407E-A947-70E740481C1C}">
+                <a14:useLocalDpi xmlns:a14="http://schemas.microsoft.com/office/drawing/2010/main" val="0"/>
+              </a:ext>
+              <a:ext uri="{96DAC541-7B7A-43D3-8B79-37D633B846F1}">
+                <asvg:svgBlip xmlns:asvg="http://schemas.microsoft.com/office/drawing/2016/SVG/main" r:embed="rId5"/>
+              </a:ext>
+            </a:extLst>
+          </a:blip>
+          <a:stretch>
+            <a:fillRect/>
+          </a:stretch>
+        </p:blipFill>
+        <p:spPr>
+          <a:xfrm>
+            <a:off x="7575103" y="4417428"/>
+            <a:ext cx="1934678" cy="1934678"/>
+          </a:xfrm>
+          <a:prstGeom prst="rect">
+            <a:avLst/>
+          </a:prstGeom>
+        </p:spPr>
+      </p:pic>
+      <p:pic>
+        <p:nvPicPr>
+          <p:cNvPr id="8" name="Graphic 7" descr="Computer outline">
+            <a:extLst>
+              <a:ext uri="{FF2B5EF4-FFF2-40B4-BE49-F238E27FC236}">
+                <a16:creationId xmlns:a16="http://schemas.microsoft.com/office/drawing/2014/main" id="{339CD682-116A-7DE8-C3CD-CBD644758A42}"/>
+              </a:ext>
+            </a:extLst>
+          </p:cNvPr>
+          <p:cNvPicPr>
+            <a:picLocks noChangeAspect="1"/>
+          </p:cNvPicPr>
+          <p:nvPr/>
+        </p:nvPicPr>
+        <p:blipFill>
+          <a:blip r:embed="rId6">
+            <a:extLst>
+              <a:ext uri="{28A0092B-C50C-407E-A947-70E740481C1C}">
+                <a14:useLocalDpi xmlns:a14="http://schemas.microsoft.com/office/drawing/2010/main" val="0"/>
+              </a:ext>
+              <a:ext uri="{96DAC541-7B7A-43D3-8B79-37D633B846F1}">
+                <asvg:svgBlip xmlns:asvg="http://schemas.microsoft.com/office/drawing/2016/SVG/main" r:embed="rId7"/>
+              </a:ext>
+            </a:extLst>
+          </a:blip>
+          <a:stretch>
+            <a:fillRect/>
+          </a:stretch>
+        </p:blipFill>
+        <p:spPr>
+          <a:xfrm>
+            <a:off x="7278322" y="1083644"/>
+            <a:ext cx="3776312" cy="3776312"/>
+          </a:xfrm>
+          <a:prstGeom prst="rect">
+            <a:avLst/>
+          </a:prstGeom>
+        </p:spPr>
+      </p:pic>
+      <p:pic>
+        <p:nvPicPr>
+          <p:cNvPr id="9" name="Graphic 8" descr="Connections outline">
+            <a:extLst>
+              <a:ext uri="{FF2B5EF4-FFF2-40B4-BE49-F238E27FC236}">
+                <a16:creationId xmlns:a16="http://schemas.microsoft.com/office/drawing/2014/main" id="{A23156BD-A6DB-8B49-6E65-D657C163D54D}"/>
+              </a:ext>
+            </a:extLst>
+          </p:cNvPr>
+          <p:cNvPicPr>
+            <a:picLocks noChangeAspect="1"/>
+          </p:cNvPicPr>
+          <p:nvPr/>
+        </p:nvPicPr>
+        <p:blipFill>
+          <a:blip r:embed="rId2">
+            <a:extLst>
+              <a:ext uri="{28A0092B-C50C-407E-A947-70E740481C1C}">
+                <a14:useLocalDpi xmlns:a14="http://schemas.microsoft.com/office/drawing/2010/main" val="0"/>
+              </a:ext>
+              <a:ext uri="{96DAC541-7B7A-43D3-8B79-37D633B846F1}">
+                <asvg:svgBlip xmlns:asvg="http://schemas.microsoft.com/office/drawing/2016/SVG/main" r:embed="rId3"/>
+              </a:ext>
+            </a:extLst>
+          </a:blip>
+          <a:stretch>
+            <a:fillRect/>
+          </a:stretch>
+        </p:blipFill>
+        <p:spPr>
+          <a:xfrm>
+            <a:off x="8286572" y="5066735"/>
+            <a:ext cx="511740" cy="511740"/>
+          </a:xfrm>
+          <a:prstGeom prst="rect">
+            <a:avLst/>
+          </a:prstGeom>
+        </p:spPr>
+      </p:pic>
+      <p:sp>
+        <p:nvSpPr>
+          <p:cNvPr id="10" name="TextBox 9">
+            <a:extLst>
+              <a:ext uri="{FF2B5EF4-FFF2-40B4-BE49-F238E27FC236}">
+                <a16:creationId xmlns:a16="http://schemas.microsoft.com/office/drawing/2014/main" id="{2DE1C7C9-7D41-2C76-9272-795E6936EEAA}"/>
+              </a:ext>
+            </a:extLst>
+          </p:cNvPr>
+          <p:cNvSpPr txBox="1"/>
+          <p:nvPr/>
+        </p:nvSpPr>
+        <p:spPr>
+          <a:xfrm>
+            <a:off x="838200" y="2274633"/>
+            <a:ext cx="5707781" cy="2585323"/>
+          </a:xfrm>
+          <a:prstGeom prst="rect">
+            <a:avLst/>
+          </a:prstGeom>
+          <a:noFill/>
+        </p:spPr>
+        <p:txBody>
+          <a:bodyPr wrap="square" rtlCol="0">
+            <a:spAutoFit/>
+          </a:bodyPr>
+          <a:lstStyle/>
+          <a:p>
+            <a:r>
+              <a:rPr lang="en-US" dirty="0"/>
+              <a:t>When you </a:t>
+            </a:r>
+            <a:r>
+              <a:rPr lang="en-US" dirty="0">
+                <a:latin typeface="Consolas" panose="020B0609020204030204" pitchFamily="49" charset="0"/>
+              </a:rPr>
+              <a:t>clone</a:t>
+            </a:r>
+            <a:r>
+              <a:rPr lang="en-US" dirty="0"/>
+              <a:t> a repository, you are pulling down all the files </a:t>
+            </a:r>
+            <a:r>
+              <a:rPr lang="en-US" i="1" dirty="0"/>
+              <a:t>and their history</a:t>
+            </a:r>
+            <a:r>
+              <a:rPr lang="en-US" dirty="0"/>
+              <a:t>. </a:t>
+            </a:r>
+          </a:p>
+          <a:p>
+            <a:endParaRPr lang="en-US" dirty="0"/>
+          </a:p>
+          <a:p>
+            <a:r>
+              <a:rPr lang="en-US" dirty="0"/>
+              <a:t>You then operate only on the </a:t>
+            </a:r>
+            <a:r>
+              <a:rPr lang="en-US" i="1" dirty="0"/>
+              <a:t>local </a:t>
+            </a:r>
+            <a:r>
+              <a:rPr lang="en-US" dirty="0"/>
+              <a:t>copy. If you want to sync the changes, you have to explicitly </a:t>
+            </a:r>
+            <a:r>
+              <a:rPr lang="en-US" dirty="0">
+                <a:latin typeface="Consolas" panose="020B0609020204030204" pitchFamily="49" charset="0"/>
+              </a:rPr>
+              <a:t>push</a:t>
+            </a:r>
+            <a:r>
+              <a:rPr lang="en-US" dirty="0"/>
+              <a:t> the changes back.</a:t>
+            </a:r>
+          </a:p>
+          <a:p>
+            <a:endParaRPr lang="en-US" dirty="0"/>
+          </a:p>
+          <a:p>
+            <a:r>
+              <a:rPr lang="en-US" dirty="0"/>
+              <a:t>Git operates as a giant network of peers, not as a remote/local hierarchy</a:t>
+            </a:r>
+          </a:p>
+        </p:txBody>
+      </p:sp>
+    </p:spTree>
+    <p:extLst>
+      <p:ext uri="{BB962C8B-B14F-4D97-AF65-F5344CB8AC3E}">
+        <p14:creationId xmlns:p14="http://schemas.microsoft.com/office/powerpoint/2010/main" val="2641454909"/>
+      </p:ext>
+    </p:extLst>
+  </p:cSld>
+  <p:clrMapOvr>
+    <a:masterClrMapping/>
+  </p:clrMapOvr>
+</p:sld>
+</file>
+
+<file path=ppt/slides/slide25.xml><?xml version="1.0" encoding="utf-8"?>
+<p:sld xmlns:a="http://schemas.openxmlformats.org/drawingml/2006/main" xmlns:r="http://schemas.openxmlformats.org/officeDocument/2006/relationships" xmlns:p="http://schemas.openxmlformats.org/presentationml/2006/main">
+  <p:cSld>
+    <p:spTree>
+      <p:nvGrpSpPr>
+        <p:cNvPr id="1" name=""/>
+        <p:cNvGrpSpPr/>
+        <p:nvPr/>
+      </p:nvGrpSpPr>
+      <p:grpSpPr>
+        <a:xfrm>
+          <a:off x="0" y="0"/>
+          <a:ext cx="0" cy="0"/>
+          <a:chOff x="0" y="0"/>
+          <a:chExt cx="0" cy="0"/>
+        </a:xfrm>
+      </p:grpSpPr>
+      <p:sp>
+        <p:nvSpPr>
+          <p:cNvPr id="2" name="Title 1">
+            <a:extLst>
+              <a:ext uri="{FF2B5EF4-FFF2-40B4-BE49-F238E27FC236}">
+                <a16:creationId xmlns:a16="http://schemas.microsoft.com/office/drawing/2014/main" id="{7BE552AD-EDFD-92C3-0B38-63394FF40FA0}"/>
+              </a:ext>
+            </a:extLst>
+          </p:cNvPr>
+          <p:cNvSpPr>
+            <a:spLocks noGrp="1"/>
+          </p:cNvSpPr>
+          <p:nvPr>
+            <p:ph type="title"/>
+          </p:nvPr>
+        </p:nvSpPr>
+        <p:spPr/>
+        <p:txBody>
+          <a:bodyPr/>
+          <a:lstStyle/>
+          <a:p>
+            <a:r>
+              <a:rPr lang="en-US" dirty="0"/>
+              <a:t>You must send your changes to GitHub via </a:t>
+            </a:r>
+            <a:r>
+              <a:rPr lang="en-US" dirty="0">
+                <a:latin typeface="Consolas" panose="020B0609020204030204" pitchFamily="49" charset="0"/>
+              </a:rPr>
+              <a:t>git push</a:t>
+            </a:r>
+            <a:endParaRPr lang="en-US" dirty="0">
+              <a:solidFill>
+                <a:schemeClr val="bg1">
+                  <a:lumMod val="75000"/>
+                </a:schemeClr>
+              </a:solidFill>
+              <a:latin typeface="Consolas" panose="020B0609020204030204" pitchFamily="49" charset="0"/>
+            </a:endParaRPr>
+          </a:p>
+        </p:txBody>
+      </p:sp>
+      <p:sp>
+        <p:nvSpPr>
+          <p:cNvPr id="4" name="TextBox 3">
+            <a:extLst>
+              <a:ext uri="{FF2B5EF4-FFF2-40B4-BE49-F238E27FC236}">
+                <a16:creationId xmlns:a16="http://schemas.microsoft.com/office/drawing/2014/main" id="{41981000-39E2-14CB-5D63-2375F17D1DE7}"/>
+              </a:ext>
+            </a:extLst>
+          </p:cNvPr>
+          <p:cNvSpPr txBox="1"/>
+          <p:nvPr/>
+        </p:nvSpPr>
+        <p:spPr>
+          <a:xfrm>
+            <a:off x="838200" y="1865616"/>
+            <a:ext cx="10724634" cy="2554545"/>
+          </a:xfrm>
+          <a:prstGeom prst="rect">
+            <a:avLst/>
+          </a:prstGeom>
+          <a:noFill/>
+        </p:spPr>
+        <p:txBody>
+          <a:bodyPr wrap="square" rtlCol="0">
+            <a:spAutoFit/>
+          </a:bodyPr>
+          <a:lstStyle/>
+          <a:p>
+            <a:r>
+              <a:rPr lang="en-US" sz="3200" dirty="0">
+                <a:solidFill>
+                  <a:schemeClr val="tx1">
+                    <a:lumMod val="75000"/>
+                    <a:lumOff val="25000"/>
+                  </a:schemeClr>
+                </a:solidFill>
+                <a:latin typeface="Consolas" panose="020B0609020204030204" pitchFamily="49" charset="0"/>
+              </a:rPr>
+              <a:t>git commit</a:t>
+            </a:r>
+            <a:r>
+              <a:rPr lang="en-US" sz="3200" dirty="0">
+                <a:solidFill>
+                  <a:schemeClr val="tx1">
+                    <a:lumMod val="75000"/>
+                    <a:lumOff val="25000"/>
+                  </a:schemeClr>
+                </a:solidFill>
+              </a:rPr>
+              <a:t> only records changes on your local computer. </a:t>
+            </a:r>
+          </a:p>
+          <a:p>
+            <a:endParaRPr lang="en-US" sz="3200" dirty="0">
+              <a:solidFill>
+                <a:schemeClr val="tx1">
+                  <a:lumMod val="75000"/>
+                  <a:lumOff val="25000"/>
+                </a:schemeClr>
+              </a:solidFill>
+            </a:endParaRPr>
+          </a:p>
+          <a:p>
+            <a:r>
+              <a:rPr lang="en-US" sz="3200" dirty="0">
+                <a:solidFill>
+                  <a:schemeClr val="tx1">
+                    <a:lumMod val="75000"/>
+                    <a:lumOff val="25000"/>
+                  </a:schemeClr>
+                </a:solidFill>
+              </a:rPr>
+              <a:t>In order to share your changes with your colleague or protect them against local machine failure, you must send your changes to a remote server with </a:t>
+            </a:r>
+            <a:r>
+              <a:rPr lang="en-US" sz="3200" dirty="0">
+                <a:solidFill>
+                  <a:schemeClr val="tx1">
+                    <a:lumMod val="75000"/>
+                    <a:lumOff val="25000"/>
+                  </a:schemeClr>
+                </a:solidFill>
+                <a:latin typeface="Consolas" panose="020B0609020204030204" pitchFamily="49" charset="0"/>
+              </a:rPr>
+              <a:t>git push</a:t>
+            </a:r>
+            <a:endParaRPr lang="en-US" sz="3200" dirty="0">
+              <a:solidFill>
+                <a:schemeClr val="tx1">
+                  <a:lumMod val="75000"/>
+                  <a:lumOff val="25000"/>
+                </a:schemeClr>
+              </a:solidFill>
+            </a:endParaRPr>
+          </a:p>
+        </p:txBody>
+      </p:sp>
+    </p:spTree>
+    <p:extLst>
+      <p:ext uri="{BB962C8B-B14F-4D97-AF65-F5344CB8AC3E}">
+        <p14:creationId xmlns:p14="http://schemas.microsoft.com/office/powerpoint/2010/main" val="2436012039"/>
+      </p:ext>
+    </p:extLst>
+  </p:cSld>
+  <p:clrMapOvr>
+    <a:masterClrMapping/>
+  </p:clrMapOvr>
+</p:sld>
+</file>
+
+<file path=ppt/slides/slide26.xml><?xml version="1.0" encoding="utf-8"?>
+<p:sld xmlns:a="http://schemas.openxmlformats.org/drawingml/2006/main" xmlns:r="http://schemas.openxmlformats.org/officeDocument/2006/relationships" xmlns:p="http://schemas.openxmlformats.org/presentationml/2006/main">
+  <p:cSld>
+    <p:spTree>
+      <p:nvGrpSpPr>
+        <p:cNvPr id="1" name=""/>
+        <p:cNvGrpSpPr/>
+        <p:nvPr/>
+      </p:nvGrpSpPr>
+      <p:grpSpPr>
+        <a:xfrm>
+          <a:off x="0" y="0"/>
+          <a:ext cx="0" cy="0"/>
+          <a:chOff x="0" y="0"/>
+          <a:chExt cx="0" cy="0"/>
+        </a:xfrm>
+      </p:grpSpPr>
+      <p:sp>
+        <p:nvSpPr>
+          <p:cNvPr id="2" name="Title 1">
+            <a:extLst>
+              <a:ext uri="{FF2B5EF4-FFF2-40B4-BE49-F238E27FC236}">
+                <a16:creationId xmlns:a16="http://schemas.microsoft.com/office/drawing/2014/main" id="{7BE552AD-EDFD-92C3-0B38-63394FF40FA0}"/>
+              </a:ext>
+            </a:extLst>
+          </p:cNvPr>
+          <p:cNvSpPr>
+            <a:spLocks noGrp="1"/>
+          </p:cNvSpPr>
+          <p:nvPr>
+            <p:ph type="title"/>
+          </p:nvPr>
+        </p:nvSpPr>
+        <p:spPr/>
+        <p:txBody>
+          <a:bodyPr/>
+          <a:lstStyle/>
+          <a:p>
+            <a:r>
+              <a:rPr lang="en-US" dirty="0"/>
+              <a:t>Recap: </a:t>
+            </a:r>
+            <a:r>
+              <a:rPr lang="en-US" dirty="0">
+                <a:latin typeface="Consolas" panose="020B0609020204030204" pitchFamily="49" charset="0"/>
+              </a:rPr>
+              <a:t>clone, pull, diff, commit, push</a:t>
+            </a:r>
+            <a:endParaRPr lang="en-US" dirty="0">
+              <a:solidFill>
+                <a:schemeClr val="bg1">
+                  <a:lumMod val="75000"/>
+                </a:schemeClr>
+              </a:solidFill>
+              <a:latin typeface="Consolas" panose="020B0609020204030204" pitchFamily="49" charset="0"/>
+            </a:endParaRPr>
+          </a:p>
+        </p:txBody>
+      </p:sp>
+      <p:pic>
+        <p:nvPicPr>
+          <p:cNvPr id="5" name="Graphic 4" descr="Server with solid fill">
+            <a:extLst>
+              <a:ext uri="{FF2B5EF4-FFF2-40B4-BE49-F238E27FC236}">
+                <a16:creationId xmlns:a16="http://schemas.microsoft.com/office/drawing/2014/main" id="{556FEC09-1CBD-E2CE-7814-F658FE830C6E}"/>
+              </a:ext>
+            </a:extLst>
+          </p:cNvPr>
+          <p:cNvPicPr>
+            <a:picLocks noChangeAspect="1"/>
+          </p:cNvPicPr>
+          <p:nvPr/>
+        </p:nvPicPr>
+        <p:blipFill>
+          <a:blip r:embed="rId2">
+            <a:extLst>
+              <a:ext uri="{96DAC541-7B7A-43D3-8B79-37D633B846F1}">
+                <asvg:svgBlip xmlns:asvg="http://schemas.microsoft.com/office/drawing/2016/SVG/main" r:embed="rId3"/>
+              </a:ext>
+            </a:extLst>
+          </a:blip>
+          <a:stretch>
+            <a:fillRect/>
+          </a:stretch>
+        </p:blipFill>
+        <p:spPr>
+          <a:xfrm>
+            <a:off x="8149086" y="2711570"/>
+            <a:ext cx="1641894" cy="1641894"/>
+          </a:xfrm>
+          <a:prstGeom prst="rect">
+            <a:avLst/>
+          </a:prstGeom>
+        </p:spPr>
+      </p:pic>
+      <p:pic>
+        <p:nvPicPr>
+          <p:cNvPr id="7" name="Graphic 6" descr="Laptop with solid fill">
+            <a:extLst>
+              <a:ext uri="{FF2B5EF4-FFF2-40B4-BE49-F238E27FC236}">
+                <a16:creationId xmlns:a16="http://schemas.microsoft.com/office/drawing/2014/main" id="{E16D7446-2668-C6E8-E180-D5CAB13513E5}"/>
+              </a:ext>
+            </a:extLst>
+          </p:cNvPr>
+          <p:cNvPicPr>
+            <a:picLocks noChangeAspect="1"/>
+          </p:cNvPicPr>
+          <p:nvPr/>
+        </p:nvPicPr>
+        <p:blipFill>
+          <a:blip r:embed="rId4">
+            <a:extLst>
+              <a:ext uri="{96DAC541-7B7A-43D3-8B79-37D633B846F1}">
+                <asvg:svgBlip xmlns:asvg="http://schemas.microsoft.com/office/drawing/2016/SVG/main" r:embed="rId5"/>
+              </a:ext>
+            </a:extLst>
+          </a:blip>
+          <a:stretch>
+            <a:fillRect/>
+          </a:stretch>
+        </p:blipFill>
+        <p:spPr>
+          <a:xfrm>
+            <a:off x="3388743" y="3075317"/>
+            <a:ext cx="914400" cy="914400"/>
+          </a:xfrm>
+          <a:prstGeom prst="rect">
+            <a:avLst/>
+          </a:prstGeom>
+        </p:spPr>
+      </p:pic>
+      <p:cxnSp>
+        <p:nvCxnSpPr>
+          <p:cNvPr id="9" name="Straight Arrow Connector 8">
+            <a:extLst>
+              <a:ext uri="{FF2B5EF4-FFF2-40B4-BE49-F238E27FC236}">
+                <a16:creationId xmlns:a16="http://schemas.microsoft.com/office/drawing/2014/main" id="{324C6FF2-3D9A-24CD-6671-EC1FD3B65BCD}"/>
+              </a:ext>
+            </a:extLst>
+          </p:cNvPr>
+          <p:cNvCxnSpPr/>
+          <p:nvPr/>
+        </p:nvCxnSpPr>
+        <p:spPr>
+          <a:xfrm flipV="1">
+            <a:off x="4511615" y="2967487"/>
+            <a:ext cx="3377244" cy="250166"/>
+          </a:xfrm>
+          <a:prstGeom prst="straightConnector1">
+            <a:avLst/>
+          </a:prstGeom>
+          <a:ln>
+            <a:tailEnd type="triangle"/>
+          </a:ln>
+        </p:spPr>
+        <p:style>
+          <a:lnRef idx="1">
+            <a:schemeClr val="accent1"/>
+          </a:lnRef>
+          <a:fillRef idx="0">
+            <a:schemeClr val="accent1"/>
+          </a:fillRef>
+          <a:effectRef idx="0">
+            <a:schemeClr val="accent1"/>
+          </a:effectRef>
+          <a:fontRef idx="minor">
+            <a:schemeClr val="tx1"/>
+          </a:fontRef>
+        </p:style>
+      </p:cxnSp>
+      <p:sp>
+        <p:nvSpPr>
+          <p:cNvPr id="10" name="TextBox 9">
+            <a:extLst>
+              <a:ext uri="{FF2B5EF4-FFF2-40B4-BE49-F238E27FC236}">
+                <a16:creationId xmlns:a16="http://schemas.microsoft.com/office/drawing/2014/main" id="{D38AD5F9-97EF-0452-EF2D-162AFCC48E7A}"/>
+              </a:ext>
+            </a:extLst>
+          </p:cNvPr>
+          <p:cNvSpPr txBox="1"/>
+          <p:nvPr/>
+        </p:nvSpPr>
+        <p:spPr>
+          <a:xfrm rot="21362268">
+            <a:off x="5208577" y="2803156"/>
+            <a:ext cx="1774845" cy="307777"/>
+          </a:xfrm>
+          <a:prstGeom prst="rect">
+            <a:avLst/>
+          </a:prstGeom>
+          <a:noFill/>
+        </p:spPr>
+        <p:txBody>
+          <a:bodyPr wrap="none" rtlCol="0">
+            <a:spAutoFit/>
+          </a:bodyPr>
+          <a:lstStyle/>
+          <a:p>
+            <a:r>
+              <a:rPr lang="en-US" sz="1400" dirty="0">
+                <a:solidFill>
+                  <a:schemeClr val="tx1">
+                    <a:lumMod val="75000"/>
+                    <a:lumOff val="25000"/>
+                  </a:schemeClr>
+                </a:solidFill>
+                <a:latin typeface="Consolas" panose="020B0609020204030204" pitchFamily="49" charset="0"/>
+              </a:rPr>
+              <a:t>git clone &lt;repo&gt;</a:t>
+            </a:r>
+          </a:p>
+        </p:txBody>
+      </p:sp>
+      <p:cxnSp>
+        <p:nvCxnSpPr>
+          <p:cNvPr id="11" name="Straight Arrow Connector 10">
+            <a:extLst>
+              <a:ext uri="{FF2B5EF4-FFF2-40B4-BE49-F238E27FC236}">
+                <a16:creationId xmlns:a16="http://schemas.microsoft.com/office/drawing/2014/main" id="{5BB8A90C-A023-0E1C-EF37-F2DBBCC620D5}"/>
+              </a:ext>
+            </a:extLst>
+          </p:cNvPr>
+          <p:cNvCxnSpPr>
+            <a:cxnSpLocks/>
+          </p:cNvCxnSpPr>
+          <p:nvPr/>
+        </p:nvCxnSpPr>
+        <p:spPr>
+          <a:xfrm flipH="1">
+            <a:off x="4511615" y="3092570"/>
+            <a:ext cx="3377244" cy="239027"/>
+          </a:xfrm>
+          <a:prstGeom prst="straightConnector1">
+            <a:avLst/>
+          </a:prstGeom>
+          <a:ln>
+            <a:tailEnd type="triangle"/>
+          </a:ln>
+        </p:spPr>
+        <p:style>
+          <a:lnRef idx="1">
+            <a:schemeClr val="accent1"/>
+          </a:lnRef>
+          <a:fillRef idx="0">
+            <a:schemeClr val="accent1"/>
+          </a:fillRef>
+          <a:effectRef idx="0">
+            <a:schemeClr val="accent1"/>
+          </a:effectRef>
+          <a:fontRef idx="minor">
+            <a:schemeClr val="tx1"/>
+          </a:fontRef>
+        </p:style>
+      </p:cxnSp>
+      <p:sp>
+        <p:nvSpPr>
+          <p:cNvPr id="14" name="TextBox 13">
+            <a:extLst>
+              <a:ext uri="{FF2B5EF4-FFF2-40B4-BE49-F238E27FC236}">
+                <a16:creationId xmlns:a16="http://schemas.microsoft.com/office/drawing/2014/main" id="{B3ACC70E-9BDF-9FD3-D0C5-E604D6C767C5}"/>
+              </a:ext>
+            </a:extLst>
+          </p:cNvPr>
+          <p:cNvSpPr txBox="1"/>
+          <p:nvPr/>
+        </p:nvSpPr>
+        <p:spPr>
+          <a:xfrm rot="21362268">
+            <a:off x="4940120" y="3161473"/>
+            <a:ext cx="2520242" cy="307777"/>
+          </a:xfrm>
+          <a:prstGeom prst="rect">
+            <a:avLst/>
+          </a:prstGeom>
+          <a:noFill/>
+        </p:spPr>
+        <p:txBody>
+          <a:bodyPr wrap="none" rtlCol="0">
+            <a:spAutoFit/>
+          </a:bodyPr>
+          <a:lstStyle/>
+          <a:p>
+            <a:r>
+              <a:rPr lang="en-US" sz="1400" dirty="0">
+                <a:solidFill>
+                  <a:schemeClr val="tx1">
+                    <a:lumMod val="75000"/>
+                    <a:lumOff val="25000"/>
+                  </a:schemeClr>
+                </a:solidFill>
+                <a:latin typeface="+mj-lt"/>
+              </a:rPr>
+              <a:t>Downloads the repo to laptop</a:t>
+            </a:r>
+          </a:p>
+        </p:txBody>
+      </p:sp>
+    </p:spTree>
+    <p:extLst>
+      <p:ext uri="{BB962C8B-B14F-4D97-AF65-F5344CB8AC3E}">
+        <p14:creationId xmlns:p14="http://schemas.microsoft.com/office/powerpoint/2010/main" val="2016705794"/>
+      </p:ext>
+    </p:extLst>
+  </p:cSld>
+  <p:clrMapOvr>
+    <a:masterClrMapping/>
+  </p:clrMapOvr>
+</p:sld>
+</file>
+
+<file path=ppt/slides/slide27.xml><?xml version="1.0" encoding="utf-8"?>
+<p:sld xmlns:a="http://schemas.openxmlformats.org/drawingml/2006/main" xmlns:r="http://schemas.openxmlformats.org/officeDocument/2006/relationships" xmlns:p="http://schemas.openxmlformats.org/presentationml/2006/main">
+  <p:cSld>
+    <p:spTree>
+      <p:nvGrpSpPr>
+        <p:cNvPr id="1" name=""/>
+        <p:cNvGrpSpPr/>
+        <p:nvPr/>
+      </p:nvGrpSpPr>
+      <p:grpSpPr>
+        <a:xfrm>
+          <a:off x="0" y="0"/>
+          <a:ext cx="0" cy="0"/>
+          <a:chOff x="0" y="0"/>
+          <a:chExt cx="0" cy="0"/>
+        </a:xfrm>
+      </p:grpSpPr>
+      <p:sp>
+        <p:nvSpPr>
+          <p:cNvPr id="2" name="Title 1">
+            <a:extLst>
+              <a:ext uri="{FF2B5EF4-FFF2-40B4-BE49-F238E27FC236}">
+                <a16:creationId xmlns:a16="http://schemas.microsoft.com/office/drawing/2014/main" id="{E40F824C-9119-D7CE-F06B-052C347712BF}"/>
+              </a:ext>
+            </a:extLst>
+          </p:cNvPr>
+          <p:cNvSpPr>
+            <a:spLocks noGrp="1"/>
+          </p:cNvSpPr>
+          <p:nvPr>
+            <p:ph type="title"/>
+          </p:nvPr>
+        </p:nvSpPr>
+        <p:spPr/>
+        <p:txBody>
+          <a:bodyPr/>
+          <a:lstStyle/>
+          <a:p>
+            <a:r>
+              <a:rPr lang="en-US" dirty="0"/>
+              <a:t>Create a repo, </a:t>
+            </a:r>
+            <a:r>
+              <a:rPr lang="en-US" dirty="0">
+                <a:latin typeface="Consolas" panose="020B0609020204030204" pitchFamily="49" charset="0"/>
+              </a:rPr>
+              <a:t>git commit </a:t>
+            </a:r>
+            <a:r>
+              <a:rPr lang="en-US" dirty="0"/>
+              <a:t>and </a:t>
+            </a:r>
+            <a:r>
+              <a:rPr lang="en-US" dirty="0">
+                <a:latin typeface="Consolas" panose="020B0609020204030204" pitchFamily="49" charset="0"/>
+              </a:rPr>
+              <a:t>git push </a:t>
+            </a:r>
+            <a:r>
+              <a:rPr lang="en-US" dirty="0"/>
+              <a:t>to it</a:t>
+            </a:r>
+          </a:p>
+        </p:txBody>
+      </p:sp>
+      <p:sp>
+        <p:nvSpPr>
+          <p:cNvPr id="3" name="TextBox 2">
+            <a:extLst>
+              <a:ext uri="{FF2B5EF4-FFF2-40B4-BE49-F238E27FC236}">
+                <a16:creationId xmlns:a16="http://schemas.microsoft.com/office/drawing/2014/main" id="{E19DCBD9-6321-0818-3D62-1148817A0583}"/>
+              </a:ext>
+            </a:extLst>
+          </p:cNvPr>
+          <p:cNvSpPr txBox="1"/>
+          <p:nvPr/>
+        </p:nvSpPr>
+        <p:spPr>
+          <a:xfrm>
+            <a:off x="956930" y="1828800"/>
+            <a:ext cx="6317449" cy="2585323"/>
+          </a:xfrm>
+          <a:prstGeom prst="rect">
+            <a:avLst/>
+          </a:prstGeom>
+          <a:noFill/>
+        </p:spPr>
+        <p:txBody>
+          <a:bodyPr wrap="square" rtlCol="0">
+            <a:spAutoFit/>
+          </a:bodyPr>
+          <a:lstStyle/>
+          <a:p>
+            <a:r>
+              <a:rPr lang="en-US" dirty="0"/>
+              <a:t>So far, we have had only one way interactions with repositories. Now we need to go the other way.</a:t>
+            </a:r>
+          </a:p>
+          <a:p>
+            <a:endParaRPr lang="en-US" dirty="0"/>
+          </a:p>
+          <a:p>
+            <a:pPr marL="342900" indent="-342900">
+              <a:buAutoNum type="arabicPeriod"/>
+            </a:pPr>
+            <a:r>
+              <a:rPr lang="en-US" dirty="0"/>
+              <a:t>Create an account on GitHub (pick your name wisely, it will be your internet identity)</a:t>
+            </a:r>
+          </a:p>
+          <a:p>
+            <a:pPr marL="342900" indent="-342900">
+              <a:buAutoNum type="arabicPeriod"/>
+            </a:pPr>
+            <a:r>
+              <a:rPr lang="en-US" dirty="0"/>
+              <a:t>Create a new repository</a:t>
+            </a:r>
+          </a:p>
+          <a:p>
+            <a:pPr marL="342900" indent="-342900">
+              <a:buAutoNum type="arabicPeriod"/>
+            </a:pPr>
+            <a:r>
+              <a:rPr lang="en-US" dirty="0"/>
+              <a:t>Clone it</a:t>
+            </a:r>
+          </a:p>
+          <a:p>
+            <a:pPr marL="342900" indent="-342900">
+              <a:buAutoNum type="arabicPeriod"/>
+            </a:pPr>
+            <a:r>
+              <a:rPr lang="en-US" dirty="0"/>
+              <a:t>Add a new file to it</a:t>
+            </a:r>
+          </a:p>
+          <a:p>
+            <a:pPr marL="342900" indent="-342900">
+              <a:buAutoNum type="arabicPeriod"/>
+            </a:pPr>
+            <a:r>
+              <a:rPr lang="en-US" b="1" dirty="0"/>
+              <a:t>How has the status changed?</a:t>
+            </a:r>
+          </a:p>
+        </p:txBody>
+      </p:sp>
+      <p:pic>
+        <p:nvPicPr>
+          <p:cNvPr id="5" name="Picture 4">
+            <a:extLst>
+              <a:ext uri="{FF2B5EF4-FFF2-40B4-BE49-F238E27FC236}">
+                <a16:creationId xmlns:a16="http://schemas.microsoft.com/office/drawing/2014/main" id="{E2A7C0B9-D3F8-55E0-FA11-E152E5DFB682}"/>
+              </a:ext>
+            </a:extLst>
+          </p:cNvPr>
+          <p:cNvPicPr>
+            <a:picLocks noChangeAspect="1"/>
+          </p:cNvPicPr>
+          <p:nvPr/>
+        </p:nvPicPr>
+        <p:blipFill>
+          <a:blip r:embed="rId2"/>
+          <a:stretch>
+            <a:fillRect/>
+          </a:stretch>
+        </p:blipFill>
+        <p:spPr>
+          <a:xfrm>
+            <a:off x="7484055" y="1589482"/>
+            <a:ext cx="3751015" cy="3011069"/>
+          </a:xfrm>
+          <a:prstGeom prst="rect">
+            <a:avLst/>
+          </a:prstGeom>
+          <a:effectLst>
+            <a:outerShdw blurRad="50800" dist="38100" dir="2700000" algn="tl" rotWithShape="0">
+              <a:prstClr val="black">
+                <a:alpha val="40000"/>
+              </a:prstClr>
+            </a:outerShdw>
+          </a:effectLst>
+        </p:spPr>
+      </p:pic>
+      <p:pic>
+        <p:nvPicPr>
+          <p:cNvPr id="6" name="Picture 5">
+            <a:extLst>
+              <a:ext uri="{FF2B5EF4-FFF2-40B4-BE49-F238E27FC236}">
+                <a16:creationId xmlns:a16="http://schemas.microsoft.com/office/drawing/2014/main" id="{825A8E14-471B-1FF5-E71E-F9F7A6C351D5}"/>
+              </a:ext>
+            </a:extLst>
+          </p:cNvPr>
+          <p:cNvPicPr>
+            <a:picLocks noChangeAspect="1"/>
+          </p:cNvPicPr>
+          <p:nvPr/>
+        </p:nvPicPr>
+        <p:blipFill>
+          <a:blip r:embed="rId3"/>
+          <a:stretch>
+            <a:fillRect/>
+          </a:stretch>
+        </p:blipFill>
+        <p:spPr>
+          <a:xfrm>
+            <a:off x="1505352" y="5078186"/>
+            <a:ext cx="9729718" cy="831337"/>
+          </a:xfrm>
+          <a:prstGeom prst="rect">
+            <a:avLst/>
+          </a:prstGeom>
+          <a:effectLst>
+            <a:outerShdw blurRad="50800" dist="38100" dir="2700000" algn="tl" rotWithShape="0">
+              <a:prstClr val="black">
+                <a:alpha val="40000"/>
+              </a:prstClr>
+            </a:outerShdw>
+          </a:effectLst>
+        </p:spPr>
+      </p:pic>
+      <p:sp>
+        <p:nvSpPr>
+          <p:cNvPr id="7" name="Arrow: Up 6">
+            <a:extLst>
+              <a:ext uri="{FF2B5EF4-FFF2-40B4-BE49-F238E27FC236}">
+                <a16:creationId xmlns:a16="http://schemas.microsoft.com/office/drawing/2014/main" id="{93E61358-0533-3AA7-1196-016CBFFE4947}"/>
+              </a:ext>
+            </a:extLst>
+          </p:cNvPr>
+          <p:cNvSpPr/>
+          <p:nvPr/>
+        </p:nvSpPr>
+        <p:spPr>
+          <a:xfrm rot="6118333">
+            <a:off x="7048376" y="3606281"/>
+            <a:ext cx="265253" cy="563336"/>
+          </a:xfrm>
+          <a:prstGeom prst="upArrow">
+            <a:avLst/>
+          </a:prstGeom>
+        </p:spPr>
+        <p:style>
+          <a:lnRef idx="2">
+            <a:schemeClr val="accent1">
+              <a:shade val="15000"/>
+            </a:schemeClr>
+          </a:lnRef>
+          <a:fillRef idx="1">
+            <a:schemeClr val="accent1"/>
+          </a:fillRef>
+          <a:effectRef idx="0">
+            <a:schemeClr val="accent1"/>
+          </a:effectRef>
+          <a:fontRef idx="minor">
+            <a:schemeClr val="lt1"/>
+          </a:fontRef>
+        </p:style>
+        <p:txBody>
+          <a:bodyPr rtlCol="0" anchor="ctr"/>
+          <a:lstStyle/>
+          <a:p>
+            <a:pPr algn="ctr"/>
+            <a:endParaRPr lang="en-US"/>
+          </a:p>
+        </p:txBody>
+      </p:sp>
+      <p:sp>
+        <p:nvSpPr>
+          <p:cNvPr id="8" name="Arrow: Up 7">
+            <a:extLst>
+              <a:ext uri="{FF2B5EF4-FFF2-40B4-BE49-F238E27FC236}">
+                <a16:creationId xmlns:a16="http://schemas.microsoft.com/office/drawing/2014/main" id="{BA547222-6DC6-6AFA-51B5-AFD6ADF7A6A1}"/>
+              </a:ext>
+            </a:extLst>
+          </p:cNvPr>
+          <p:cNvSpPr/>
+          <p:nvPr/>
+        </p:nvSpPr>
+        <p:spPr>
+          <a:xfrm rot="2138384">
+            <a:off x="10282112" y="5627139"/>
+            <a:ext cx="265253" cy="563336"/>
+          </a:xfrm>
+          <a:prstGeom prst="upArrow">
+            <a:avLst/>
+          </a:prstGeom>
+        </p:spPr>
+        <p:style>
+          <a:lnRef idx="2">
+            <a:schemeClr val="accent1">
+              <a:shade val="15000"/>
+            </a:schemeClr>
+          </a:lnRef>
+          <a:fillRef idx="1">
+            <a:schemeClr val="accent1"/>
+          </a:fillRef>
+          <a:effectRef idx="0">
+            <a:schemeClr val="accent1"/>
+          </a:effectRef>
+          <a:fontRef idx="minor">
+            <a:schemeClr val="lt1"/>
+          </a:fontRef>
+        </p:style>
+        <p:txBody>
+          <a:bodyPr rtlCol="0" anchor="ctr"/>
+          <a:lstStyle/>
+          <a:p>
+            <a:pPr algn="ctr"/>
+            <a:endParaRPr lang="en-US"/>
+          </a:p>
+        </p:txBody>
+      </p:sp>
+      <p:sp>
+        <p:nvSpPr>
+          <p:cNvPr id="9" name="TextBox 8">
+            <a:extLst>
+              <a:ext uri="{FF2B5EF4-FFF2-40B4-BE49-F238E27FC236}">
+                <a16:creationId xmlns:a16="http://schemas.microsoft.com/office/drawing/2014/main" id="{1506BA93-CE1B-72EE-5D73-9316E065EF3E}"/>
+              </a:ext>
+            </a:extLst>
+          </p:cNvPr>
+          <p:cNvSpPr txBox="1"/>
+          <p:nvPr/>
+        </p:nvSpPr>
+        <p:spPr>
+          <a:xfrm>
+            <a:off x="6096000" y="4006610"/>
+            <a:ext cx="1385860" cy="430887"/>
+          </a:xfrm>
+          <a:prstGeom prst="rect">
+            <a:avLst/>
+          </a:prstGeom>
+          <a:noFill/>
+        </p:spPr>
+        <p:txBody>
+          <a:bodyPr wrap="square" rtlCol="0">
+            <a:spAutoFit/>
+          </a:bodyPr>
+          <a:lstStyle/>
+          <a:p>
+            <a:r>
+              <a:rPr lang="en-US" sz="1100" dirty="0">
+                <a:solidFill>
+                  <a:schemeClr val="tx1">
+                    <a:lumMod val="75000"/>
+                    <a:lumOff val="25000"/>
+                  </a:schemeClr>
+                </a:solidFill>
+              </a:rPr>
+              <a:t>1. “Commit” file to version control</a:t>
+            </a:r>
+          </a:p>
+        </p:txBody>
+      </p:sp>
+      <p:sp>
+        <p:nvSpPr>
+          <p:cNvPr id="10" name="TextBox 9">
+            <a:extLst>
+              <a:ext uri="{FF2B5EF4-FFF2-40B4-BE49-F238E27FC236}">
+                <a16:creationId xmlns:a16="http://schemas.microsoft.com/office/drawing/2014/main" id="{6B3BAD01-8E32-6198-0C15-EFD6AF7AA060}"/>
+              </a:ext>
+            </a:extLst>
+          </p:cNvPr>
+          <p:cNvSpPr txBox="1"/>
+          <p:nvPr/>
+        </p:nvSpPr>
+        <p:spPr>
+          <a:xfrm>
+            <a:off x="9379140" y="6200630"/>
+            <a:ext cx="1385860" cy="430887"/>
+          </a:xfrm>
+          <a:prstGeom prst="rect">
+            <a:avLst/>
+          </a:prstGeom>
+          <a:noFill/>
+        </p:spPr>
+        <p:txBody>
+          <a:bodyPr wrap="square" rtlCol="0">
+            <a:spAutoFit/>
+          </a:bodyPr>
+          <a:lstStyle/>
+          <a:p>
+            <a:r>
+              <a:rPr lang="en-US" sz="1100" dirty="0">
+                <a:solidFill>
+                  <a:schemeClr val="tx1">
+                    <a:lumMod val="75000"/>
+                    <a:lumOff val="25000"/>
+                  </a:schemeClr>
+                </a:solidFill>
+              </a:rPr>
+              <a:t>2. “Push” file to remote repository</a:t>
+            </a:r>
+          </a:p>
+        </p:txBody>
+      </p:sp>
+    </p:spTree>
+    <p:extLst>
+      <p:ext uri="{BB962C8B-B14F-4D97-AF65-F5344CB8AC3E}">
+        <p14:creationId xmlns:p14="http://schemas.microsoft.com/office/powerpoint/2010/main" val="3977715652"/>
+      </p:ext>
+    </p:extLst>
+  </p:cSld>
+  <p:clrMapOvr>
+    <a:masterClrMapping/>
+  </p:clrMapOvr>
+</p:sld>
+</file>
+
+<file path=ppt/slides/slide28.xml><?xml version="1.0" encoding="utf-8"?>
+<p:sld xmlns:a="http://schemas.openxmlformats.org/drawingml/2006/main" xmlns:r="http://schemas.openxmlformats.org/officeDocument/2006/relationships" xmlns:p="http://schemas.openxmlformats.org/presentationml/2006/main">
+  <p:cSld>
+    <p:spTree>
+      <p:nvGrpSpPr>
+        <p:cNvPr id="1" name=""/>
+        <p:cNvGrpSpPr/>
+        <p:nvPr/>
+      </p:nvGrpSpPr>
+      <p:grpSpPr>
+        <a:xfrm>
+          <a:off x="0" y="0"/>
+          <a:ext cx="0" cy="0"/>
+          <a:chOff x="0" y="0"/>
+          <a:chExt cx="0" cy="0"/>
+        </a:xfrm>
+      </p:grpSpPr>
+      <p:sp>
+        <p:nvSpPr>
+          <p:cNvPr id="2" name="Title 1">
+            <a:extLst>
+              <a:ext uri="{FF2B5EF4-FFF2-40B4-BE49-F238E27FC236}">
                 <a16:creationId xmlns:a16="http://schemas.microsoft.com/office/drawing/2014/main" id="{57DBE2BE-31CD-5E69-EAB0-264A1B8771D4}"/>
               </a:ext>
             </a:extLst>
@@ -12079,7 +14698,7 @@
 </p:sld>
 </file>
 
-<file path=ppt/slides/slide24.xml><?xml version="1.0" encoding="utf-8"?>
+<file path=ppt/slides/slide29.xml><?xml version="1.0" encoding="utf-8"?>
 <p:sld xmlns:a="http://schemas.openxmlformats.org/drawingml/2006/main" xmlns:r="http://schemas.openxmlformats.org/officeDocument/2006/relationships" xmlns:p="http://schemas.openxmlformats.org/presentationml/2006/main">
   <p:cSld>
     <p:spTree>
@@ -12276,7 +14895,7 @@
           <a:p>
             <a:r>
               <a:rPr lang="en-US" dirty="0"/>
-              <a:t>Version control remembers history</a:t>
+              <a:t>1. Version control remembers history</a:t>
             </a:r>
           </a:p>
         </p:txBody>
@@ -12371,7 +14990,7 @@
           <a:p>
             <a:r>
               <a:rPr lang="en-US" dirty="0"/>
-              <a:t>A remote repository can serve as a backup</a:t>
+              <a:t>2. A remote repository can serve as a backup</a:t>
             </a:r>
           </a:p>
         </p:txBody>
@@ -12556,7 +15175,7 @@
           <a:p>
             <a:r>
               <a:rPr lang="en-US" dirty="0"/>
-              <a:t>A remote repository can serve as a backup</a:t>
+              <a:t>2. A remote repository can serve as a backup</a:t>
             </a:r>
           </a:p>
         </p:txBody>
@@ -12651,7 +15270,7 @@
           <a:p>
             <a:r>
               <a:rPr lang="en-US" dirty="0"/>
-              <a:t>A web-based service can make collaboration easier</a:t>
+              <a:t>3. A web-based service can make collaboration easier</a:t>
             </a:r>
           </a:p>
         </p:txBody>
@@ -12895,7 +15514,7 @@
           <a:p>
             <a:r>
               <a:rPr lang="en-US" dirty="0"/>
-              <a:t>A web-based service can make collaboration easier</a:t>
+              <a:t>3. A web-based service can make collaboration easier</a:t>
             </a:r>
           </a:p>
         </p:txBody>
@@ -12990,7 +15609,7 @@
           <a:p>
             <a:r>
               <a:rPr lang="en-US" dirty="0"/>
-              <a:t>GitHub is also the modern resume (along with Linked-In)</a:t>
+              <a:t>4. GitHub is also the modern resume (along with Linked-In)</a:t>
             </a:r>
           </a:p>
         </p:txBody>
@@ -13475,4 +16094,319 @@
     </a:ext>
   </a:extLst>
 </a:theme>
+</file>
+
+<file path=ppt/theme/theme2.xml><?xml version="1.0" encoding="utf-8"?>
+<a:theme xmlns:a="http://schemas.openxmlformats.org/drawingml/2006/main" name="Office Theme">
+  <a:themeElements>
+    <a:clrScheme name="Office">
+      <a:dk1>
+        <a:sysClr val="windowText" lastClr="000000"/>
+      </a:dk1>
+      <a:lt1>
+        <a:sysClr val="window" lastClr="FFFFFF"/>
+      </a:lt1>
+      <a:dk2>
+        <a:srgbClr val="0E2841"/>
+      </a:dk2>
+      <a:lt2>
+        <a:srgbClr val="E8E8E8"/>
+      </a:lt2>
+      <a:accent1>
+        <a:srgbClr val="156082"/>
+      </a:accent1>
+      <a:accent2>
+        <a:srgbClr val="E97132"/>
+      </a:accent2>
+      <a:accent3>
+        <a:srgbClr val="196B24"/>
+      </a:accent3>
+      <a:accent4>
+        <a:srgbClr val="0F9ED5"/>
+      </a:accent4>
+      <a:accent5>
+        <a:srgbClr val="A02B93"/>
+      </a:accent5>
+      <a:accent6>
+        <a:srgbClr val="4EA72E"/>
+      </a:accent6>
+      <a:hlink>
+        <a:srgbClr val="467886"/>
+      </a:hlink>
+      <a:folHlink>
+        <a:srgbClr val="96607D"/>
+      </a:folHlink>
+    </a:clrScheme>
+    <a:fontScheme name="Office">
+      <a:majorFont>
+        <a:latin typeface="Aptos Display" panose="02110004020202020204"/>
+        <a:ea typeface=""/>
+        <a:cs typeface=""/>
+        <a:font script="Jpan" typeface="游ゴシック Light"/>
+        <a:font script="Hang" typeface="맑은 고딕"/>
+        <a:font script="Hans" typeface="等线 Light"/>
+        <a:font script="Hant" typeface="新細明體"/>
+        <a:font script="Arab" typeface="Times New Roman"/>
+        <a:font script="Hebr" typeface="Times New Roman"/>
+        <a:font script="Thai" typeface="Angsana New"/>
+        <a:font script="Ethi" typeface="Nyala"/>
+        <a:font script="Beng" typeface="Vrinda"/>
+        <a:font script="Gujr" typeface="Shruti"/>
+        <a:font script="Khmr" typeface="MoolBoran"/>
+        <a:font script="Knda" typeface="Tunga"/>
+        <a:font script="Guru" typeface="Raavi"/>
+        <a:font script="Cans" typeface="Euphemia"/>
+        <a:font script="Cher" typeface="Plantagenet Cherokee"/>
+        <a:font script="Yiii" typeface="Microsoft Yi Baiti"/>
+        <a:font script="Tibt" typeface="Microsoft Himalaya"/>
+        <a:font script="Thaa" typeface="MV Boli"/>
+        <a:font script="Deva" typeface="Mangal"/>
+        <a:font script="Telu" typeface="Gautami"/>
+        <a:font script="Taml" typeface="Latha"/>
+        <a:font script="Syrc" typeface="Estrangelo Edessa"/>
+        <a:font script="Orya" typeface="Kalinga"/>
+        <a:font script="Mlym" typeface="Kartika"/>
+        <a:font script="Laoo" typeface="DokChampa"/>
+        <a:font script="Sinh" typeface="Iskoola Pota"/>
+        <a:font script="Mong" typeface="Mongolian Baiti"/>
+        <a:font script="Viet" typeface="Times New Roman"/>
+        <a:font script="Uigh" typeface="Microsoft Uighur"/>
+        <a:font script="Geor" typeface="Sylfaen"/>
+        <a:font script="Armn" typeface="Arial"/>
+        <a:font script="Bugi" typeface="Leelawadee UI"/>
+        <a:font script="Bopo" typeface="Microsoft JhengHei"/>
+        <a:font script="Java" typeface="Javanese Text"/>
+        <a:font script="Lisu" typeface="Segoe UI"/>
+        <a:font script="Mymr" typeface="Myanmar Text"/>
+        <a:font script="Nkoo" typeface="Ebrima"/>
+        <a:font script="Olck" typeface="Nirmala UI"/>
+        <a:font script="Osma" typeface="Ebrima"/>
+        <a:font script="Phag" typeface="Phagspa"/>
+        <a:font script="Syrn" typeface="Estrangelo Edessa"/>
+        <a:font script="Syrj" typeface="Estrangelo Edessa"/>
+        <a:font script="Syre" typeface="Estrangelo Edessa"/>
+        <a:font script="Sora" typeface="Nirmala UI"/>
+        <a:font script="Tale" typeface="Microsoft Tai Le"/>
+        <a:font script="Talu" typeface="Microsoft New Tai Lue"/>
+        <a:font script="Tfng" typeface="Ebrima"/>
+      </a:majorFont>
+      <a:minorFont>
+        <a:latin typeface="Aptos" panose="02110004020202020204"/>
+        <a:ea typeface=""/>
+        <a:cs typeface=""/>
+        <a:font script="Jpan" typeface="游ゴシック"/>
+        <a:font script="Hang" typeface="맑은 고딕"/>
+        <a:font script="Hans" typeface="等线"/>
+        <a:font script="Hant" typeface="新細明體"/>
+        <a:font script="Arab" typeface="Arial"/>
+        <a:font script="Hebr" typeface="Arial"/>
+        <a:font script="Thai" typeface="Cordia New"/>
+        <a:font script="Ethi" typeface="Nyala"/>
+        <a:font script="Beng" typeface="Vrinda"/>
+        <a:font script="Gujr" typeface="Shruti"/>
+        <a:font script="Khmr" typeface="DaunPenh"/>
+        <a:font script="Knda" typeface="Tunga"/>
+        <a:font script="Guru" typeface="Raavi"/>
+        <a:font script="Cans" typeface="Euphemia"/>
+        <a:font script="Cher" typeface="Plantagenet Cherokee"/>
+        <a:font script="Yiii" typeface="Microsoft Yi Baiti"/>
+        <a:font script="Tibt" typeface="Microsoft Himalaya"/>
+        <a:font script="Thaa" typeface="MV Boli"/>
+        <a:font script="Deva" typeface="Mangal"/>
+        <a:font script="Telu" typeface="Gautami"/>
+        <a:font script="Taml" typeface="Latha"/>
+        <a:font script="Syrc" typeface="Estrangelo Edessa"/>
+        <a:font script="Orya" typeface="Kalinga"/>
+        <a:font script="Mlym" typeface="Kartika"/>
+        <a:font script="Laoo" typeface="DokChampa"/>
+        <a:font script="Sinh" typeface="Iskoola Pota"/>
+        <a:font script="Mong" typeface="Mongolian Baiti"/>
+        <a:font script="Viet" typeface="Arial"/>
+        <a:font script="Uigh" typeface="Microsoft Uighur"/>
+        <a:font script="Geor" typeface="Sylfaen"/>
+        <a:font script="Armn" typeface="Arial"/>
+        <a:font script="Bugi" typeface="Leelawadee UI"/>
+        <a:font script="Bopo" typeface="Microsoft JhengHei"/>
+        <a:font script="Java" typeface="Javanese Text"/>
+        <a:font script="Lisu" typeface="Segoe UI"/>
+        <a:font script="Mymr" typeface="Myanmar Text"/>
+        <a:font script="Nkoo" typeface="Ebrima"/>
+        <a:font script="Olck" typeface="Nirmala UI"/>
+        <a:font script="Osma" typeface="Ebrima"/>
+        <a:font script="Phag" typeface="Phagspa"/>
+        <a:font script="Syrn" typeface="Estrangelo Edessa"/>
+        <a:font script="Syrj" typeface="Estrangelo Edessa"/>
+        <a:font script="Syre" typeface="Estrangelo Edessa"/>
+        <a:font script="Sora" typeface="Nirmala UI"/>
+        <a:font script="Tale" typeface="Microsoft Tai Le"/>
+        <a:font script="Talu" typeface="Microsoft New Tai Lue"/>
+        <a:font script="Tfng" typeface="Ebrima"/>
+      </a:minorFont>
+    </a:fontScheme>
+    <a:fmtScheme name="Office">
+      <a:fillStyleLst>
+        <a:solidFill>
+          <a:schemeClr val="phClr"/>
+        </a:solidFill>
+        <a:gradFill rotWithShape="1">
+          <a:gsLst>
+            <a:gs pos="0">
+              <a:schemeClr val="phClr">
+                <a:lumMod val="110000"/>
+                <a:satMod val="105000"/>
+                <a:tint val="67000"/>
+              </a:schemeClr>
+            </a:gs>
+            <a:gs pos="50000">
+              <a:schemeClr val="phClr">
+                <a:lumMod val="105000"/>
+                <a:satMod val="103000"/>
+                <a:tint val="73000"/>
+              </a:schemeClr>
+            </a:gs>
+            <a:gs pos="100000">
+              <a:schemeClr val="phClr">
+                <a:lumMod val="105000"/>
+                <a:satMod val="109000"/>
+                <a:tint val="81000"/>
+              </a:schemeClr>
+            </a:gs>
+          </a:gsLst>
+          <a:lin ang="5400000" scaled="0"/>
+        </a:gradFill>
+        <a:gradFill rotWithShape="1">
+          <a:gsLst>
+            <a:gs pos="0">
+              <a:schemeClr val="phClr">
+                <a:satMod val="103000"/>
+                <a:lumMod val="102000"/>
+                <a:tint val="94000"/>
+              </a:schemeClr>
+            </a:gs>
+            <a:gs pos="50000">
+              <a:schemeClr val="phClr">
+                <a:satMod val="110000"/>
+                <a:lumMod val="100000"/>
+                <a:shade val="100000"/>
+              </a:schemeClr>
+            </a:gs>
+            <a:gs pos="100000">
+              <a:schemeClr val="phClr">
+                <a:lumMod val="99000"/>
+                <a:satMod val="120000"/>
+                <a:shade val="78000"/>
+              </a:schemeClr>
+            </a:gs>
+          </a:gsLst>
+          <a:lin ang="5400000" scaled="0"/>
+        </a:gradFill>
+      </a:fillStyleLst>
+      <a:lnStyleLst>
+        <a:ln w="12700" cap="flat" cmpd="sng" algn="ctr">
+          <a:solidFill>
+            <a:schemeClr val="phClr"/>
+          </a:solidFill>
+          <a:prstDash val="solid"/>
+          <a:miter lim="800000"/>
+        </a:ln>
+        <a:ln w="19050" cap="flat" cmpd="sng" algn="ctr">
+          <a:solidFill>
+            <a:schemeClr val="phClr"/>
+          </a:solidFill>
+          <a:prstDash val="solid"/>
+          <a:miter lim="800000"/>
+        </a:ln>
+        <a:ln w="25400" cap="flat" cmpd="sng" algn="ctr">
+          <a:solidFill>
+            <a:schemeClr val="phClr"/>
+          </a:solidFill>
+          <a:prstDash val="solid"/>
+          <a:miter lim="800000"/>
+        </a:ln>
+      </a:lnStyleLst>
+      <a:effectStyleLst>
+        <a:effectStyle>
+          <a:effectLst/>
+        </a:effectStyle>
+        <a:effectStyle>
+          <a:effectLst/>
+        </a:effectStyle>
+        <a:effectStyle>
+          <a:effectLst>
+            <a:outerShdw blurRad="57150" dist="19050" dir="5400000" algn="ctr" rotWithShape="0">
+              <a:srgbClr val="000000">
+                <a:alpha val="63000"/>
+              </a:srgbClr>
+            </a:outerShdw>
+          </a:effectLst>
+        </a:effectStyle>
+      </a:effectStyleLst>
+      <a:bgFillStyleLst>
+        <a:solidFill>
+          <a:schemeClr val="phClr"/>
+        </a:solidFill>
+        <a:solidFill>
+          <a:schemeClr val="phClr">
+            <a:tint val="95000"/>
+            <a:satMod val="170000"/>
+          </a:schemeClr>
+        </a:solidFill>
+        <a:gradFill rotWithShape="1">
+          <a:gsLst>
+            <a:gs pos="0">
+              <a:schemeClr val="phClr">
+                <a:tint val="93000"/>
+                <a:satMod val="150000"/>
+                <a:shade val="98000"/>
+                <a:lumMod val="102000"/>
+              </a:schemeClr>
+            </a:gs>
+            <a:gs pos="50000">
+              <a:schemeClr val="phClr">
+                <a:tint val="98000"/>
+                <a:satMod val="130000"/>
+                <a:shade val="90000"/>
+                <a:lumMod val="103000"/>
+              </a:schemeClr>
+            </a:gs>
+            <a:gs pos="100000">
+              <a:schemeClr val="phClr">
+                <a:shade val="63000"/>
+                <a:satMod val="120000"/>
+              </a:schemeClr>
+            </a:gs>
+          </a:gsLst>
+          <a:lin ang="5400000" scaled="0"/>
+        </a:gradFill>
+      </a:bgFillStyleLst>
+    </a:fmtScheme>
+  </a:themeElements>
+  <a:objectDefaults>
+    <a:lnDef>
+      <a:spPr/>
+      <a:bodyPr/>
+      <a:lstStyle/>
+      <a:style>
+        <a:lnRef idx="2">
+          <a:schemeClr val="accent1"/>
+        </a:lnRef>
+        <a:fillRef idx="0">
+          <a:schemeClr val="accent1"/>
+        </a:fillRef>
+        <a:effectRef idx="1">
+          <a:schemeClr val="accent1"/>
+        </a:effectRef>
+        <a:fontRef idx="minor">
+          <a:schemeClr val="tx1"/>
+        </a:fontRef>
+      </a:style>
+    </a:lnDef>
+  </a:objectDefaults>
+  <a:extraClrSchemeLst/>
+  <a:extLst>
+    <a:ext uri="{05A4C25C-085E-4340-85A3-A5531E510DB2}">
+      <thm15:themeFamily xmlns:thm15="http://schemas.microsoft.com/office/thememl/2012/main" name="Office Theme" id="{2E142A2C-CD16-42D6-873A-C26D2A0506FA}" vid="{1BDDFF52-6CD6-40A5-AB3C-68EB2F1E4D0A}"/>
+    </a:ext>
+  </a:extLst>
+</a:theme>
 </file>
--- a/lectures/050_git_version_control/Why do you need version control.pptx
+++ b/lectures/050_git_version_control/Why do you need version control.pptx
@@ -143,16 +143,32 @@
 </p:presentation>
 </file>
 
-<file path=ppt/revisionInfo.xml><?xml version="1.0" encoding="utf-8"?>
-<p1510:revInfo xmlns:a="http://schemas.openxmlformats.org/drawingml/2006/main" xmlns:r="http://schemas.openxmlformats.org/officeDocument/2006/relationships" xmlns:p1510="http://schemas.microsoft.com/office/powerpoint/2015/10/main">
-  <p1510:revLst>
-    <p1510:client id="{59F1D27B-12C5-4E4F-B737-66C907ADDA5F}" v="6" dt="2024-11-19T07:20:42.124"/>
-  </p1510:revLst>
-</p1510:revInfo>
-</file>
-
 <file path=ppt/changesInfos/changesInfo1.xml><?xml version="1.0" encoding="utf-8"?>
 <pc:chgInfo xmlns:a="http://schemas.openxmlformats.org/drawingml/2006/main" xmlns:r="http://schemas.openxmlformats.org/officeDocument/2006/relationships" xmlns:ac="http://schemas.microsoft.com/office/drawing/2013/main/command" xmlns:pc="http://schemas.microsoft.com/office/powerpoint/2013/main/command">
+  <pc:docChgLst>
+    <pc:chgData name="Shahbaz Chaudhary" userId="fef21e47db54da50" providerId="LiveId" clId="{6BCFF7A7-4D68-452F-AFF1-E11E22A2B556}"/>
+    <pc:docChg chg="modSld">
+      <pc:chgData name="Shahbaz Chaudhary" userId="fef21e47db54da50" providerId="LiveId" clId="{6BCFF7A7-4D68-452F-AFF1-E11E22A2B556}" dt="2025-03-27T01:22:55.311" v="0" actId="20577"/>
+      <pc:docMkLst>
+        <pc:docMk/>
+      </pc:docMkLst>
+      <pc:sldChg chg="modSp mod">
+        <pc:chgData name="Shahbaz Chaudhary" userId="fef21e47db54da50" providerId="LiveId" clId="{6BCFF7A7-4D68-452F-AFF1-E11E22A2B556}" dt="2025-03-27T01:22:55.311" v="0" actId="20577"/>
+        <pc:sldMkLst>
+          <pc:docMk/>
+          <pc:sldMk cId="3519509199" sldId="261"/>
+        </pc:sldMkLst>
+        <pc:spChg chg="mod">
+          <ac:chgData name="Shahbaz Chaudhary" userId="fef21e47db54da50" providerId="LiveId" clId="{6BCFF7A7-4D68-452F-AFF1-E11E22A2B556}" dt="2025-03-27T01:22:55.311" v="0" actId="20577"/>
+          <ac:spMkLst>
+            <pc:docMk/>
+            <pc:sldMk cId="3519509199" sldId="261"/>
+            <ac:spMk id="3" creationId="{E34D29E5-1FB4-BA1F-C920-6DF5254DD1E6}"/>
+          </ac:spMkLst>
+        </pc:spChg>
+      </pc:sldChg>
+    </pc:docChg>
+  </pc:docChgLst>
   <pc:docChgLst>
     <pc:chgData name="Shahbaz Chaudhary" userId="fef21e47db54da50" providerId="LiveId" clId="{D58A60B7-084E-45CF-BD23-7CA072B788BD}"/>
     <pc:docChg chg="undo custSel addSld delSld modSld sldOrd modMainMaster">
@@ -166,14 +182,6 @@
           <pc:docMk/>
           <pc:sldMk cId="1773993530" sldId="257"/>
         </pc:sldMkLst>
-        <pc:spChg chg="mod">
-          <ac:chgData name="Shahbaz Chaudhary" userId="fef21e47db54da50" providerId="LiveId" clId="{D58A60B7-084E-45CF-BD23-7CA072B788BD}" dt="2024-01-17T05:55:24.526" v="1203" actId="207"/>
-          <ac:spMkLst>
-            <pc:docMk/>
-            <pc:sldMk cId="1773993530" sldId="257"/>
-            <ac:spMk id="7" creationId="{3F9F20BF-3BB2-45E9-E5E1-65BCB5D44B84}"/>
-          </ac:spMkLst>
-        </pc:spChg>
       </pc:sldChg>
       <pc:sldChg chg="modSp mod">
         <pc:chgData name="Shahbaz Chaudhary" userId="fef21e47db54da50" providerId="LiveId" clId="{D58A60B7-084E-45CF-BD23-7CA072B788BD}" dt="2024-01-17T05:53:45.617" v="1196" actId="207"/>
@@ -181,14 +189,6 @@
           <pc:docMk/>
           <pc:sldMk cId="3486165762" sldId="258"/>
         </pc:sldMkLst>
-        <pc:spChg chg="mod">
-          <ac:chgData name="Shahbaz Chaudhary" userId="fef21e47db54da50" providerId="LiveId" clId="{D58A60B7-084E-45CF-BD23-7CA072B788BD}" dt="2024-01-17T05:53:45.617" v="1196" actId="207"/>
-          <ac:spMkLst>
-            <pc:docMk/>
-            <pc:sldMk cId="3486165762" sldId="258"/>
-            <ac:spMk id="5" creationId="{6090AA2A-657B-17EF-2E17-2EBC2DBDE8B6}"/>
-          </ac:spMkLst>
-        </pc:spChg>
       </pc:sldChg>
       <pc:sldChg chg="modSp mod">
         <pc:chgData name="Shahbaz Chaudhary" userId="fef21e47db54da50" providerId="LiveId" clId="{D58A60B7-084E-45CF-BD23-7CA072B788BD}" dt="2024-01-17T05:55:41.377" v="1204" actId="207"/>
@@ -196,14 +196,6 @@
           <pc:docMk/>
           <pc:sldMk cId="3519509199" sldId="261"/>
         </pc:sldMkLst>
-        <pc:spChg chg="mod">
-          <ac:chgData name="Shahbaz Chaudhary" userId="fef21e47db54da50" providerId="LiveId" clId="{D58A60B7-084E-45CF-BD23-7CA072B788BD}" dt="2024-01-17T05:55:41.377" v="1204" actId="207"/>
-          <ac:spMkLst>
-            <pc:docMk/>
-            <pc:sldMk cId="3519509199" sldId="261"/>
-            <ac:spMk id="3" creationId="{E34D29E5-1FB4-BA1F-C920-6DF5254DD1E6}"/>
-          </ac:spMkLst>
-        </pc:spChg>
       </pc:sldChg>
       <pc:sldChg chg="modSp mod">
         <pc:chgData name="Shahbaz Chaudhary" userId="fef21e47db54da50" providerId="LiveId" clId="{D58A60B7-084E-45CF-BD23-7CA072B788BD}" dt="2024-01-17T05:55:50.938" v="1205" actId="207"/>
@@ -211,14 +203,6 @@
           <pc:docMk/>
           <pc:sldMk cId="2298812892" sldId="263"/>
         </pc:sldMkLst>
-        <pc:spChg chg="mod">
-          <ac:chgData name="Shahbaz Chaudhary" userId="fef21e47db54da50" providerId="LiveId" clId="{D58A60B7-084E-45CF-BD23-7CA072B788BD}" dt="2024-01-17T05:55:50.938" v="1205" actId="207"/>
-          <ac:spMkLst>
-            <pc:docMk/>
-            <pc:sldMk cId="2298812892" sldId="263"/>
-            <ac:spMk id="7" creationId="{741C33C5-76C0-4C64-1CBB-A2045075B807}"/>
-          </ac:spMkLst>
-        </pc:spChg>
       </pc:sldChg>
       <pc:sldChg chg="modSp new mod">
         <pc:chgData name="Shahbaz Chaudhary" userId="fef21e47db54da50" providerId="LiveId" clId="{D58A60B7-084E-45CF-BD23-7CA072B788BD}" dt="2024-01-17T04:30:23.555" v="37" actId="20577"/>
@@ -226,22 +210,6 @@
           <pc:docMk/>
           <pc:sldMk cId="1037350149" sldId="264"/>
         </pc:sldMkLst>
-        <pc:spChg chg="mod">
-          <ac:chgData name="Shahbaz Chaudhary" userId="fef21e47db54da50" providerId="LiveId" clId="{D58A60B7-084E-45CF-BD23-7CA072B788BD}" dt="2024-01-17T04:30:10.380" v="24" actId="5793"/>
-          <ac:spMkLst>
-            <pc:docMk/>
-            <pc:sldMk cId="1037350149" sldId="264"/>
-            <ac:spMk id="2" creationId="{C5FE634B-E038-29D8-141A-B3075366A0FA}"/>
-          </ac:spMkLst>
-        </pc:spChg>
-        <pc:spChg chg="mod">
-          <ac:chgData name="Shahbaz Chaudhary" userId="fef21e47db54da50" providerId="LiveId" clId="{D58A60B7-084E-45CF-BD23-7CA072B788BD}" dt="2024-01-17T04:30:23.555" v="37" actId="20577"/>
-          <ac:spMkLst>
-            <pc:docMk/>
-            <pc:sldMk cId="1037350149" sldId="264"/>
-            <ac:spMk id="3" creationId="{BC37995D-1525-8A5E-E65F-B3BBE3C4D574}"/>
-          </ac:spMkLst>
-        </pc:spChg>
       </pc:sldChg>
       <pc:sldChg chg="new del">
         <pc:chgData name="Shahbaz Chaudhary" userId="fef21e47db54da50" providerId="LiveId" clId="{D58A60B7-084E-45CF-BD23-7CA072B788BD}" dt="2024-01-17T04:29:51.245" v="1" actId="2696"/>
@@ -256,30 +224,6 @@
           <pc:docMk/>
           <pc:sldMk cId="3781992523" sldId="265"/>
         </pc:sldMkLst>
-        <pc:spChg chg="mod">
-          <ac:chgData name="Shahbaz Chaudhary" userId="fef21e47db54da50" providerId="LiveId" clId="{D58A60B7-084E-45CF-BD23-7CA072B788BD}" dt="2024-01-17T04:36:57.348" v="53" actId="207"/>
-          <ac:spMkLst>
-            <pc:docMk/>
-            <pc:sldMk cId="3781992523" sldId="265"/>
-            <ac:spMk id="2" creationId="{70E780E1-256C-FB74-E0AD-747E27CA5DB3}"/>
-          </ac:spMkLst>
-        </pc:spChg>
-        <pc:spChg chg="add mod">
-          <ac:chgData name="Shahbaz Chaudhary" userId="fef21e47db54da50" providerId="LiveId" clId="{D58A60B7-084E-45CF-BD23-7CA072B788BD}" dt="2024-01-20T15:23:19.250" v="2812" actId="113"/>
-          <ac:spMkLst>
-            <pc:docMk/>
-            <pc:sldMk cId="3781992523" sldId="265"/>
-            <ac:spMk id="3" creationId="{5FF43D9E-2C23-90E0-1D45-EF3806FFA21A}"/>
-          </ac:spMkLst>
-        </pc:spChg>
-        <pc:picChg chg="add del mod">
-          <ac:chgData name="Shahbaz Chaudhary" userId="fef21e47db54da50" providerId="LiveId" clId="{D58A60B7-084E-45CF-BD23-7CA072B788BD}" dt="2024-01-17T04:56:26.473" v="288" actId="478"/>
-          <ac:picMkLst>
-            <pc:docMk/>
-            <pc:sldMk cId="3781992523" sldId="265"/>
-            <ac:picMk id="3074" creationId="{70B4516A-E7F2-D5B6-E574-52CD92F96AD3}"/>
-          </ac:picMkLst>
-        </pc:picChg>
       </pc:sldChg>
       <pc:sldChg chg="addSp modSp new mod">
         <pc:chgData name="Shahbaz Chaudhary" userId="fef21e47db54da50" providerId="LiveId" clId="{D58A60B7-084E-45CF-BD23-7CA072B788BD}" dt="2024-01-17T16:13:04.085" v="1211" actId="207"/>
@@ -287,46 +231,6 @@
           <pc:docMk/>
           <pc:sldMk cId="271569197" sldId="266"/>
         </pc:sldMkLst>
-        <pc:spChg chg="mod">
-          <ac:chgData name="Shahbaz Chaudhary" userId="fef21e47db54da50" providerId="LiveId" clId="{D58A60B7-084E-45CF-BD23-7CA072B788BD}" dt="2024-01-17T16:13:04.085" v="1211" actId="207"/>
-          <ac:spMkLst>
-            <pc:docMk/>
-            <pc:sldMk cId="271569197" sldId="266"/>
-            <ac:spMk id="2" creationId="{2D328608-ACA6-A70E-E7E2-4EAD5EE4BB7C}"/>
-          </ac:spMkLst>
-        </pc:spChg>
-        <pc:spChg chg="add mod">
-          <ac:chgData name="Shahbaz Chaudhary" userId="fef21e47db54da50" providerId="LiveId" clId="{D58A60B7-084E-45CF-BD23-7CA072B788BD}" dt="2024-01-17T05:56:19.895" v="1207" actId="207"/>
-          <ac:spMkLst>
-            <pc:docMk/>
-            <pc:sldMk cId="271569197" sldId="266"/>
-            <ac:spMk id="5" creationId="{9CBFD810-A1BF-7A31-BD11-EDDAC7F6B02E}"/>
-          </ac:spMkLst>
-        </pc:spChg>
-        <pc:spChg chg="add mod">
-          <ac:chgData name="Shahbaz Chaudhary" userId="fef21e47db54da50" providerId="LiveId" clId="{D58A60B7-084E-45CF-BD23-7CA072B788BD}" dt="2024-01-17T05:56:19.895" v="1207" actId="207"/>
-          <ac:spMkLst>
-            <pc:docMk/>
-            <pc:sldMk cId="271569197" sldId="266"/>
-            <ac:spMk id="6" creationId="{3E49AE3F-47E9-CADC-F92C-1E1F838DEDB5}"/>
-          </ac:spMkLst>
-        </pc:spChg>
-        <pc:spChg chg="add mod">
-          <ac:chgData name="Shahbaz Chaudhary" userId="fef21e47db54da50" providerId="LiveId" clId="{D58A60B7-084E-45CF-BD23-7CA072B788BD}" dt="2024-01-17T05:56:19.895" v="1207" actId="207"/>
-          <ac:spMkLst>
-            <pc:docMk/>
-            <pc:sldMk cId="271569197" sldId="266"/>
-            <ac:spMk id="7" creationId="{3BEF1FF7-2EA8-042E-6CF3-5B3EB9182AF3}"/>
-          </ac:spMkLst>
-        </pc:spChg>
-        <pc:picChg chg="add mod">
-          <ac:chgData name="Shahbaz Chaudhary" userId="fef21e47db54da50" providerId="LiveId" clId="{D58A60B7-084E-45CF-BD23-7CA072B788BD}" dt="2024-01-17T05:01:51.035" v="400" actId="1076"/>
-          <ac:picMkLst>
-            <pc:docMk/>
-            <pc:sldMk cId="271569197" sldId="266"/>
-            <ac:picMk id="4" creationId="{4FD86D95-E481-1D0C-939C-0D18DD5A606E}"/>
-          </ac:picMkLst>
-        </pc:picChg>
       </pc:sldChg>
       <pc:sldChg chg="addSp delSp modSp new mod">
         <pc:chgData name="Shahbaz Chaudhary" userId="fef21e47db54da50" providerId="LiveId" clId="{D58A60B7-084E-45CF-BD23-7CA072B788BD}" dt="2024-01-17T05:20:41.424" v="697" actId="20577"/>
@@ -334,134 +238,6 @@
           <pc:docMk/>
           <pc:sldMk cId="394294336" sldId="267"/>
         </pc:sldMkLst>
-        <pc:spChg chg="mod">
-          <ac:chgData name="Shahbaz Chaudhary" userId="fef21e47db54da50" providerId="LiveId" clId="{D58A60B7-084E-45CF-BD23-7CA072B788BD}" dt="2024-01-17T05:20:41.424" v="697" actId="20577"/>
-          <ac:spMkLst>
-            <pc:docMk/>
-            <pc:sldMk cId="394294336" sldId="267"/>
-            <ac:spMk id="2" creationId="{0EDFAC8D-1FA1-C402-480E-833CDFA76B98}"/>
-          </ac:spMkLst>
-        </pc:spChg>
-        <pc:spChg chg="del">
-          <ac:chgData name="Shahbaz Chaudhary" userId="fef21e47db54da50" providerId="LiveId" clId="{D58A60B7-084E-45CF-BD23-7CA072B788BD}" dt="2024-01-17T05:10:11.539" v="465" actId="478"/>
-          <ac:spMkLst>
-            <pc:docMk/>
-            <pc:sldMk cId="394294336" sldId="267"/>
-            <ac:spMk id="3" creationId="{9FDF270E-F8FA-6C31-09D0-4E1D54279AE1}"/>
-          </ac:spMkLst>
-        </pc:spChg>
-        <pc:spChg chg="add mod">
-          <ac:chgData name="Shahbaz Chaudhary" userId="fef21e47db54da50" providerId="LiveId" clId="{D58A60B7-084E-45CF-BD23-7CA072B788BD}" dt="2024-01-17T05:13:01.807" v="490" actId="207"/>
-          <ac:spMkLst>
-            <pc:docMk/>
-            <pc:sldMk cId="394294336" sldId="267"/>
-            <ac:spMk id="8" creationId="{5E99CA27-6410-D1A2-E5A9-98A46FCC3515}"/>
-          </ac:spMkLst>
-        </pc:spChg>
-        <pc:spChg chg="add mod">
-          <ac:chgData name="Shahbaz Chaudhary" userId="fef21e47db54da50" providerId="LiveId" clId="{D58A60B7-084E-45CF-BD23-7CA072B788BD}" dt="2024-01-17T05:16:23.378" v="566" actId="1076"/>
-          <ac:spMkLst>
-            <pc:docMk/>
-            <pc:sldMk cId="394294336" sldId="267"/>
-            <ac:spMk id="9" creationId="{766DD2A2-4E9B-E20C-D0EA-3EDF5BFA9895}"/>
-          </ac:spMkLst>
-        </pc:spChg>
-        <pc:spChg chg="add del">
-          <ac:chgData name="Shahbaz Chaudhary" userId="fef21e47db54da50" providerId="LiveId" clId="{D58A60B7-084E-45CF-BD23-7CA072B788BD}" dt="2024-01-17T05:14:10.971" v="495" actId="478"/>
-          <ac:spMkLst>
-            <pc:docMk/>
-            <pc:sldMk cId="394294336" sldId="267"/>
-            <ac:spMk id="10" creationId="{A974570A-9783-B600-5134-7FFE2A384103}"/>
-          </ac:spMkLst>
-        </pc:spChg>
-        <pc:spChg chg="add mod">
-          <ac:chgData name="Shahbaz Chaudhary" userId="fef21e47db54da50" providerId="LiveId" clId="{D58A60B7-084E-45CF-BD23-7CA072B788BD}" dt="2024-01-17T05:15:13.379" v="505" actId="1035"/>
-          <ac:spMkLst>
-            <pc:docMk/>
-            <pc:sldMk cId="394294336" sldId="267"/>
-            <ac:spMk id="11" creationId="{ADED6D95-ED31-D3AC-EBDA-A4D4D908A60B}"/>
-          </ac:spMkLst>
-        </pc:spChg>
-        <pc:spChg chg="add mod">
-          <ac:chgData name="Shahbaz Chaudhary" userId="fef21e47db54da50" providerId="LiveId" clId="{D58A60B7-084E-45CF-BD23-7CA072B788BD}" dt="2024-01-17T05:16:13.545" v="564" actId="1076"/>
-          <ac:spMkLst>
-            <pc:docMk/>
-            <pc:sldMk cId="394294336" sldId="267"/>
-            <ac:spMk id="12" creationId="{EB1DC4A7-5C3D-CEBB-BF96-0909ADC3DCBE}"/>
-          </ac:spMkLst>
-        </pc:spChg>
-        <pc:spChg chg="add mod">
-          <ac:chgData name="Shahbaz Chaudhary" userId="fef21e47db54da50" providerId="LiveId" clId="{D58A60B7-084E-45CF-BD23-7CA072B788BD}" dt="2024-01-17T05:17:41.548" v="582" actId="207"/>
-          <ac:spMkLst>
-            <pc:docMk/>
-            <pc:sldMk cId="394294336" sldId="267"/>
-            <ac:spMk id="16" creationId="{D46750FD-E3E4-ACEE-F578-1A237BB72492}"/>
-          </ac:spMkLst>
-        </pc:spChg>
-        <pc:spChg chg="add mod">
-          <ac:chgData name="Shahbaz Chaudhary" userId="fef21e47db54da50" providerId="LiveId" clId="{D58A60B7-084E-45CF-BD23-7CA072B788BD}" dt="2024-01-17T05:18:57.817" v="602" actId="1076"/>
-          <ac:spMkLst>
-            <pc:docMk/>
-            <pc:sldMk cId="394294336" sldId="267"/>
-            <ac:spMk id="19" creationId="{EAE41324-04B1-4B5F-D099-8BA0B3C29BD9}"/>
-          </ac:spMkLst>
-        </pc:spChg>
-        <pc:spChg chg="add mod">
-          <ac:chgData name="Shahbaz Chaudhary" userId="fef21e47db54da50" providerId="LiveId" clId="{D58A60B7-084E-45CF-BD23-7CA072B788BD}" dt="2024-01-17T05:19:30.410" v="668" actId="20577"/>
-          <ac:spMkLst>
-            <pc:docMk/>
-            <pc:sldMk cId="394294336" sldId="267"/>
-            <ac:spMk id="21" creationId="{E39A7224-7412-50D8-9D26-95ADA2EDA588}"/>
-          </ac:spMkLst>
-        </pc:spChg>
-        <pc:spChg chg="add mod">
-          <ac:chgData name="Shahbaz Chaudhary" userId="fef21e47db54da50" providerId="LiveId" clId="{D58A60B7-084E-45CF-BD23-7CA072B788BD}" dt="2024-01-17T05:19:59.997" v="672" actId="1076"/>
-          <ac:spMkLst>
-            <pc:docMk/>
-            <pc:sldMk cId="394294336" sldId="267"/>
-            <ac:spMk id="22" creationId="{42BCDF13-E3BA-D23D-E1A2-8EE39AECDB0A}"/>
-          </ac:spMkLst>
-        </pc:spChg>
-        <pc:picChg chg="add mod">
-          <ac:chgData name="Shahbaz Chaudhary" userId="fef21e47db54da50" providerId="LiveId" clId="{D58A60B7-084E-45CF-BD23-7CA072B788BD}" dt="2024-01-17T05:16:17.326" v="565" actId="1076"/>
-          <ac:picMkLst>
-            <pc:docMk/>
-            <pc:sldMk cId="394294336" sldId="267"/>
-            <ac:picMk id="5" creationId="{914FCBDF-36EE-4B6B-055D-23A31E5EA7E1}"/>
-          </ac:picMkLst>
-        </pc:picChg>
-        <pc:cxnChg chg="add mod">
-          <ac:chgData name="Shahbaz Chaudhary" userId="fef21e47db54da50" providerId="LiveId" clId="{D58A60B7-084E-45CF-BD23-7CA072B788BD}" dt="2024-01-17T05:12:12.340" v="475" actId="1076"/>
-          <ac:cxnSpMkLst>
-            <pc:docMk/>
-            <pc:sldMk cId="394294336" sldId="267"/>
-            <ac:cxnSpMk id="7" creationId="{5E3F10FF-2558-CEBD-A891-BE0951101AE2}"/>
-          </ac:cxnSpMkLst>
-        </pc:cxnChg>
-        <pc:cxnChg chg="add mod">
-          <ac:chgData name="Shahbaz Chaudhary" userId="fef21e47db54da50" providerId="LiveId" clId="{D58A60B7-084E-45CF-BD23-7CA072B788BD}" dt="2024-01-17T05:18:26.679" v="587" actId="14100"/>
-          <ac:cxnSpMkLst>
-            <pc:docMk/>
-            <pc:sldMk cId="394294336" sldId="267"/>
-            <ac:cxnSpMk id="13" creationId="{0FBF2718-31A0-C685-C817-280615134FB9}"/>
-          </ac:cxnSpMkLst>
-        </pc:cxnChg>
-        <pc:cxnChg chg="add mod">
-          <ac:chgData name="Shahbaz Chaudhary" userId="fef21e47db54da50" providerId="LiveId" clId="{D58A60B7-084E-45CF-BD23-7CA072B788BD}" dt="2024-01-17T05:17:59.833" v="586" actId="14100"/>
-          <ac:cxnSpMkLst>
-            <pc:docMk/>
-            <pc:sldMk cId="394294336" sldId="267"/>
-            <ac:cxnSpMk id="15" creationId="{F7358A8E-1B9F-F7CA-6388-3E1464B12970}"/>
-          </ac:cxnSpMkLst>
-        </pc:cxnChg>
-        <pc:cxnChg chg="add mod">
-          <ac:chgData name="Shahbaz Chaudhary" userId="fef21e47db54da50" providerId="LiveId" clId="{D58A60B7-084E-45CF-BD23-7CA072B788BD}" dt="2024-01-17T05:19:25.010" v="664" actId="1076"/>
-          <ac:cxnSpMkLst>
-            <pc:docMk/>
-            <pc:sldMk cId="394294336" sldId="267"/>
-            <ac:cxnSpMk id="20" creationId="{AD8CBA3C-DC07-8775-8185-E69E02BB5BAF}"/>
-          </ac:cxnSpMkLst>
-        </pc:cxnChg>
       </pc:sldChg>
       <pc:sldChg chg="addSp delSp modSp new mod">
         <pc:chgData name="Shahbaz Chaudhary" userId="fef21e47db54da50" providerId="LiveId" clId="{D58A60B7-084E-45CF-BD23-7CA072B788BD}" dt="2024-01-17T05:26:17.533" v="752" actId="1076"/>
@@ -469,38 +245,6 @@
           <pc:docMk/>
           <pc:sldMk cId="2335098605" sldId="268"/>
         </pc:sldMkLst>
-        <pc:spChg chg="mod">
-          <ac:chgData name="Shahbaz Chaudhary" userId="fef21e47db54da50" providerId="LiveId" clId="{D58A60B7-084E-45CF-BD23-7CA072B788BD}" dt="2024-01-17T05:25:55.624" v="750" actId="207"/>
-          <ac:spMkLst>
-            <pc:docMk/>
-            <pc:sldMk cId="2335098605" sldId="268"/>
-            <ac:spMk id="2" creationId="{2AF331AC-FF45-F932-0C41-6745522AB9EF}"/>
-          </ac:spMkLst>
-        </pc:spChg>
-        <pc:spChg chg="add mod">
-          <ac:chgData name="Shahbaz Chaudhary" userId="fef21e47db54da50" providerId="LiveId" clId="{D58A60B7-084E-45CF-BD23-7CA072B788BD}" dt="2024-01-17T05:26:17.533" v="752" actId="1076"/>
-          <ac:spMkLst>
-            <pc:docMk/>
-            <pc:sldMk cId="2335098605" sldId="268"/>
-            <ac:spMk id="7" creationId="{DED2411D-6BBB-990F-D5F7-5D5B1E2A824E}"/>
-          </ac:spMkLst>
-        </pc:spChg>
-        <pc:picChg chg="add del mod">
-          <ac:chgData name="Shahbaz Chaudhary" userId="fef21e47db54da50" providerId="LiveId" clId="{D58A60B7-084E-45CF-BD23-7CA072B788BD}" dt="2024-01-17T05:24:07.183" v="728" actId="478"/>
-          <ac:picMkLst>
-            <pc:docMk/>
-            <pc:sldMk cId="2335098605" sldId="268"/>
-            <ac:picMk id="4" creationId="{2A99BC0B-1F93-ED8E-1BBA-CD95734AB870}"/>
-          </ac:picMkLst>
-        </pc:picChg>
-        <pc:picChg chg="add mod">
-          <ac:chgData name="Shahbaz Chaudhary" userId="fef21e47db54da50" providerId="LiveId" clId="{D58A60B7-084E-45CF-BD23-7CA072B788BD}" dt="2024-01-17T05:25:08.829" v="733" actId="1076"/>
-          <ac:picMkLst>
-            <pc:docMk/>
-            <pc:sldMk cId="2335098605" sldId="268"/>
-            <ac:picMk id="6" creationId="{E23F9E9A-179E-F853-4E5E-CF7C71FBA524}"/>
-          </ac:picMkLst>
-        </pc:picChg>
       </pc:sldChg>
       <pc:sldChg chg="addSp delSp modSp add mod ord">
         <pc:chgData name="Shahbaz Chaudhary" userId="fef21e47db54da50" providerId="LiveId" clId="{D58A60B7-084E-45CF-BD23-7CA072B788BD}" dt="2024-01-17T05:33:42.708" v="808" actId="478"/>
@@ -508,118 +252,6 @@
           <pc:docMk/>
           <pc:sldMk cId="4115458080" sldId="269"/>
         </pc:sldMkLst>
-        <pc:spChg chg="mod">
-          <ac:chgData name="Shahbaz Chaudhary" userId="fef21e47db54da50" providerId="LiveId" clId="{D58A60B7-084E-45CF-BD23-7CA072B788BD}" dt="2024-01-17T05:26:47.410" v="764" actId="20577"/>
-          <ac:spMkLst>
-            <pc:docMk/>
-            <pc:sldMk cId="4115458080" sldId="269"/>
-            <ac:spMk id="2" creationId="{0EDFAC8D-1FA1-C402-480E-833CDFA76B98}"/>
-          </ac:spMkLst>
-        </pc:spChg>
-        <pc:spChg chg="add mod">
-          <ac:chgData name="Shahbaz Chaudhary" userId="fef21e47db54da50" providerId="LiveId" clId="{D58A60B7-084E-45CF-BD23-7CA072B788BD}" dt="2024-01-17T05:32:42.774" v="802" actId="1076"/>
-          <ac:spMkLst>
-            <pc:docMk/>
-            <pc:sldMk cId="4115458080" sldId="269"/>
-            <ac:spMk id="3" creationId="{D06AFDD7-8B1D-F8C4-43B1-3E1D448E3BE6}"/>
-          </ac:spMkLst>
-        </pc:spChg>
-        <pc:spChg chg="add mod">
-          <ac:chgData name="Shahbaz Chaudhary" userId="fef21e47db54da50" providerId="LiveId" clId="{D58A60B7-084E-45CF-BD23-7CA072B788BD}" dt="2024-01-17T05:28:38.950" v="781" actId="2711"/>
-          <ac:spMkLst>
-            <pc:docMk/>
-            <pc:sldMk cId="4115458080" sldId="269"/>
-            <ac:spMk id="4" creationId="{8A3611E1-7AF0-3272-49F5-19ECA21F9C4B}"/>
-          </ac:spMkLst>
-        </pc:spChg>
-        <pc:spChg chg="add mod">
-          <ac:chgData name="Shahbaz Chaudhary" userId="fef21e47db54da50" providerId="LiveId" clId="{D58A60B7-084E-45CF-BD23-7CA072B788BD}" dt="2024-01-17T05:30:27.868" v="786" actId="1076"/>
-          <ac:spMkLst>
-            <pc:docMk/>
-            <pc:sldMk cId="4115458080" sldId="269"/>
-            <ac:spMk id="14" creationId="{201B2618-3D49-7389-C353-08B859BCB55C}"/>
-          </ac:spMkLst>
-        </pc:spChg>
-        <pc:spChg chg="add mod">
-          <ac:chgData name="Shahbaz Chaudhary" userId="fef21e47db54da50" providerId="LiveId" clId="{D58A60B7-084E-45CF-BD23-7CA072B788BD}" dt="2024-01-17T05:30:48.514" v="791" actId="207"/>
-          <ac:spMkLst>
-            <pc:docMk/>
-            <pc:sldMk cId="4115458080" sldId="269"/>
-            <ac:spMk id="17" creationId="{F77293AC-085A-909E-9F5A-4AF3C110E9A4}"/>
-          </ac:spMkLst>
-        </pc:spChg>
-        <pc:spChg chg="mod">
-          <ac:chgData name="Shahbaz Chaudhary" userId="fef21e47db54da50" providerId="LiveId" clId="{D58A60B7-084E-45CF-BD23-7CA072B788BD}" dt="2024-01-17T05:27:06.029" v="765" actId="207"/>
-          <ac:spMkLst>
-            <pc:docMk/>
-            <pc:sldMk cId="4115458080" sldId="269"/>
-            <ac:spMk id="19" creationId="{EAE41324-04B1-4B5F-D099-8BA0B3C29BD9}"/>
-          </ac:spMkLst>
-        </pc:spChg>
-        <pc:spChg chg="mod">
-          <ac:chgData name="Shahbaz Chaudhary" userId="fef21e47db54da50" providerId="LiveId" clId="{D58A60B7-084E-45CF-BD23-7CA072B788BD}" dt="2024-01-17T05:27:06.029" v="765" actId="207"/>
-          <ac:spMkLst>
-            <pc:docMk/>
-            <pc:sldMk cId="4115458080" sldId="269"/>
-            <ac:spMk id="21" creationId="{E39A7224-7412-50D8-9D26-95ADA2EDA588}"/>
-          </ac:spMkLst>
-        </pc:spChg>
-        <pc:spChg chg="add del mod">
-          <ac:chgData name="Shahbaz Chaudhary" userId="fef21e47db54da50" providerId="LiveId" clId="{D58A60B7-084E-45CF-BD23-7CA072B788BD}" dt="2024-01-17T05:33:39.089" v="806" actId="478"/>
-          <ac:spMkLst>
-            <pc:docMk/>
-            <pc:sldMk cId="4115458080" sldId="269"/>
-            <ac:spMk id="23" creationId="{0DF4D7F6-4474-F622-F4E2-5B636E8C4361}"/>
-          </ac:spMkLst>
-        </pc:spChg>
-        <pc:spChg chg="add del mod">
-          <ac:chgData name="Shahbaz Chaudhary" userId="fef21e47db54da50" providerId="LiveId" clId="{D58A60B7-084E-45CF-BD23-7CA072B788BD}" dt="2024-01-17T05:33:42.708" v="808" actId="478"/>
-          <ac:spMkLst>
-            <pc:docMk/>
-            <pc:sldMk cId="4115458080" sldId="269"/>
-            <ac:spMk id="24" creationId="{51C6AFE3-C63D-015D-21CC-904A81E8313F}"/>
-          </ac:spMkLst>
-        </pc:spChg>
-        <pc:picChg chg="del">
-          <ac:chgData name="Shahbaz Chaudhary" userId="fef21e47db54da50" providerId="LiveId" clId="{D58A60B7-084E-45CF-BD23-7CA072B788BD}" dt="2024-01-17T05:27:47.550" v="767" actId="478"/>
-          <ac:picMkLst>
-            <pc:docMk/>
-            <pc:sldMk cId="4115458080" sldId="269"/>
-            <ac:picMk id="5" creationId="{914FCBDF-36EE-4B6B-055D-23A31E5EA7E1}"/>
-          </ac:picMkLst>
-        </pc:picChg>
-        <pc:picChg chg="add mod">
-          <ac:chgData name="Shahbaz Chaudhary" userId="fef21e47db54da50" providerId="LiveId" clId="{D58A60B7-084E-45CF-BD23-7CA072B788BD}" dt="2024-01-17T05:33:25.133" v="804" actId="1076"/>
-          <ac:picMkLst>
-            <pc:docMk/>
-            <pc:sldMk cId="4115458080" sldId="269"/>
-            <ac:picMk id="10" creationId="{8AC2BB74-E247-5F2F-122C-884B4939963B}"/>
-          </ac:picMkLst>
-        </pc:picChg>
-        <pc:cxnChg chg="mod">
-          <ac:chgData name="Shahbaz Chaudhary" userId="fef21e47db54da50" providerId="LiveId" clId="{D58A60B7-084E-45CF-BD23-7CA072B788BD}" dt="2024-01-17T05:27:17.156" v="766" actId="13822"/>
-          <ac:cxnSpMkLst>
-            <pc:docMk/>
-            <pc:sldMk cId="4115458080" sldId="269"/>
-            <ac:cxnSpMk id="15" creationId="{F7358A8E-1B9F-F7CA-6388-3E1464B12970}"/>
-          </ac:cxnSpMkLst>
-        </pc:cxnChg>
-        <pc:cxnChg chg="add del mod">
-          <ac:chgData name="Shahbaz Chaudhary" userId="fef21e47db54da50" providerId="LiveId" clId="{D58A60B7-084E-45CF-BD23-7CA072B788BD}" dt="2024-01-17T05:33:40.754" v="807" actId="478"/>
-          <ac:cxnSpMkLst>
-            <pc:docMk/>
-            <pc:sldMk cId="4115458080" sldId="269"/>
-            <ac:cxnSpMk id="18" creationId="{4984A806-D562-6054-D0ED-5081F03228F9}"/>
-          </ac:cxnSpMkLst>
-        </pc:cxnChg>
-        <pc:cxnChg chg="mod">
-          <ac:chgData name="Shahbaz Chaudhary" userId="fef21e47db54da50" providerId="LiveId" clId="{D58A60B7-084E-45CF-BD23-7CA072B788BD}" dt="2024-01-17T05:27:17.156" v="766" actId="13822"/>
-          <ac:cxnSpMkLst>
-            <pc:docMk/>
-            <pc:sldMk cId="4115458080" sldId="269"/>
-            <ac:cxnSpMk id="20" creationId="{AD8CBA3C-DC07-8775-8185-E69E02BB5BAF}"/>
-          </ac:cxnSpMkLst>
-        </pc:cxnChg>
       </pc:sldChg>
       <pc:sldChg chg="addSp delSp modSp add mod">
         <pc:chgData name="Shahbaz Chaudhary" userId="fef21e47db54da50" providerId="LiveId" clId="{D58A60B7-084E-45CF-BD23-7CA072B788BD}" dt="2024-01-17T05:57:34.159" v="1210" actId="207"/>
@@ -627,46 +259,6 @@
           <pc:docMk/>
           <pc:sldMk cId="3307249859" sldId="270"/>
         </pc:sldMkLst>
-        <pc:spChg chg="add mod">
-          <ac:chgData name="Shahbaz Chaudhary" userId="fef21e47db54da50" providerId="LiveId" clId="{D58A60B7-084E-45CF-BD23-7CA072B788BD}" dt="2024-01-17T05:57:23.902" v="1209" actId="207"/>
-          <ac:spMkLst>
-            <pc:docMk/>
-            <pc:sldMk cId="3307249859" sldId="270"/>
-            <ac:spMk id="27" creationId="{8220D873-2E34-B392-7F1C-9D1FD489D6D8}"/>
-          </ac:spMkLst>
-        </pc:spChg>
-        <pc:spChg chg="add mod">
-          <ac:chgData name="Shahbaz Chaudhary" userId="fef21e47db54da50" providerId="LiveId" clId="{D58A60B7-084E-45CF-BD23-7CA072B788BD}" dt="2024-01-17T05:57:34.159" v="1210" actId="207"/>
-          <ac:spMkLst>
-            <pc:docMk/>
-            <pc:sldMk cId="3307249859" sldId="270"/>
-            <ac:spMk id="28" creationId="{2C5281A4-5497-66F4-288E-113882130349}"/>
-          </ac:spMkLst>
-        </pc:spChg>
-        <pc:picChg chg="add mod">
-          <ac:chgData name="Shahbaz Chaudhary" userId="fef21e47db54da50" providerId="LiveId" clId="{D58A60B7-084E-45CF-BD23-7CA072B788BD}" dt="2024-01-17T05:39:19.729" v="863" actId="14861"/>
-          <ac:picMkLst>
-            <pc:docMk/>
-            <pc:sldMk cId="3307249859" sldId="270"/>
-            <ac:picMk id="6" creationId="{F0BC58DC-82CD-6709-2FDC-AF15A125F2C3}"/>
-          </ac:picMkLst>
-        </pc:picChg>
-        <pc:picChg chg="del">
-          <ac:chgData name="Shahbaz Chaudhary" userId="fef21e47db54da50" providerId="LiveId" clId="{D58A60B7-084E-45CF-BD23-7CA072B788BD}" dt="2024-01-17T05:35:11.751" v="809" actId="478"/>
-          <ac:picMkLst>
-            <pc:docMk/>
-            <pc:sldMk cId="3307249859" sldId="270"/>
-            <ac:picMk id="10" creationId="{8AC2BB74-E247-5F2F-122C-884B4939963B}"/>
-          </ac:picMkLst>
-        </pc:picChg>
-        <pc:picChg chg="add del mod">
-          <ac:chgData name="Shahbaz Chaudhary" userId="fef21e47db54da50" providerId="LiveId" clId="{D58A60B7-084E-45CF-BD23-7CA072B788BD}" dt="2024-01-17T05:36:08.665" v="816" actId="478"/>
-          <ac:picMkLst>
-            <pc:docMk/>
-            <pc:sldMk cId="3307249859" sldId="270"/>
-            <ac:picMk id="26" creationId="{6D8173F5-6DFC-6BF2-21CB-C7CDA5D2BD1E}"/>
-          </ac:picMkLst>
-        </pc:picChg>
       </pc:sldChg>
       <pc:sldChg chg="addSp delSp modSp add mod">
         <pc:chgData name="Shahbaz Chaudhary" userId="fef21e47db54da50" providerId="LiveId" clId="{D58A60B7-084E-45CF-BD23-7CA072B788BD}" dt="2024-01-17T05:39:26.844" v="864" actId="14861"/>
@@ -674,30 +266,6 @@
           <pc:docMk/>
           <pc:sldMk cId="3840065364" sldId="271"/>
         </pc:sldMkLst>
-        <pc:spChg chg="mod">
-          <ac:chgData name="Shahbaz Chaudhary" userId="fef21e47db54da50" providerId="LiveId" clId="{D58A60B7-084E-45CF-BD23-7CA072B788BD}" dt="2024-01-17T05:38:43.566" v="859" actId="20577"/>
-          <ac:spMkLst>
-            <pc:docMk/>
-            <pc:sldMk cId="3840065364" sldId="271"/>
-            <ac:spMk id="2" creationId="{0EDFAC8D-1FA1-C402-480E-833CDFA76B98}"/>
-          </ac:spMkLst>
-        </pc:spChg>
-        <pc:picChg chg="del">
-          <ac:chgData name="Shahbaz Chaudhary" userId="fef21e47db54da50" providerId="LiveId" clId="{D58A60B7-084E-45CF-BD23-7CA072B788BD}" dt="2024-01-17T05:39:02.316" v="860" actId="478"/>
-          <ac:picMkLst>
-            <pc:docMk/>
-            <pc:sldMk cId="3840065364" sldId="271"/>
-            <ac:picMk id="6" creationId="{F0BC58DC-82CD-6709-2FDC-AF15A125F2C3}"/>
-          </ac:picMkLst>
-        </pc:picChg>
-        <pc:picChg chg="add mod">
-          <ac:chgData name="Shahbaz Chaudhary" userId="fef21e47db54da50" providerId="LiveId" clId="{D58A60B7-084E-45CF-BD23-7CA072B788BD}" dt="2024-01-17T05:39:26.844" v="864" actId="14861"/>
-          <ac:picMkLst>
-            <pc:docMk/>
-            <pc:sldMk cId="3840065364" sldId="271"/>
-            <ac:picMk id="10" creationId="{175D62B3-2FF2-2F68-8F49-3793B1437476}"/>
-          </ac:picMkLst>
-        </pc:picChg>
       </pc:sldChg>
       <pc:sldChg chg="addSp delSp modSp add mod">
         <pc:chgData name="Shahbaz Chaudhary" userId="fef21e47db54da50" providerId="LiveId" clId="{D58A60B7-084E-45CF-BD23-7CA072B788BD}" dt="2024-01-17T05:45:32.087" v="916" actId="1076"/>
@@ -705,30 +273,6 @@
           <pc:docMk/>
           <pc:sldMk cId="1962549041" sldId="272"/>
         </pc:sldMkLst>
-        <pc:spChg chg="mod">
-          <ac:chgData name="Shahbaz Chaudhary" userId="fef21e47db54da50" providerId="LiveId" clId="{D58A60B7-084E-45CF-BD23-7CA072B788BD}" dt="2024-01-17T05:45:26.658" v="915" actId="20577"/>
-          <ac:spMkLst>
-            <pc:docMk/>
-            <pc:sldMk cId="1962549041" sldId="272"/>
-            <ac:spMk id="2" creationId="{0EDFAC8D-1FA1-C402-480E-833CDFA76B98}"/>
-          </ac:spMkLst>
-        </pc:spChg>
-        <pc:picChg chg="add mod">
-          <ac:chgData name="Shahbaz Chaudhary" userId="fef21e47db54da50" providerId="LiveId" clId="{D58A60B7-084E-45CF-BD23-7CA072B788BD}" dt="2024-01-17T05:45:32.087" v="916" actId="1076"/>
-          <ac:picMkLst>
-            <pc:docMk/>
-            <pc:sldMk cId="1962549041" sldId="272"/>
-            <ac:picMk id="6" creationId="{4ABD603D-78E1-CD53-D68F-178ED4046869}"/>
-          </ac:picMkLst>
-        </pc:picChg>
-        <pc:picChg chg="del">
-          <ac:chgData name="Shahbaz Chaudhary" userId="fef21e47db54da50" providerId="LiveId" clId="{D58A60B7-084E-45CF-BD23-7CA072B788BD}" dt="2024-01-17T05:43:21.966" v="866" actId="478"/>
-          <ac:picMkLst>
-            <pc:docMk/>
-            <pc:sldMk cId="1962549041" sldId="272"/>
-            <ac:picMk id="10" creationId="{175D62B3-2FF2-2F68-8F49-3793B1437476}"/>
-          </ac:picMkLst>
-        </pc:picChg>
       </pc:sldChg>
       <pc:sldChg chg="addSp delSp modSp add mod">
         <pc:chgData name="Shahbaz Chaudhary" userId="fef21e47db54da50" providerId="LiveId" clId="{D58A60B7-084E-45CF-BD23-7CA072B788BD}" dt="2024-01-17T05:45:48.344" v="955" actId="20577"/>
@@ -736,30 +280,6 @@
           <pc:docMk/>
           <pc:sldMk cId="1676956924" sldId="273"/>
         </pc:sldMkLst>
-        <pc:spChg chg="mod">
-          <ac:chgData name="Shahbaz Chaudhary" userId="fef21e47db54da50" providerId="LiveId" clId="{D58A60B7-084E-45CF-BD23-7CA072B788BD}" dt="2024-01-17T05:45:48.344" v="955" actId="20577"/>
-          <ac:spMkLst>
-            <pc:docMk/>
-            <pc:sldMk cId="1676956924" sldId="273"/>
-            <ac:spMk id="2" creationId="{0EDFAC8D-1FA1-C402-480E-833CDFA76B98}"/>
-          </ac:spMkLst>
-        </pc:spChg>
-        <pc:picChg chg="del">
-          <ac:chgData name="Shahbaz Chaudhary" userId="fef21e47db54da50" providerId="LiveId" clId="{D58A60B7-084E-45CF-BD23-7CA072B788BD}" dt="2024-01-17T05:44:18.065" v="870" actId="478"/>
-          <ac:picMkLst>
-            <pc:docMk/>
-            <pc:sldMk cId="1676956924" sldId="273"/>
-            <ac:picMk id="6" creationId="{4ABD603D-78E1-CD53-D68F-178ED4046869}"/>
-          </ac:picMkLst>
-        </pc:picChg>
-        <pc:picChg chg="add mod">
-          <ac:chgData name="Shahbaz Chaudhary" userId="fef21e47db54da50" providerId="LiveId" clId="{D58A60B7-084E-45CF-BD23-7CA072B788BD}" dt="2024-01-17T05:44:40.547" v="874" actId="14861"/>
-          <ac:picMkLst>
-            <pc:docMk/>
-            <pc:sldMk cId="1676956924" sldId="273"/>
-            <ac:picMk id="10" creationId="{2FBBAD6E-796F-75B1-E46B-5A0F8DDAE34D}"/>
-          </ac:picMkLst>
-        </pc:picChg>
       </pc:sldChg>
       <pc:sldChg chg="addSp modSp new mod">
         <pc:chgData name="Shahbaz Chaudhary" userId="fef21e47db54da50" providerId="LiveId" clId="{D58A60B7-084E-45CF-BD23-7CA072B788BD}" dt="2024-01-17T05:46:40.660" v="998" actId="1076"/>
@@ -767,22 +287,6 @@
           <pc:docMk/>
           <pc:sldMk cId="1621642431" sldId="274"/>
         </pc:sldMkLst>
-        <pc:spChg chg="mod">
-          <ac:chgData name="Shahbaz Chaudhary" userId="fef21e47db54da50" providerId="LiveId" clId="{D58A60B7-084E-45CF-BD23-7CA072B788BD}" dt="2024-01-17T05:46:16.351" v="995" actId="20577"/>
-          <ac:spMkLst>
-            <pc:docMk/>
-            <pc:sldMk cId="1621642431" sldId="274"/>
-            <ac:spMk id="2" creationId="{FE7C2B30-2F44-A398-9CDF-AC339691410D}"/>
-          </ac:spMkLst>
-        </pc:spChg>
-        <pc:picChg chg="add mod">
-          <ac:chgData name="Shahbaz Chaudhary" userId="fef21e47db54da50" providerId="LiveId" clId="{D58A60B7-084E-45CF-BD23-7CA072B788BD}" dt="2024-01-17T05:46:40.660" v="998" actId="1076"/>
-          <ac:picMkLst>
-            <pc:docMk/>
-            <pc:sldMk cId="1621642431" sldId="274"/>
-            <ac:picMk id="4" creationId="{DEA9C024-A2D8-80B6-9459-1FAD70F64F38}"/>
-          </ac:picMkLst>
-        </pc:picChg>
       </pc:sldChg>
       <pc:sldChg chg="modSp new mod">
         <pc:chgData name="Shahbaz Chaudhary" userId="fef21e47db54da50" providerId="LiveId" clId="{D58A60B7-084E-45CF-BD23-7CA072B788BD}" dt="2024-01-17T05:48:46.480" v="1023" actId="5793"/>
@@ -790,14 +294,6 @@
           <pc:docMk/>
           <pc:sldMk cId="3770930230" sldId="275"/>
         </pc:sldMkLst>
-        <pc:spChg chg="mod">
-          <ac:chgData name="Shahbaz Chaudhary" userId="fef21e47db54da50" providerId="LiveId" clId="{D58A60B7-084E-45CF-BD23-7CA072B788BD}" dt="2024-01-17T05:48:46.480" v="1023" actId="5793"/>
-          <ac:spMkLst>
-            <pc:docMk/>
-            <pc:sldMk cId="3770930230" sldId="275"/>
-            <ac:spMk id="2" creationId="{57DBE2BE-31CD-5E69-EAB0-264A1B8771D4}"/>
-          </ac:spMkLst>
-        </pc:spChg>
       </pc:sldChg>
       <pc:sldChg chg="addSp modSp new mod">
         <pc:chgData name="Shahbaz Chaudhary" userId="fef21e47db54da50" providerId="LiveId" clId="{D58A60B7-084E-45CF-BD23-7CA072B788BD}" dt="2024-01-17T05:56:39.936" v="1208" actId="207"/>
@@ -805,22 +301,6 @@
           <pc:docMk/>
           <pc:sldMk cId="258079637" sldId="276"/>
         </pc:sldMkLst>
-        <pc:spChg chg="mod">
-          <ac:chgData name="Shahbaz Chaudhary" userId="fef21e47db54da50" providerId="LiveId" clId="{D58A60B7-084E-45CF-BD23-7CA072B788BD}" dt="2024-01-17T05:49:05.910" v="1037" actId="20577"/>
-          <ac:spMkLst>
-            <pc:docMk/>
-            <pc:sldMk cId="258079637" sldId="276"/>
-            <ac:spMk id="2" creationId="{4F958540-5DD9-7F04-3CB8-817947D66868}"/>
-          </ac:spMkLst>
-        </pc:spChg>
-        <pc:spChg chg="add mod">
-          <ac:chgData name="Shahbaz Chaudhary" userId="fef21e47db54da50" providerId="LiveId" clId="{D58A60B7-084E-45CF-BD23-7CA072B788BD}" dt="2024-01-17T05:56:39.936" v="1208" actId="207"/>
-          <ac:spMkLst>
-            <pc:docMk/>
-            <pc:sldMk cId="258079637" sldId="276"/>
-            <ac:spMk id="3" creationId="{34D70859-FD20-A789-6C98-6C8C62A68343}"/>
-          </ac:spMkLst>
-        </pc:spChg>
       </pc:sldChg>
       <pc:sldChg chg="addSp modSp new mod">
         <pc:chgData name="Shahbaz Chaudhary" userId="fef21e47db54da50" providerId="LiveId" clId="{D58A60B7-084E-45CF-BD23-7CA072B788BD}" dt="2024-01-17T16:25:06.710" v="1762" actId="20577"/>
@@ -828,38 +308,6 @@
           <pc:docMk/>
           <pc:sldMk cId="3791115765" sldId="277"/>
         </pc:sldMkLst>
-        <pc:spChg chg="mod">
-          <ac:chgData name="Shahbaz Chaudhary" userId="fef21e47db54da50" providerId="LiveId" clId="{D58A60B7-084E-45CF-BD23-7CA072B788BD}" dt="2024-01-17T16:17:32.252" v="1326" actId="207"/>
-          <ac:spMkLst>
-            <pc:docMk/>
-            <pc:sldMk cId="3791115765" sldId="277"/>
-            <ac:spMk id="2" creationId="{7BE552AD-EDFD-92C3-0B38-63394FF40FA0}"/>
-          </ac:spMkLst>
-        </pc:spChg>
-        <pc:spChg chg="add mod">
-          <ac:chgData name="Shahbaz Chaudhary" userId="fef21e47db54da50" providerId="LiveId" clId="{D58A60B7-084E-45CF-BD23-7CA072B788BD}" dt="2024-01-17T16:24:32.029" v="1751" actId="1076"/>
-          <ac:spMkLst>
-            <pc:docMk/>
-            <pc:sldMk cId="3791115765" sldId="277"/>
-            <ac:spMk id="3" creationId="{AFCFE1BB-F485-F41C-DE4C-9A5C93828A1A}"/>
-          </ac:spMkLst>
-        </pc:spChg>
-        <pc:spChg chg="add mod">
-          <ac:chgData name="Shahbaz Chaudhary" userId="fef21e47db54da50" providerId="LiveId" clId="{D58A60B7-084E-45CF-BD23-7CA072B788BD}" dt="2024-01-17T16:25:06.710" v="1762" actId="20577"/>
-          <ac:spMkLst>
-            <pc:docMk/>
-            <pc:sldMk cId="3791115765" sldId="277"/>
-            <ac:spMk id="4" creationId="{41981000-39E2-14CB-5D63-2375F17D1DE7}"/>
-          </ac:spMkLst>
-        </pc:spChg>
-        <pc:cxnChg chg="add">
-          <ac:chgData name="Shahbaz Chaudhary" userId="fef21e47db54da50" providerId="LiveId" clId="{D58A60B7-084E-45CF-BD23-7CA072B788BD}" dt="2024-01-17T16:24:45.282" v="1752" actId="11529"/>
-          <ac:cxnSpMkLst>
-            <pc:docMk/>
-            <pc:sldMk cId="3791115765" sldId="277"/>
-            <ac:cxnSpMk id="6" creationId="{9EA8B42E-0D7C-D143-552C-1DDE24A82F30}"/>
-          </ac:cxnSpMkLst>
-        </pc:cxnChg>
       </pc:sldChg>
       <pc:sldChg chg="addSp modSp new mod">
         <pc:chgData name="Shahbaz Chaudhary" userId="fef21e47db54da50" providerId="LiveId" clId="{D58A60B7-084E-45CF-BD23-7CA072B788BD}" dt="2024-01-17T17:40:38.225" v="2258" actId="20577"/>
@@ -867,70 +315,6 @@
           <pc:docMk/>
           <pc:sldMk cId="3977715652" sldId="278"/>
         </pc:sldMkLst>
-        <pc:spChg chg="mod">
-          <ac:chgData name="Shahbaz Chaudhary" userId="fef21e47db54da50" providerId="LiveId" clId="{D58A60B7-084E-45CF-BD23-7CA072B788BD}" dt="2024-01-17T17:38:01.651" v="2136" actId="20577"/>
-          <ac:spMkLst>
-            <pc:docMk/>
-            <pc:sldMk cId="3977715652" sldId="278"/>
-            <ac:spMk id="2" creationId="{E40F824C-9119-D7CE-F06B-052C347712BF}"/>
-          </ac:spMkLst>
-        </pc:spChg>
-        <pc:spChg chg="add mod">
-          <ac:chgData name="Shahbaz Chaudhary" userId="fef21e47db54da50" providerId="LiveId" clId="{D58A60B7-084E-45CF-BD23-7CA072B788BD}" dt="2024-01-17T17:39:04.326" v="2144" actId="1076"/>
-          <ac:spMkLst>
-            <pc:docMk/>
-            <pc:sldMk cId="3977715652" sldId="278"/>
-            <ac:spMk id="3" creationId="{E19DCBD9-6321-0818-3D62-1148817A0583}"/>
-          </ac:spMkLst>
-        </pc:spChg>
-        <pc:spChg chg="add mod">
-          <ac:chgData name="Shahbaz Chaudhary" userId="fef21e47db54da50" providerId="LiveId" clId="{D58A60B7-084E-45CF-BD23-7CA072B788BD}" dt="2024-01-17T17:38:55.988" v="2141" actId="1076"/>
-          <ac:spMkLst>
-            <pc:docMk/>
-            <pc:sldMk cId="3977715652" sldId="278"/>
-            <ac:spMk id="7" creationId="{93E61358-0533-3AA7-1196-016CBFFE4947}"/>
-          </ac:spMkLst>
-        </pc:spChg>
-        <pc:spChg chg="add mod">
-          <ac:chgData name="Shahbaz Chaudhary" userId="fef21e47db54da50" providerId="LiveId" clId="{D58A60B7-084E-45CF-BD23-7CA072B788BD}" dt="2024-01-17T17:39:21.890" v="2190" actId="1076"/>
-          <ac:spMkLst>
-            <pc:docMk/>
-            <pc:sldMk cId="3977715652" sldId="278"/>
-            <ac:spMk id="8" creationId="{BA547222-6DC6-6AFA-51B5-AFD6ADF7A6A1}"/>
-          </ac:spMkLst>
-        </pc:spChg>
-        <pc:spChg chg="add mod">
-          <ac:chgData name="Shahbaz Chaudhary" userId="fef21e47db54da50" providerId="LiveId" clId="{D58A60B7-084E-45CF-BD23-7CA072B788BD}" dt="2024-01-17T17:40:16.750" v="2233" actId="1076"/>
-          <ac:spMkLst>
-            <pc:docMk/>
-            <pc:sldMk cId="3977715652" sldId="278"/>
-            <ac:spMk id="9" creationId="{1506BA93-CE1B-72EE-5D73-9316E065EF3E}"/>
-          </ac:spMkLst>
-        </pc:spChg>
-        <pc:spChg chg="add mod">
-          <ac:chgData name="Shahbaz Chaudhary" userId="fef21e47db54da50" providerId="LiveId" clId="{D58A60B7-084E-45CF-BD23-7CA072B788BD}" dt="2024-01-17T17:40:38.225" v="2258" actId="20577"/>
-          <ac:spMkLst>
-            <pc:docMk/>
-            <pc:sldMk cId="3977715652" sldId="278"/>
-            <ac:spMk id="10" creationId="{6B3BAD01-8E32-6198-0C15-EFD6AF7AA060}"/>
-          </ac:spMkLst>
-        </pc:spChg>
-        <pc:picChg chg="add mod">
-          <ac:chgData name="Shahbaz Chaudhary" userId="fef21e47db54da50" providerId="LiveId" clId="{D58A60B7-084E-45CF-BD23-7CA072B788BD}" dt="2024-01-17T17:36:17.910" v="2109" actId="14100"/>
-          <ac:picMkLst>
-            <pc:docMk/>
-            <pc:sldMk cId="3977715652" sldId="278"/>
-            <ac:picMk id="5" creationId="{E2A7C0B9-D3F8-55E0-FA11-E152E5DFB682}"/>
-          </ac:picMkLst>
-        </pc:picChg>
-        <pc:picChg chg="add mod">
-          <ac:chgData name="Shahbaz Chaudhary" userId="fef21e47db54da50" providerId="LiveId" clId="{D58A60B7-084E-45CF-BD23-7CA072B788BD}" dt="2024-01-17T17:36:36.645" v="2112" actId="1076"/>
-          <ac:picMkLst>
-            <pc:docMk/>
-            <pc:sldMk cId="3977715652" sldId="278"/>
-            <ac:picMk id="6" creationId="{825A8E14-471B-1FF5-E71E-F9F7A6C351D5}"/>
-          </ac:picMkLst>
-        </pc:picChg>
       </pc:sldChg>
       <pc:sldChg chg="addSp modSp new mod">
         <pc:chgData name="Shahbaz Chaudhary" userId="fef21e47db54da50" providerId="LiveId" clId="{D58A60B7-084E-45CF-BD23-7CA072B788BD}" dt="2024-01-17T17:48:28.109" v="2811" actId="313"/>
@@ -938,54 +322,6 @@
           <pc:docMk/>
           <pc:sldMk cId="2641454909" sldId="279"/>
         </pc:sldMkLst>
-        <pc:spChg chg="mod">
-          <ac:chgData name="Shahbaz Chaudhary" userId="fef21e47db54da50" providerId="LiveId" clId="{D58A60B7-084E-45CF-BD23-7CA072B788BD}" dt="2024-01-17T17:41:50.762" v="2302" actId="20577"/>
-          <ac:spMkLst>
-            <pc:docMk/>
-            <pc:sldMk cId="2641454909" sldId="279"/>
-            <ac:spMk id="2" creationId="{EDFB0D80-CB44-017A-52D2-68B27A2943CC}"/>
-          </ac:spMkLst>
-        </pc:spChg>
-        <pc:spChg chg="add mod">
-          <ac:chgData name="Shahbaz Chaudhary" userId="fef21e47db54da50" providerId="LiveId" clId="{D58A60B7-084E-45CF-BD23-7CA072B788BD}" dt="2024-01-17T17:48:28.109" v="2811" actId="313"/>
-          <ac:spMkLst>
-            <pc:docMk/>
-            <pc:sldMk cId="2641454909" sldId="279"/>
-            <ac:spMk id="10" creationId="{2DE1C7C9-7D41-2C76-9272-795E6936EEAA}"/>
-          </ac:spMkLst>
-        </pc:spChg>
-        <pc:picChg chg="add mod">
-          <ac:chgData name="Shahbaz Chaudhary" userId="fef21e47db54da50" providerId="LiveId" clId="{D58A60B7-084E-45CF-BD23-7CA072B788BD}" dt="2024-01-17T17:44:57.842" v="2446" actId="1038"/>
-          <ac:picMkLst>
-            <pc:docMk/>
-            <pc:sldMk cId="2641454909" sldId="279"/>
-            <ac:picMk id="4" creationId="{84F241CF-3E45-A0CA-C5EC-2C4D43DAD2BF}"/>
-          </ac:picMkLst>
-        </pc:picChg>
-        <pc:picChg chg="add mod">
-          <ac:chgData name="Shahbaz Chaudhary" userId="fef21e47db54da50" providerId="LiveId" clId="{D58A60B7-084E-45CF-BD23-7CA072B788BD}" dt="2024-01-17T17:44:57.842" v="2446" actId="1038"/>
-          <ac:picMkLst>
-            <pc:docMk/>
-            <pc:sldMk cId="2641454909" sldId="279"/>
-            <ac:picMk id="6" creationId="{88376052-85DA-F9BC-A2E9-DA3BB743E474}"/>
-          </ac:picMkLst>
-        </pc:picChg>
-        <pc:picChg chg="add mod">
-          <ac:chgData name="Shahbaz Chaudhary" userId="fef21e47db54da50" providerId="LiveId" clId="{D58A60B7-084E-45CF-BD23-7CA072B788BD}" dt="2024-01-17T17:44:57.842" v="2446" actId="1038"/>
-          <ac:picMkLst>
-            <pc:docMk/>
-            <pc:sldMk cId="2641454909" sldId="279"/>
-            <ac:picMk id="8" creationId="{339CD682-116A-7DE8-C3CD-CBD644758A42}"/>
-          </ac:picMkLst>
-        </pc:picChg>
-        <pc:picChg chg="add mod">
-          <ac:chgData name="Shahbaz Chaudhary" userId="fef21e47db54da50" providerId="LiveId" clId="{D58A60B7-084E-45CF-BD23-7CA072B788BD}" dt="2024-01-17T17:44:57.842" v="2446" actId="1038"/>
-          <ac:picMkLst>
-            <pc:docMk/>
-            <pc:sldMk cId="2641454909" sldId="279"/>
-            <ac:picMk id="9" creationId="{A23156BD-A6DB-8B49-6E65-D657C163D54D}"/>
-          </ac:picMkLst>
-        </pc:picChg>
       </pc:sldChg>
       <pc:sldMasterChg chg="modSp modSldLayout">
         <pc:chgData name="Shahbaz Chaudhary" userId="fef21e47db54da50" providerId="LiveId" clId="{D58A60B7-084E-45CF-BD23-7CA072B788BD}" dt="2024-01-17T05:55:06.052" v="1202" actId="207"/>
@@ -993,22 +329,6 @@
           <pc:docMk/>
           <pc:sldMasterMk cId="3634292346" sldId="2147483672"/>
         </pc:sldMasterMkLst>
-        <pc:spChg chg="mod">
-          <ac:chgData name="Shahbaz Chaudhary" userId="fef21e47db54da50" providerId="LiveId" clId="{D58A60B7-084E-45CF-BD23-7CA072B788BD}" dt="2024-01-17T05:55:01.766" v="1201" actId="207"/>
-          <ac:spMkLst>
-            <pc:docMk/>
-            <pc:sldMasterMk cId="3634292346" sldId="2147483672"/>
-            <ac:spMk id="2" creationId="{00000000-0000-0000-0000-000000000000}"/>
-          </ac:spMkLst>
-        </pc:spChg>
-        <pc:spChg chg="mod">
-          <ac:chgData name="Shahbaz Chaudhary" userId="fef21e47db54da50" providerId="LiveId" clId="{D58A60B7-084E-45CF-BD23-7CA072B788BD}" dt="2024-01-17T05:55:06.052" v="1202" actId="207"/>
-          <ac:spMkLst>
-            <pc:docMk/>
-            <pc:sldMasterMk cId="3634292346" sldId="2147483672"/>
-            <ac:spMk id="3" creationId="{00000000-0000-0000-0000-000000000000}"/>
-          </ac:spMkLst>
-        </pc:spChg>
         <pc:sldLayoutChg chg="modSp">
           <pc:chgData name="Shahbaz Chaudhary" userId="fef21e47db54da50" providerId="LiveId" clId="{D58A60B7-084E-45CF-BD23-7CA072B788BD}" dt="2024-01-17T05:52:27.111" v="1190" actId="207"/>
           <pc:sldLayoutMkLst>
@@ -1016,24 +336,6 @@
             <pc:sldMasterMk cId="3634292346" sldId="2147483672"/>
             <pc:sldLayoutMk cId="3214829496" sldId="2147483673"/>
           </pc:sldLayoutMkLst>
-          <pc:spChg chg="mod">
-            <ac:chgData name="Shahbaz Chaudhary" userId="fef21e47db54da50" providerId="LiveId" clId="{D58A60B7-084E-45CF-BD23-7CA072B788BD}" dt="2024-01-17T05:52:21.071" v="1189" actId="207"/>
-            <ac:spMkLst>
-              <pc:docMk/>
-              <pc:sldMasterMk cId="3634292346" sldId="2147483672"/>
-              <pc:sldLayoutMk cId="3214829496" sldId="2147483673"/>
-              <ac:spMk id="2" creationId="{00000000-0000-0000-0000-000000000000}"/>
-            </ac:spMkLst>
-          </pc:spChg>
-          <pc:spChg chg="mod">
-            <ac:chgData name="Shahbaz Chaudhary" userId="fef21e47db54da50" providerId="LiveId" clId="{D58A60B7-084E-45CF-BD23-7CA072B788BD}" dt="2024-01-17T05:52:27.111" v="1190" actId="207"/>
-            <ac:spMkLst>
-              <pc:docMk/>
-              <pc:sldMasterMk cId="3634292346" sldId="2147483672"/>
-              <pc:sldLayoutMk cId="3214829496" sldId="2147483673"/>
-              <ac:spMk id="3" creationId="{00000000-0000-0000-0000-000000000000}"/>
-            </ac:spMkLst>
-          </pc:spChg>
         </pc:sldLayoutChg>
         <pc:sldLayoutChg chg="modSp">
           <pc:chgData name="Shahbaz Chaudhary" userId="fef21e47db54da50" providerId="LiveId" clId="{D58A60B7-084E-45CF-BD23-7CA072B788BD}" dt="2024-01-17T05:52:48.229" v="1192" actId="207"/>
@@ -1042,24 +344,6 @@
             <pc:sldMasterMk cId="3634292346" sldId="2147483672"/>
             <pc:sldLayoutMk cId="2327514348" sldId="2147483674"/>
           </pc:sldLayoutMkLst>
-          <pc:spChg chg="mod">
-            <ac:chgData name="Shahbaz Chaudhary" userId="fef21e47db54da50" providerId="LiveId" clId="{D58A60B7-084E-45CF-BD23-7CA072B788BD}" dt="2024-01-17T05:52:40.226" v="1191" actId="207"/>
-            <ac:spMkLst>
-              <pc:docMk/>
-              <pc:sldMasterMk cId="3634292346" sldId="2147483672"/>
-              <pc:sldLayoutMk cId="2327514348" sldId="2147483674"/>
-              <ac:spMk id="2" creationId="{00000000-0000-0000-0000-000000000000}"/>
-            </ac:spMkLst>
-          </pc:spChg>
-          <pc:spChg chg="mod">
-            <ac:chgData name="Shahbaz Chaudhary" userId="fef21e47db54da50" providerId="LiveId" clId="{D58A60B7-084E-45CF-BD23-7CA072B788BD}" dt="2024-01-17T05:52:48.229" v="1192" actId="207"/>
-            <ac:spMkLst>
-              <pc:docMk/>
-              <pc:sldMasterMk cId="3634292346" sldId="2147483672"/>
-              <pc:sldLayoutMk cId="2327514348" sldId="2147483674"/>
-              <ac:spMk id="3" creationId="{00000000-0000-0000-0000-000000000000}"/>
-            </ac:spMkLst>
-          </pc:spChg>
         </pc:sldLayoutChg>
         <pc:sldLayoutChg chg="modSp">
           <pc:chgData name="Shahbaz Chaudhary" userId="fef21e47db54da50" providerId="LiveId" clId="{D58A60B7-084E-45CF-BD23-7CA072B788BD}" dt="2024-01-17T05:52:57.770" v="1194" actId="207"/>
@@ -1068,15 +352,6 @@
             <pc:sldMasterMk cId="3634292346" sldId="2147483672"/>
             <pc:sldLayoutMk cId="3504553074" sldId="2147483675"/>
           </pc:sldLayoutMkLst>
-          <pc:spChg chg="mod">
-            <ac:chgData name="Shahbaz Chaudhary" userId="fef21e47db54da50" providerId="LiveId" clId="{D58A60B7-084E-45CF-BD23-7CA072B788BD}" dt="2024-01-17T05:52:57.770" v="1194" actId="207"/>
-            <ac:spMkLst>
-              <pc:docMk/>
-              <pc:sldMasterMk cId="3634292346" sldId="2147483672"/>
-              <pc:sldLayoutMk cId="3504553074" sldId="2147483675"/>
-              <ac:spMk id="2" creationId="{00000000-0000-0000-0000-000000000000}"/>
-            </ac:spMkLst>
-          </pc:spChg>
         </pc:sldLayoutChg>
         <pc:sldLayoutChg chg="modSp">
           <pc:chgData name="Shahbaz Chaudhary" userId="fef21e47db54da50" providerId="LiveId" clId="{D58A60B7-084E-45CF-BD23-7CA072B788BD}" dt="2024-01-17T05:53:09.770" v="1195" actId="207"/>
@@ -1085,15 +360,6 @@
             <pc:sldMasterMk cId="3634292346" sldId="2147483672"/>
             <pc:sldLayoutMk cId="3003016983" sldId="2147483678"/>
           </pc:sldLayoutMkLst>
-          <pc:spChg chg="mod">
-            <ac:chgData name="Shahbaz Chaudhary" userId="fef21e47db54da50" providerId="LiveId" clId="{D58A60B7-084E-45CF-BD23-7CA072B788BD}" dt="2024-01-17T05:53:09.770" v="1195" actId="207"/>
-            <ac:spMkLst>
-              <pc:docMk/>
-              <pc:sldMasterMk cId="3634292346" sldId="2147483672"/>
-              <pc:sldLayoutMk cId="3003016983" sldId="2147483678"/>
-              <ac:spMk id="2" creationId="{00000000-0000-0000-0000-000000000000}"/>
-            </ac:spMkLst>
-          </pc:spChg>
         </pc:sldLayoutChg>
         <pc:sldLayoutChg chg="modSp">
           <pc:chgData name="Shahbaz Chaudhary" userId="fef21e47db54da50" providerId="LiveId" clId="{D58A60B7-084E-45CF-BD23-7CA072B788BD}" dt="2024-01-17T05:54:17.501" v="1198" actId="207"/>
@@ -1102,24 +368,6 @@
             <pc:sldMasterMk cId="3634292346" sldId="2147483672"/>
             <pc:sldLayoutMk cId="3860638124" sldId="2147483682"/>
           </pc:sldLayoutMkLst>
-          <pc:spChg chg="mod">
-            <ac:chgData name="Shahbaz Chaudhary" userId="fef21e47db54da50" providerId="LiveId" clId="{D58A60B7-084E-45CF-BD23-7CA072B788BD}" dt="2024-01-17T05:54:11.773" v="1197" actId="207"/>
-            <ac:spMkLst>
-              <pc:docMk/>
-              <pc:sldMasterMk cId="3634292346" sldId="2147483672"/>
-              <pc:sldLayoutMk cId="3860638124" sldId="2147483682"/>
-              <ac:spMk id="2" creationId="{00000000-0000-0000-0000-000000000000}"/>
-            </ac:spMkLst>
-          </pc:spChg>
-          <pc:spChg chg="mod">
-            <ac:chgData name="Shahbaz Chaudhary" userId="fef21e47db54da50" providerId="LiveId" clId="{D58A60B7-084E-45CF-BD23-7CA072B788BD}" dt="2024-01-17T05:54:17.501" v="1198" actId="207"/>
-            <ac:spMkLst>
-              <pc:docMk/>
-              <pc:sldMasterMk cId="3634292346" sldId="2147483672"/>
-              <pc:sldLayoutMk cId="3860638124" sldId="2147483682"/>
-              <ac:spMk id="3" creationId="{00000000-0000-0000-0000-000000000000}"/>
-            </ac:spMkLst>
-          </pc:spChg>
         </pc:sldLayoutChg>
         <pc:sldLayoutChg chg="modSp">
           <pc:chgData name="Shahbaz Chaudhary" userId="fef21e47db54da50" providerId="LiveId" clId="{D58A60B7-084E-45CF-BD23-7CA072B788BD}" dt="2024-01-17T05:54:31.859" v="1200" actId="207"/>
@@ -1128,24 +376,6 @@
             <pc:sldMasterMk cId="3634292346" sldId="2147483672"/>
             <pc:sldLayoutMk cId="2575085720" sldId="2147483683"/>
           </pc:sldLayoutMkLst>
-          <pc:spChg chg="mod">
-            <ac:chgData name="Shahbaz Chaudhary" userId="fef21e47db54da50" providerId="LiveId" clId="{D58A60B7-084E-45CF-BD23-7CA072B788BD}" dt="2024-01-17T05:54:25.949" v="1199" actId="207"/>
-            <ac:spMkLst>
-              <pc:docMk/>
-              <pc:sldMasterMk cId="3634292346" sldId="2147483672"/>
-              <pc:sldLayoutMk cId="2575085720" sldId="2147483683"/>
-              <ac:spMk id="2" creationId="{00000000-0000-0000-0000-000000000000}"/>
-            </ac:spMkLst>
-          </pc:spChg>
-          <pc:spChg chg="mod">
-            <ac:chgData name="Shahbaz Chaudhary" userId="fef21e47db54da50" providerId="LiveId" clId="{D58A60B7-084E-45CF-BD23-7CA072B788BD}" dt="2024-01-17T05:54:31.859" v="1200" actId="207"/>
-            <ac:spMkLst>
-              <pc:docMk/>
-              <pc:sldMasterMk cId="3634292346" sldId="2147483672"/>
-              <pc:sldLayoutMk cId="2575085720" sldId="2147483683"/>
-              <ac:spMk id="3" creationId="{00000000-0000-0000-0000-000000000000}"/>
-            </ac:spMkLst>
-          </pc:spChg>
         </pc:sldLayoutChg>
       </pc:sldMasterChg>
     </pc:docChg>
@@ -1163,14 +393,6 @@
           <pc:docMk/>
           <pc:sldMk cId="1773993530" sldId="257"/>
         </pc:sldMkLst>
-        <pc:spChg chg="mod">
-          <ac:chgData name="Shahbaz Chaudhary" userId="fef21e47db54da50" providerId="LiveId" clId="{59F1D27B-12C5-4E4F-B737-66C907ADDA5F}" dt="2024-11-19T05:37:02.367" v="2" actId="20577"/>
-          <ac:spMkLst>
-            <pc:docMk/>
-            <pc:sldMk cId="1773993530" sldId="257"/>
-            <ac:spMk id="2" creationId="{569F68D9-795A-CC4B-9543-4DFAFEDFA920}"/>
-          </ac:spMkLst>
-        </pc:spChg>
       </pc:sldChg>
       <pc:sldChg chg="modSp mod">
         <pc:chgData name="Shahbaz Chaudhary" userId="fef21e47db54da50" providerId="LiveId" clId="{59F1D27B-12C5-4E4F-B737-66C907ADDA5F}" dt="2024-11-19T05:37:19.210" v="8" actId="20577"/>
@@ -1178,14 +400,6 @@
           <pc:docMk/>
           <pc:sldMk cId="3486165762" sldId="258"/>
         </pc:sldMkLst>
-        <pc:spChg chg="mod">
-          <ac:chgData name="Shahbaz Chaudhary" userId="fef21e47db54da50" providerId="LiveId" clId="{59F1D27B-12C5-4E4F-B737-66C907ADDA5F}" dt="2024-11-19T05:37:19.210" v="8" actId="20577"/>
-          <ac:spMkLst>
-            <pc:docMk/>
-            <pc:sldMk cId="3486165762" sldId="258"/>
-            <ac:spMk id="2" creationId="{FD268E10-0E98-5AFC-7224-921EEA069D86}"/>
-          </ac:spMkLst>
-        </pc:spChg>
       </pc:sldChg>
       <pc:sldChg chg="modSp mod">
         <pc:chgData name="Shahbaz Chaudhary" userId="fef21e47db54da50" providerId="LiveId" clId="{59F1D27B-12C5-4E4F-B737-66C907ADDA5F}" dt="2024-11-19T05:37:12.473" v="5" actId="20577"/>
@@ -1193,14 +407,6 @@
           <pc:docMk/>
           <pc:sldMk cId="1695602100" sldId="259"/>
         </pc:sldMkLst>
-        <pc:spChg chg="mod">
-          <ac:chgData name="Shahbaz Chaudhary" userId="fef21e47db54da50" providerId="LiveId" clId="{59F1D27B-12C5-4E4F-B737-66C907ADDA5F}" dt="2024-11-19T05:37:12.473" v="5" actId="20577"/>
-          <ac:spMkLst>
-            <pc:docMk/>
-            <pc:sldMk cId="1695602100" sldId="259"/>
-            <ac:spMk id="2" creationId="{569F68D9-795A-CC4B-9543-4DFAFEDFA920}"/>
-          </ac:spMkLst>
-        </pc:spChg>
       </pc:sldChg>
       <pc:sldChg chg="modSp mod">
         <pc:chgData name="Shahbaz Chaudhary" userId="fef21e47db54da50" providerId="LiveId" clId="{59F1D27B-12C5-4E4F-B737-66C907ADDA5F}" dt="2024-11-19T05:37:23.436" v="11" actId="20577"/>
@@ -1208,14 +414,6 @@
           <pc:docMk/>
           <pc:sldMk cId="3103085621" sldId="260"/>
         </pc:sldMkLst>
-        <pc:spChg chg="mod">
-          <ac:chgData name="Shahbaz Chaudhary" userId="fef21e47db54da50" providerId="LiveId" clId="{59F1D27B-12C5-4E4F-B737-66C907ADDA5F}" dt="2024-11-19T05:37:23.436" v="11" actId="20577"/>
-          <ac:spMkLst>
-            <pc:docMk/>
-            <pc:sldMk cId="3103085621" sldId="260"/>
-            <ac:spMk id="2" creationId="{FD268E10-0E98-5AFC-7224-921EEA069D86}"/>
-          </ac:spMkLst>
-        </pc:spChg>
       </pc:sldChg>
       <pc:sldChg chg="modSp mod">
         <pc:chgData name="Shahbaz Chaudhary" userId="fef21e47db54da50" providerId="LiveId" clId="{59F1D27B-12C5-4E4F-B737-66C907ADDA5F}" dt="2024-11-19T05:37:29.542" v="14" actId="20577"/>
@@ -1223,14 +421,6 @@
           <pc:docMk/>
           <pc:sldMk cId="3519509199" sldId="261"/>
         </pc:sldMkLst>
-        <pc:spChg chg="mod">
-          <ac:chgData name="Shahbaz Chaudhary" userId="fef21e47db54da50" providerId="LiveId" clId="{59F1D27B-12C5-4E4F-B737-66C907ADDA5F}" dt="2024-11-19T05:37:29.542" v="14" actId="20577"/>
-          <ac:spMkLst>
-            <pc:docMk/>
-            <pc:sldMk cId="3519509199" sldId="261"/>
-            <ac:spMk id="2" creationId="{98FFE858-AA43-4F62-46EE-56FB5E2B574E}"/>
-          </ac:spMkLst>
-        </pc:spChg>
       </pc:sldChg>
       <pc:sldChg chg="modSp mod">
         <pc:chgData name="Shahbaz Chaudhary" userId="fef21e47db54da50" providerId="LiveId" clId="{59F1D27B-12C5-4E4F-B737-66C907ADDA5F}" dt="2024-11-19T05:37:35.184" v="19" actId="20577"/>
@@ -1238,14 +428,6 @@
           <pc:docMk/>
           <pc:sldMk cId="3939641596" sldId="262"/>
         </pc:sldMkLst>
-        <pc:spChg chg="mod">
-          <ac:chgData name="Shahbaz Chaudhary" userId="fef21e47db54da50" providerId="LiveId" clId="{59F1D27B-12C5-4E4F-B737-66C907ADDA5F}" dt="2024-11-19T05:37:35.184" v="19" actId="20577"/>
-          <ac:spMkLst>
-            <pc:docMk/>
-            <pc:sldMk cId="3939641596" sldId="262"/>
-            <ac:spMk id="2" creationId="{98FFE858-AA43-4F62-46EE-56FB5E2B574E}"/>
-          </ac:spMkLst>
-        </pc:spChg>
       </pc:sldChg>
       <pc:sldChg chg="modSp mod">
         <pc:chgData name="Shahbaz Chaudhary" userId="fef21e47db54da50" providerId="LiveId" clId="{59F1D27B-12C5-4E4F-B737-66C907ADDA5F}" dt="2024-11-19T05:37:45.405" v="22" actId="20577"/>
@@ -1253,14 +435,6 @@
           <pc:docMk/>
           <pc:sldMk cId="2298812892" sldId="263"/>
         </pc:sldMkLst>
-        <pc:spChg chg="mod">
-          <ac:chgData name="Shahbaz Chaudhary" userId="fef21e47db54da50" providerId="LiveId" clId="{59F1D27B-12C5-4E4F-B737-66C907ADDA5F}" dt="2024-11-19T05:37:45.405" v="22" actId="20577"/>
-          <ac:spMkLst>
-            <pc:docMk/>
-            <pc:sldMk cId="2298812892" sldId="263"/>
-            <ac:spMk id="2" creationId="{141C78E4-91A0-24F7-0FF1-E5E391B7D428}"/>
-          </ac:spMkLst>
-        </pc:spChg>
       </pc:sldChg>
       <pc:sldChg chg="modSp mod">
         <pc:chgData name="Shahbaz Chaudhary" userId="fef21e47db54da50" providerId="LiveId" clId="{59F1D27B-12C5-4E4F-B737-66C907ADDA5F}" dt="2024-11-19T05:38:57.943" v="23" actId="113"/>
@@ -1268,14 +442,6 @@
           <pc:docMk/>
           <pc:sldMk cId="271569197" sldId="266"/>
         </pc:sldMkLst>
-        <pc:spChg chg="mod">
-          <ac:chgData name="Shahbaz Chaudhary" userId="fef21e47db54da50" providerId="LiveId" clId="{59F1D27B-12C5-4E4F-B737-66C907ADDA5F}" dt="2024-11-19T05:38:57.943" v="23" actId="113"/>
-          <ac:spMkLst>
-            <pc:docMk/>
-            <pc:sldMk cId="271569197" sldId="266"/>
-            <ac:spMk id="2" creationId="{2D328608-ACA6-A70E-E7E2-4EAD5EE4BB7C}"/>
-          </ac:spMkLst>
-        </pc:spChg>
       </pc:sldChg>
       <pc:sldChg chg="modSp mod modNotesTx">
         <pc:chgData name="Shahbaz Chaudhary" userId="fef21e47db54da50" providerId="LiveId" clId="{59F1D27B-12C5-4E4F-B737-66C907ADDA5F}" dt="2024-11-19T05:59:40.092" v="152" actId="20577"/>
@@ -1283,14 +449,6 @@
           <pc:docMk/>
           <pc:sldMk cId="394294336" sldId="267"/>
         </pc:sldMkLst>
-        <pc:spChg chg="mod">
-          <ac:chgData name="Shahbaz Chaudhary" userId="fef21e47db54da50" providerId="LiveId" clId="{59F1D27B-12C5-4E4F-B737-66C907ADDA5F}" dt="2024-11-19T05:39:08.032" v="24" actId="113"/>
-          <ac:spMkLst>
-            <pc:docMk/>
-            <pc:sldMk cId="394294336" sldId="267"/>
-            <ac:spMk id="2" creationId="{0EDFAC8D-1FA1-C402-480E-833CDFA76B98}"/>
-          </ac:spMkLst>
-        </pc:spChg>
       </pc:sldChg>
       <pc:sldChg chg="addSp delSp modSp mod">
         <pc:chgData name="Shahbaz Chaudhary" userId="fef21e47db54da50" providerId="LiveId" clId="{59F1D27B-12C5-4E4F-B737-66C907ADDA5F}" dt="2024-11-19T05:59:44.637" v="158" actId="478"/>
@@ -1298,38 +456,6 @@
           <pc:docMk/>
           <pc:sldMk cId="2335098605" sldId="268"/>
         </pc:sldMkLst>
-        <pc:spChg chg="mod">
-          <ac:chgData name="Shahbaz Chaudhary" userId="fef21e47db54da50" providerId="LiveId" clId="{59F1D27B-12C5-4E4F-B737-66C907ADDA5F}" dt="2024-11-19T05:40:37.052" v="33" actId="20577"/>
-          <ac:spMkLst>
-            <pc:docMk/>
-            <pc:sldMk cId="2335098605" sldId="268"/>
-            <ac:spMk id="2" creationId="{2AF331AC-FF45-F932-0C41-6745522AB9EF}"/>
-          </ac:spMkLst>
-        </pc:spChg>
-        <pc:spChg chg="mod">
-          <ac:chgData name="Shahbaz Chaudhary" userId="fef21e47db54da50" providerId="LiveId" clId="{59F1D27B-12C5-4E4F-B737-66C907ADDA5F}" dt="2024-11-19T05:59:41.149" v="153" actId="1036"/>
-          <ac:spMkLst>
-            <pc:docMk/>
-            <pc:sldMk cId="2335098605" sldId="268"/>
-            <ac:spMk id="7" creationId="{DED2411D-6BBB-990F-D5F7-5D5B1E2A824E}"/>
-          </ac:spMkLst>
-        </pc:spChg>
-        <pc:picChg chg="add del mod">
-          <ac:chgData name="Shahbaz Chaudhary" userId="fef21e47db54da50" providerId="LiveId" clId="{59F1D27B-12C5-4E4F-B737-66C907ADDA5F}" dt="2024-11-19T05:59:43.978" v="157" actId="22"/>
-          <ac:picMkLst>
-            <pc:docMk/>
-            <pc:sldMk cId="2335098605" sldId="268"/>
-            <ac:picMk id="4" creationId="{B6A204C0-04CD-3564-DFD9-50FDEA68B093}"/>
-          </ac:picMkLst>
-        </pc:picChg>
-        <pc:picChg chg="add del">
-          <ac:chgData name="Shahbaz Chaudhary" userId="fef21e47db54da50" providerId="LiveId" clId="{59F1D27B-12C5-4E4F-B737-66C907ADDA5F}" dt="2024-11-19T05:59:44.637" v="158" actId="478"/>
-          <ac:picMkLst>
-            <pc:docMk/>
-            <pc:sldMk cId="2335098605" sldId="268"/>
-            <ac:picMk id="6" creationId="{E23F9E9A-179E-F853-4E5E-CF7C71FBA524}"/>
-          </ac:picMkLst>
-        </pc:picChg>
       </pc:sldChg>
       <pc:sldChg chg="addSp delSp modSp add mod">
         <pc:chgData name="Shahbaz Chaudhary" userId="fef21e47db54da50" providerId="LiveId" clId="{59F1D27B-12C5-4E4F-B737-66C907ADDA5F}" dt="2024-11-19T06:07:50.153" v="219" actId="14861"/>
@@ -1337,150 +463,6 @@
           <pc:docMk/>
           <pc:sldMk cId="1324200523" sldId="280"/>
         </pc:sldMkLst>
-        <pc:spChg chg="mod">
-          <ac:chgData name="Shahbaz Chaudhary" userId="fef21e47db54da50" providerId="LiveId" clId="{59F1D27B-12C5-4E4F-B737-66C907ADDA5F}" dt="2024-11-19T06:01:00.853" v="202" actId="20577"/>
-          <ac:spMkLst>
-            <pc:docMk/>
-            <pc:sldMk cId="1324200523" sldId="280"/>
-            <ac:spMk id="2" creationId="{0EDFAC8D-1FA1-C402-480E-833CDFA76B98}"/>
-          </ac:spMkLst>
-        </pc:spChg>
-        <pc:spChg chg="add del">
-          <ac:chgData name="Shahbaz Chaudhary" userId="fef21e47db54da50" providerId="LiveId" clId="{59F1D27B-12C5-4E4F-B737-66C907ADDA5F}" dt="2024-11-19T06:02:24.890" v="204" actId="22"/>
-          <ac:spMkLst>
-            <pc:docMk/>
-            <pc:sldMk cId="1324200523" sldId="280"/>
-            <ac:spMk id="4" creationId="{6C30F41B-08A2-BB07-AE42-40D8495BD819}"/>
-          </ac:spMkLst>
-        </pc:spChg>
-        <pc:spChg chg="del">
-          <ac:chgData name="Shahbaz Chaudhary" userId="fef21e47db54da50" providerId="LiveId" clId="{59F1D27B-12C5-4E4F-B737-66C907ADDA5F}" dt="2024-11-19T06:00:51.243" v="161" actId="478"/>
-          <ac:spMkLst>
-            <pc:docMk/>
-            <pc:sldMk cId="1324200523" sldId="280"/>
-            <ac:spMk id="8" creationId="{5E99CA27-6410-D1A2-E5A9-98A46FCC3515}"/>
-          </ac:spMkLst>
-        </pc:spChg>
-        <pc:spChg chg="del">
-          <ac:chgData name="Shahbaz Chaudhary" userId="fef21e47db54da50" providerId="LiveId" clId="{59F1D27B-12C5-4E4F-B737-66C907ADDA5F}" dt="2024-11-19T06:00:51.243" v="161" actId="478"/>
-          <ac:spMkLst>
-            <pc:docMk/>
-            <pc:sldMk cId="1324200523" sldId="280"/>
-            <ac:spMk id="9" creationId="{766DD2A2-4E9B-E20C-D0EA-3EDF5BFA9895}"/>
-          </ac:spMkLst>
-        </pc:spChg>
-        <pc:spChg chg="add del">
-          <ac:chgData name="Shahbaz Chaudhary" userId="fef21e47db54da50" providerId="LiveId" clId="{59F1D27B-12C5-4E4F-B737-66C907ADDA5F}" dt="2024-11-19T06:03:27.553" v="206" actId="22"/>
-          <ac:spMkLst>
-            <pc:docMk/>
-            <pc:sldMk cId="1324200523" sldId="280"/>
-            <ac:spMk id="10" creationId="{20B5802B-E87E-65FB-4A76-CC0702506335}"/>
-          </ac:spMkLst>
-        </pc:spChg>
-        <pc:spChg chg="del">
-          <ac:chgData name="Shahbaz Chaudhary" userId="fef21e47db54da50" providerId="LiveId" clId="{59F1D27B-12C5-4E4F-B737-66C907ADDA5F}" dt="2024-11-19T06:00:51.243" v="161" actId="478"/>
-          <ac:spMkLst>
-            <pc:docMk/>
-            <pc:sldMk cId="1324200523" sldId="280"/>
-            <ac:spMk id="11" creationId="{ADED6D95-ED31-D3AC-EBDA-A4D4D908A60B}"/>
-          </ac:spMkLst>
-        </pc:spChg>
-        <pc:spChg chg="del">
-          <ac:chgData name="Shahbaz Chaudhary" userId="fef21e47db54da50" providerId="LiveId" clId="{59F1D27B-12C5-4E4F-B737-66C907ADDA5F}" dt="2024-11-19T06:00:51.243" v="161" actId="478"/>
-          <ac:spMkLst>
-            <pc:docMk/>
-            <pc:sldMk cId="1324200523" sldId="280"/>
-            <ac:spMk id="12" creationId="{EB1DC4A7-5C3D-CEBB-BF96-0909ADC3DCBE}"/>
-          </ac:spMkLst>
-        </pc:spChg>
-        <pc:spChg chg="del">
-          <ac:chgData name="Shahbaz Chaudhary" userId="fef21e47db54da50" providerId="LiveId" clId="{59F1D27B-12C5-4E4F-B737-66C907ADDA5F}" dt="2024-11-19T06:00:51.243" v="161" actId="478"/>
-          <ac:spMkLst>
-            <pc:docMk/>
-            <pc:sldMk cId="1324200523" sldId="280"/>
-            <ac:spMk id="16" creationId="{D46750FD-E3E4-ACEE-F578-1A237BB72492}"/>
-          </ac:spMkLst>
-        </pc:spChg>
-        <pc:spChg chg="add mod">
-          <ac:chgData name="Shahbaz Chaudhary" userId="fef21e47db54da50" providerId="LiveId" clId="{59F1D27B-12C5-4E4F-B737-66C907ADDA5F}" dt="2024-11-19T06:07:29.503" v="218" actId="1076"/>
-          <ac:spMkLst>
-            <pc:docMk/>
-            <pc:sldMk cId="1324200523" sldId="280"/>
-            <ac:spMk id="17" creationId="{524869F8-CF5A-5911-1CC0-2FAEC8CDBFE1}"/>
-          </ac:spMkLst>
-        </pc:spChg>
-        <pc:spChg chg="del">
-          <ac:chgData name="Shahbaz Chaudhary" userId="fef21e47db54da50" providerId="LiveId" clId="{59F1D27B-12C5-4E4F-B737-66C907ADDA5F}" dt="2024-11-19T06:00:51.243" v="161" actId="478"/>
-          <ac:spMkLst>
-            <pc:docMk/>
-            <pc:sldMk cId="1324200523" sldId="280"/>
-            <ac:spMk id="19" creationId="{EAE41324-04B1-4B5F-D099-8BA0B3C29BD9}"/>
-          </ac:spMkLst>
-        </pc:spChg>
-        <pc:spChg chg="del">
-          <ac:chgData name="Shahbaz Chaudhary" userId="fef21e47db54da50" providerId="LiveId" clId="{59F1D27B-12C5-4E4F-B737-66C907ADDA5F}" dt="2024-11-19T06:00:51.243" v="161" actId="478"/>
-          <ac:spMkLst>
-            <pc:docMk/>
-            <pc:sldMk cId="1324200523" sldId="280"/>
-            <ac:spMk id="21" creationId="{E39A7224-7412-50D8-9D26-95ADA2EDA588}"/>
-          </ac:spMkLst>
-        </pc:spChg>
-        <pc:spChg chg="del">
-          <ac:chgData name="Shahbaz Chaudhary" userId="fef21e47db54da50" providerId="LiveId" clId="{59F1D27B-12C5-4E4F-B737-66C907ADDA5F}" dt="2024-11-19T06:00:51.243" v="161" actId="478"/>
-          <ac:spMkLst>
-            <pc:docMk/>
-            <pc:sldMk cId="1324200523" sldId="280"/>
-            <ac:spMk id="22" creationId="{42BCDF13-E3BA-D23D-E1A2-8EE39AECDB0A}"/>
-          </ac:spMkLst>
-        </pc:spChg>
-        <pc:picChg chg="del">
-          <ac:chgData name="Shahbaz Chaudhary" userId="fef21e47db54da50" providerId="LiveId" clId="{59F1D27B-12C5-4E4F-B737-66C907ADDA5F}" dt="2024-11-19T06:00:46.435" v="160" actId="478"/>
-          <ac:picMkLst>
-            <pc:docMk/>
-            <pc:sldMk cId="1324200523" sldId="280"/>
-            <ac:picMk id="5" creationId="{914FCBDF-36EE-4B6B-055D-23A31E5EA7E1}"/>
-          </ac:picMkLst>
-        </pc:picChg>
-        <pc:picChg chg="add mod">
-          <ac:chgData name="Shahbaz Chaudhary" userId="fef21e47db54da50" providerId="LiveId" clId="{59F1D27B-12C5-4E4F-B737-66C907ADDA5F}" dt="2024-11-19T06:07:50.153" v="219" actId="14861"/>
-          <ac:picMkLst>
-            <pc:docMk/>
-            <pc:sldMk cId="1324200523" sldId="280"/>
-            <ac:picMk id="23" creationId="{CDC13CC8-77A9-DB6E-6EEE-0F9FE1ACBDAB}"/>
-          </ac:picMkLst>
-        </pc:picChg>
-        <pc:cxnChg chg="del">
-          <ac:chgData name="Shahbaz Chaudhary" userId="fef21e47db54da50" providerId="LiveId" clId="{59F1D27B-12C5-4E4F-B737-66C907ADDA5F}" dt="2024-11-19T06:00:51.243" v="161" actId="478"/>
-          <ac:cxnSpMkLst>
-            <pc:docMk/>
-            <pc:sldMk cId="1324200523" sldId="280"/>
-            <ac:cxnSpMk id="7" creationId="{5E3F10FF-2558-CEBD-A891-BE0951101AE2}"/>
-          </ac:cxnSpMkLst>
-        </pc:cxnChg>
-        <pc:cxnChg chg="del mod">
-          <ac:chgData name="Shahbaz Chaudhary" userId="fef21e47db54da50" providerId="LiveId" clId="{59F1D27B-12C5-4E4F-B737-66C907ADDA5F}" dt="2024-11-19T06:00:51.243" v="161" actId="478"/>
-          <ac:cxnSpMkLst>
-            <pc:docMk/>
-            <pc:sldMk cId="1324200523" sldId="280"/>
-            <ac:cxnSpMk id="13" creationId="{0FBF2718-31A0-C685-C817-280615134FB9}"/>
-          </ac:cxnSpMkLst>
-        </pc:cxnChg>
-        <pc:cxnChg chg="del">
-          <ac:chgData name="Shahbaz Chaudhary" userId="fef21e47db54da50" providerId="LiveId" clId="{59F1D27B-12C5-4E4F-B737-66C907ADDA5F}" dt="2024-11-19T06:00:51.243" v="161" actId="478"/>
-          <ac:cxnSpMkLst>
-            <pc:docMk/>
-            <pc:sldMk cId="1324200523" sldId="280"/>
-            <ac:cxnSpMk id="15" creationId="{F7358A8E-1B9F-F7CA-6388-3E1464B12970}"/>
-          </ac:cxnSpMkLst>
-        </pc:cxnChg>
-        <pc:cxnChg chg="del">
-          <ac:chgData name="Shahbaz Chaudhary" userId="fef21e47db54da50" providerId="LiveId" clId="{59F1D27B-12C5-4E4F-B737-66C907ADDA5F}" dt="2024-11-19T06:00:51.243" v="161" actId="478"/>
-          <ac:cxnSpMkLst>
-            <pc:docMk/>
-            <pc:sldMk cId="1324200523" sldId="280"/>
-            <ac:cxnSpMk id="20" creationId="{AD8CBA3C-DC07-8775-8185-E69E02BB5BAF}"/>
-          </ac:cxnSpMkLst>
-        </pc:cxnChg>
       </pc:sldChg>
       <pc:sldChg chg="addSp delSp modSp add mod">
         <pc:chgData name="Shahbaz Chaudhary" userId="fef21e47db54da50" providerId="LiveId" clId="{59F1D27B-12C5-4E4F-B737-66C907ADDA5F}" dt="2024-11-19T06:19:16.214" v="731" actId="207"/>
@@ -1488,46 +470,6 @@
           <pc:docMk/>
           <pc:sldMk cId="1752995467" sldId="281"/>
         </pc:sldMkLst>
-        <pc:spChg chg="mod">
-          <ac:chgData name="Shahbaz Chaudhary" userId="fef21e47db54da50" providerId="LiveId" clId="{59F1D27B-12C5-4E4F-B737-66C907ADDA5F}" dt="2024-11-19T06:11:34.420" v="246" actId="20577"/>
-          <ac:spMkLst>
-            <pc:docMk/>
-            <pc:sldMk cId="1752995467" sldId="281"/>
-            <ac:spMk id="2" creationId="{7BE552AD-EDFD-92C3-0B38-63394FF40FA0}"/>
-          </ac:spMkLst>
-        </pc:spChg>
-        <pc:spChg chg="del">
-          <ac:chgData name="Shahbaz Chaudhary" userId="fef21e47db54da50" providerId="LiveId" clId="{59F1D27B-12C5-4E4F-B737-66C907ADDA5F}" dt="2024-11-19T06:11:42.162" v="247" actId="478"/>
-          <ac:spMkLst>
-            <pc:docMk/>
-            <pc:sldMk cId="1752995467" sldId="281"/>
-            <ac:spMk id="3" creationId="{AFCFE1BB-F485-F41C-DE4C-9A5C93828A1A}"/>
-          </ac:spMkLst>
-        </pc:spChg>
-        <pc:spChg chg="mod">
-          <ac:chgData name="Shahbaz Chaudhary" userId="fef21e47db54da50" providerId="LiveId" clId="{59F1D27B-12C5-4E4F-B737-66C907ADDA5F}" dt="2024-11-19T06:19:16.214" v="731" actId="207"/>
-          <ac:spMkLst>
-            <pc:docMk/>
-            <pc:sldMk cId="1752995467" sldId="281"/>
-            <ac:spMk id="4" creationId="{41981000-39E2-14CB-5D63-2375F17D1DE7}"/>
-          </ac:spMkLst>
-        </pc:spChg>
-        <pc:picChg chg="add mod">
-          <ac:chgData name="Shahbaz Chaudhary" userId="fef21e47db54da50" providerId="LiveId" clId="{59F1D27B-12C5-4E4F-B737-66C907ADDA5F}" dt="2024-11-19T06:15:04.159" v="449" actId="14861"/>
-          <ac:picMkLst>
-            <pc:docMk/>
-            <pc:sldMk cId="1752995467" sldId="281"/>
-            <ac:picMk id="7" creationId="{2DABC490-8888-D146-661E-A3DE7E8C9C55}"/>
-          </ac:picMkLst>
-        </pc:picChg>
-        <pc:cxnChg chg="del">
-          <ac:chgData name="Shahbaz Chaudhary" userId="fef21e47db54da50" providerId="LiveId" clId="{59F1D27B-12C5-4E4F-B737-66C907ADDA5F}" dt="2024-11-19T06:11:42.162" v="247" actId="478"/>
-          <ac:cxnSpMkLst>
-            <pc:docMk/>
-            <pc:sldMk cId="1752995467" sldId="281"/>
-            <ac:cxnSpMk id="6" creationId="{9EA8B42E-0D7C-D143-552C-1DDE24A82F30}"/>
-          </ac:cxnSpMkLst>
-        </pc:cxnChg>
       </pc:sldChg>
       <pc:sldChg chg="addSp delSp modSp add mod">
         <pc:chgData name="Shahbaz Chaudhary" userId="fef21e47db54da50" providerId="LiveId" clId="{59F1D27B-12C5-4E4F-B737-66C907ADDA5F}" dt="2024-11-19T06:35:16.491" v="843" actId="1036"/>
@@ -1535,54 +477,6 @@
           <pc:docMk/>
           <pc:sldMk cId="3979796534" sldId="282"/>
         </pc:sldMkLst>
-        <pc:spChg chg="mod">
-          <ac:chgData name="Shahbaz Chaudhary" userId="fef21e47db54da50" providerId="LiveId" clId="{59F1D27B-12C5-4E4F-B737-66C907ADDA5F}" dt="2024-11-19T06:23:44.982" v="768" actId="5793"/>
-          <ac:spMkLst>
-            <pc:docMk/>
-            <pc:sldMk cId="3979796534" sldId="282"/>
-            <ac:spMk id="2" creationId="{7BE552AD-EDFD-92C3-0B38-63394FF40FA0}"/>
-          </ac:spMkLst>
-        </pc:spChg>
-        <pc:spChg chg="del">
-          <ac:chgData name="Shahbaz Chaudhary" userId="fef21e47db54da50" providerId="LiveId" clId="{59F1D27B-12C5-4E4F-B737-66C907ADDA5F}" dt="2024-11-19T06:23:20.187" v="753" actId="478"/>
-          <ac:spMkLst>
-            <pc:docMk/>
-            <pc:sldMk cId="3979796534" sldId="282"/>
-            <ac:spMk id="4" creationId="{41981000-39E2-14CB-5D63-2375F17D1DE7}"/>
-          </ac:spMkLst>
-        </pc:spChg>
-        <pc:picChg chg="add mod modCrop">
-          <ac:chgData name="Shahbaz Chaudhary" userId="fef21e47db54da50" providerId="LiveId" clId="{59F1D27B-12C5-4E4F-B737-66C907ADDA5F}" dt="2024-11-19T06:34:56.883" v="784" actId="1076"/>
-          <ac:picMkLst>
-            <pc:docMk/>
-            <pc:sldMk cId="3979796534" sldId="282"/>
-            <ac:picMk id="5" creationId="{908AD81E-9A86-F30E-E9B6-B63144CCC239}"/>
-          </ac:picMkLst>
-        </pc:picChg>
-        <pc:picChg chg="del">
-          <ac:chgData name="Shahbaz Chaudhary" userId="fef21e47db54da50" providerId="LiveId" clId="{59F1D27B-12C5-4E4F-B737-66C907ADDA5F}" dt="2024-11-19T06:21:19.949" v="751" actId="478"/>
-          <ac:picMkLst>
-            <pc:docMk/>
-            <pc:sldMk cId="3979796534" sldId="282"/>
-            <ac:picMk id="7" creationId="{2DABC490-8888-D146-661E-A3DE7E8C9C55}"/>
-          </ac:picMkLst>
-        </pc:picChg>
-        <pc:picChg chg="add mod modCrop">
-          <ac:chgData name="Shahbaz Chaudhary" userId="fef21e47db54da50" providerId="LiveId" clId="{59F1D27B-12C5-4E4F-B737-66C907ADDA5F}" dt="2024-11-19T06:35:16.491" v="843" actId="1036"/>
-          <ac:picMkLst>
-            <pc:docMk/>
-            <pc:sldMk cId="3979796534" sldId="282"/>
-            <ac:picMk id="8" creationId="{EE9106A0-B2FC-A90D-1F36-4824EE540698}"/>
-          </ac:picMkLst>
-        </pc:picChg>
-        <pc:picChg chg="add mod modCrop">
-          <ac:chgData name="Shahbaz Chaudhary" userId="fef21e47db54da50" providerId="LiveId" clId="{59F1D27B-12C5-4E4F-B737-66C907ADDA5F}" dt="2024-11-19T06:35:05.424" v="808" actId="1035"/>
-          <ac:picMkLst>
-            <pc:docMk/>
-            <pc:sldMk cId="3979796534" sldId="282"/>
-            <ac:picMk id="9" creationId="{94317491-0A8D-1CFC-70C9-A04E52215A37}"/>
-          </ac:picMkLst>
-        </pc:picChg>
       </pc:sldChg>
       <pc:sldChg chg="delSp modSp add mod ord">
         <pc:chgData name="Shahbaz Chaudhary" userId="fef21e47db54da50" providerId="LiveId" clId="{59F1D27B-12C5-4E4F-B737-66C907ADDA5F}" dt="2024-11-19T07:06:50.089" v="1134" actId="20577"/>
@@ -1590,30 +484,6 @@
           <pc:docMk/>
           <pc:sldMk cId="2436012039" sldId="283"/>
         </pc:sldMkLst>
-        <pc:spChg chg="mod">
-          <ac:chgData name="Shahbaz Chaudhary" userId="fef21e47db54da50" providerId="LiveId" clId="{59F1D27B-12C5-4E4F-B737-66C907ADDA5F}" dt="2024-11-19T07:04:58.906" v="895" actId="20577"/>
-          <ac:spMkLst>
-            <pc:docMk/>
-            <pc:sldMk cId="2436012039" sldId="283"/>
-            <ac:spMk id="2" creationId="{7BE552AD-EDFD-92C3-0B38-63394FF40FA0}"/>
-          </ac:spMkLst>
-        </pc:spChg>
-        <pc:spChg chg="mod">
-          <ac:chgData name="Shahbaz Chaudhary" userId="fef21e47db54da50" providerId="LiveId" clId="{59F1D27B-12C5-4E4F-B737-66C907ADDA5F}" dt="2024-11-19T07:06:50.089" v="1134" actId="20577"/>
-          <ac:spMkLst>
-            <pc:docMk/>
-            <pc:sldMk cId="2436012039" sldId="283"/>
-            <ac:spMk id="4" creationId="{41981000-39E2-14CB-5D63-2375F17D1DE7}"/>
-          </ac:spMkLst>
-        </pc:spChg>
-        <pc:picChg chg="del">
-          <ac:chgData name="Shahbaz Chaudhary" userId="fef21e47db54da50" providerId="LiveId" clId="{59F1D27B-12C5-4E4F-B737-66C907ADDA5F}" dt="2024-11-19T07:05:01.289" v="896" actId="478"/>
-          <ac:picMkLst>
-            <pc:docMk/>
-            <pc:sldMk cId="2436012039" sldId="283"/>
-            <ac:picMk id="7" creationId="{2DABC490-8888-D146-661E-A3DE7E8C9C55}"/>
-          </ac:picMkLst>
-        </pc:picChg>
       </pc:sldChg>
       <pc:sldChg chg="addSp delSp modSp add mod">
         <pc:chgData name="Shahbaz Chaudhary" userId="fef21e47db54da50" providerId="LiveId" clId="{59F1D27B-12C5-4E4F-B737-66C907ADDA5F}" dt="2024-11-19T07:21:42.548" v="1309" actId="1036"/>
@@ -1621,70 +491,6 @@
           <pc:docMk/>
           <pc:sldMk cId="2016705794" sldId="284"/>
         </pc:sldMkLst>
-        <pc:spChg chg="mod">
-          <ac:chgData name="Shahbaz Chaudhary" userId="fef21e47db54da50" providerId="LiveId" clId="{59F1D27B-12C5-4E4F-B737-66C907ADDA5F}" dt="2024-11-19T07:16:16.948" v="1174" actId="2711"/>
-          <ac:spMkLst>
-            <pc:docMk/>
-            <pc:sldMk cId="2016705794" sldId="284"/>
-            <ac:spMk id="2" creationId="{7BE552AD-EDFD-92C3-0B38-63394FF40FA0}"/>
-          </ac:spMkLst>
-        </pc:spChg>
-        <pc:spChg chg="del">
-          <ac:chgData name="Shahbaz Chaudhary" userId="fef21e47db54da50" providerId="LiveId" clId="{59F1D27B-12C5-4E4F-B737-66C907ADDA5F}" dt="2024-11-19T07:16:33.620" v="1175" actId="478"/>
-          <ac:spMkLst>
-            <pc:docMk/>
-            <pc:sldMk cId="2016705794" sldId="284"/>
-            <ac:spMk id="4" creationId="{41981000-39E2-14CB-5D63-2375F17D1DE7}"/>
-          </ac:spMkLst>
-        </pc:spChg>
-        <pc:spChg chg="add mod">
-          <ac:chgData name="Shahbaz Chaudhary" userId="fef21e47db54da50" providerId="LiveId" clId="{59F1D27B-12C5-4E4F-B737-66C907ADDA5F}" dt="2024-11-19T07:19:49.572" v="1268" actId="255"/>
-          <ac:spMkLst>
-            <pc:docMk/>
-            <pc:sldMk cId="2016705794" sldId="284"/>
-            <ac:spMk id="10" creationId="{D38AD5F9-97EF-0452-EF2D-162AFCC48E7A}"/>
-          </ac:spMkLst>
-        </pc:spChg>
-        <pc:spChg chg="add mod">
-          <ac:chgData name="Shahbaz Chaudhary" userId="fef21e47db54da50" providerId="LiveId" clId="{59F1D27B-12C5-4E4F-B737-66C907ADDA5F}" dt="2024-11-19T07:21:42.548" v="1309" actId="1036"/>
-          <ac:spMkLst>
-            <pc:docMk/>
-            <pc:sldMk cId="2016705794" sldId="284"/>
-            <ac:spMk id="14" creationId="{B3ACC70E-9BDF-9FD3-D0C5-E604D6C767C5}"/>
-          </ac:spMkLst>
-        </pc:spChg>
-        <pc:picChg chg="add mod">
-          <ac:chgData name="Shahbaz Chaudhary" userId="fef21e47db54da50" providerId="LiveId" clId="{59F1D27B-12C5-4E4F-B737-66C907ADDA5F}" dt="2024-11-19T07:18:18.118" v="1198" actId="1076"/>
-          <ac:picMkLst>
-            <pc:docMk/>
-            <pc:sldMk cId="2016705794" sldId="284"/>
-            <ac:picMk id="5" creationId="{556FEC09-1CBD-E2CE-7814-F658FE830C6E}"/>
-          </ac:picMkLst>
-        </pc:picChg>
-        <pc:picChg chg="add mod">
-          <ac:chgData name="Shahbaz Chaudhary" userId="fef21e47db54da50" providerId="LiveId" clId="{59F1D27B-12C5-4E4F-B737-66C907ADDA5F}" dt="2024-11-19T07:18:13.261" v="1197" actId="1076"/>
-          <ac:picMkLst>
-            <pc:docMk/>
-            <pc:sldMk cId="2016705794" sldId="284"/>
-            <ac:picMk id="7" creationId="{E16D7446-2668-C6E8-E180-D5CAB13513E5}"/>
-          </ac:picMkLst>
-        </pc:picChg>
-        <pc:cxnChg chg="add">
-          <ac:chgData name="Shahbaz Chaudhary" userId="fef21e47db54da50" providerId="LiveId" clId="{59F1D27B-12C5-4E4F-B737-66C907ADDA5F}" dt="2024-11-19T07:18:32.419" v="1199" actId="11529"/>
-          <ac:cxnSpMkLst>
-            <pc:docMk/>
-            <pc:sldMk cId="2016705794" sldId="284"/>
-            <ac:cxnSpMk id="9" creationId="{324C6FF2-3D9A-24CD-6671-EC1FD3B65BCD}"/>
-          </ac:cxnSpMkLst>
-        </pc:cxnChg>
-        <pc:cxnChg chg="add mod">
-          <ac:chgData name="Shahbaz Chaudhary" userId="fef21e47db54da50" providerId="LiveId" clId="{59F1D27B-12C5-4E4F-B737-66C907ADDA5F}" dt="2024-11-19T07:20:32.907" v="1275" actId="14100"/>
-          <ac:cxnSpMkLst>
-            <pc:docMk/>
-            <pc:sldMk cId="2016705794" sldId="284"/>
-            <ac:cxnSpMk id="11" creationId="{5BB8A90C-A023-0E1C-EF37-F2DBBCC620D5}"/>
-          </ac:cxnSpMkLst>
-        </pc:cxnChg>
       </pc:sldChg>
     </pc:docChg>
   </pc:docChgLst>
@@ -1773,7 +579,7 @@
           <a:p>
             <a:fld id="{DAE750E4-9074-4DF5-8B01-0BB2C4E5C301}" type="datetimeFigureOut">
               <a:rPr lang="en-US" smtClean="0"/>
-              <a:t>11/18/2024</a:t>
+              <a:t>3/26/2025</a:t>
             </a:fld>
             <a:endParaRPr lang="en-US"/>
           </a:p>
@@ -2445,7 +1251,7 @@
           <a:p>
             <a:fld id="{736637C2-0074-4FEF-AEBC-2720ADB5AC51}" type="datetimeFigureOut">
               <a:rPr lang="en-US" smtClean="0"/>
-              <a:t>11/18/2024</a:t>
+              <a:t>3/26/2025</a:t>
             </a:fld>
             <a:endParaRPr lang="en-US"/>
           </a:p>
@@ -2675,7 +1481,7 @@
           <a:p>
             <a:fld id="{736637C2-0074-4FEF-AEBC-2720ADB5AC51}" type="datetimeFigureOut">
               <a:rPr lang="en-US" smtClean="0"/>
-              <a:t>11/18/2024</a:t>
+              <a:t>3/26/2025</a:t>
             </a:fld>
             <a:endParaRPr lang="en-US"/>
           </a:p>
@@ -2915,7 +1721,7 @@
           <a:p>
             <a:fld id="{736637C2-0074-4FEF-AEBC-2720ADB5AC51}" type="datetimeFigureOut">
               <a:rPr lang="en-US" smtClean="0"/>
-              <a:t>11/18/2024</a:t>
+              <a:t>3/26/2025</a:t>
             </a:fld>
             <a:endParaRPr lang="en-US"/>
           </a:p>
@@ -3145,7 +1951,7 @@
           <a:p>
             <a:fld id="{736637C2-0074-4FEF-AEBC-2720ADB5AC51}" type="datetimeFigureOut">
               <a:rPr lang="en-US" smtClean="0"/>
-              <a:t>11/18/2024</a:t>
+              <a:t>3/26/2025</a:t>
             </a:fld>
             <a:endParaRPr lang="en-US"/>
           </a:p>
@@ -3397,7 +2203,7 @@
           <a:p>
             <a:fld id="{736637C2-0074-4FEF-AEBC-2720ADB5AC51}" type="datetimeFigureOut">
               <a:rPr lang="en-US" smtClean="0"/>
-              <a:t>11/18/2024</a:t>
+              <a:t>3/26/2025</a:t>
             </a:fld>
             <a:endParaRPr lang="en-US"/>
           </a:p>
@@ -3629,7 +2435,7 @@
           <a:p>
             <a:fld id="{736637C2-0074-4FEF-AEBC-2720ADB5AC51}" type="datetimeFigureOut">
               <a:rPr lang="en-US" smtClean="0"/>
-              <a:t>11/18/2024</a:t>
+              <a:t>3/26/2025</a:t>
             </a:fld>
             <a:endParaRPr lang="en-US"/>
           </a:p>
@@ -3996,7 +2802,7 @@
           <a:p>
             <a:fld id="{736637C2-0074-4FEF-AEBC-2720ADB5AC51}" type="datetimeFigureOut">
               <a:rPr lang="en-US" smtClean="0"/>
-              <a:t>11/18/2024</a:t>
+              <a:t>3/26/2025</a:t>
             </a:fld>
             <a:endParaRPr lang="en-US"/>
           </a:p>
@@ -4124,7 +2930,7 @@
           <a:p>
             <a:fld id="{736637C2-0074-4FEF-AEBC-2720ADB5AC51}" type="datetimeFigureOut">
               <a:rPr lang="en-US" smtClean="0"/>
-              <a:t>11/18/2024</a:t>
+              <a:t>3/26/2025</a:t>
             </a:fld>
             <a:endParaRPr lang="en-US"/>
           </a:p>
@@ -4219,7 +3025,7 @@
           <a:p>
             <a:fld id="{736637C2-0074-4FEF-AEBC-2720ADB5AC51}" type="datetimeFigureOut">
               <a:rPr lang="en-US" smtClean="0"/>
-              <a:t>11/18/2024</a:t>
+              <a:t>3/26/2025</a:t>
             </a:fld>
             <a:endParaRPr lang="en-US"/>
           </a:p>
@@ -4496,7 +3302,7 @@
           <a:p>
             <a:fld id="{736637C2-0074-4FEF-AEBC-2720ADB5AC51}" type="datetimeFigureOut">
               <a:rPr lang="en-US" smtClean="0"/>
-              <a:t>11/18/2024</a:t>
+              <a:t>3/26/2025</a:t>
             </a:fld>
             <a:endParaRPr lang="en-US"/>
           </a:p>
@@ -4753,7 +3559,7 @@
           <a:p>
             <a:fld id="{736637C2-0074-4FEF-AEBC-2720ADB5AC51}" type="datetimeFigureOut">
               <a:rPr lang="en-US" smtClean="0"/>
-              <a:t>11/18/2024</a:t>
+              <a:t>3/26/2025</a:t>
             </a:fld>
             <a:endParaRPr lang="en-US"/>
           </a:p>
@@ -4969,7 +3775,7 @@
           <a:p>
             <a:fld id="{736637C2-0074-4FEF-AEBC-2720ADB5AC51}" type="datetimeFigureOut">
               <a:rPr lang="en-US" smtClean="0"/>
-              <a:t>11/18/2024</a:t>
+              <a:t>3/26/2025</a:t>
             </a:fld>
             <a:endParaRPr lang="en-US"/>
           </a:p>
@@ -15403,7 +14209,7 @@
           </a:p>
           <a:p>
             <a:r>
-              <a:rPr lang="en-US" dirty="0">
+              <a:rPr lang="en-US">
                 <a:solidFill>
                   <a:schemeClr val="tx1">
                     <a:lumMod val="75000"/>
@@ -15411,7 +14217,18 @@
                   </a:schemeClr>
                 </a:solidFill>
               </a:rPr>
-              <a:t>Linux Torvalds actually created </a:t>
+              <a:t>Linus </a:t>
+            </a:r>
+            <a:r>
+              <a:rPr lang="en-US" dirty="0">
+                <a:solidFill>
+                  <a:schemeClr val="tx1">
+                    <a:lumMod val="75000"/>
+                    <a:lumOff val="25000"/>
+                  </a:schemeClr>
+                </a:solidFill>
+              </a:rPr>
+              <a:t>Torvalds actually created </a:t>
             </a:r>
             <a:r>
               <a:rPr lang="en-US" i="1" dirty="0">
